--- a/presentation.pptx
+++ b/presentation.pptx
@@ -6,20 +6,19 @@
   </p:sldMasterIdLst>
   <p:sldIdLst>
     <p:sldId id="256" r:id="rId2"/>
-    <p:sldId id="257" r:id="rId3"/>
-    <p:sldId id="258" r:id="rId4"/>
-    <p:sldId id="259" r:id="rId5"/>
-    <p:sldId id="268" r:id="rId6"/>
-    <p:sldId id="260" r:id="rId7"/>
-    <p:sldId id="261" r:id="rId8"/>
-    <p:sldId id="269" r:id="rId9"/>
-    <p:sldId id="270" r:id="rId10"/>
-    <p:sldId id="262" r:id="rId11"/>
-    <p:sldId id="263" r:id="rId12"/>
+    <p:sldId id="272" r:id="rId3"/>
+    <p:sldId id="257" r:id="rId4"/>
+    <p:sldId id="258" r:id="rId5"/>
+    <p:sldId id="259" r:id="rId6"/>
+    <p:sldId id="268" r:id="rId7"/>
+    <p:sldId id="260" r:id="rId8"/>
+    <p:sldId id="261" r:id="rId9"/>
+    <p:sldId id="269" r:id="rId10"/>
+    <p:sldId id="270" r:id="rId11"/>
+    <p:sldId id="262" r:id="rId12"/>
     <p:sldId id="264" r:id="rId13"/>
     <p:sldId id="265" r:id="rId14"/>
-    <p:sldId id="266" r:id="rId15"/>
-    <p:sldId id="267" r:id="rId16"/>
+    <p:sldId id="267" r:id="rId15"/>
   </p:sldIdLst>
   <p:sldSz cx="12192000" cy="6858000"/>
   <p:notesSz cx="6858000" cy="9144000"/>
@@ -118,7 +117,2388 @@
       </a:defRPr>
     </a:lvl9pPr>
   </p:defaultTextStyle>
+  <p:extLst>
+    <p:ext uri="{EFAFB233-063F-42B5-8137-9DF3F51BA10A}">
+      <p15:sldGuideLst xmlns:p15="http://schemas.microsoft.com/office/powerpoint/2012/main"/>
+    </p:ext>
+  </p:extLst>
 </p:presentation>
+</file>
+
+<file path=ppt/diagrams/colors1.xml><?xml version="1.0" encoding="utf-8"?>
+<dgm:colorsDef xmlns:dgm="http://schemas.openxmlformats.org/drawingml/2006/diagram" xmlns:a="http://schemas.openxmlformats.org/drawingml/2006/main" uniqueId="urn:microsoft.com/office/officeart/2005/8/colors/accent1_2">
+  <dgm:title val=""/>
+  <dgm:desc val=""/>
+  <dgm:catLst>
+    <dgm:cat type="accent1" pri="11200"/>
+  </dgm:catLst>
+  <dgm:styleLbl name="node0">
+    <dgm:fillClrLst meth="repeat">
+      <a:schemeClr val="accent1"/>
+    </dgm:fillClrLst>
+    <dgm:linClrLst meth="repeat">
+      <a:schemeClr val="lt1"/>
+    </dgm:linClrLst>
+    <dgm:effectClrLst/>
+    <dgm:txLinClrLst/>
+    <dgm:txFillClrLst/>
+    <dgm:txEffectClrLst/>
+  </dgm:styleLbl>
+  <dgm:styleLbl name="alignNode1">
+    <dgm:fillClrLst meth="repeat">
+      <a:schemeClr val="accent1"/>
+    </dgm:fillClrLst>
+    <dgm:linClrLst meth="repeat">
+      <a:schemeClr val="accent1"/>
+    </dgm:linClrLst>
+    <dgm:effectClrLst/>
+    <dgm:txLinClrLst/>
+    <dgm:txFillClrLst/>
+    <dgm:txEffectClrLst/>
+  </dgm:styleLbl>
+  <dgm:styleLbl name="node1">
+    <dgm:fillClrLst meth="repeat">
+      <a:schemeClr val="accent1"/>
+    </dgm:fillClrLst>
+    <dgm:linClrLst meth="repeat">
+      <a:schemeClr val="lt1"/>
+    </dgm:linClrLst>
+    <dgm:effectClrLst/>
+    <dgm:txLinClrLst/>
+    <dgm:txFillClrLst/>
+    <dgm:txEffectClrLst/>
+  </dgm:styleLbl>
+  <dgm:styleLbl name="lnNode1">
+    <dgm:fillClrLst meth="repeat">
+      <a:schemeClr val="accent1"/>
+    </dgm:fillClrLst>
+    <dgm:linClrLst meth="repeat">
+      <a:schemeClr val="lt1"/>
+    </dgm:linClrLst>
+    <dgm:effectClrLst/>
+    <dgm:txLinClrLst/>
+    <dgm:txFillClrLst/>
+    <dgm:txEffectClrLst/>
+  </dgm:styleLbl>
+  <dgm:styleLbl name="vennNode1">
+    <dgm:fillClrLst meth="repeat">
+      <a:schemeClr val="accent1">
+        <a:alpha val="50000"/>
+      </a:schemeClr>
+    </dgm:fillClrLst>
+    <dgm:linClrLst meth="repeat">
+      <a:schemeClr val="lt1"/>
+    </dgm:linClrLst>
+    <dgm:effectClrLst/>
+    <dgm:txLinClrLst/>
+    <dgm:txFillClrLst/>
+    <dgm:txEffectClrLst/>
+  </dgm:styleLbl>
+  <dgm:styleLbl name="node2">
+    <dgm:fillClrLst meth="repeat">
+      <a:schemeClr val="accent1"/>
+    </dgm:fillClrLst>
+    <dgm:linClrLst meth="repeat">
+      <a:schemeClr val="lt1"/>
+    </dgm:linClrLst>
+    <dgm:effectClrLst/>
+    <dgm:txLinClrLst/>
+    <dgm:txFillClrLst/>
+    <dgm:txEffectClrLst/>
+  </dgm:styleLbl>
+  <dgm:styleLbl name="node3">
+    <dgm:fillClrLst meth="repeat">
+      <a:schemeClr val="accent1"/>
+    </dgm:fillClrLst>
+    <dgm:linClrLst meth="repeat">
+      <a:schemeClr val="lt1"/>
+    </dgm:linClrLst>
+    <dgm:effectClrLst/>
+    <dgm:txLinClrLst/>
+    <dgm:txFillClrLst/>
+    <dgm:txEffectClrLst/>
+  </dgm:styleLbl>
+  <dgm:styleLbl name="node4">
+    <dgm:fillClrLst meth="repeat">
+      <a:schemeClr val="accent1"/>
+    </dgm:fillClrLst>
+    <dgm:linClrLst meth="repeat">
+      <a:schemeClr val="lt1"/>
+    </dgm:linClrLst>
+    <dgm:effectClrLst/>
+    <dgm:txLinClrLst/>
+    <dgm:txFillClrLst/>
+    <dgm:txEffectClrLst/>
+  </dgm:styleLbl>
+  <dgm:styleLbl name="fgImgPlace1">
+    <dgm:fillClrLst meth="repeat">
+      <a:schemeClr val="accent1">
+        <a:tint val="50000"/>
+      </a:schemeClr>
+    </dgm:fillClrLst>
+    <dgm:linClrLst meth="repeat">
+      <a:schemeClr val="lt1"/>
+    </dgm:linClrLst>
+    <dgm:effectClrLst/>
+    <dgm:txLinClrLst/>
+    <dgm:txFillClrLst meth="repeat">
+      <a:schemeClr val="lt1"/>
+    </dgm:txFillClrLst>
+    <dgm:txEffectClrLst/>
+  </dgm:styleLbl>
+  <dgm:styleLbl name="alignImgPlace1">
+    <dgm:fillClrLst meth="repeat">
+      <a:schemeClr val="accent1">
+        <a:tint val="50000"/>
+      </a:schemeClr>
+    </dgm:fillClrLst>
+    <dgm:linClrLst meth="repeat">
+      <a:schemeClr val="lt1"/>
+    </dgm:linClrLst>
+    <dgm:effectClrLst/>
+    <dgm:txLinClrLst/>
+    <dgm:txFillClrLst meth="repeat">
+      <a:schemeClr val="lt1"/>
+    </dgm:txFillClrLst>
+    <dgm:txEffectClrLst/>
+  </dgm:styleLbl>
+  <dgm:styleLbl name="bgImgPlace1">
+    <dgm:fillClrLst meth="repeat">
+      <a:schemeClr val="accent1">
+        <a:tint val="50000"/>
+      </a:schemeClr>
+    </dgm:fillClrLst>
+    <dgm:linClrLst meth="repeat">
+      <a:schemeClr val="lt1"/>
+    </dgm:linClrLst>
+    <dgm:effectClrLst/>
+    <dgm:txLinClrLst/>
+    <dgm:txFillClrLst meth="repeat">
+      <a:schemeClr val="lt1"/>
+    </dgm:txFillClrLst>
+    <dgm:txEffectClrLst/>
+  </dgm:styleLbl>
+  <dgm:styleLbl name="sibTrans2D1">
+    <dgm:fillClrLst meth="repeat">
+      <a:schemeClr val="accent1">
+        <a:tint val="60000"/>
+      </a:schemeClr>
+    </dgm:fillClrLst>
+    <dgm:linClrLst meth="repeat">
+      <a:schemeClr val="accent1">
+        <a:tint val="60000"/>
+      </a:schemeClr>
+    </dgm:linClrLst>
+    <dgm:effectClrLst/>
+    <dgm:txLinClrLst/>
+    <dgm:txFillClrLst/>
+    <dgm:txEffectClrLst/>
+  </dgm:styleLbl>
+  <dgm:styleLbl name="fgSibTrans2D1">
+    <dgm:fillClrLst meth="repeat">
+      <a:schemeClr val="accent1">
+        <a:tint val="60000"/>
+      </a:schemeClr>
+    </dgm:fillClrLst>
+    <dgm:linClrLst meth="repeat">
+      <a:schemeClr val="accent1">
+        <a:tint val="60000"/>
+      </a:schemeClr>
+    </dgm:linClrLst>
+    <dgm:effectClrLst/>
+    <dgm:txLinClrLst/>
+    <dgm:txFillClrLst/>
+    <dgm:txEffectClrLst/>
+  </dgm:styleLbl>
+  <dgm:styleLbl name="bgSibTrans2D1">
+    <dgm:fillClrLst meth="repeat">
+      <a:schemeClr val="accent1">
+        <a:tint val="60000"/>
+      </a:schemeClr>
+    </dgm:fillClrLst>
+    <dgm:linClrLst meth="repeat">
+      <a:schemeClr val="accent1">
+        <a:tint val="60000"/>
+      </a:schemeClr>
+    </dgm:linClrLst>
+    <dgm:effectClrLst/>
+    <dgm:txLinClrLst/>
+    <dgm:txFillClrLst/>
+    <dgm:txEffectClrLst/>
+  </dgm:styleLbl>
+  <dgm:styleLbl name="sibTrans1D1">
+    <dgm:fillClrLst meth="repeat">
+      <a:schemeClr val="accent1"/>
+    </dgm:fillClrLst>
+    <dgm:linClrLst meth="repeat">
+      <a:schemeClr val="accent1"/>
+    </dgm:linClrLst>
+    <dgm:effectClrLst/>
+    <dgm:txLinClrLst/>
+    <dgm:txFillClrLst meth="repeat">
+      <a:schemeClr val="tx1"/>
+    </dgm:txFillClrLst>
+    <dgm:txEffectClrLst/>
+  </dgm:styleLbl>
+  <dgm:styleLbl name="callout">
+    <dgm:fillClrLst meth="repeat">
+      <a:schemeClr val="accent1"/>
+    </dgm:fillClrLst>
+    <dgm:linClrLst meth="repeat">
+      <a:schemeClr val="accent1">
+        <a:tint val="50000"/>
+      </a:schemeClr>
+    </dgm:linClrLst>
+    <dgm:effectClrLst/>
+    <dgm:txLinClrLst/>
+    <dgm:txFillClrLst meth="repeat">
+      <a:schemeClr val="tx1"/>
+    </dgm:txFillClrLst>
+    <dgm:txEffectClrLst/>
+  </dgm:styleLbl>
+  <dgm:styleLbl name="asst0">
+    <dgm:fillClrLst meth="repeat">
+      <a:schemeClr val="accent1"/>
+    </dgm:fillClrLst>
+    <dgm:linClrLst meth="repeat">
+      <a:schemeClr val="lt1"/>
+    </dgm:linClrLst>
+    <dgm:effectClrLst/>
+    <dgm:txLinClrLst/>
+    <dgm:txFillClrLst/>
+    <dgm:txEffectClrLst/>
+  </dgm:styleLbl>
+  <dgm:styleLbl name="asst1">
+    <dgm:fillClrLst meth="repeat">
+      <a:schemeClr val="accent1"/>
+    </dgm:fillClrLst>
+    <dgm:linClrLst meth="repeat">
+      <a:schemeClr val="lt1"/>
+    </dgm:linClrLst>
+    <dgm:effectClrLst/>
+    <dgm:txLinClrLst/>
+    <dgm:txFillClrLst/>
+    <dgm:txEffectClrLst/>
+  </dgm:styleLbl>
+  <dgm:styleLbl name="asst2">
+    <dgm:fillClrLst meth="repeat">
+      <a:schemeClr val="accent1"/>
+    </dgm:fillClrLst>
+    <dgm:linClrLst meth="repeat">
+      <a:schemeClr val="lt1"/>
+    </dgm:linClrLst>
+    <dgm:effectClrLst/>
+    <dgm:txLinClrLst/>
+    <dgm:txFillClrLst/>
+    <dgm:txEffectClrLst/>
+  </dgm:styleLbl>
+  <dgm:styleLbl name="asst3">
+    <dgm:fillClrLst meth="repeat">
+      <a:schemeClr val="accent1"/>
+    </dgm:fillClrLst>
+    <dgm:linClrLst meth="repeat">
+      <a:schemeClr val="lt1"/>
+    </dgm:linClrLst>
+    <dgm:effectClrLst/>
+    <dgm:txLinClrLst/>
+    <dgm:txFillClrLst/>
+    <dgm:txEffectClrLst/>
+  </dgm:styleLbl>
+  <dgm:styleLbl name="asst4">
+    <dgm:fillClrLst meth="repeat">
+      <a:schemeClr val="accent1"/>
+    </dgm:fillClrLst>
+    <dgm:linClrLst meth="repeat">
+      <a:schemeClr val="lt1"/>
+    </dgm:linClrLst>
+    <dgm:effectClrLst/>
+    <dgm:txLinClrLst/>
+    <dgm:txFillClrLst/>
+    <dgm:txEffectClrLst/>
+  </dgm:styleLbl>
+  <dgm:styleLbl name="parChTrans2D1">
+    <dgm:fillClrLst meth="repeat">
+      <a:schemeClr val="accent1">
+        <a:tint val="60000"/>
+      </a:schemeClr>
+    </dgm:fillClrLst>
+    <dgm:linClrLst meth="repeat">
+      <a:schemeClr val="accent1">
+        <a:tint val="60000"/>
+      </a:schemeClr>
+    </dgm:linClrLst>
+    <dgm:effectClrLst/>
+    <dgm:txLinClrLst/>
+    <dgm:txFillClrLst meth="repeat">
+      <a:schemeClr val="lt1"/>
+    </dgm:txFillClrLst>
+    <dgm:txEffectClrLst/>
+  </dgm:styleLbl>
+  <dgm:styleLbl name="parChTrans2D2">
+    <dgm:fillClrLst meth="repeat">
+      <a:schemeClr val="accent1"/>
+    </dgm:fillClrLst>
+    <dgm:linClrLst meth="repeat">
+      <a:schemeClr val="accent1"/>
+    </dgm:linClrLst>
+    <dgm:effectClrLst/>
+    <dgm:txLinClrLst/>
+    <dgm:txFillClrLst meth="repeat">
+      <a:schemeClr val="lt1"/>
+    </dgm:txFillClrLst>
+    <dgm:txEffectClrLst/>
+  </dgm:styleLbl>
+  <dgm:styleLbl name="parChTrans2D3">
+    <dgm:fillClrLst meth="repeat">
+      <a:schemeClr val="accent1"/>
+    </dgm:fillClrLst>
+    <dgm:linClrLst meth="repeat">
+      <a:schemeClr val="accent1"/>
+    </dgm:linClrLst>
+    <dgm:effectClrLst/>
+    <dgm:txLinClrLst/>
+    <dgm:txFillClrLst meth="repeat">
+      <a:schemeClr val="lt1"/>
+    </dgm:txFillClrLst>
+    <dgm:txEffectClrLst/>
+  </dgm:styleLbl>
+  <dgm:styleLbl name="parChTrans2D4">
+    <dgm:fillClrLst meth="repeat">
+      <a:schemeClr val="accent1"/>
+    </dgm:fillClrLst>
+    <dgm:linClrLst meth="repeat">
+      <a:schemeClr val="accent1"/>
+    </dgm:linClrLst>
+    <dgm:effectClrLst/>
+    <dgm:txLinClrLst/>
+    <dgm:txFillClrLst meth="repeat">
+      <a:schemeClr val="lt1"/>
+    </dgm:txFillClrLst>
+    <dgm:txEffectClrLst/>
+  </dgm:styleLbl>
+  <dgm:styleLbl name="parChTrans1D1">
+    <dgm:fillClrLst meth="repeat">
+      <a:schemeClr val="accent1"/>
+    </dgm:fillClrLst>
+    <dgm:linClrLst meth="repeat">
+      <a:schemeClr val="accent1">
+        <a:shade val="60000"/>
+      </a:schemeClr>
+    </dgm:linClrLst>
+    <dgm:effectClrLst/>
+    <dgm:txLinClrLst/>
+    <dgm:txFillClrLst meth="repeat">
+      <a:schemeClr val="tx1"/>
+    </dgm:txFillClrLst>
+    <dgm:txEffectClrLst/>
+  </dgm:styleLbl>
+  <dgm:styleLbl name="parChTrans1D2">
+    <dgm:fillClrLst meth="repeat">
+      <a:schemeClr val="accent1"/>
+    </dgm:fillClrLst>
+    <dgm:linClrLst meth="repeat">
+      <a:schemeClr val="accent1">
+        <a:shade val="60000"/>
+      </a:schemeClr>
+    </dgm:linClrLst>
+    <dgm:effectClrLst/>
+    <dgm:txLinClrLst/>
+    <dgm:txFillClrLst meth="repeat">
+      <a:schemeClr val="tx1"/>
+    </dgm:txFillClrLst>
+    <dgm:txEffectClrLst/>
+  </dgm:styleLbl>
+  <dgm:styleLbl name="parChTrans1D3">
+    <dgm:fillClrLst meth="repeat">
+      <a:schemeClr val="accent1"/>
+    </dgm:fillClrLst>
+    <dgm:linClrLst meth="repeat">
+      <a:schemeClr val="accent1">
+        <a:shade val="80000"/>
+      </a:schemeClr>
+    </dgm:linClrLst>
+    <dgm:effectClrLst/>
+    <dgm:txLinClrLst/>
+    <dgm:txFillClrLst meth="repeat">
+      <a:schemeClr val="tx1"/>
+    </dgm:txFillClrLst>
+    <dgm:txEffectClrLst/>
+  </dgm:styleLbl>
+  <dgm:styleLbl name="parChTrans1D4">
+    <dgm:fillClrLst meth="repeat">
+      <a:schemeClr val="accent1"/>
+    </dgm:fillClrLst>
+    <dgm:linClrLst meth="repeat">
+      <a:schemeClr val="accent1">
+        <a:shade val="80000"/>
+      </a:schemeClr>
+    </dgm:linClrLst>
+    <dgm:effectClrLst/>
+    <dgm:txLinClrLst/>
+    <dgm:txFillClrLst meth="repeat">
+      <a:schemeClr val="tx1"/>
+    </dgm:txFillClrLst>
+    <dgm:txEffectClrLst/>
+  </dgm:styleLbl>
+  <dgm:styleLbl name="fgAcc1">
+    <dgm:fillClrLst meth="repeat">
+      <a:schemeClr val="lt1">
+        <a:alpha val="90000"/>
+      </a:schemeClr>
+    </dgm:fillClrLst>
+    <dgm:linClrLst meth="repeat">
+      <a:schemeClr val="accent1"/>
+    </dgm:linClrLst>
+    <dgm:effectClrLst/>
+    <dgm:txLinClrLst/>
+    <dgm:txFillClrLst meth="repeat">
+      <a:schemeClr val="dk1"/>
+    </dgm:txFillClrLst>
+    <dgm:txEffectClrLst/>
+  </dgm:styleLbl>
+  <dgm:styleLbl name="conFgAcc1">
+    <dgm:fillClrLst meth="repeat">
+      <a:schemeClr val="lt1">
+        <a:alpha val="90000"/>
+      </a:schemeClr>
+    </dgm:fillClrLst>
+    <dgm:linClrLst meth="repeat">
+      <a:schemeClr val="accent1"/>
+    </dgm:linClrLst>
+    <dgm:effectClrLst/>
+    <dgm:txLinClrLst/>
+    <dgm:txFillClrLst meth="repeat">
+      <a:schemeClr val="dk1"/>
+    </dgm:txFillClrLst>
+    <dgm:txEffectClrLst/>
+  </dgm:styleLbl>
+  <dgm:styleLbl name="alignAcc1">
+    <dgm:fillClrLst meth="repeat">
+      <a:schemeClr val="lt1">
+        <a:alpha val="90000"/>
+      </a:schemeClr>
+    </dgm:fillClrLst>
+    <dgm:linClrLst meth="repeat">
+      <a:schemeClr val="accent1"/>
+    </dgm:linClrLst>
+    <dgm:effectClrLst/>
+    <dgm:txLinClrLst/>
+    <dgm:txFillClrLst meth="repeat">
+      <a:schemeClr val="dk1"/>
+    </dgm:txFillClrLst>
+    <dgm:txEffectClrLst/>
+  </dgm:styleLbl>
+  <dgm:styleLbl name="trAlignAcc1">
+    <dgm:fillClrLst meth="repeat">
+      <a:schemeClr val="lt1">
+        <a:alpha val="40000"/>
+      </a:schemeClr>
+    </dgm:fillClrLst>
+    <dgm:linClrLst meth="repeat">
+      <a:schemeClr val="accent1"/>
+    </dgm:linClrLst>
+    <dgm:effectClrLst/>
+    <dgm:txLinClrLst/>
+    <dgm:txFillClrLst meth="repeat">
+      <a:schemeClr val="dk1"/>
+    </dgm:txFillClrLst>
+    <dgm:txEffectClrLst/>
+  </dgm:styleLbl>
+  <dgm:styleLbl name="bgAcc1">
+    <dgm:fillClrLst meth="repeat">
+      <a:schemeClr val="lt1">
+        <a:alpha val="90000"/>
+      </a:schemeClr>
+    </dgm:fillClrLst>
+    <dgm:linClrLst meth="repeat">
+      <a:schemeClr val="accent1"/>
+    </dgm:linClrLst>
+    <dgm:effectClrLst/>
+    <dgm:txLinClrLst/>
+    <dgm:txFillClrLst meth="repeat">
+      <a:schemeClr val="dk1"/>
+    </dgm:txFillClrLst>
+    <dgm:txEffectClrLst/>
+  </dgm:styleLbl>
+  <dgm:styleLbl name="solidFgAcc1">
+    <dgm:fillClrLst meth="repeat">
+      <a:schemeClr val="lt1"/>
+    </dgm:fillClrLst>
+    <dgm:linClrLst meth="repeat">
+      <a:schemeClr val="accent1"/>
+    </dgm:linClrLst>
+    <dgm:effectClrLst/>
+    <dgm:txLinClrLst/>
+    <dgm:txFillClrLst meth="repeat">
+      <a:schemeClr val="dk1"/>
+    </dgm:txFillClrLst>
+    <dgm:txEffectClrLst/>
+  </dgm:styleLbl>
+  <dgm:styleLbl name="solidAlignAcc1">
+    <dgm:fillClrLst meth="repeat">
+      <a:schemeClr val="lt1"/>
+    </dgm:fillClrLst>
+    <dgm:linClrLst meth="repeat">
+      <a:schemeClr val="accent1"/>
+    </dgm:linClrLst>
+    <dgm:effectClrLst/>
+    <dgm:txLinClrLst/>
+    <dgm:txFillClrLst meth="repeat">
+      <a:schemeClr val="dk1"/>
+    </dgm:txFillClrLst>
+    <dgm:txEffectClrLst/>
+  </dgm:styleLbl>
+  <dgm:styleLbl name="solidBgAcc1">
+    <dgm:fillClrLst meth="repeat">
+      <a:schemeClr val="lt1"/>
+    </dgm:fillClrLst>
+    <dgm:linClrLst meth="repeat">
+      <a:schemeClr val="accent1"/>
+    </dgm:linClrLst>
+    <dgm:effectClrLst/>
+    <dgm:txLinClrLst/>
+    <dgm:txFillClrLst meth="repeat">
+      <a:schemeClr val="dk1"/>
+    </dgm:txFillClrLst>
+    <dgm:txEffectClrLst/>
+  </dgm:styleLbl>
+  <dgm:styleLbl name="fgAccFollowNode1">
+    <dgm:fillClrLst meth="repeat">
+      <a:schemeClr val="accent1">
+        <a:alpha val="90000"/>
+        <a:tint val="40000"/>
+      </a:schemeClr>
+    </dgm:fillClrLst>
+    <dgm:linClrLst meth="repeat">
+      <a:schemeClr val="accent1">
+        <a:alpha val="90000"/>
+        <a:tint val="40000"/>
+      </a:schemeClr>
+    </dgm:linClrLst>
+    <dgm:effectClrLst/>
+    <dgm:txLinClrLst/>
+    <dgm:txFillClrLst meth="repeat">
+      <a:schemeClr val="dk1"/>
+    </dgm:txFillClrLst>
+    <dgm:txEffectClrLst/>
+  </dgm:styleLbl>
+  <dgm:styleLbl name="alignAccFollowNode1">
+    <dgm:fillClrLst meth="repeat">
+      <a:schemeClr val="accent1">
+        <a:alpha val="90000"/>
+        <a:tint val="40000"/>
+      </a:schemeClr>
+    </dgm:fillClrLst>
+    <dgm:linClrLst meth="repeat">
+      <a:schemeClr val="accent1">
+        <a:alpha val="90000"/>
+        <a:tint val="40000"/>
+      </a:schemeClr>
+    </dgm:linClrLst>
+    <dgm:effectClrLst/>
+    <dgm:txLinClrLst/>
+    <dgm:txFillClrLst meth="repeat">
+      <a:schemeClr val="dk1"/>
+    </dgm:txFillClrLst>
+    <dgm:txEffectClrLst/>
+  </dgm:styleLbl>
+  <dgm:styleLbl name="bgAccFollowNode1">
+    <dgm:fillClrLst meth="repeat">
+      <a:schemeClr val="accent1">
+        <a:alpha val="90000"/>
+        <a:tint val="40000"/>
+      </a:schemeClr>
+    </dgm:fillClrLst>
+    <dgm:linClrLst meth="repeat">
+      <a:schemeClr val="accent1">
+        <a:alpha val="90000"/>
+        <a:tint val="40000"/>
+      </a:schemeClr>
+    </dgm:linClrLst>
+    <dgm:effectClrLst/>
+    <dgm:txLinClrLst/>
+    <dgm:txFillClrLst meth="repeat">
+      <a:schemeClr val="dk1"/>
+    </dgm:txFillClrLst>
+    <dgm:txEffectClrLst/>
+  </dgm:styleLbl>
+  <dgm:styleLbl name="fgAcc0">
+    <dgm:fillClrLst meth="repeat">
+      <a:schemeClr val="lt1">
+        <a:alpha val="90000"/>
+      </a:schemeClr>
+    </dgm:fillClrLst>
+    <dgm:linClrLst meth="repeat">
+      <a:schemeClr val="accent1"/>
+    </dgm:linClrLst>
+    <dgm:effectClrLst/>
+    <dgm:txLinClrLst/>
+    <dgm:txFillClrLst meth="repeat">
+      <a:schemeClr val="dk1"/>
+    </dgm:txFillClrLst>
+    <dgm:txEffectClrLst/>
+  </dgm:styleLbl>
+  <dgm:styleLbl name="fgAcc2">
+    <dgm:fillClrLst meth="repeat">
+      <a:schemeClr val="lt1">
+        <a:alpha val="90000"/>
+      </a:schemeClr>
+    </dgm:fillClrLst>
+    <dgm:linClrLst meth="repeat">
+      <a:schemeClr val="accent1"/>
+    </dgm:linClrLst>
+    <dgm:effectClrLst/>
+    <dgm:txLinClrLst/>
+    <dgm:txFillClrLst meth="repeat">
+      <a:schemeClr val="dk1"/>
+    </dgm:txFillClrLst>
+    <dgm:txEffectClrLst/>
+  </dgm:styleLbl>
+  <dgm:styleLbl name="fgAcc3">
+    <dgm:fillClrLst meth="repeat">
+      <a:schemeClr val="lt1">
+        <a:alpha val="90000"/>
+      </a:schemeClr>
+    </dgm:fillClrLst>
+    <dgm:linClrLst meth="repeat">
+      <a:schemeClr val="accent1"/>
+    </dgm:linClrLst>
+    <dgm:effectClrLst/>
+    <dgm:txLinClrLst/>
+    <dgm:txFillClrLst meth="repeat">
+      <a:schemeClr val="dk1"/>
+    </dgm:txFillClrLst>
+    <dgm:txEffectClrLst/>
+  </dgm:styleLbl>
+  <dgm:styleLbl name="fgAcc4">
+    <dgm:fillClrLst meth="repeat">
+      <a:schemeClr val="lt1">
+        <a:alpha val="90000"/>
+      </a:schemeClr>
+    </dgm:fillClrLst>
+    <dgm:linClrLst meth="repeat">
+      <a:schemeClr val="accent1"/>
+    </dgm:linClrLst>
+    <dgm:effectClrLst/>
+    <dgm:txLinClrLst/>
+    <dgm:txFillClrLst meth="repeat">
+      <a:schemeClr val="dk1"/>
+    </dgm:txFillClrLst>
+    <dgm:txEffectClrLst/>
+  </dgm:styleLbl>
+  <dgm:styleLbl name="bgShp">
+    <dgm:fillClrLst meth="repeat">
+      <a:schemeClr val="accent1">
+        <a:tint val="40000"/>
+      </a:schemeClr>
+    </dgm:fillClrLst>
+    <dgm:linClrLst meth="repeat">
+      <a:schemeClr val="accent1"/>
+    </dgm:linClrLst>
+    <dgm:effectClrLst/>
+    <dgm:txLinClrLst/>
+    <dgm:txFillClrLst meth="repeat">
+      <a:schemeClr val="dk1"/>
+    </dgm:txFillClrLst>
+    <dgm:txEffectClrLst/>
+  </dgm:styleLbl>
+  <dgm:styleLbl name="dkBgShp">
+    <dgm:fillClrLst meth="repeat">
+      <a:schemeClr val="accent1">
+        <a:shade val="80000"/>
+      </a:schemeClr>
+    </dgm:fillClrLst>
+    <dgm:linClrLst meth="repeat">
+      <a:schemeClr val="accent1"/>
+    </dgm:linClrLst>
+    <dgm:effectClrLst/>
+    <dgm:txLinClrLst/>
+    <dgm:txFillClrLst meth="repeat">
+      <a:schemeClr val="lt1"/>
+    </dgm:txFillClrLst>
+    <dgm:txEffectClrLst/>
+  </dgm:styleLbl>
+  <dgm:styleLbl name="trBgShp">
+    <dgm:fillClrLst meth="repeat">
+      <a:schemeClr val="accent1">
+        <a:tint val="50000"/>
+        <a:alpha val="40000"/>
+      </a:schemeClr>
+    </dgm:fillClrLst>
+    <dgm:linClrLst meth="repeat">
+      <a:schemeClr val="accent1"/>
+    </dgm:linClrLst>
+    <dgm:effectClrLst/>
+    <dgm:txLinClrLst/>
+    <dgm:txFillClrLst meth="repeat">
+      <a:schemeClr val="lt1"/>
+    </dgm:txFillClrLst>
+    <dgm:txEffectClrLst/>
+  </dgm:styleLbl>
+  <dgm:styleLbl name="fgShp">
+    <dgm:fillClrLst meth="repeat">
+      <a:schemeClr val="accent1">
+        <a:tint val="60000"/>
+      </a:schemeClr>
+    </dgm:fillClrLst>
+    <dgm:linClrLst meth="repeat">
+      <a:schemeClr val="lt1"/>
+    </dgm:linClrLst>
+    <dgm:effectClrLst/>
+    <dgm:txLinClrLst/>
+    <dgm:txFillClrLst meth="repeat">
+      <a:schemeClr val="dk1"/>
+    </dgm:txFillClrLst>
+    <dgm:txEffectClrLst/>
+  </dgm:styleLbl>
+  <dgm:styleLbl name="revTx">
+    <dgm:fillClrLst meth="repeat">
+      <a:schemeClr val="lt1">
+        <a:alpha val="0"/>
+      </a:schemeClr>
+    </dgm:fillClrLst>
+    <dgm:linClrLst meth="repeat">
+      <a:schemeClr val="dk1">
+        <a:alpha val="0"/>
+      </a:schemeClr>
+    </dgm:linClrLst>
+    <dgm:effectClrLst/>
+    <dgm:txLinClrLst/>
+    <dgm:txFillClrLst meth="repeat">
+      <a:schemeClr val="tx1"/>
+    </dgm:txFillClrLst>
+    <dgm:txEffectClrLst/>
+  </dgm:styleLbl>
+</dgm:colorsDef>
+</file>
+
+<file path=ppt/diagrams/data1.xml><?xml version="1.0" encoding="utf-8"?>
+<dgm:dataModel xmlns:dgm="http://schemas.openxmlformats.org/drawingml/2006/diagram" xmlns:a="http://schemas.openxmlformats.org/drawingml/2006/main">
+  <dgm:ptLst>
+    <dgm:pt modelId="{34AABC09-4B5D-4E98-AE89-99F9D6BA3FDE}" type="doc">
+      <dgm:prSet loTypeId="urn:microsoft.com/office/officeart/2005/8/layout/default" loCatId="list" qsTypeId="urn:microsoft.com/office/officeart/2005/8/quickstyle/simple1" qsCatId="simple" csTypeId="urn:microsoft.com/office/officeart/2005/8/colors/accent1_2" csCatId="accent1" phldr="1"/>
+      <dgm:spPr/>
+      <dgm:t>
+        <a:bodyPr/>
+        <a:lstStyle/>
+        <a:p>
+          <a:endParaRPr lang="en-US"/>
+        </a:p>
+      </dgm:t>
+    </dgm:pt>
+    <dgm:pt modelId="{873863D6-502C-46A4-8E04-8F15E9948734}">
+      <dgm:prSet/>
+      <dgm:spPr/>
+      <dgm:t>
+        <a:bodyPr/>
+        <a:lstStyle/>
+        <a:p>
+          <a:endParaRPr lang="en-US" dirty="0"/>
+        </a:p>
+      </dgm:t>
+    </dgm:pt>
+    <dgm:pt modelId="{2451613E-932F-48EA-8FF5-84EE871B1FCB}" type="parTrans" cxnId="{F3A8EBCE-11A3-4CB6-AF28-1722FF375558}">
+      <dgm:prSet/>
+      <dgm:spPr/>
+      <dgm:t>
+        <a:bodyPr/>
+        <a:lstStyle/>
+        <a:p>
+          <a:endParaRPr lang="en-US"/>
+        </a:p>
+      </dgm:t>
+    </dgm:pt>
+    <dgm:pt modelId="{71EA4DAB-D9B0-4404-B80E-DC755847293D}" type="sibTrans" cxnId="{F3A8EBCE-11A3-4CB6-AF28-1722FF375558}">
+      <dgm:prSet/>
+      <dgm:spPr/>
+      <dgm:t>
+        <a:bodyPr/>
+        <a:lstStyle/>
+        <a:p>
+          <a:endParaRPr lang="en-US"/>
+        </a:p>
+      </dgm:t>
+    </dgm:pt>
+    <dgm:pt modelId="{050E72C2-57B9-4FE4-9528-0B7359D95512}">
+      <dgm:prSet/>
+      <dgm:spPr/>
+      <dgm:t>
+        <a:bodyPr/>
+        <a:lstStyle/>
+        <a:p>
+          <a:r>
+            <a:rPr lang="en-US" dirty="0"/>
+            <a:t>Average fuel cost has decreased in recent years due to increased efficiency in vehicles. In this case we will be looking at miles per gallon (mpg).</a:t>
+          </a:r>
+        </a:p>
+      </dgm:t>
+    </dgm:pt>
+    <dgm:pt modelId="{2E4AA3AA-DCDB-40CE-B1D7-3CEC971B876C}" type="parTrans" cxnId="{52910A99-60EC-4164-85C7-047A5544DF84}">
+      <dgm:prSet/>
+      <dgm:spPr/>
+      <dgm:t>
+        <a:bodyPr/>
+        <a:lstStyle/>
+        <a:p>
+          <a:endParaRPr lang="en-US"/>
+        </a:p>
+      </dgm:t>
+    </dgm:pt>
+    <dgm:pt modelId="{9A2A8485-9571-4993-B15C-869EB9084468}" type="sibTrans" cxnId="{52910A99-60EC-4164-85C7-047A5544DF84}">
+      <dgm:prSet/>
+      <dgm:spPr/>
+      <dgm:t>
+        <a:bodyPr/>
+        <a:lstStyle/>
+        <a:p>
+          <a:endParaRPr lang="en-US"/>
+        </a:p>
+      </dgm:t>
+    </dgm:pt>
+    <dgm:pt modelId="{81BA56E1-8CE4-4E8F-9675-1452EDCF98DB}">
+      <dgm:prSet/>
+      <dgm:spPr/>
+      <dgm:t>
+        <a:bodyPr/>
+        <a:lstStyle/>
+        <a:p>
+          <a:r>
+            <a:rPr lang="en-US" dirty="0"/>
+            <a:t>Standard class vehicles are more fuel efficient than performance class vehicles.</a:t>
+          </a:r>
+        </a:p>
+      </dgm:t>
+    </dgm:pt>
+    <dgm:pt modelId="{8197A97C-2245-44D9-B494-C1A8A51184D8}" type="parTrans" cxnId="{CE060413-4808-46C6-8141-D1AAD6672435}">
+      <dgm:prSet/>
+      <dgm:spPr/>
+      <dgm:t>
+        <a:bodyPr/>
+        <a:lstStyle/>
+        <a:p>
+          <a:endParaRPr lang="en-US"/>
+        </a:p>
+      </dgm:t>
+    </dgm:pt>
+    <dgm:pt modelId="{779DE22B-AB58-4F39-92EA-411764A480C6}" type="sibTrans" cxnId="{CE060413-4808-46C6-8141-D1AAD6672435}">
+      <dgm:prSet/>
+      <dgm:spPr/>
+      <dgm:t>
+        <a:bodyPr/>
+        <a:lstStyle/>
+        <a:p>
+          <a:endParaRPr lang="en-US"/>
+        </a:p>
+      </dgm:t>
+    </dgm:pt>
+    <dgm:pt modelId="{8D5D33F0-B4AE-40AD-AA64-57A324BAD940}">
+      <dgm:prSet/>
+      <dgm:spPr/>
+      <dgm:t>
+        <a:bodyPr/>
+        <a:lstStyle/>
+        <a:p>
+          <a:r>
+            <a:rPr lang="en-US" dirty="0"/>
+            <a:t>Manual transmission vehicles are more fuel efficient than automatic transmission vehicles.</a:t>
+          </a:r>
+        </a:p>
+      </dgm:t>
+    </dgm:pt>
+    <dgm:pt modelId="{A529D9C9-3A1A-4AED-883F-E6432E89D784}" type="parTrans" cxnId="{57E91206-9654-459A-BEF0-1A2246FFE917}">
+      <dgm:prSet/>
+      <dgm:spPr/>
+      <dgm:t>
+        <a:bodyPr/>
+        <a:lstStyle/>
+        <a:p>
+          <a:endParaRPr lang="en-US"/>
+        </a:p>
+      </dgm:t>
+    </dgm:pt>
+    <dgm:pt modelId="{CBB43052-7190-4ADF-8CD7-2B764FDA2643}" type="sibTrans" cxnId="{57E91206-9654-459A-BEF0-1A2246FFE917}">
+      <dgm:prSet/>
+      <dgm:spPr/>
+      <dgm:t>
+        <a:bodyPr/>
+        <a:lstStyle/>
+        <a:p>
+          <a:endParaRPr lang="en-US"/>
+        </a:p>
+      </dgm:t>
+    </dgm:pt>
+    <dgm:pt modelId="{DAF04640-8575-45C5-A0CD-42A6ED0B358E}">
+      <dgm:prSet/>
+      <dgm:spPr/>
+      <dgm:t>
+        <a:bodyPr/>
+        <a:lstStyle/>
+        <a:p>
+          <a:r>
+            <a:rPr lang="en-US" dirty="0"/>
+            <a:t>The specific wheel drives of front wheel, rear wheel, and all wheel drive have similar fuel efficiency.</a:t>
+          </a:r>
+        </a:p>
+      </dgm:t>
+    </dgm:pt>
+    <dgm:pt modelId="{D04186BA-26A3-41D6-8B46-3641ED76D853}" type="parTrans" cxnId="{92CE76DB-C714-4290-9A2A-462DBEE24B8D}">
+      <dgm:prSet/>
+      <dgm:spPr/>
+      <dgm:t>
+        <a:bodyPr/>
+        <a:lstStyle/>
+        <a:p>
+          <a:endParaRPr lang="en-US"/>
+        </a:p>
+      </dgm:t>
+    </dgm:pt>
+    <dgm:pt modelId="{6416F2FB-28FB-48C9-B005-F754C41A3A68}" type="sibTrans" cxnId="{92CE76DB-C714-4290-9A2A-462DBEE24B8D}">
+      <dgm:prSet/>
+      <dgm:spPr/>
+      <dgm:t>
+        <a:bodyPr/>
+        <a:lstStyle/>
+        <a:p>
+          <a:endParaRPr lang="en-US"/>
+        </a:p>
+      </dgm:t>
+    </dgm:pt>
+    <dgm:pt modelId="{0B53F246-80F6-4E2C-9DB1-2A20F0068BB9}">
+      <dgm:prSet/>
+      <dgm:spPr/>
+      <dgm:t>
+        <a:bodyPr/>
+        <a:lstStyle/>
+        <a:p>
+          <a:r>
+            <a:rPr lang="en-US" dirty="0"/>
+            <a:t>Midgrade gasoline is not a significant factor in average fuel cost and does not have a noticeable effect on overall fuel cost of vehicle.</a:t>
+          </a:r>
+        </a:p>
+      </dgm:t>
+    </dgm:pt>
+    <dgm:pt modelId="{BCD305E1-6F53-4661-9E73-3691DBF2F708}" type="parTrans" cxnId="{333F8190-85B6-4C1E-BB1A-B83115BA7C56}">
+      <dgm:prSet/>
+      <dgm:spPr/>
+      <dgm:t>
+        <a:bodyPr/>
+        <a:lstStyle/>
+        <a:p>
+          <a:endParaRPr lang="en-US"/>
+        </a:p>
+      </dgm:t>
+    </dgm:pt>
+    <dgm:pt modelId="{EE807791-F72C-4545-A852-A494BAD0344B}" type="sibTrans" cxnId="{333F8190-85B6-4C1E-BB1A-B83115BA7C56}">
+      <dgm:prSet/>
+      <dgm:spPr/>
+      <dgm:t>
+        <a:bodyPr/>
+        <a:lstStyle/>
+        <a:p>
+          <a:endParaRPr lang="en-US"/>
+        </a:p>
+      </dgm:t>
+    </dgm:pt>
+    <dgm:pt modelId="{9D0B1B69-A365-475D-8CD1-BA82721D1A05}" type="pres">
+      <dgm:prSet presAssocID="{34AABC09-4B5D-4E98-AE89-99F9D6BA3FDE}" presName="diagram" presStyleCnt="0">
+        <dgm:presLayoutVars>
+          <dgm:dir/>
+          <dgm:resizeHandles val="exact"/>
+        </dgm:presLayoutVars>
+      </dgm:prSet>
+      <dgm:spPr/>
+    </dgm:pt>
+    <dgm:pt modelId="{69F289C6-958C-4C69-AA8E-2F6A32C4ECDC}" type="pres">
+      <dgm:prSet presAssocID="{873863D6-502C-46A4-8E04-8F15E9948734}" presName="node" presStyleLbl="node1" presStyleIdx="0" presStyleCnt="1">
+        <dgm:presLayoutVars>
+          <dgm:bulletEnabled val="1"/>
+        </dgm:presLayoutVars>
+      </dgm:prSet>
+      <dgm:spPr/>
+    </dgm:pt>
+  </dgm:ptLst>
+  <dgm:cxnLst>
+    <dgm:cxn modelId="{57E91206-9654-459A-BEF0-1A2246FFE917}" srcId="{873863D6-502C-46A4-8E04-8F15E9948734}" destId="{8D5D33F0-B4AE-40AD-AA64-57A324BAD940}" srcOrd="2" destOrd="0" parTransId="{A529D9C9-3A1A-4AED-883F-E6432E89D784}" sibTransId="{CBB43052-7190-4ADF-8CD7-2B764FDA2643}"/>
+    <dgm:cxn modelId="{F2D7910A-E76C-49CA-B886-CA483993DD7B}" type="presOf" srcId="{0B53F246-80F6-4E2C-9DB1-2A20F0068BB9}" destId="{69F289C6-958C-4C69-AA8E-2F6A32C4ECDC}" srcOrd="0" destOrd="5" presId="urn:microsoft.com/office/officeart/2005/8/layout/default"/>
+    <dgm:cxn modelId="{CE060413-4808-46C6-8141-D1AAD6672435}" srcId="{873863D6-502C-46A4-8E04-8F15E9948734}" destId="{81BA56E1-8CE4-4E8F-9675-1452EDCF98DB}" srcOrd="1" destOrd="0" parTransId="{8197A97C-2245-44D9-B494-C1A8A51184D8}" sibTransId="{779DE22B-AB58-4F39-92EA-411764A480C6}"/>
+    <dgm:cxn modelId="{EB196870-A7F7-4802-9A76-C82B0D40AF5E}" type="presOf" srcId="{81BA56E1-8CE4-4E8F-9675-1452EDCF98DB}" destId="{69F289C6-958C-4C69-AA8E-2F6A32C4ECDC}" srcOrd="0" destOrd="2" presId="urn:microsoft.com/office/officeart/2005/8/layout/default"/>
+    <dgm:cxn modelId="{C8DC4174-FA2A-4AAB-91F7-41D80CC19BAF}" type="presOf" srcId="{873863D6-502C-46A4-8E04-8F15E9948734}" destId="{69F289C6-958C-4C69-AA8E-2F6A32C4ECDC}" srcOrd="0" destOrd="0" presId="urn:microsoft.com/office/officeart/2005/8/layout/default"/>
+    <dgm:cxn modelId="{E7015375-3F27-41CD-B0C7-D9F2E4937782}" type="presOf" srcId="{050E72C2-57B9-4FE4-9528-0B7359D95512}" destId="{69F289C6-958C-4C69-AA8E-2F6A32C4ECDC}" srcOrd="0" destOrd="1" presId="urn:microsoft.com/office/officeart/2005/8/layout/default"/>
+    <dgm:cxn modelId="{333F8190-85B6-4C1E-BB1A-B83115BA7C56}" srcId="{873863D6-502C-46A4-8E04-8F15E9948734}" destId="{0B53F246-80F6-4E2C-9DB1-2A20F0068BB9}" srcOrd="4" destOrd="0" parTransId="{BCD305E1-6F53-4661-9E73-3691DBF2F708}" sibTransId="{EE807791-F72C-4545-A852-A494BAD0344B}"/>
+    <dgm:cxn modelId="{52910A99-60EC-4164-85C7-047A5544DF84}" srcId="{873863D6-502C-46A4-8E04-8F15E9948734}" destId="{050E72C2-57B9-4FE4-9528-0B7359D95512}" srcOrd="0" destOrd="0" parTransId="{2E4AA3AA-DCDB-40CE-B1D7-3CEC971B876C}" sibTransId="{9A2A8485-9571-4993-B15C-869EB9084468}"/>
+    <dgm:cxn modelId="{F3A8EBCE-11A3-4CB6-AF28-1722FF375558}" srcId="{34AABC09-4B5D-4E98-AE89-99F9D6BA3FDE}" destId="{873863D6-502C-46A4-8E04-8F15E9948734}" srcOrd="0" destOrd="0" parTransId="{2451613E-932F-48EA-8FF5-84EE871B1FCB}" sibTransId="{71EA4DAB-D9B0-4404-B80E-DC755847293D}"/>
+    <dgm:cxn modelId="{0F7EB2CF-D2CA-4CA3-8755-FA04BC6D8AE6}" type="presOf" srcId="{DAF04640-8575-45C5-A0CD-42A6ED0B358E}" destId="{69F289C6-958C-4C69-AA8E-2F6A32C4ECDC}" srcOrd="0" destOrd="4" presId="urn:microsoft.com/office/officeart/2005/8/layout/default"/>
+    <dgm:cxn modelId="{92CE76DB-C714-4290-9A2A-462DBEE24B8D}" srcId="{873863D6-502C-46A4-8E04-8F15E9948734}" destId="{DAF04640-8575-45C5-A0CD-42A6ED0B358E}" srcOrd="3" destOrd="0" parTransId="{D04186BA-26A3-41D6-8B46-3641ED76D853}" sibTransId="{6416F2FB-28FB-48C9-B005-F754C41A3A68}"/>
+    <dgm:cxn modelId="{8E865AF4-2AAB-432F-8D24-EC5E45579D46}" type="presOf" srcId="{8D5D33F0-B4AE-40AD-AA64-57A324BAD940}" destId="{69F289C6-958C-4C69-AA8E-2F6A32C4ECDC}" srcOrd="0" destOrd="3" presId="urn:microsoft.com/office/officeart/2005/8/layout/default"/>
+    <dgm:cxn modelId="{AF2E03F7-AFA8-463F-8A7C-F5898FA00A6F}" type="presOf" srcId="{34AABC09-4B5D-4E98-AE89-99F9D6BA3FDE}" destId="{9D0B1B69-A365-475D-8CD1-BA82721D1A05}" srcOrd="0" destOrd="0" presId="urn:microsoft.com/office/officeart/2005/8/layout/default"/>
+    <dgm:cxn modelId="{0D935658-48A4-4CC4-B417-3E93FF25E0E0}" type="presParOf" srcId="{9D0B1B69-A365-475D-8CD1-BA82721D1A05}" destId="{69F289C6-958C-4C69-AA8E-2F6A32C4ECDC}" srcOrd="0" destOrd="0" presId="urn:microsoft.com/office/officeart/2005/8/layout/default"/>
+  </dgm:cxnLst>
+  <dgm:bg/>
+  <dgm:whole/>
+  <dgm:extLst>
+    <a:ext uri="http://schemas.microsoft.com/office/drawing/2008/diagram">
+      <dsp:dataModelExt xmlns:dsp="http://schemas.microsoft.com/office/drawing/2008/diagram" relId="rId7" minVer="http://schemas.openxmlformats.org/drawingml/2006/diagram"/>
+    </a:ext>
+  </dgm:extLst>
+</dgm:dataModel>
+</file>
+
+<file path=ppt/diagrams/drawing1.xml><?xml version="1.0" encoding="utf-8"?>
+<dsp:drawing xmlns:dgm="http://schemas.openxmlformats.org/drawingml/2006/diagram" xmlns:dsp="http://schemas.microsoft.com/office/drawing/2008/diagram" xmlns:a="http://schemas.openxmlformats.org/drawingml/2006/main">
+  <dsp:spTree>
+    <dsp:nvGrpSpPr>
+      <dsp:cNvPr id="0" name=""/>
+      <dsp:cNvGrpSpPr/>
+    </dsp:nvGrpSpPr>
+    <dsp:grpSpPr/>
+    <dsp:sp modelId="{69F289C6-958C-4C69-AA8E-2F6A32C4ECDC}">
+      <dsp:nvSpPr>
+        <dsp:cNvPr id="0" name=""/>
+        <dsp:cNvSpPr/>
+      </dsp:nvSpPr>
+      <dsp:spPr>
+        <a:xfrm>
+          <a:off x="1739105" y="1480"/>
+          <a:ext cx="7028244" cy="4216946"/>
+        </a:xfrm>
+        <a:prstGeom prst="rect">
+          <a:avLst/>
+        </a:prstGeom>
+        <a:solidFill>
+          <a:schemeClr val="accent1">
+            <a:hueOff val="0"/>
+            <a:satOff val="0"/>
+            <a:lumOff val="0"/>
+            <a:alphaOff val="0"/>
+          </a:schemeClr>
+        </a:solidFill>
+        <a:ln w="12700" cap="flat" cmpd="sng" algn="ctr">
+          <a:solidFill>
+            <a:schemeClr val="lt1">
+              <a:hueOff val="0"/>
+              <a:satOff val="0"/>
+              <a:lumOff val="0"/>
+              <a:alphaOff val="0"/>
+            </a:schemeClr>
+          </a:solidFill>
+          <a:prstDash val="solid"/>
+          <a:miter lim="800000"/>
+        </a:ln>
+        <a:effectLst/>
+      </dsp:spPr>
+      <dsp:style>
+        <a:lnRef idx="2">
+          <a:scrgbClr r="0" g="0" b="0"/>
+        </a:lnRef>
+        <a:fillRef idx="1">
+          <a:scrgbClr r="0" g="0" b="0"/>
+        </a:fillRef>
+        <a:effectRef idx="0">
+          <a:scrgbClr r="0" g="0" b="0"/>
+        </a:effectRef>
+        <a:fontRef idx="minor">
+          <a:schemeClr val="lt1"/>
+        </a:fontRef>
+      </dsp:style>
+      <dsp:txBody>
+        <a:bodyPr spcFirstLastPara="0" vert="horz" wrap="square" lIns="91440" tIns="91440" rIns="91440" bIns="91440" numCol="1" spcCol="1270" anchor="t" anchorCtr="0">
+          <a:noAutofit/>
+        </a:bodyPr>
+        <a:lstStyle/>
+        <a:p>
+          <a:pPr marL="0" lvl="0" indent="0" algn="l" defTabSz="1066800">
+            <a:lnSpc>
+              <a:spcPct val="90000"/>
+            </a:lnSpc>
+            <a:spcBef>
+              <a:spcPct val="0"/>
+            </a:spcBef>
+            <a:spcAft>
+              <a:spcPct val="35000"/>
+            </a:spcAft>
+            <a:buNone/>
+          </a:pPr>
+          <a:endParaRPr lang="en-US" sz="2400" kern="1200" dirty="0"/>
+        </a:p>
+        <a:p>
+          <a:pPr marL="171450" lvl="1" indent="-171450" algn="l" defTabSz="844550">
+            <a:lnSpc>
+              <a:spcPct val="90000"/>
+            </a:lnSpc>
+            <a:spcBef>
+              <a:spcPct val="0"/>
+            </a:spcBef>
+            <a:spcAft>
+              <a:spcPct val="15000"/>
+            </a:spcAft>
+            <a:buChar char="•"/>
+          </a:pPr>
+          <a:r>
+            <a:rPr lang="en-US" sz="1900" kern="1200" dirty="0"/>
+            <a:t>Average fuel cost has decreased in recent years due to increased efficiency in vehicles. In this case we will be looking at miles per gallon (mpg).</a:t>
+          </a:r>
+        </a:p>
+        <a:p>
+          <a:pPr marL="171450" lvl="1" indent="-171450" algn="l" defTabSz="844550">
+            <a:lnSpc>
+              <a:spcPct val="90000"/>
+            </a:lnSpc>
+            <a:spcBef>
+              <a:spcPct val="0"/>
+            </a:spcBef>
+            <a:spcAft>
+              <a:spcPct val="15000"/>
+            </a:spcAft>
+            <a:buChar char="•"/>
+          </a:pPr>
+          <a:r>
+            <a:rPr lang="en-US" sz="1900" kern="1200" dirty="0"/>
+            <a:t>Standard class vehicles are more fuel efficient than performance class vehicles.</a:t>
+          </a:r>
+        </a:p>
+        <a:p>
+          <a:pPr marL="171450" lvl="1" indent="-171450" algn="l" defTabSz="844550">
+            <a:lnSpc>
+              <a:spcPct val="90000"/>
+            </a:lnSpc>
+            <a:spcBef>
+              <a:spcPct val="0"/>
+            </a:spcBef>
+            <a:spcAft>
+              <a:spcPct val="15000"/>
+            </a:spcAft>
+            <a:buChar char="•"/>
+          </a:pPr>
+          <a:r>
+            <a:rPr lang="en-US" sz="1900" kern="1200" dirty="0"/>
+            <a:t>Manual transmission vehicles are more fuel efficient than automatic transmission vehicles.</a:t>
+          </a:r>
+        </a:p>
+        <a:p>
+          <a:pPr marL="171450" lvl="1" indent="-171450" algn="l" defTabSz="844550">
+            <a:lnSpc>
+              <a:spcPct val="90000"/>
+            </a:lnSpc>
+            <a:spcBef>
+              <a:spcPct val="0"/>
+            </a:spcBef>
+            <a:spcAft>
+              <a:spcPct val="15000"/>
+            </a:spcAft>
+            <a:buChar char="•"/>
+          </a:pPr>
+          <a:r>
+            <a:rPr lang="en-US" sz="1900" kern="1200" dirty="0"/>
+            <a:t>The specific wheel drives of front wheel, rear wheel, and all wheel drive have similar fuel efficiency.</a:t>
+          </a:r>
+        </a:p>
+        <a:p>
+          <a:pPr marL="171450" lvl="1" indent="-171450" algn="l" defTabSz="844550">
+            <a:lnSpc>
+              <a:spcPct val="90000"/>
+            </a:lnSpc>
+            <a:spcBef>
+              <a:spcPct val="0"/>
+            </a:spcBef>
+            <a:spcAft>
+              <a:spcPct val="15000"/>
+            </a:spcAft>
+            <a:buChar char="•"/>
+          </a:pPr>
+          <a:r>
+            <a:rPr lang="en-US" sz="1900" kern="1200" dirty="0"/>
+            <a:t>Midgrade gasoline is not a significant factor in average fuel cost and does not have a noticeable effect on overall fuel cost of vehicle.</a:t>
+          </a:r>
+        </a:p>
+      </dsp:txBody>
+      <dsp:txXfrm>
+        <a:off x="1739105" y="1480"/>
+        <a:ext cx="7028244" cy="4216946"/>
+      </dsp:txXfrm>
+    </dsp:sp>
+  </dsp:spTree>
+</dsp:drawing>
+</file>
+
+<file path=ppt/diagrams/layout1.xml><?xml version="1.0" encoding="utf-8"?>
+<dgm:layoutDef xmlns:dgm="http://schemas.openxmlformats.org/drawingml/2006/diagram" xmlns:a="http://schemas.openxmlformats.org/drawingml/2006/main" uniqueId="urn:microsoft.com/office/officeart/2005/8/layout/default">
+  <dgm:title val=""/>
+  <dgm:desc val=""/>
+  <dgm:catLst>
+    <dgm:cat type="list" pri="400"/>
+  </dgm:catLst>
+  <dgm:sampData>
+    <dgm:dataModel>
+      <dgm:ptLst>
+        <dgm:pt modelId="0" type="doc"/>
+        <dgm:pt modelId="1">
+          <dgm:prSet phldr="1"/>
+        </dgm:pt>
+        <dgm:pt modelId="2">
+          <dgm:prSet phldr="1"/>
+        </dgm:pt>
+        <dgm:pt modelId="3">
+          <dgm:prSet phldr="1"/>
+        </dgm:pt>
+        <dgm:pt modelId="4">
+          <dgm:prSet phldr="1"/>
+        </dgm:pt>
+        <dgm:pt modelId="5">
+          <dgm:prSet phldr="1"/>
+        </dgm:pt>
+      </dgm:ptLst>
+      <dgm:cxnLst>
+        <dgm:cxn modelId="6" srcId="0" destId="1" srcOrd="0" destOrd="0"/>
+        <dgm:cxn modelId="7" srcId="0" destId="2" srcOrd="1" destOrd="0"/>
+        <dgm:cxn modelId="8" srcId="0" destId="3" srcOrd="2" destOrd="0"/>
+        <dgm:cxn modelId="9" srcId="0" destId="4" srcOrd="3" destOrd="0"/>
+        <dgm:cxn modelId="10" srcId="0" destId="5" srcOrd="4" destOrd="0"/>
+      </dgm:cxnLst>
+      <dgm:bg/>
+      <dgm:whole/>
+    </dgm:dataModel>
+  </dgm:sampData>
+  <dgm:styleData>
+    <dgm:dataModel>
+      <dgm:ptLst>
+        <dgm:pt modelId="0" type="doc"/>
+        <dgm:pt modelId="1"/>
+        <dgm:pt modelId="2"/>
+      </dgm:ptLst>
+      <dgm:cxnLst>
+        <dgm:cxn modelId="3" srcId="0" destId="1" srcOrd="0" destOrd="0"/>
+        <dgm:cxn modelId="4" srcId="0" destId="2" srcOrd="1" destOrd="0"/>
+      </dgm:cxnLst>
+      <dgm:bg/>
+      <dgm:whole/>
+    </dgm:dataModel>
+  </dgm:styleData>
+  <dgm:clrData>
+    <dgm:dataModel>
+      <dgm:ptLst>
+        <dgm:pt modelId="0" type="doc"/>
+        <dgm:pt modelId="1"/>
+        <dgm:pt modelId="2"/>
+        <dgm:pt modelId="3"/>
+        <dgm:pt modelId="4"/>
+        <dgm:pt modelId="5"/>
+        <dgm:pt modelId="6"/>
+      </dgm:ptLst>
+      <dgm:cxnLst>
+        <dgm:cxn modelId="7" srcId="0" destId="1" srcOrd="0" destOrd="0"/>
+        <dgm:cxn modelId="8" srcId="0" destId="2" srcOrd="1" destOrd="0"/>
+        <dgm:cxn modelId="9" srcId="0" destId="3" srcOrd="2" destOrd="0"/>
+        <dgm:cxn modelId="10" srcId="0" destId="4" srcOrd="3" destOrd="0"/>
+        <dgm:cxn modelId="11" srcId="0" destId="5" srcOrd="4" destOrd="0"/>
+        <dgm:cxn modelId="12" srcId="0" destId="6" srcOrd="5" destOrd="0"/>
+      </dgm:cxnLst>
+      <dgm:bg/>
+      <dgm:whole/>
+    </dgm:dataModel>
+  </dgm:clrData>
+  <dgm:layoutNode name="diagram">
+    <dgm:varLst>
+      <dgm:dir/>
+      <dgm:resizeHandles val="exact"/>
+    </dgm:varLst>
+    <dgm:choose name="Name0">
+      <dgm:if name="Name1" func="var" arg="dir" op="equ" val="norm">
+        <dgm:alg type="snake">
+          <dgm:param type="grDir" val="tL"/>
+          <dgm:param type="flowDir" val="row"/>
+          <dgm:param type="contDir" val="sameDir"/>
+          <dgm:param type="off" val="ctr"/>
+        </dgm:alg>
+      </dgm:if>
+      <dgm:else name="Name2">
+        <dgm:alg type="snake">
+          <dgm:param type="grDir" val="tR"/>
+          <dgm:param type="flowDir" val="row"/>
+          <dgm:param type="contDir" val="sameDir"/>
+          <dgm:param type="off" val="ctr"/>
+        </dgm:alg>
+      </dgm:else>
+    </dgm:choose>
+    <dgm:shape xmlns:r="http://schemas.openxmlformats.org/officeDocument/2006/relationships" r:blip="">
+      <dgm:adjLst/>
+    </dgm:shape>
+    <dgm:presOf/>
+    <dgm:constrLst>
+      <dgm:constr type="w" for="ch" forName="node" refType="w"/>
+      <dgm:constr type="h" for="ch" forName="node" refType="w" refFor="ch" refForName="node" fact="0.6"/>
+      <dgm:constr type="w" for="ch" forName="sibTrans" refType="w" refFor="ch" refForName="node" fact="0.1"/>
+      <dgm:constr type="sp" refType="w" refFor="ch" refForName="sibTrans"/>
+      <dgm:constr type="primFontSz" for="ch" forName="node" op="equ" val="65"/>
+    </dgm:constrLst>
+    <dgm:ruleLst/>
+    <dgm:forEach name="Name3" axis="ch" ptType="node">
+      <dgm:layoutNode name="node">
+        <dgm:varLst>
+          <dgm:bulletEnabled val="1"/>
+        </dgm:varLst>
+        <dgm:alg type="tx"/>
+        <dgm:shape xmlns:r="http://schemas.openxmlformats.org/officeDocument/2006/relationships" type="rect" r:blip="">
+          <dgm:adjLst/>
+        </dgm:shape>
+        <dgm:presOf axis="desOrSelf" ptType="node"/>
+        <dgm:constrLst>
+          <dgm:constr type="lMarg" refType="primFontSz" fact="0.3"/>
+          <dgm:constr type="rMarg" refType="primFontSz" fact="0.3"/>
+          <dgm:constr type="tMarg" refType="primFontSz" fact="0.3"/>
+          <dgm:constr type="bMarg" refType="primFontSz" fact="0.3"/>
+        </dgm:constrLst>
+        <dgm:ruleLst>
+          <dgm:rule type="primFontSz" val="5" fact="NaN" max="NaN"/>
+        </dgm:ruleLst>
+      </dgm:layoutNode>
+      <dgm:forEach name="Name4" axis="followSib" ptType="sibTrans" cnt="1">
+        <dgm:layoutNode name="sibTrans">
+          <dgm:alg type="sp"/>
+          <dgm:shape xmlns:r="http://schemas.openxmlformats.org/officeDocument/2006/relationships" r:blip="">
+            <dgm:adjLst/>
+          </dgm:shape>
+          <dgm:presOf/>
+          <dgm:constrLst/>
+          <dgm:ruleLst/>
+        </dgm:layoutNode>
+      </dgm:forEach>
+    </dgm:forEach>
+  </dgm:layoutNode>
+</dgm:layoutDef>
+</file>
+
+<file path=ppt/diagrams/quickStyle1.xml><?xml version="1.0" encoding="utf-8"?>
+<dgm:styleDef xmlns:dgm="http://schemas.openxmlformats.org/drawingml/2006/diagram" xmlns:a="http://schemas.openxmlformats.org/drawingml/2006/main" uniqueId="urn:microsoft.com/office/officeart/2005/8/quickstyle/simple1">
+  <dgm:title val=""/>
+  <dgm:desc val=""/>
+  <dgm:catLst>
+    <dgm:cat type="simple" pri="10100"/>
+  </dgm:catLst>
+  <dgm:scene3d>
+    <a:camera prst="orthographicFront"/>
+    <a:lightRig rig="threePt" dir="t"/>
+  </dgm:scene3d>
+  <dgm:styleLbl name="node0">
+    <dgm:scene3d>
+      <a:camera prst="orthographicFront"/>
+      <a:lightRig rig="threePt" dir="t"/>
+    </dgm:scene3d>
+    <dgm:sp3d/>
+    <dgm:txPr/>
+    <dgm:style>
+      <a:lnRef idx="2">
+        <a:scrgbClr r="0" g="0" b="0"/>
+      </a:lnRef>
+      <a:fillRef idx="1">
+        <a:scrgbClr r="0" g="0" b="0"/>
+      </a:fillRef>
+      <a:effectRef idx="0">
+        <a:scrgbClr r="0" g="0" b="0"/>
+      </a:effectRef>
+      <a:fontRef idx="minor">
+        <a:schemeClr val="lt1"/>
+      </a:fontRef>
+    </dgm:style>
+  </dgm:styleLbl>
+  <dgm:styleLbl name="lnNode1">
+    <dgm:scene3d>
+      <a:camera prst="orthographicFront"/>
+      <a:lightRig rig="threePt" dir="t"/>
+    </dgm:scene3d>
+    <dgm:sp3d/>
+    <dgm:txPr/>
+    <dgm:style>
+      <a:lnRef idx="2">
+        <a:scrgbClr r="0" g="0" b="0"/>
+      </a:lnRef>
+      <a:fillRef idx="1">
+        <a:scrgbClr r="0" g="0" b="0"/>
+      </a:fillRef>
+      <a:effectRef idx="0">
+        <a:scrgbClr r="0" g="0" b="0"/>
+      </a:effectRef>
+      <a:fontRef idx="minor">
+        <a:schemeClr val="lt1"/>
+      </a:fontRef>
+    </dgm:style>
+  </dgm:styleLbl>
+  <dgm:styleLbl name="vennNode1">
+    <dgm:scene3d>
+      <a:camera prst="orthographicFront"/>
+      <a:lightRig rig="threePt" dir="t"/>
+    </dgm:scene3d>
+    <dgm:sp3d/>
+    <dgm:txPr/>
+    <dgm:style>
+      <a:lnRef idx="2">
+        <a:scrgbClr r="0" g="0" b="0"/>
+      </a:lnRef>
+      <a:fillRef idx="1">
+        <a:scrgbClr r="0" g="0" b="0"/>
+      </a:fillRef>
+      <a:effectRef idx="0">
+        <a:scrgbClr r="0" g="0" b="0"/>
+      </a:effectRef>
+      <a:fontRef idx="minor">
+        <a:schemeClr val="tx1"/>
+      </a:fontRef>
+    </dgm:style>
+  </dgm:styleLbl>
+  <dgm:styleLbl name="alignNode1">
+    <dgm:scene3d>
+      <a:camera prst="orthographicFront"/>
+      <a:lightRig rig="threePt" dir="t"/>
+    </dgm:scene3d>
+    <dgm:sp3d/>
+    <dgm:txPr/>
+    <dgm:style>
+      <a:lnRef idx="2">
+        <a:scrgbClr r="0" g="0" b="0"/>
+      </a:lnRef>
+      <a:fillRef idx="1">
+        <a:scrgbClr r="0" g="0" b="0"/>
+      </a:fillRef>
+      <a:effectRef idx="0">
+        <a:scrgbClr r="0" g="0" b="0"/>
+      </a:effectRef>
+      <a:fontRef idx="minor">
+        <a:schemeClr val="lt1"/>
+      </a:fontRef>
+    </dgm:style>
+  </dgm:styleLbl>
+  <dgm:styleLbl name="node1">
+    <dgm:scene3d>
+      <a:camera prst="orthographicFront"/>
+      <a:lightRig rig="threePt" dir="t"/>
+    </dgm:scene3d>
+    <dgm:sp3d/>
+    <dgm:txPr/>
+    <dgm:style>
+      <a:lnRef idx="2">
+        <a:scrgbClr r="0" g="0" b="0"/>
+      </a:lnRef>
+      <a:fillRef idx="1">
+        <a:scrgbClr r="0" g="0" b="0"/>
+      </a:fillRef>
+      <a:effectRef idx="0">
+        <a:scrgbClr r="0" g="0" b="0"/>
+      </a:effectRef>
+      <a:fontRef idx="minor">
+        <a:schemeClr val="lt1"/>
+      </a:fontRef>
+    </dgm:style>
+  </dgm:styleLbl>
+  <dgm:styleLbl name="node2">
+    <dgm:scene3d>
+      <a:camera prst="orthographicFront"/>
+      <a:lightRig rig="threePt" dir="t"/>
+    </dgm:scene3d>
+    <dgm:sp3d/>
+    <dgm:txPr/>
+    <dgm:style>
+      <a:lnRef idx="2">
+        <a:scrgbClr r="0" g="0" b="0"/>
+      </a:lnRef>
+      <a:fillRef idx="1">
+        <a:scrgbClr r="0" g="0" b="0"/>
+      </a:fillRef>
+      <a:effectRef idx="0">
+        <a:scrgbClr r="0" g="0" b="0"/>
+      </a:effectRef>
+      <a:fontRef idx="minor">
+        <a:schemeClr val="lt1"/>
+      </a:fontRef>
+    </dgm:style>
+  </dgm:styleLbl>
+  <dgm:styleLbl name="node3">
+    <dgm:scene3d>
+      <a:camera prst="orthographicFront"/>
+      <a:lightRig rig="threePt" dir="t"/>
+    </dgm:scene3d>
+    <dgm:sp3d/>
+    <dgm:txPr/>
+    <dgm:style>
+      <a:lnRef idx="2">
+        <a:scrgbClr r="0" g="0" b="0"/>
+      </a:lnRef>
+      <a:fillRef idx="1">
+        <a:scrgbClr r="0" g="0" b="0"/>
+      </a:fillRef>
+      <a:effectRef idx="0">
+        <a:scrgbClr r="0" g="0" b="0"/>
+      </a:effectRef>
+      <a:fontRef idx="minor">
+        <a:schemeClr val="lt1"/>
+      </a:fontRef>
+    </dgm:style>
+  </dgm:styleLbl>
+  <dgm:styleLbl name="node4">
+    <dgm:scene3d>
+      <a:camera prst="orthographicFront"/>
+      <a:lightRig rig="threePt" dir="t"/>
+    </dgm:scene3d>
+    <dgm:sp3d/>
+    <dgm:txPr/>
+    <dgm:style>
+      <a:lnRef idx="2">
+        <a:scrgbClr r="0" g="0" b="0"/>
+      </a:lnRef>
+      <a:fillRef idx="1">
+        <a:scrgbClr r="0" g="0" b="0"/>
+      </a:fillRef>
+      <a:effectRef idx="0">
+        <a:scrgbClr r="0" g="0" b="0"/>
+      </a:effectRef>
+      <a:fontRef idx="minor">
+        <a:schemeClr val="lt1"/>
+      </a:fontRef>
+    </dgm:style>
+  </dgm:styleLbl>
+  <dgm:styleLbl name="fgImgPlace1">
+    <dgm:scene3d>
+      <a:camera prst="orthographicFront"/>
+      <a:lightRig rig="threePt" dir="t"/>
+    </dgm:scene3d>
+    <dgm:sp3d/>
+    <dgm:txPr/>
+    <dgm:style>
+      <a:lnRef idx="2">
+        <a:scrgbClr r="0" g="0" b="0"/>
+      </a:lnRef>
+      <a:fillRef idx="1">
+        <a:scrgbClr r="0" g="0" b="0"/>
+      </a:fillRef>
+      <a:effectRef idx="0">
+        <a:scrgbClr r="0" g="0" b="0"/>
+      </a:effectRef>
+      <a:fontRef idx="minor"/>
+    </dgm:style>
+  </dgm:styleLbl>
+  <dgm:styleLbl name="alignImgPlace1">
+    <dgm:scene3d>
+      <a:camera prst="orthographicFront"/>
+      <a:lightRig rig="threePt" dir="t"/>
+    </dgm:scene3d>
+    <dgm:sp3d/>
+    <dgm:txPr/>
+    <dgm:style>
+      <a:lnRef idx="2">
+        <a:scrgbClr r="0" g="0" b="0"/>
+      </a:lnRef>
+      <a:fillRef idx="1">
+        <a:scrgbClr r="0" g="0" b="0"/>
+      </a:fillRef>
+      <a:effectRef idx="0">
+        <a:scrgbClr r="0" g="0" b="0"/>
+      </a:effectRef>
+      <a:fontRef idx="minor"/>
+    </dgm:style>
+  </dgm:styleLbl>
+  <dgm:styleLbl name="bgImgPlace1">
+    <dgm:scene3d>
+      <a:camera prst="orthographicFront"/>
+      <a:lightRig rig="threePt" dir="t"/>
+    </dgm:scene3d>
+    <dgm:sp3d/>
+    <dgm:txPr/>
+    <dgm:style>
+      <a:lnRef idx="2">
+        <a:scrgbClr r="0" g="0" b="0"/>
+      </a:lnRef>
+      <a:fillRef idx="1">
+        <a:scrgbClr r="0" g="0" b="0"/>
+      </a:fillRef>
+      <a:effectRef idx="0">
+        <a:scrgbClr r="0" g="0" b="0"/>
+      </a:effectRef>
+      <a:fontRef idx="minor"/>
+    </dgm:style>
+  </dgm:styleLbl>
+  <dgm:styleLbl name="sibTrans2D1">
+    <dgm:scene3d>
+      <a:camera prst="orthographicFront"/>
+      <a:lightRig rig="threePt" dir="t"/>
+    </dgm:scene3d>
+    <dgm:sp3d/>
+    <dgm:txPr/>
+    <dgm:style>
+      <a:lnRef idx="0">
+        <a:scrgbClr r="0" g="0" b="0"/>
+      </a:lnRef>
+      <a:fillRef idx="1">
+        <a:scrgbClr r="0" g="0" b="0"/>
+      </a:fillRef>
+      <a:effectRef idx="0">
+        <a:scrgbClr r="0" g="0" b="0"/>
+      </a:effectRef>
+      <a:fontRef idx="minor">
+        <a:schemeClr val="lt1"/>
+      </a:fontRef>
+    </dgm:style>
+  </dgm:styleLbl>
+  <dgm:styleLbl name="fgSibTrans2D1">
+    <dgm:scene3d>
+      <a:camera prst="orthographicFront"/>
+      <a:lightRig rig="threePt" dir="t"/>
+    </dgm:scene3d>
+    <dgm:sp3d/>
+    <dgm:txPr/>
+    <dgm:style>
+      <a:lnRef idx="0">
+        <a:scrgbClr r="0" g="0" b="0"/>
+      </a:lnRef>
+      <a:fillRef idx="1">
+        <a:scrgbClr r="0" g="0" b="0"/>
+      </a:fillRef>
+      <a:effectRef idx="0">
+        <a:scrgbClr r="0" g="0" b="0"/>
+      </a:effectRef>
+      <a:fontRef idx="minor">
+        <a:schemeClr val="lt1"/>
+      </a:fontRef>
+    </dgm:style>
+  </dgm:styleLbl>
+  <dgm:styleLbl name="bgSibTrans2D1">
+    <dgm:scene3d>
+      <a:camera prst="orthographicFront"/>
+      <a:lightRig rig="threePt" dir="t"/>
+    </dgm:scene3d>
+    <dgm:sp3d/>
+    <dgm:txPr/>
+    <dgm:style>
+      <a:lnRef idx="0">
+        <a:scrgbClr r="0" g="0" b="0"/>
+      </a:lnRef>
+      <a:fillRef idx="1">
+        <a:scrgbClr r="0" g="0" b="0"/>
+      </a:fillRef>
+      <a:effectRef idx="0">
+        <a:scrgbClr r="0" g="0" b="0"/>
+      </a:effectRef>
+      <a:fontRef idx="minor">
+        <a:schemeClr val="lt1"/>
+      </a:fontRef>
+    </dgm:style>
+  </dgm:styleLbl>
+  <dgm:styleLbl name="sibTrans1D1">
+    <dgm:scene3d>
+      <a:camera prst="orthographicFront"/>
+      <a:lightRig rig="threePt" dir="t"/>
+    </dgm:scene3d>
+    <dgm:sp3d/>
+    <dgm:txPr/>
+    <dgm:style>
+      <a:lnRef idx="1">
+        <a:scrgbClr r="0" g="0" b="0"/>
+      </a:lnRef>
+      <a:fillRef idx="0">
+        <a:scrgbClr r="0" g="0" b="0"/>
+      </a:fillRef>
+      <a:effectRef idx="0">
+        <a:scrgbClr r="0" g="0" b="0"/>
+      </a:effectRef>
+      <a:fontRef idx="minor"/>
+    </dgm:style>
+  </dgm:styleLbl>
+  <dgm:styleLbl name="callout">
+    <dgm:scene3d>
+      <a:camera prst="orthographicFront"/>
+      <a:lightRig rig="threePt" dir="t"/>
+    </dgm:scene3d>
+    <dgm:sp3d/>
+    <dgm:txPr/>
+    <dgm:style>
+      <a:lnRef idx="2">
+        <a:scrgbClr r="0" g="0" b="0"/>
+      </a:lnRef>
+      <a:fillRef idx="1">
+        <a:scrgbClr r="0" g="0" b="0"/>
+      </a:fillRef>
+      <a:effectRef idx="0">
+        <a:scrgbClr r="0" g="0" b="0"/>
+      </a:effectRef>
+      <a:fontRef idx="minor"/>
+    </dgm:style>
+  </dgm:styleLbl>
+  <dgm:styleLbl name="asst0">
+    <dgm:scene3d>
+      <a:camera prst="orthographicFront"/>
+      <a:lightRig rig="threePt" dir="t"/>
+    </dgm:scene3d>
+    <dgm:sp3d/>
+    <dgm:txPr/>
+    <dgm:style>
+      <a:lnRef idx="2">
+        <a:scrgbClr r="0" g="0" b="0"/>
+      </a:lnRef>
+      <a:fillRef idx="1">
+        <a:scrgbClr r="0" g="0" b="0"/>
+      </a:fillRef>
+      <a:effectRef idx="0">
+        <a:scrgbClr r="0" g="0" b="0"/>
+      </a:effectRef>
+      <a:fontRef idx="minor">
+        <a:schemeClr val="lt1"/>
+      </a:fontRef>
+    </dgm:style>
+  </dgm:styleLbl>
+  <dgm:styleLbl name="asst1">
+    <dgm:scene3d>
+      <a:camera prst="orthographicFront"/>
+      <a:lightRig rig="threePt" dir="t"/>
+    </dgm:scene3d>
+    <dgm:sp3d/>
+    <dgm:txPr/>
+    <dgm:style>
+      <a:lnRef idx="2">
+        <a:scrgbClr r="0" g="0" b="0"/>
+      </a:lnRef>
+      <a:fillRef idx="1">
+        <a:scrgbClr r="0" g="0" b="0"/>
+      </a:fillRef>
+      <a:effectRef idx="0">
+        <a:scrgbClr r="0" g="0" b="0"/>
+      </a:effectRef>
+      <a:fontRef idx="minor">
+        <a:schemeClr val="lt1"/>
+      </a:fontRef>
+    </dgm:style>
+  </dgm:styleLbl>
+  <dgm:styleLbl name="asst2">
+    <dgm:scene3d>
+      <a:camera prst="orthographicFront"/>
+      <a:lightRig rig="threePt" dir="t"/>
+    </dgm:scene3d>
+    <dgm:sp3d/>
+    <dgm:txPr/>
+    <dgm:style>
+      <a:lnRef idx="2">
+        <a:scrgbClr r="0" g="0" b="0"/>
+      </a:lnRef>
+      <a:fillRef idx="1">
+        <a:scrgbClr r="0" g="0" b="0"/>
+      </a:fillRef>
+      <a:effectRef idx="0">
+        <a:scrgbClr r="0" g="0" b="0"/>
+      </a:effectRef>
+      <a:fontRef idx="minor">
+        <a:schemeClr val="lt1"/>
+      </a:fontRef>
+    </dgm:style>
+  </dgm:styleLbl>
+  <dgm:styleLbl name="asst3">
+    <dgm:scene3d>
+      <a:camera prst="orthographicFront"/>
+      <a:lightRig rig="threePt" dir="t"/>
+    </dgm:scene3d>
+    <dgm:sp3d/>
+    <dgm:txPr/>
+    <dgm:style>
+      <a:lnRef idx="2">
+        <a:scrgbClr r="0" g="0" b="0"/>
+      </a:lnRef>
+      <a:fillRef idx="1">
+        <a:scrgbClr r="0" g="0" b="0"/>
+      </a:fillRef>
+      <a:effectRef idx="0">
+        <a:scrgbClr r="0" g="0" b="0"/>
+      </a:effectRef>
+      <a:fontRef idx="minor">
+        <a:schemeClr val="lt1"/>
+      </a:fontRef>
+    </dgm:style>
+  </dgm:styleLbl>
+  <dgm:styleLbl name="asst4">
+    <dgm:scene3d>
+      <a:camera prst="orthographicFront"/>
+      <a:lightRig rig="threePt" dir="t"/>
+    </dgm:scene3d>
+    <dgm:sp3d/>
+    <dgm:txPr/>
+    <dgm:style>
+      <a:lnRef idx="2">
+        <a:scrgbClr r="0" g="0" b="0"/>
+      </a:lnRef>
+      <a:fillRef idx="1">
+        <a:scrgbClr r="0" g="0" b="0"/>
+      </a:fillRef>
+      <a:effectRef idx="0">
+        <a:scrgbClr r="0" g="0" b="0"/>
+      </a:effectRef>
+      <a:fontRef idx="minor">
+        <a:schemeClr val="lt1"/>
+      </a:fontRef>
+    </dgm:style>
+  </dgm:styleLbl>
+  <dgm:styleLbl name="parChTrans2D1">
+    <dgm:scene3d>
+      <a:camera prst="orthographicFront"/>
+      <a:lightRig rig="threePt" dir="t"/>
+    </dgm:scene3d>
+    <dgm:sp3d/>
+    <dgm:txPr/>
+    <dgm:style>
+      <a:lnRef idx="2">
+        <a:scrgbClr r="0" g="0" b="0"/>
+      </a:lnRef>
+      <a:fillRef idx="1">
+        <a:scrgbClr r="0" g="0" b="0"/>
+      </a:fillRef>
+      <a:effectRef idx="0">
+        <a:scrgbClr r="0" g="0" b="0"/>
+      </a:effectRef>
+      <a:fontRef idx="minor">
+        <a:schemeClr val="lt1"/>
+      </a:fontRef>
+    </dgm:style>
+  </dgm:styleLbl>
+  <dgm:styleLbl name="parChTrans2D2">
+    <dgm:scene3d>
+      <a:camera prst="orthographicFront"/>
+      <a:lightRig rig="threePt" dir="t"/>
+    </dgm:scene3d>
+    <dgm:sp3d/>
+    <dgm:txPr/>
+    <dgm:style>
+      <a:lnRef idx="2">
+        <a:scrgbClr r="0" g="0" b="0"/>
+      </a:lnRef>
+      <a:fillRef idx="1">
+        <a:scrgbClr r="0" g="0" b="0"/>
+      </a:fillRef>
+      <a:effectRef idx="0">
+        <a:scrgbClr r="0" g="0" b="0"/>
+      </a:effectRef>
+      <a:fontRef idx="minor">
+        <a:schemeClr val="lt1"/>
+      </a:fontRef>
+    </dgm:style>
+  </dgm:styleLbl>
+  <dgm:styleLbl name="parChTrans2D3">
+    <dgm:scene3d>
+      <a:camera prst="orthographicFront"/>
+      <a:lightRig rig="threePt" dir="t"/>
+    </dgm:scene3d>
+    <dgm:sp3d/>
+    <dgm:txPr/>
+    <dgm:style>
+      <a:lnRef idx="2">
+        <a:scrgbClr r="0" g="0" b="0"/>
+      </a:lnRef>
+      <a:fillRef idx="1">
+        <a:scrgbClr r="0" g="0" b="0"/>
+      </a:fillRef>
+      <a:effectRef idx="0">
+        <a:scrgbClr r="0" g="0" b="0"/>
+      </a:effectRef>
+      <a:fontRef idx="minor">
+        <a:schemeClr val="lt1"/>
+      </a:fontRef>
+    </dgm:style>
+  </dgm:styleLbl>
+  <dgm:styleLbl name="parChTrans2D4">
+    <dgm:scene3d>
+      <a:camera prst="orthographicFront"/>
+      <a:lightRig rig="threePt" dir="t"/>
+    </dgm:scene3d>
+    <dgm:sp3d/>
+    <dgm:txPr/>
+    <dgm:style>
+      <a:lnRef idx="2">
+        <a:scrgbClr r="0" g="0" b="0"/>
+      </a:lnRef>
+      <a:fillRef idx="1">
+        <a:scrgbClr r="0" g="0" b="0"/>
+      </a:fillRef>
+      <a:effectRef idx="0">
+        <a:scrgbClr r="0" g="0" b="0"/>
+      </a:effectRef>
+      <a:fontRef idx="minor">
+        <a:schemeClr val="lt1"/>
+      </a:fontRef>
+    </dgm:style>
+  </dgm:styleLbl>
+  <dgm:styleLbl name="parChTrans1D1">
+    <dgm:scene3d>
+      <a:camera prst="orthographicFront"/>
+      <a:lightRig rig="threePt" dir="t"/>
+    </dgm:scene3d>
+    <dgm:sp3d/>
+    <dgm:txPr/>
+    <dgm:style>
+      <a:lnRef idx="2">
+        <a:scrgbClr r="0" g="0" b="0"/>
+      </a:lnRef>
+      <a:fillRef idx="0">
+        <a:scrgbClr r="0" g="0" b="0"/>
+      </a:fillRef>
+      <a:effectRef idx="0">
+        <a:scrgbClr r="0" g="0" b="0"/>
+      </a:effectRef>
+      <a:fontRef idx="minor"/>
+    </dgm:style>
+  </dgm:styleLbl>
+  <dgm:styleLbl name="parChTrans1D2">
+    <dgm:scene3d>
+      <a:camera prst="orthographicFront"/>
+      <a:lightRig rig="threePt" dir="t"/>
+    </dgm:scene3d>
+    <dgm:sp3d/>
+    <dgm:txPr/>
+    <dgm:style>
+      <a:lnRef idx="2">
+        <a:scrgbClr r="0" g="0" b="0"/>
+      </a:lnRef>
+      <a:fillRef idx="0">
+        <a:scrgbClr r="0" g="0" b="0"/>
+      </a:fillRef>
+      <a:effectRef idx="0">
+        <a:scrgbClr r="0" g="0" b="0"/>
+      </a:effectRef>
+      <a:fontRef idx="minor"/>
+    </dgm:style>
+  </dgm:styleLbl>
+  <dgm:styleLbl name="parChTrans1D3">
+    <dgm:scene3d>
+      <a:camera prst="orthographicFront"/>
+      <a:lightRig rig="threePt" dir="t"/>
+    </dgm:scene3d>
+    <dgm:sp3d/>
+    <dgm:txPr/>
+    <dgm:style>
+      <a:lnRef idx="2">
+        <a:scrgbClr r="0" g="0" b="0"/>
+      </a:lnRef>
+      <a:fillRef idx="0">
+        <a:scrgbClr r="0" g="0" b="0"/>
+      </a:fillRef>
+      <a:effectRef idx="0">
+        <a:scrgbClr r="0" g="0" b="0"/>
+      </a:effectRef>
+      <a:fontRef idx="minor"/>
+    </dgm:style>
+  </dgm:styleLbl>
+  <dgm:styleLbl name="parChTrans1D4">
+    <dgm:scene3d>
+      <a:camera prst="orthographicFront"/>
+      <a:lightRig rig="threePt" dir="t"/>
+    </dgm:scene3d>
+    <dgm:sp3d/>
+    <dgm:txPr/>
+    <dgm:style>
+      <a:lnRef idx="2">
+        <a:scrgbClr r="0" g="0" b="0"/>
+      </a:lnRef>
+      <a:fillRef idx="0">
+        <a:scrgbClr r="0" g="0" b="0"/>
+      </a:fillRef>
+      <a:effectRef idx="0">
+        <a:scrgbClr r="0" g="0" b="0"/>
+      </a:effectRef>
+      <a:fontRef idx="minor"/>
+    </dgm:style>
+  </dgm:styleLbl>
+  <dgm:styleLbl name="fgAcc1">
+    <dgm:scene3d>
+      <a:camera prst="orthographicFront"/>
+      <a:lightRig rig="threePt" dir="t"/>
+    </dgm:scene3d>
+    <dgm:sp3d/>
+    <dgm:txPr/>
+    <dgm:style>
+      <a:lnRef idx="2">
+        <a:scrgbClr r="0" g="0" b="0"/>
+      </a:lnRef>
+      <a:fillRef idx="1">
+        <a:scrgbClr r="0" g="0" b="0"/>
+      </a:fillRef>
+      <a:effectRef idx="0">
+        <a:scrgbClr r="0" g="0" b="0"/>
+      </a:effectRef>
+      <a:fontRef idx="minor"/>
+    </dgm:style>
+  </dgm:styleLbl>
+  <dgm:styleLbl name="conFgAcc1">
+    <dgm:scene3d>
+      <a:camera prst="orthographicFront"/>
+      <a:lightRig rig="threePt" dir="t"/>
+    </dgm:scene3d>
+    <dgm:sp3d/>
+    <dgm:txPr/>
+    <dgm:style>
+      <a:lnRef idx="2">
+        <a:scrgbClr r="0" g="0" b="0"/>
+      </a:lnRef>
+      <a:fillRef idx="1">
+        <a:scrgbClr r="0" g="0" b="0"/>
+      </a:fillRef>
+      <a:effectRef idx="0">
+        <a:scrgbClr r="0" g="0" b="0"/>
+      </a:effectRef>
+      <a:fontRef idx="minor"/>
+    </dgm:style>
+  </dgm:styleLbl>
+  <dgm:styleLbl name="alignAcc1">
+    <dgm:scene3d>
+      <a:camera prst="orthographicFront"/>
+      <a:lightRig rig="threePt" dir="t"/>
+    </dgm:scene3d>
+    <dgm:sp3d/>
+    <dgm:txPr/>
+    <dgm:style>
+      <a:lnRef idx="2">
+        <a:scrgbClr r="0" g="0" b="0"/>
+      </a:lnRef>
+      <a:fillRef idx="1">
+        <a:scrgbClr r="0" g="0" b="0"/>
+      </a:fillRef>
+      <a:effectRef idx="0">
+        <a:scrgbClr r="0" g="0" b="0"/>
+      </a:effectRef>
+      <a:fontRef idx="minor"/>
+    </dgm:style>
+  </dgm:styleLbl>
+  <dgm:styleLbl name="trAlignAcc1">
+    <dgm:scene3d>
+      <a:camera prst="orthographicFront"/>
+      <a:lightRig rig="threePt" dir="t"/>
+    </dgm:scene3d>
+    <dgm:sp3d/>
+    <dgm:txPr/>
+    <dgm:style>
+      <a:lnRef idx="1">
+        <a:scrgbClr r="0" g="0" b="0"/>
+      </a:lnRef>
+      <a:fillRef idx="1">
+        <a:scrgbClr r="0" g="0" b="0"/>
+      </a:fillRef>
+      <a:effectRef idx="0">
+        <a:scrgbClr r="0" g="0" b="0"/>
+      </a:effectRef>
+      <a:fontRef idx="minor"/>
+    </dgm:style>
+  </dgm:styleLbl>
+  <dgm:styleLbl name="bgAcc1">
+    <dgm:scene3d>
+      <a:camera prst="orthographicFront"/>
+      <a:lightRig rig="threePt" dir="t"/>
+    </dgm:scene3d>
+    <dgm:sp3d/>
+    <dgm:txPr/>
+    <dgm:style>
+      <a:lnRef idx="2">
+        <a:scrgbClr r="0" g="0" b="0"/>
+      </a:lnRef>
+      <a:fillRef idx="1">
+        <a:scrgbClr r="0" g="0" b="0"/>
+      </a:fillRef>
+      <a:effectRef idx="0">
+        <a:scrgbClr r="0" g="0" b="0"/>
+      </a:effectRef>
+      <a:fontRef idx="minor"/>
+    </dgm:style>
+  </dgm:styleLbl>
+  <dgm:styleLbl name="solidFgAcc1">
+    <dgm:scene3d>
+      <a:camera prst="orthographicFront"/>
+      <a:lightRig rig="threePt" dir="t"/>
+    </dgm:scene3d>
+    <dgm:sp3d/>
+    <dgm:txPr/>
+    <dgm:style>
+      <a:lnRef idx="2">
+        <a:scrgbClr r="0" g="0" b="0"/>
+      </a:lnRef>
+      <a:fillRef idx="1">
+        <a:scrgbClr r="0" g="0" b="0"/>
+      </a:fillRef>
+      <a:effectRef idx="0">
+        <a:scrgbClr r="0" g="0" b="0"/>
+      </a:effectRef>
+      <a:fontRef idx="minor"/>
+    </dgm:style>
+  </dgm:styleLbl>
+  <dgm:styleLbl name="solidAlignAcc1">
+    <dgm:scene3d>
+      <a:camera prst="orthographicFront"/>
+      <a:lightRig rig="threePt" dir="t"/>
+    </dgm:scene3d>
+    <dgm:sp3d/>
+    <dgm:txPr/>
+    <dgm:style>
+      <a:lnRef idx="2">
+        <a:scrgbClr r="0" g="0" b="0"/>
+      </a:lnRef>
+      <a:fillRef idx="1">
+        <a:scrgbClr r="0" g="0" b="0"/>
+      </a:fillRef>
+      <a:effectRef idx="0">
+        <a:scrgbClr r="0" g="0" b="0"/>
+      </a:effectRef>
+      <a:fontRef idx="minor"/>
+    </dgm:style>
+  </dgm:styleLbl>
+  <dgm:styleLbl name="solidBgAcc1">
+    <dgm:scene3d>
+      <a:camera prst="orthographicFront"/>
+      <a:lightRig rig="threePt" dir="t"/>
+    </dgm:scene3d>
+    <dgm:sp3d/>
+    <dgm:txPr/>
+    <dgm:style>
+      <a:lnRef idx="2">
+        <a:scrgbClr r="0" g="0" b="0"/>
+      </a:lnRef>
+      <a:fillRef idx="1">
+        <a:scrgbClr r="0" g="0" b="0"/>
+      </a:fillRef>
+      <a:effectRef idx="0">
+        <a:scrgbClr r="0" g="0" b="0"/>
+      </a:effectRef>
+      <a:fontRef idx="minor"/>
+    </dgm:style>
+  </dgm:styleLbl>
+  <dgm:styleLbl name="fgAccFollowNode1">
+    <dgm:scene3d>
+      <a:camera prst="orthographicFront"/>
+      <a:lightRig rig="threePt" dir="t"/>
+    </dgm:scene3d>
+    <dgm:sp3d/>
+    <dgm:txPr/>
+    <dgm:style>
+      <a:lnRef idx="2">
+        <a:scrgbClr r="0" g="0" b="0"/>
+      </a:lnRef>
+      <a:fillRef idx="1">
+        <a:scrgbClr r="0" g="0" b="0"/>
+      </a:fillRef>
+      <a:effectRef idx="0">
+        <a:scrgbClr r="0" g="0" b="0"/>
+      </a:effectRef>
+      <a:fontRef idx="minor"/>
+    </dgm:style>
+  </dgm:styleLbl>
+  <dgm:styleLbl name="alignAccFollowNode1">
+    <dgm:scene3d>
+      <a:camera prst="orthographicFront"/>
+      <a:lightRig rig="threePt" dir="t"/>
+    </dgm:scene3d>
+    <dgm:sp3d/>
+    <dgm:txPr/>
+    <dgm:style>
+      <a:lnRef idx="2">
+        <a:scrgbClr r="0" g="0" b="0"/>
+      </a:lnRef>
+      <a:fillRef idx="1">
+        <a:scrgbClr r="0" g="0" b="0"/>
+      </a:fillRef>
+      <a:effectRef idx="0">
+        <a:scrgbClr r="0" g="0" b="0"/>
+      </a:effectRef>
+      <a:fontRef idx="minor"/>
+    </dgm:style>
+  </dgm:styleLbl>
+  <dgm:styleLbl name="bgAccFollowNode1">
+    <dgm:scene3d>
+      <a:camera prst="orthographicFront"/>
+      <a:lightRig rig="threePt" dir="t"/>
+    </dgm:scene3d>
+    <dgm:sp3d/>
+    <dgm:txPr/>
+    <dgm:style>
+      <a:lnRef idx="2">
+        <a:scrgbClr r="0" g="0" b="0"/>
+      </a:lnRef>
+      <a:fillRef idx="1">
+        <a:scrgbClr r="0" g="0" b="0"/>
+      </a:fillRef>
+      <a:effectRef idx="0">
+        <a:scrgbClr r="0" g="0" b="0"/>
+      </a:effectRef>
+      <a:fontRef idx="minor"/>
+    </dgm:style>
+  </dgm:styleLbl>
+  <dgm:styleLbl name="fgAcc0">
+    <dgm:scene3d>
+      <a:camera prst="orthographicFront"/>
+      <a:lightRig rig="threePt" dir="t"/>
+    </dgm:scene3d>
+    <dgm:sp3d/>
+    <dgm:txPr/>
+    <dgm:style>
+      <a:lnRef idx="2">
+        <a:scrgbClr r="0" g="0" b="0"/>
+      </a:lnRef>
+      <a:fillRef idx="1">
+        <a:scrgbClr r="0" g="0" b="0"/>
+      </a:fillRef>
+      <a:effectRef idx="0">
+        <a:scrgbClr r="0" g="0" b="0"/>
+      </a:effectRef>
+      <a:fontRef idx="minor"/>
+    </dgm:style>
+  </dgm:styleLbl>
+  <dgm:styleLbl name="fgAcc2">
+    <dgm:scene3d>
+      <a:camera prst="orthographicFront"/>
+      <a:lightRig rig="threePt" dir="t"/>
+    </dgm:scene3d>
+    <dgm:sp3d/>
+    <dgm:txPr/>
+    <dgm:style>
+      <a:lnRef idx="2">
+        <a:scrgbClr r="0" g="0" b="0"/>
+      </a:lnRef>
+      <a:fillRef idx="1">
+        <a:scrgbClr r="0" g="0" b="0"/>
+      </a:fillRef>
+      <a:effectRef idx="0">
+        <a:scrgbClr r="0" g="0" b="0"/>
+      </a:effectRef>
+      <a:fontRef idx="minor"/>
+    </dgm:style>
+  </dgm:styleLbl>
+  <dgm:styleLbl name="fgAcc3">
+    <dgm:scene3d>
+      <a:camera prst="orthographicFront"/>
+      <a:lightRig rig="threePt" dir="t"/>
+    </dgm:scene3d>
+    <dgm:sp3d/>
+    <dgm:txPr/>
+    <dgm:style>
+      <a:lnRef idx="2">
+        <a:scrgbClr r="0" g="0" b="0"/>
+      </a:lnRef>
+      <a:fillRef idx="1">
+        <a:scrgbClr r="0" g="0" b="0"/>
+      </a:fillRef>
+      <a:effectRef idx="0">
+        <a:scrgbClr r="0" g="0" b="0"/>
+      </a:effectRef>
+      <a:fontRef idx="minor"/>
+    </dgm:style>
+  </dgm:styleLbl>
+  <dgm:styleLbl name="fgAcc4">
+    <dgm:scene3d>
+      <a:camera prst="orthographicFront"/>
+      <a:lightRig rig="threePt" dir="t"/>
+    </dgm:scene3d>
+    <dgm:sp3d/>
+    <dgm:txPr/>
+    <dgm:style>
+      <a:lnRef idx="2">
+        <a:scrgbClr r="0" g="0" b="0"/>
+      </a:lnRef>
+      <a:fillRef idx="1">
+        <a:scrgbClr r="0" g="0" b="0"/>
+      </a:fillRef>
+      <a:effectRef idx="0">
+        <a:scrgbClr r="0" g="0" b="0"/>
+      </a:effectRef>
+      <a:fontRef idx="minor"/>
+    </dgm:style>
+  </dgm:styleLbl>
+  <dgm:styleLbl name="bgShp">
+    <dgm:scene3d>
+      <a:camera prst="orthographicFront"/>
+      <a:lightRig rig="threePt" dir="t"/>
+    </dgm:scene3d>
+    <dgm:sp3d/>
+    <dgm:txPr/>
+    <dgm:style>
+      <a:lnRef idx="0">
+        <a:scrgbClr r="0" g="0" b="0"/>
+      </a:lnRef>
+      <a:fillRef idx="1">
+        <a:scrgbClr r="0" g="0" b="0"/>
+      </a:fillRef>
+      <a:effectRef idx="0">
+        <a:scrgbClr r="0" g="0" b="0"/>
+      </a:effectRef>
+      <a:fontRef idx="minor"/>
+    </dgm:style>
+  </dgm:styleLbl>
+  <dgm:styleLbl name="dkBgShp">
+    <dgm:scene3d>
+      <a:camera prst="orthographicFront"/>
+      <a:lightRig rig="threePt" dir="t"/>
+    </dgm:scene3d>
+    <dgm:sp3d/>
+    <dgm:txPr/>
+    <dgm:style>
+      <a:lnRef idx="0">
+        <a:scrgbClr r="0" g="0" b="0"/>
+      </a:lnRef>
+      <a:fillRef idx="1">
+        <a:scrgbClr r="0" g="0" b="0"/>
+      </a:fillRef>
+      <a:effectRef idx="0">
+        <a:scrgbClr r="0" g="0" b="0"/>
+      </a:effectRef>
+      <a:fontRef idx="minor"/>
+    </dgm:style>
+  </dgm:styleLbl>
+  <dgm:styleLbl name="trBgShp">
+    <dgm:scene3d>
+      <a:camera prst="orthographicFront"/>
+      <a:lightRig rig="threePt" dir="t"/>
+    </dgm:scene3d>
+    <dgm:sp3d/>
+    <dgm:txPr/>
+    <dgm:style>
+      <a:lnRef idx="0">
+        <a:scrgbClr r="0" g="0" b="0"/>
+      </a:lnRef>
+      <a:fillRef idx="1">
+        <a:scrgbClr r="0" g="0" b="0"/>
+      </a:fillRef>
+      <a:effectRef idx="0">
+        <a:scrgbClr r="0" g="0" b="0"/>
+      </a:effectRef>
+      <a:fontRef idx="minor"/>
+    </dgm:style>
+  </dgm:styleLbl>
+  <dgm:styleLbl name="fgShp">
+    <dgm:scene3d>
+      <a:camera prst="orthographicFront"/>
+      <a:lightRig rig="threePt" dir="t"/>
+    </dgm:scene3d>
+    <dgm:sp3d/>
+    <dgm:txPr/>
+    <dgm:style>
+      <a:lnRef idx="2">
+        <a:scrgbClr r="0" g="0" b="0"/>
+      </a:lnRef>
+      <a:fillRef idx="1">
+        <a:scrgbClr r="0" g="0" b="0"/>
+      </a:fillRef>
+      <a:effectRef idx="0">
+        <a:scrgbClr r="0" g="0" b="0"/>
+      </a:effectRef>
+      <a:fontRef idx="minor"/>
+    </dgm:style>
+  </dgm:styleLbl>
+  <dgm:styleLbl name="revTx">
+    <dgm:scene3d>
+      <a:camera prst="orthographicFront"/>
+      <a:lightRig rig="threePt" dir="t"/>
+    </dgm:scene3d>
+    <dgm:sp3d/>
+    <dgm:txPr/>
+    <dgm:style>
+      <a:lnRef idx="0">
+        <a:scrgbClr r="0" g="0" b="0"/>
+      </a:lnRef>
+      <a:fillRef idx="0">
+        <a:scrgbClr r="0" g="0" b="0"/>
+      </a:fillRef>
+      <a:effectRef idx="0">
+        <a:scrgbClr r="0" g="0" b="0"/>
+      </a:effectRef>
+      <a:fontRef idx="minor"/>
+    </dgm:style>
+  </dgm:styleLbl>
+</dgm:styleDef>
 </file>
 
 <file path=ppt/slideLayouts/slideLayout1.xml><?xml version="1.0" encoding="utf-8"?>
@@ -277,7 +2657,7 @@
           <a:p>
             <a:fld id="{02AC24A9-CCB6-4F8D-B8DB-C2F3692CFA5A}" type="datetimeFigureOut">
               <a:rPr lang="en-US" smtClean="0"/>
-              <a:t>2/23/2021</a:t>
+              <a:t>2/24/2021</a:t>
             </a:fld>
             <a:endParaRPr lang="en-US" dirty="0"/>
           </a:p>
@@ -647,7 +3027,7 @@
           <a:p>
             <a:fld id="{02AC24A9-CCB6-4F8D-B8DB-C2F3692CFA5A}" type="datetimeFigureOut">
               <a:rPr lang="en-US" smtClean="0"/>
-              <a:t>2/23/2021</a:t>
+              <a:t>2/24/2021</a:t>
             </a:fld>
             <a:endParaRPr lang="en-US"/>
           </a:p>
@@ -856,7 +3236,7 @@
           <a:p>
             <a:fld id="{02AC24A9-CCB6-4F8D-B8DB-C2F3692CFA5A}" type="datetimeFigureOut">
               <a:rPr lang="en-US" smtClean="0"/>
-              <a:t>2/23/2021</a:t>
+              <a:t>2/24/2021</a:t>
             </a:fld>
             <a:endParaRPr lang="en-US"/>
           </a:p>
@@ -1326,7 +3706,7 @@
           <a:p>
             <a:fld id="{02AC24A9-CCB6-4F8D-B8DB-C2F3692CFA5A}" type="datetimeFigureOut">
               <a:rPr lang="en-US" smtClean="0"/>
-              <a:t>2/23/2021</a:t>
+              <a:t>2/24/2021</a:t>
             </a:fld>
             <a:endParaRPr lang="en-US"/>
           </a:p>
@@ -1780,7 +4160,7 @@
           <a:p>
             <a:fld id="{02AC24A9-CCB6-4F8D-B8DB-C2F3692CFA5A}" type="datetimeFigureOut">
               <a:rPr lang="en-US" smtClean="0"/>
-              <a:t>2/23/2021</a:t>
+              <a:t>2/24/2021</a:t>
             </a:fld>
             <a:endParaRPr lang="en-US"/>
           </a:p>
@@ -2312,7 +4692,7 @@
           <a:p>
             <a:fld id="{02AC24A9-CCB6-4F8D-B8DB-C2F3692CFA5A}" type="datetimeFigureOut">
               <a:rPr lang="en-US" smtClean="0"/>
-              <a:t>2/23/2021</a:t>
+              <a:t>2/24/2021</a:t>
             </a:fld>
             <a:endParaRPr lang="en-US"/>
           </a:p>
@@ -3011,7 +5391,7 @@
           <a:p>
             <a:fld id="{02AC24A9-CCB6-4F8D-B8DB-C2F3692CFA5A}" type="datetimeFigureOut">
               <a:rPr lang="en-US" smtClean="0"/>
-              <a:t>2/23/2021</a:t>
+              <a:t>2/24/2021</a:t>
             </a:fld>
             <a:endParaRPr lang="en-US"/>
           </a:p>
@@ -3340,7 +5720,7 @@
           <a:p>
             <a:fld id="{02AC24A9-CCB6-4F8D-B8DB-C2F3692CFA5A}" type="datetimeFigureOut">
               <a:rPr lang="en-US" smtClean="0"/>
-              <a:t>2/23/2021</a:t>
+              <a:t>2/24/2021</a:t>
             </a:fld>
             <a:endParaRPr lang="en-US"/>
           </a:p>
@@ -3453,7 +5833,7 @@
           <a:p>
             <a:fld id="{02AC24A9-CCB6-4F8D-B8DB-C2F3692CFA5A}" type="datetimeFigureOut">
               <a:rPr lang="en-US" smtClean="0"/>
-              <a:t>2/23/2021</a:t>
+              <a:t>2/24/2021</a:t>
             </a:fld>
             <a:endParaRPr lang="en-US"/>
           </a:p>
@@ -3948,7 +6328,7 @@
           <a:p>
             <a:fld id="{02AC24A9-CCB6-4F8D-B8DB-C2F3692CFA5A}" type="datetimeFigureOut">
               <a:rPr lang="en-US" smtClean="0"/>
-              <a:t>2/23/2021</a:t>
+              <a:t>2/24/2021</a:t>
             </a:fld>
             <a:endParaRPr lang="en-US" dirty="0"/>
           </a:p>
@@ -4425,7 +6805,7 @@
           <a:p>
             <a:fld id="{02AC24A9-CCB6-4F8D-B8DB-C2F3692CFA5A}" type="datetimeFigureOut">
               <a:rPr lang="en-US" smtClean="0"/>
-              <a:t>2/23/2021</a:t>
+              <a:t>2/24/2021</a:t>
             </a:fld>
             <a:endParaRPr lang="en-US"/>
           </a:p>
@@ -4668,7 +7048,7 @@
           <a:p>
             <a:fld id="{02AC24A9-CCB6-4F8D-B8DB-C2F3692CFA5A}" type="datetimeFigureOut">
               <a:rPr lang="en-US" smtClean="0"/>
-              <a:t>2/23/2021</a:t>
+              <a:t>2/24/2021</a:t>
             </a:fld>
             <a:endParaRPr lang="en-US"/>
           </a:p>
@@ -5599,12 +7979,12 @@
           <a:chExt cx="0" cy="0"/>
         </a:xfrm>
       </p:grpSpPr>
-      <p:sp>
-        <p:nvSpPr>
-          <p:cNvPr id="39" name="Rectangle 28">
-            <a:extLst>
-              <a:ext uri="{FF2B5EF4-FFF2-40B4-BE49-F238E27FC236}">
-                <a16:creationId xmlns:a16="http://schemas.microsoft.com/office/drawing/2014/main" id="{8D06CE56-3881-4ADA-8CEF-D18B02C242A3}"/>
+      <p:sp useBgFill="1">
+        <p:nvSpPr>
+          <p:cNvPr id="48" name="Rectangle 47">
+            <a:extLst>
+              <a:ext uri="{FF2B5EF4-FFF2-40B4-BE49-F238E27FC236}">
+                <a16:creationId xmlns:a16="http://schemas.microsoft.com/office/drawing/2014/main" id="{115719BB-48A7-4AF4-BB91-DC82E0DF727D}"/>
               </a:ext>
               <a:ext uri="{C183D7F6-B498-43B3-948B-1728B52AA6E4}">
                 <adec:decorative xmlns:adec="http://schemas.microsoft.com/office/drawing/2017/decorative" val="1"/>
@@ -5623,16 +8003,13 @@
           </p:nvPr>
         </p:nvSpPr>
         <p:spPr>
-          <a:xfrm rot="5400000">
-            <a:off x="857544" y="346791"/>
-            <a:ext cx="146304" cy="704088"/>
+          <a:xfrm>
+            <a:off x="0" y="0"/>
+            <a:ext cx="12192000" cy="6858000"/>
           </a:xfrm>
           <a:prstGeom prst="rect">
             <a:avLst/>
           </a:prstGeom>
-          <a:solidFill>
-            <a:schemeClr val="accent1"/>
-          </a:solidFill>
           <a:ln>
             <a:noFill/>
           </a:ln>
@@ -5655,6 +8032,152 @@
         </p:style>
         <p:txBody>
           <a:bodyPr rtlCol="0" anchor="ctr"/>
+          <a:lstStyle/>
+          <a:p>
+            <a:pPr algn="ctr"/>
+            <a:endParaRPr lang="en-US"/>
+          </a:p>
+        </p:txBody>
+      </p:sp>
+      <p:sp useBgFill="1">
+        <p:nvSpPr>
+          <p:cNvPr id="50" name="Freeform: Shape 49">
+            <a:extLst>
+              <a:ext uri="{FF2B5EF4-FFF2-40B4-BE49-F238E27FC236}">
+                <a16:creationId xmlns:a16="http://schemas.microsoft.com/office/drawing/2014/main" id="{10973A55-5440-4A99-B526-B5812E46271E}"/>
+              </a:ext>
+              <a:ext uri="{C183D7F6-B498-43B3-948B-1728B52AA6E4}">
+                <adec:decorative xmlns:adec="http://schemas.microsoft.com/office/drawing/2017/decorative" val="1"/>
+              </a:ext>
+            </a:extLst>
+          </p:cNvPr>
+          <p:cNvSpPr>
+            <a:spLocks noGrp="1" noRot="1" noChangeAspect="1" noMove="1" noResize="1" noEditPoints="1" noAdjustHandles="1" noChangeArrowheads="1" noChangeShapeType="1" noTextEdit="1"/>
+          </p:cNvSpPr>
+          <p:nvPr>
+            <p:extLst>
+              <p:ext uri="{386F3935-93C4-4BCD-93E2-E3B085C9AB24}">
+                <p16:designElem xmlns:p16="http://schemas.microsoft.com/office/powerpoint/2015/main" val="1"/>
+              </p:ext>
+            </p:extLst>
+          </p:nvPr>
+        </p:nvSpPr>
+        <p:spPr>
+          <a:xfrm>
+            <a:off x="-1" y="0"/>
+            <a:ext cx="6096002" cy="6858000"/>
+          </a:xfrm>
+          <a:custGeom>
+            <a:avLst/>
+            <a:gdLst>
+              <a:gd name="connsiteX0" fmla="*/ 0 w 6096002"/>
+              <a:gd name="connsiteY0" fmla="*/ 0 h 6858000"/>
+              <a:gd name="connsiteX1" fmla="*/ 4885967 w 6096002"/>
+              <a:gd name="connsiteY1" fmla="*/ 0 h 6858000"/>
+              <a:gd name="connsiteX2" fmla="*/ 4946007 w 6096002"/>
+              <a:gd name="connsiteY2" fmla="*/ 69271 h 6858000"/>
+              <a:gd name="connsiteX3" fmla="*/ 6096002 w 6096002"/>
+              <a:gd name="connsiteY3" fmla="*/ 3429000 h 6858000"/>
+              <a:gd name="connsiteX4" fmla="*/ 4946007 w 6096002"/>
+              <a:gd name="connsiteY4" fmla="*/ 6788730 h 6858000"/>
+              <a:gd name="connsiteX5" fmla="*/ 4885967 w 6096002"/>
+              <a:gd name="connsiteY5" fmla="*/ 6858000 h 6858000"/>
+              <a:gd name="connsiteX6" fmla="*/ 0 w 6096002"/>
+              <a:gd name="connsiteY6" fmla="*/ 6858000 h 6858000"/>
+            </a:gdLst>
+            <a:ahLst/>
+            <a:cxnLst>
+              <a:cxn ang="0">
+                <a:pos x="connsiteX0" y="connsiteY0"/>
+              </a:cxn>
+              <a:cxn ang="0">
+                <a:pos x="connsiteX1" y="connsiteY1"/>
+              </a:cxn>
+              <a:cxn ang="0">
+                <a:pos x="connsiteX2" y="connsiteY2"/>
+              </a:cxn>
+              <a:cxn ang="0">
+                <a:pos x="connsiteX3" y="connsiteY3"/>
+              </a:cxn>
+              <a:cxn ang="0">
+                <a:pos x="connsiteX4" y="connsiteY4"/>
+              </a:cxn>
+              <a:cxn ang="0">
+                <a:pos x="connsiteX5" y="connsiteY5"/>
+              </a:cxn>
+              <a:cxn ang="0">
+                <a:pos x="connsiteX6" y="connsiteY6"/>
+              </a:cxn>
+            </a:cxnLst>
+            <a:rect l="l" t="t" r="r" b="b"/>
+            <a:pathLst>
+              <a:path w="6096002" h="6858000">
+                <a:moveTo>
+                  <a:pt x="0" y="0"/>
+                </a:moveTo>
+                <a:lnTo>
+                  <a:pt x="4885967" y="0"/>
+                </a:lnTo>
+                <a:lnTo>
+                  <a:pt x="4946007" y="69271"/>
+                </a:lnTo>
+                <a:cubicBezTo>
+                  <a:pt x="5656533" y="929100"/>
+                  <a:pt x="6096002" y="2116944"/>
+                  <a:pt x="6096002" y="3429000"/>
+                </a:cubicBezTo>
+                <a:cubicBezTo>
+                  <a:pt x="6096002" y="4741056"/>
+                  <a:pt x="5656533" y="5928900"/>
+                  <a:pt x="4946007" y="6788730"/>
+                </a:cubicBezTo>
+                <a:lnTo>
+                  <a:pt x="4885967" y="6858000"/>
+                </a:lnTo>
+                <a:lnTo>
+                  <a:pt x="0" y="6858000"/>
+                </a:lnTo>
+                <a:close/>
+              </a:path>
+            </a:pathLst>
+          </a:custGeom>
+          <a:ln w="9525">
+            <a:solidFill>
+              <a:schemeClr val="tx2">
+                <a:lumMod val="10000"/>
+                <a:lumOff val="90000"/>
+              </a:schemeClr>
+            </a:solidFill>
+          </a:ln>
+          <a:effectLst>
+            <a:outerShdw blurRad="50800" dist="38100" algn="l" rotWithShape="0">
+              <a:schemeClr val="bg1">
+                <a:lumMod val="85000"/>
+                <a:alpha val="30000"/>
+              </a:schemeClr>
+            </a:outerShdw>
+          </a:effectLst>
+        </p:spPr>
+        <p:style>
+          <a:lnRef idx="2">
+            <a:schemeClr val="accent1">
+              <a:shade val="50000"/>
+            </a:schemeClr>
+          </a:lnRef>
+          <a:fillRef idx="1">
+            <a:schemeClr val="accent1"/>
+          </a:fillRef>
+          <a:effectRef idx="0">
+            <a:schemeClr val="accent1"/>
+          </a:effectRef>
+          <a:fontRef idx="minor">
+            <a:schemeClr val="lt1"/>
+          </a:fontRef>
+        </p:style>
+        <p:txBody>
+          <a:bodyPr wrap="square" rtlCol="0" anchor="ctr">
+            <a:noAutofit/>
+          </a:bodyPr>
           <a:lstStyle/>
           <a:p>
             <a:pPr marL="0" marR="0" lvl="0" indent="0" algn="ctr" defTabSz="914400" rtl="0" eaLnBrk="1" fontAlgn="auto" latinLnBrk="0" hangingPunct="1">
@@ -5691,12 +8214,12 @@
           </a:p>
         </p:txBody>
       </p:sp>
-      <p:sp>
-        <p:nvSpPr>
-          <p:cNvPr id="40" name="Rectangle 30">
-            <a:extLst>
-              <a:ext uri="{FF2B5EF4-FFF2-40B4-BE49-F238E27FC236}">
-                <a16:creationId xmlns:a16="http://schemas.microsoft.com/office/drawing/2014/main" id="{79F3C543-62EC-4433-9C93-A2CD8764E9B4}"/>
+      <p:sp useBgFill="1">
+        <p:nvSpPr>
+          <p:cNvPr id="52" name="Freeform: Shape 51">
+            <a:extLst>
+              <a:ext uri="{FF2B5EF4-FFF2-40B4-BE49-F238E27FC236}">
+                <a16:creationId xmlns:a16="http://schemas.microsoft.com/office/drawing/2014/main" id="{A9682493-588A-4D52-98F6-FBBD80C07ECB}"/>
               </a:ext>
               <a:ext uri="{C183D7F6-B498-43B3-948B-1728B52AA6E4}">
                 <adec:decorative xmlns:adec="http://schemas.microsoft.com/office/drawing/2017/decorative" val="1"/>
@@ -5715,20 +8238,85 @@
           </p:nvPr>
         </p:nvSpPr>
         <p:spPr>
-          <a:xfrm flipV="1">
-            <a:off x="578652" y="4501201"/>
-            <a:ext cx="11034696" cy="18288"/>
-          </a:xfrm>
-          <a:prstGeom prst="rect">
+          <a:xfrm>
+            <a:off x="0" y="0"/>
+            <a:ext cx="6085370" cy="6858000"/>
+          </a:xfrm>
+          <a:custGeom>
             <a:avLst/>
-          </a:prstGeom>
-          <a:solidFill>
-            <a:schemeClr val="tx2">
-              <a:lumMod val="25000"/>
-              <a:lumOff val="75000"/>
-            </a:schemeClr>
-          </a:solidFill>
-          <a:ln w="3175">
+            <a:gdLst>
+              <a:gd name="connsiteX0" fmla="*/ 0 w 6085370"/>
+              <a:gd name="connsiteY0" fmla="*/ 0 h 6858000"/>
+              <a:gd name="connsiteX1" fmla="*/ 4875335 w 6085370"/>
+              <a:gd name="connsiteY1" fmla="*/ 0 h 6858000"/>
+              <a:gd name="connsiteX2" fmla="*/ 4935375 w 6085370"/>
+              <a:gd name="connsiteY2" fmla="*/ 69271 h 6858000"/>
+              <a:gd name="connsiteX3" fmla="*/ 6085370 w 6085370"/>
+              <a:gd name="connsiteY3" fmla="*/ 3429000 h 6858000"/>
+              <a:gd name="connsiteX4" fmla="*/ 4935375 w 6085370"/>
+              <a:gd name="connsiteY4" fmla="*/ 6788730 h 6858000"/>
+              <a:gd name="connsiteX5" fmla="*/ 4875335 w 6085370"/>
+              <a:gd name="connsiteY5" fmla="*/ 6858000 h 6858000"/>
+              <a:gd name="connsiteX6" fmla="*/ 0 w 6085370"/>
+              <a:gd name="connsiteY6" fmla="*/ 6858000 h 6858000"/>
+            </a:gdLst>
+            <a:ahLst/>
+            <a:cxnLst>
+              <a:cxn ang="0">
+                <a:pos x="connsiteX0" y="connsiteY0"/>
+              </a:cxn>
+              <a:cxn ang="0">
+                <a:pos x="connsiteX1" y="connsiteY1"/>
+              </a:cxn>
+              <a:cxn ang="0">
+                <a:pos x="connsiteX2" y="connsiteY2"/>
+              </a:cxn>
+              <a:cxn ang="0">
+                <a:pos x="connsiteX3" y="connsiteY3"/>
+              </a:cxn>
+              <a:cxn ang="0">
+                <a:pos x="connsiteX4" y="connsiteY4"/>
+              </a:cxn>
+              <a:cxn ang="0">
+                <a:pos x="connsiteX5" y="connsiteY5"/>
+              </a:cxn>
+              <a:cxn ang="0">
+                <a:pos x="connsiteX6" y="connsiteY6"/>
+              </a:cxn>
+            </a:cxnLst>
+            <a:rect l="l" t="t" r="r" b="b"/>
+            <a:pathLst>
+              <a:path w="6085370" h="6858000">
+                <a:moveTo>
+                  <a:pt x="0" y="0"/>
+                </a:moveTo>
+                <a:lnTo>
+                  <a:pt x="4875335" y="0"/>
+                </a:lnTo>
+                <a:lnTo>
+                  <a:pt x="4935375" y="69271"/>
+                </a:lnTo>
+                <a:cubicBezTo>
+                  <a:pt x="5645901" y="929100"/>
+                  <a:pt x="6085370" y="2116944"/>
+                  <a:pt x="6085370" y="3429000"/>
+                </a:cubicBezTo>
+                <a:cubicBezTo>
+                  <a:pt x="6085370" y="4741056"/>
+                  <a:pt x="5645901" y="5928900"/>
+                  <a:pt x="4935375" y="6788730"/>
+                </a:cubicBezTo>
+                <a:lnTo>
+                  <a:pt x="4875335" y="6858000"/>
+                </a:lnTo>
+                <a:lnTo>
+                  <a:pt x="0" y="6858000"/>
+                </a:lnTo>
+                <a:close/>
+              </a:path>
+            </a:pathLst>
+          </a:custGeom>
+          <a:ln w="9525">
             <a:noFill/>
           </a:ln>
           <a:effectLst/>
@@ -5750,7 +8338,9 @@
           </a:fontRef>
         </p:style>
         <p:txBody>
-          <a:bodyPr rtlCol="0" anchor="ctr"/>
+          <a:bodyPr wrap="square" rtlCol="0" anchor="ctr">
+            <a:noAutofit/>
+          </a:bodyPr>
           <a:lstStyle/>
           <a:p>
             <a:pPr marL="0" marR="0" lvl="0" indent="0" algn="ctr" defTabSz="914400" rtl="0" eaLnBrk="1" fontAlgn="auto" latinLnBrk="0" hangingPunct="1">
@@ -5787,12 +8377,47 @@
           </a:p>
         </p:txBody>
       </p:sp>
-      <p:sp useBgFill="1">
-        <p:nvSpPr>
-          <p:cNvPr id="41" name="Rectangle 32">
-            <a:extLst>
-              <a:ext uri="{FF2B5EF4-FFF2-40B4-BE49-F238E27FC236}">
-                <a16:creationId xmlns:a16="http://schemas.microsoft.com/office/drawing/2014/main" id="{D7D03296-BABA-47AD-A5D5-ED156727016E}"/>
+      <p:sp>
+        <p:nvSpPr>
+          <p:cNvPr id="2" name="Title 1">
+            <a:extLst>
+              <a:ext uri="{FF2B5EF4-FFF2-40B4-BE49-F238E27FC236}">
+                <a16:creationId xmlns:a16="http://schemas.microsoft.com/office/drawing/2014/main" id="{C80A9073-F275-4ED0-86BC-B3C7086C33CC}"/>
+              </a:ext>
+            </a:extLst>
+          </p:cNvPr>
+          <p:cNvSpPr>
+            <a:spLocks noGrp="1"/>
+          </p:cNvSpPr>
+          <p:nvPr>
+            <p:ph type="title"/>
+          </p:nvPr>
+        </p:nvSpPr>
+        <p:spPr>
+          <a:xfrm>
+            <a:off x="438913" y="859536"/>
+            <a:ext cx="4832802" cy="1170432"/>
+          </a:xfrm>
+        </p:spPr>
+        <p:txBody>
+          <a:bodyPr vert="horz" lIns="91440" tIns="45720" rIns="91440" bIns="45720" rtlCol="0" anchor="b">
+            <a:normAutofit/>
+          </a:bodyPr>
+          <a:lstStyle/>
+          <a:p>
+            <a:r>
+              <a:rPr lang="en-US" sz="3100" dirty="0"/>
+              <a:t>Annual Fuel Cost (Automatic vs Manual)</a:t>
+            </a:r>
+          </a:p>
+        </p:txBody>
+      </p:sp>
+      <p:sp>
+        <p:nvSpPr>
+          <p:cNvPr id="54" name="Rectangle 53">
+            <a:extLst>
+              <a:ext uri="{FF2B5EF4-FFF2-40B4-BE49-F238E27FC236}">
+                <a16:creationId xmlns:a16="http://schemas.microsoft.com/office/drawing/2014/main" id="{FBEC5A7A-ADE4-48D9-B89C-2BA1C9110632}"/>
               </a:ext>
               <a:ext uri="{C183D7F6-B498-43B3-948B-1728B52AA6E4}">
                 <adec:decorative xmlns:adec="http://schemas.microsoft.com/office/drawing/2017/decorative" val="1"/>
@@ -5811,207 +8436,9 @@
           </p:nvPr>
         </p:nvSpPr>
         <p:spPr>
-          <a:xfrm>
-            <a:off x="0" y="0"/>
-            <a:ext cx="12192000" cy="6858000"/>
-          </a:xfrm>
-          <a:prstGeom prst="rect">
-            <a:avLst/>
-          </a:prstGeom>
-          <a:ln>
-            <a:noFill/>
-          </a:ln>
-        </p:spPr>
-        <p:style>
-          <a:lnRef idx="2">
-            <a:schemeClr val="accent1">
-              <a:shade val="50000"/>
-            </a:schemeClr>
-          </a:lnRef>
-          <a:fillRef idx="1">
-            <a:schemeClr val="accent1"/>
-          </a:fillRef>
-          <a:effectRef idx="0">
-            <a:schemeClr val="accent1"/>
-          </a:effectRef>
-          <a:fontRef idx="minor">
-            <a:schemeClr val="lt1"/>
-          </a:fontRef>
-        </p:style>
-        <p:txBody>
-          <a:bodyPr rtlCol="0" anchor="ctr"/>
-          <a:lstStyle/>
-          <a:p>
-            <a:pPr algn="ctr"/>
-            <a:endParaRPr lang="en-US"/>
-          </a:p>
-        </p:txBody>
-      </p:sp>
-      <p:sp>
-        <p:nvSpPr>
-          <p:cNvPr id="2" name="Title 1">
-            <a:extLst>
-              <a:ext uri="{FF2B5EF4-FFF2-40B4-BE49-F238E27FC236}">
-                <a16:creationId xmlns:a16="http://schemas.microsoft.com/office/drawing/2014/main" id="{C80A9073-F275-4ED0-86BC-B3C7086C33CC}"/>
-              </a:ext>
-            </a:extLst>
-          </p:cNvPr>
-          <p:cNvSpPr>
-            <a:spLocks noGrp="1"/>
-          </p:cNvSpPr>
-          <p:nvPr>
-            <p:ph type="title"/>
-          </p:nvPr>
-        </p:nvSpPr>
-        <p:spPr>
-          <a:xfrm>
-            <a:off x="838200" y="226061"/>
-            <a:ext cx="10515600" cy="1092050"/>
-          </a:xfrm>
-        </p:spPr>
-        <p:txBody>
-          <a:bodyPr vert="horz" lIns="91440" tIns="45720" rIns="91440" bIns="45720" rtlCol="0" anchor="b">
-            <a:normAutofit/>
-          </a:bodyPr>
-          <a:lstStyle/>
-          <a:p>
-            <a:pPr algn="ctr"/>
-            <a:r>
-              <a:rPr lang="en-US" sz="3600"/>
-              <a:t>Annual Fuel Cost (Front Wheel, All Wheel, Rear Wheel)</a:t>
-            </a:r>
-          </a:p>
-        </p:txBody>
-      </p:sp>
-      <p:sp useBgFill="1">
-        <p:nvSpPr>
-          <p:cNvPr id="42" name="Rectangle 34">
-            <a:extLst>
-              <a:ext uri="{FF2B5EF4-FFF2-40B4-BE49-F238E27FC236}">
-                <a16:creationId xmlns:a16="http://schemas.microsoft.com/office/drawing/2014/main" id="{284A8429-F65A-490D-96E4-1158D3E8A026}"/>
-              </a:ext>
-              <a:ext uri="{C183D7F6-B498-43B3-948B-1728B52AA6E4}">
-                <adec:decorative xmlns:adec="http://schemas.microsoft.com/office/drawing/2017/decorative" val="1"/>
-              </a:ext>
-            </a:extLst>
-          </p:cNvPr>
-          <p:cNvSpPr>
-            <a:spLocks noGrp="1" noRot="1" noChangeAspect="1" noMove="1" noResize="1" noEditPoints="1" noAdjustHandles="1" noChangeArrowheads="1" noChangeShapeType="1" noTextEdit="1"/>
-          </p:cNvSpPr>
-          <p:nvPr>
-            <p:extLst>
-              <p:ext uri="{386F3935-93C4-4BCD-93E2-E3B085C9AB24}">
-                <p16:designElem xmlns:p16="http://schemas.microsoft.com/office/powerpoint/2015/main" val="1"/>
-              </p:ext>
-            </p:extLst>
-          </p:nvPr>
-        </p:nvSpPr>
-        <p:spPr>
-          <a:xfrm>
-            <a:off x="838199" y="1396083"/>
-            <a:ext cx="10515599" cy="822960"/>
-          </a:xfrm>
-          <a:prstGeom prst="rect">
-            <a:avLst/>
-          </a:prstGeom>
-          <a:ln w="12700">
-            <a:solidFill>
-              <a:schemeClr val="tx2">
-                <a:lumMod val="10000"/>
-                <a:lumOff val="90000"/>
-              </a:schemeClr>
-            </a:solidFill>
-          </a:ln>
-          <a:effectLst>
-            <a:outerShdw blurRad="50800" dist="38100" dir="2700000" algn="tl" rotWithShape="0">
-              <a:schemeClr val="bg1">
-                <a:lumMod val="85000"/>
-                <a:alpha val="30000"/>
-              </a:schemeClr>
-            </a:outerShdw>
-          </a:effectLst>
-        </p:spPr>
-        <p:style>
-          <a:lnRef idx="2">
-            <a:schemeClr val="accent1">
-              <a:shade val="50000"/>
-            </a:schemeClr>
-          </a:lnRef>
-          <a:fillRef idx="1">
-            <a:schemeClr val="accent1"/>
-          </a:fillRef>
-          <a:effectRef idx="0">
-            <a:schemeClr val="accent1"/>
-          </a:effectRef>
-          <a:fontRef idx="minor">
-            <a:schemeClr val="lt1"/>
-          </a:fontRef>
-        </p:style>
-        <p:txBody>
-          <a:bodyPr rtlCol="0" anchor="ctr"/>
-          <a:lstStyle/>
-          <a:p>
-            <a:pPr marL="0" marR="0" lvl="0" indent="0" algn="ctr" defTabSz="914400" rtl="0" eaLnBrk="1" fontAlgn="auto" latinLnBrk="0" hangingPunct="1">
-              <a:lnSpc>
-                <a:spcPct val="100000"/>
-              </a:lnSpc>
-              <a:spcBef>
-                <a:spcPts val="0"/>
-              </a:spcBef>
-              <a:spcAft>
-                <a:spcPts val="0"/>
-              </a:spcAft>
-              <a:buClrTx/>
-              <a:buSzTx/>
-              <a:buFontTx/>
-              <a:buNone/>
-              <a:tabLst/>
-              <a:defRPr/>
-            </a:pPr>
-            <a:endParaRPr kumimoji="0" lang="en-US" sz="1800" b="0" i="0" u="none" strike="noStrike" kern="1200" cap="none" spc="0" normalizeH="0" baseline="0" noProof="0" dirty="0">
-              <a:ln>
-                <a:noFill/>
-              </a:ln>
-              <a:solidFill>
-                <a:prstClr val="white"/>
-              </a:solidFill>
-              <a:effectLst/>
-              <a:uLnTx/>
-              <a:uFillTx/>
-              <a:latin typeface="Calibri" panose="020F0502020204030204"/>
-              <a:ea typeface="+mn-ea"/>
-              <a:cs typeface="+mn-cs"/>
-            </a:endParaRPr>
-          </a:p>
-        </p:txBody>
-      </p:sp>
-      <p:sp>
-        <p:nvSpPr>
-          <p:cNvPr id="43" name="Rectangle 36">
-            <a:extLst>
-              <a:ext uri="{FF2B5EF4-FFF2-40B4-BE49-F238E27FC236}">
-                <a16:creationId xmlns:a16="http://schemas.microsoft.com/office/drawing/2014/main" id="{0F022291-A82B-4D23-A1E0-5F9BD684669E}"/>
-              </a:ext>
-              <a:ext uri="{C183D7F6-B498-43B3-948B-1728B52AA6E4}">
-                <adec:decorative xmlns:adec="http://schemas.microsoft.com/office/drawing/2017/decorative" val="1"/>
-              </a:ext>
-            </a:extLst>
-          </p:cNvPr>
-          <p:cNvSpPr>
-            <a:spLocks noGrp="1" noRot="1" noChangeAspect="1" noMove="1" noResize="1" noEditPoints="1" noAdjustHandles="1" noChangeArrowheads="1" noChangeShapeType="1" noTextEdit="1"/>
-          </p:cNvSpPr>
-          <p:nvPr>
-            <p:extLst>
-              <p:ext uri="{386F3935-93C4-4BCD-93E2-E3B085C9AB24}">
-                <p16:designElem xmlns:p16="http://schemas.microsoft.com/office/powerpoint/2015/main" val="1"/>
-              </p:ext>
-            </p:extLst>
-          </p:nvPr>
-        </p:nvSpPr>
-        <p:spPr>
           <a:xfrm rot="5400000">
-            <a:off x="6041136" y="1859832"/>
-            <a:ext cx="109728" cy="731520"/>
+            <a:off x="703236" y="363389"/>
+            <a:ext cx="73152" cy="548640"/>
           </a:xfrm>
           <a:prstGeom prst="rect">
             <a:avLst/>
@@ -6077,44 +8504,137 @@
           </a:p>
         </p:txBody>
       </p:sp>
-      <p:pic>
-        <p:nvPicPr>
-          <p:cNvPr id="6" name="Content Placeholder 5" descr="Chart, scatter chart&#10;&#10;Description automatically generated">
-            <a:extLst>
-              <a:ext uri="{FF2B5EF4-FFF2-40B4-BE49-F238E27FC236}">
-                <a16:creationId xmlns:a16="http://schemas.microsoft.com/office/drawing/2014/main" id="{F7F4993D-77B6-4924-B7C2-FCA7E1403FBD}"/>
-              </a:ext>
-            </a:extLst>
-          </p:cNvPr>
-          <p:cNvPicPr>
-            <a:picLocks noGrp="1" noChangeAspect="1"/>
-          </p:cNvPicPr>
+      <p:sp>
+        <p:nvSpPr>
+          <p:cNvPr id="56" name="Rectangle 55">
+            <a:extLst>
+              <a:ext uri="{FF2B5EF4-FFF2-40B4-BE49-F238E27FC236}">
+                <a16:creationId xmlns:a16="http://schemas.microsoft.com/office/drawing/2014/main" id="{82095FCE-EF05-4443-B97A-85DEE3A5CA17}"/>
+              </a:ext>
+              <a:ext uri="{C183D7F6-B498-43B3-948B-1728B52AA6E4}">
+                <adec:decorative xmlns:adec="http://schemas.microsoft.com/office/drawing/2017/decorative" val="1"/>
+              </a:ext>
+            </a:extLst>
+          </p:cNvPr>
+          <p:cNvSpPr>
+            <a:spLocks noGrp="1" noRot="1" noChangeAspect="1" noMove="1" noResize="1" noEditPoints="1" noAdjustHandles="1" noChangeArrowheads="1" noChangeShapeType="1" noTextEdit="1"/>
+          </p:cNvSpPr>
+          <p:nvPr>
+            <p:extLst>
+              <p:ext uri="{386F3935-93C4-4BCD-93E2-E3B085C9AB24}">
+                <p16:designElem xmlns:p16="http://schemas.microsoft.com/office/powerpoint/2015/main" val="1"/>
+              </p:ext>
+            </p:extLst>
+          </p:nvPr>
+        </p:nvSpPr>
+        <p:spPr>
+          <a:xfrm>
+            <a:off x="465492" y="2185062"/>
+            <a:ext cx="4937760" cy="18288"/>
+          </a:xfrm>
+          <a:prstGeom prst="rect">
+            <a:avLst/>
+          </a:prstGeom>
+          <a:solidFill>
+            <a:schemeClr val="tx2">
+              <a:lumMod val="25000"/>
+              <a:lumOff val="75000"/>
+            </a:schemeClr>
+          </a:solidFill>
+          <a:ln w="3175">
+            <a:noFill/>
+          </a:ln>
+          <a:effectLst/>
+        </p:spPr>
+        <p:style>
+          <a:lnRef idx="2">
+            <a:schemeClr val="accent1">
+              <a:shade val="50000"/>
+            </a:schemeClr>
+          </a:lnRef>
+          <a:fillRef idx="1">
+            <a:schemeClr val="accent1"/>
+          </a:fillRef>
+          <a:effectRef idx="0">
+            <a:schemeClr val="accent1"/>
+          </a:effectRef>
+          <a:fontRef idx="minor">
+            <a:schemeClr val="lt1"/>
+          </a:fontRef>
+        </p:style>
+        <p:txBody>
+          <a:bodyPr rtlCol="0" anchor="ctr"/>
+          <a:lstStyle/>
+          <a:p>
+            <a:pPr marL="0" marR="0" lvl="0" indent="0" algn="ctr" defTabSz="914400" rtl="0" eaLnBrk="1" fontAlgn="auto" latinLnBrk="0" hangingPunct="1">
+              <a:lnSpc>
+                <a:spcPct val="100000"/>
+              </a:lnSpc>
+              <a:spcBef>
+                <a:spcPts val="0"/>
+              </a:spcBef>
+              <a:spcAft>
+                <a:spcPts val="0"/>
+              </a:spcAft>
+              <a:buClrTx/>
+              <a:buSzTx/>
+              <a:buFontTx/>
+              <a:buNone/>
+              <a:tabLst/>
+              <a:defRPr/>
+            </a:pPr>
+            <a:endParaRPr kumimoji="0" lang="en-US" sz="1800" b="0" i="0" u="none" strike="noStrike" kern="1200" cap="none" spc="0" normalizeH="0" baseline="0" noProof="0">
+              <a:ln>
+                <a:noFill/>
+              </a:ln>
+              <a:solidFill>
+                <a:prstClr val="white"/>
+              </a:solidFill>
+              <a:effectLst/>
+              <a:uLnTx/>
+              <a:uFillTx/>
+              <a:latin typeface="Calibri" panose="020F0502020204030204"/>
+              <a:ea typeface="+mn-ea"/>
+              <a:cs typeface="+mn-cs"/>
+            </a:endParaRPr>
+          </a:p>
+        </p:txBody>
+      </p:sp>
+      <p:sp>
+        <p:nvSpPr>
+          <p:cNvPr id="45" name="Content Placeholder 44">
+            <a:extLst>
+              <a:ext uri="{FF2B5EF4-FFF2-40B4-BE49-F238E27FC236}">
+                <a16:creationId xmlns:a16="http://schemas.microsoft.com/office/drawing/2014/main" id="{477D2586-7E43-4D0A-97DA-3E4979D01135}"/>
+              </a:ext>
+            </a:extLst>
+          </p:cNvPr>
+          <p:cNvSpPr>
+            <a:spLocks noGrp="1"/>
+          </p:cNvSpPr>
           <p:nvPr>
             <p:ph idx="1"/>
           </p:nvPr>
-        </p:nvPicPr>
-        <p:blipFill>
-          <a:blip r:embed="rId2">
-            <a:extLst>
-              <a:ext uri="{28A0092B-C50C-407E-A947-70E740481C1C}">
-                <a14:useLocalDpi xmlns:a14="http://schemas.microsoft.com/office/drawing/2010/main" val="0"/>
-              </a:ext>
-            </a:extLst>
-          </a:blip>
-          <a:stretch>
-            <a:fillRect/>
-          </a:stretch>
-        </p:blipFill>
+        </p:nvSpPr>
         <p:spPr>
           <a:xfrm>
-            <a:off x="838199" y="2988673"/>
-            <a:ext cx="5140661" cy="2701519"/>
-          </a:xfrm>
-          <a:prstGeom prst="rect">
-            <a:avLst/>
-          </a:prstGeom>
-        </p:spPr>
-      </p:pic>
+            <a:off x="135437" y="2525117"/>
+            <a:ext cx="4832803" cy="3664351"/>
+          </a:xfrm>
+        </p:spPr>
+        <p:txBody>
+          <a:bodyPr>
+            <a:normAutofit/>
+          </a:bodyPr>
+          <a:lstStyle/>
+          <a:p>
+            <a:r>
+              <a:rPr lang="en-US" sz="1800" dirty="0"/>
+              <a:t>Based on the analysis of both transmissions, manual transmission has a slight edge in lower costs than automatic transmission.</a:t>
+            </a:r>
+          </a:p>
+        </p:txBody>
+      </p:sp>
       <p:pic>
         <p:nvPicPr>
           <p:cNvPr id="4" name="Picture 3" descr="Forest road with vanishing point">
@@ -6130,14 +8650,50 @@
           <p:nvPr/>
         </p:nvPicPr>
         <p:blipFill rotWithShape="1">
-          <a:blip r:embed="rId3"/>
-          <a:srcRect l="7006" r="21853" b="-1"/>
+          <a:blip r:embed="rId2"/>
+          <a:srcRect l="390" r="15237" b="-1"/>
           <a:stretch/>
         </p:blipFill>
         <p:spPr>
           <a:xfrm>
-            <a:off x="6715937" y="2399494"/>
-            <a:ext cx="4135066" cy="3879878"/>
+            <a:off x="7371272" y="54864"/>
+            <a:ext cx="2692575" cy="2130198"/>
+          </a:xfrm>
+          <a:prstGeom prst="rect">
+            <a:avLst/>
+          </a:prstGeom>
+        </p:spPr>
+      </p:pic>
+      <p:pic>
+        <p:nvPicPr>
+          <p:cNvPr id="5" name="Picture 4" descr="Scatter chart&#10;&#10;Description automatically generated">
+            <a:extLst>
+              <a:ext uri="{FF2B5EF4-FFF2-40B4-BE49-F238E27FC236}">
+                <a16:creationId xmlns:a16="http://schemas.microsoft.com/office/drawing/2014/main" id="{EB93EAFC-495E-4951-A2CA-F586233E1249}"/>
+              </a:ext>
+            </a:extLst>
+          </p:cNvPr>
+          <p:cNvPicPr>
+            <a:picLocks noChangeAspect="1"/>
+          </p:cNvPicPr>
+          <p:nvPr/>
+        </p:nvPicPr>
+        <p:blipFill>
+          <a:blip r:embed="rId3">
+            <a:extLst>
+              <a:ext uri="{28A0092B-C50C-407E-A947-70E740481C1C}">
+                <a14:useLocalDpi xmlns:a14="http://schemas.microsoft.com/office/drawing/2010/main" val="0"/>
+              </a:ext>
+            </a:extLst>
+          </a:blip>
+          <a:stretch>
+            <a:fillRect/>
+          </a:stretch>
+        </p:blipFill>
+        <p:spPr>
+          <a:xfrm>
+            <a:off x="4829746" y="2249837"/>
+            <a:ext cx="7367570" cy="4495463"/>
           </a:xfrm>
           <a:prstGeom prst="rect">
             <a:avLst/>
@@ -6147,7 +8703,7 @@
     </p:spTree>
     <p:extLst>
       <p:ext uri="{BB962C8B-B14F-4D97-AF65-F5344CB8AC3E}">
-        <p14:creationId xmlns:p14="http://schemas.microsoft.com/office/powerpoint/2010/main" val="293954842"/>
+        <p14:creationId xmlns:p14="http://schemas.microsoft.com/office/powerpoint/2010/main" val="340925516"/>
       </p:ext>
     </p:extLst>
   </p:cSld>
@@ -6182,12 +8738,12 @@
           <a:chExt cx="0" cy="0"/>
         </a:xfrm>
       </p:grpSpPr>
-      <p:sp>
-        <p:nvSpPr>
-          <p:cNvPr id="16" name="Rectangle 15">
-            <a:extLst>
-              <a:ext uri="{FF2B5EF4-FFF2-40B4-BE49-F238E27FC236}">
-                <a16:creationId xmlns:a16="http://schemas.microsoft.com/office/drawing/2014/main" id="{8D06CE56-3881-4ADA-8CEF-D18B02C242A3}"/>
+      <p:sp useBgFill="1">
+        <p:nvSpPr>
+          <p:cNvPr id="48" name="Rectangle 47">
+            <a:extLst>
+              <a:ext uri="{FF2B5EF4-FFF2-40B4-BE49-F238E27FC236}">
+                <a16:creationId xmlns:a16="http://schemas.microsoft.com/office/drawing/2014/main" id="{CD504B3E-2155-480C-A1E5-DBFD02C55BA6}"/>
               </a:ext>
               <a:ext uri="{C183D7F6-B498-43B3-948B-1728B52AA6E4}">
                 <adec:decorative xmlns:adec="http://schemas.microsoft.com/office/drawing/2017/decorative" val="1"/>
@@ -6206,19 +8762,89 @@
           </p:nvPr>
         </p:nvSpPr>
         <p:spPr>
-          <a:xfrm rot="5400000">
-            <a:off x="857544" y="346791"/>
-            <a:ext cx="146304" cy="704088"/>
+          <a:xfrm>
+            <a:off x="0" y="0"/>
+            <a:ext cx="12192000" cy="6858000"/>
           </a:xfrm>
           <a:prstGeom prst="rect">
             <a:avLst/>
           </a:prstGeom>
-          <a:solidFill>
-            <a:schemeClr val="accent1"/>
-          </a:solidFill>
           <a:ln>
             <a:noFill/>
           </a:ln>
+        </p:spPr>
+        <p:style>
+          <a:lnRef idx="2">
+            <a:schemeClr val="accent1">
+              <a:shade val="50000"/>
+            </a:schemeClr>
+          </a:lnRef>
+          <a:fillRef idx="1">
+            <a:schemeClr val="accent1"/>
+          </a:fillRef>
+          <a:effectRef idx="0">
+            <a:schemeClr val="accent1"/>
+          </a:effectRef>
+          <a:fontRef idx="minor">
+            <a:schemeClr val="lt1"/>
+          </a:fontRef>
+        </p:style>
+        <p:txBody>
+          <a:bodyPr rtlCol="0" anchor="ctr"/>
+          <a:lstStyle/>
+          <a:p>
+            <a:pPr algn="ctr"/>
+            <a:endParaRPr lang="en-US"/>
+          </a:p>
+        </p:txBody>
+      </p:sp>
+      <p:sp useBgFill="1">
+        <p:nvSpPr>
+          <p:cNvPr id="50" name="Rectangle 49">
+            <a:extLst>
+              <a:ext uri="{FF2B5EF4-FFF2-40B4-BE49-F238E27FC236}">
+                <a16:creationId xmlns:a16="http://schemas.microsoft.com/office/drawing/2014/main" id="{0990C621-3B8B-4820-8328-D47EF7CE823C}"/>
+              </a:ext>
+              <a:ext uri="{C183D7F6-B498-43B3-948B-1728B52AA6E4}">
+                <adec:decorative xmlns:adec="http://schemas.microsoft.com/office/drawing/2017/decorative" val="1"/>
+              </a:ext>
+            </a:extLst>
+          </p:cNvPr>
+          <p:cNvSpPr>
+            <a:spLocks noGrp="1" noRot="1" noChangeAspect="1" noMove="1" noResize="1" noEditPoints="1" noAdjustHandles="1" noChangeArrowheads="1" noChangeShapeType="1" noTextEdit="1"/>
+          </p:cNvSpPr>
+          <p:nvPr>
+            <p:extLst>
+              <p:ext uri="{386F3935-93C4-4BCD-93E2-E3B085C9AB24}">
+                <p16:designElem xmlns:p16="http://schemas.microsoft.com/office/powerpoint/2015/main" val="1"/>
+              </p:ext>
+            </p:extLst>
+          </p:nvPr>
+        </p:nvSpPr>
+        <p:spPr>
+          <a:xfrm>
+            <a:off x="554416" y="365125"/>
+            <a:ext cx="11167447" cy="2089317"/>
+          </a:xfrm>
+          <a:prstGeom prst="rect">
+            <a:avLst/>
+          </a:prstGeom>
+          <a:ln w="12700">
+            <a:solidFill>
+              <a:schemeClr val="tx2">
+                <a:lumMod val="10000"/>
+                <a:lumOff val="90000"/>
+              </a:schemeClr>
+            </a:solidFill>
+          </a:ln>
+          <a:effectLst>
+            <a:outerShdw blurRad="50800" dist="38100" dir="2700000" algn="tl" rotWithShape="0">
+              <a:schemeClr val="bg2">
+                <a:lumMod val="85000"/>
+                <a:alpha val="30000"/>
+              </a:schemeClr>
+            </a:outerShdw>
+          </a:effectLst>
         </p:spPr>
         <p:style>
           <a:lnRef idx="2">
@@ -6276,10 +8902,45 @@
       </p:sp>
       <p:sp>
         <p:nvSpPr>
-          <p:cNvPr id="18" name="Rectangle 17">
-            <a:extLst>
-              <a:ext uri="{FF2B5EF4-FFF2-40B4-BE49-F238E27FC236}">
-                <a16:creationId xmlns:a16="http://schemas.microsoft.com/office/drawing/2014/main" id="{79F3C543-62EC-4433-9C93-A2CD8764E9B4}"/>
+          <p:cNvPr id="2" name="Title 1">
+            <a:extLst>
+              <a:ext uri="{FF2B5EF4-FFF2-40B4-BE49-F238E27FC236}">
+                <a16:creationId xmlns:a16="http://schemas.microsoft.com/office/drawing/2014/main" id="{C80A9073-F275-4ED0-86BC-B3C7086C33CC}"/>
+              </a:ext>
+            </a:extLst>
+          </p:cNvPr>
+          <p:cNvSpPr>
+            <a:spLocks noGrp="1"/>
+          </p:cNvSpPr>
+          <p:nvPr>
+            <p:ph type="title"/>
+          </p:nvPr>
+        </p:nvSpPr>
+        <p:spPr>
+          <a:xfrm>
+            <a:off x="1051560" y="586822"/>
+            <a:ext cx="3538728" cy="1645920"/>
+          </a:xfrm>
+        </p:spPr>
+        <p:txBody>
+          <a:bodyPr vert="horz" lIns="91440" tIns="45720" rIns="91440" bIns="45720" rtlCol="0">
+            <a:normAutofit/>
+          </a:bodyPr>
+          <a:lstStyle/>
+          <a:p>
+            <a:r>
+              <a:rPr lang="en-US" sz="2700"/>
+              <a:t>Annual Fuel Cost (Front Wheel, All Wheel, Rear Wheel)</a:t>
+            </a:r>
+          </a:p>
+        </p:txBody>
+      </p:sp>
+      <p:sp>
+        <p:nvSpPr>
+          <p:cNvPr id="52" name="Rectangle 51">
+            <a:extLst>
+              <a:ext uri="{FF2B5EF4-FFF2-40B4-BE49-F238E27FC236}">
+                <a16:creationId xmlns:a16="http://schemas.microsoft.com/office/drawing/2014/main" id="{C1A2385B-1D2A-4E17-84FA-6CB7F0AAE473}"/>
               </a:ext>
               <a:ext uri="{C183D7F6-B498-43B3-948B-1728B52AA6E4}">
                 <adec:decorative xmlns:adec="http://schemas.microsoft.com/office/drawing/2017/decorative" val="1"/>
@@ -6298,9 +8959,101 @@
           </p:nvPr>
         </p:nvSpPr>
         <p:spPr>
-          <a:xfrm flipV="1">
-            <a:off x="578652" y="4501201"/>
-            <a:ext cx="11034696" cy="18288"/>
+          <a:xfrm>
+            <a:off x="490408" y="1057739"/>
+            <a:ext cx="128016" cy="704088"/>
+          </a:xfrm>
+          <a:prstGeom prst="rect">
+            <a:avLst/>
+          </a:prstGeom>
+          <a:solidFill>
+            <a:schemeClr val="accent1"/>
+          </a:solidFill>
+          <a:ln>
+            <a:noFill/>
+          </a:ln>
+        </p:spPr>
+        <p:style>
+          <a:lnRef idx="2">
+            <a:schemeClr val="accent1">
+              <a:shade val="50000"/>
+            </a:schemeClr>
+          </a:lnRef>
+          <a:fillRef idx="1">
+            <a:schemeClr val="accent1"/>
+          </a:fillRef>
+          <a:effectRef idx="0">
+            <a:schemeClr val="accent1"/>
+          </a:effectRef>
+          <a:fontRef idx="minor">
+            <a:schemeClr val="lt1"/>
+          </a:fontRef>
+        </p:style>
+        <p:txBody>
+          <a:bodyPr rtlCol="0" anchor="ctr"/>
+          <a:lstStyle/>
+          <a:p>
+            <a:pPr marL="0" marR="0" lvl="0" indent="0" algn="ctr" defTabSz="914400" rtl="0" eaLnBrk="1" fontAlgn="auto" latinLnBrk="0" hangingPunct="1">
+              <a:lnSpc>
+                <a:spcPct val="100000"/>
+              </a:lnSpc>
+              <a:spcBef>
+                <a:spcPts val="0"/>
+              </a:spcBef>
+              <a:spcAft>
+                <a:spcPts val="0"/>
+              </a:spcAft>
+              <a:buClrTx/>
+              <a:buSzTx/>
+              <a:buFontTx/>
+              <a:buNone/>
+              <a:tabLst/>
+              <a:defRPr/>
+            </a:pPr>
+            <a:endParaRPr kumimoji="0" lang="en-US" sz="1800" b="0" i="0" u="none" strike="noStrike" kern="1200" cap="none" spc="0" normalizeH="0" baseline="0" noProof="0" dirty="0">
+              <a:ln>
+                <a:noFill/>
+              </a:ln>
+              <a:solidFill>
+                <a:prstClr val="white"/>
+              </a:solidFill>
+              <a:effectLst/>
+              <a:uLnTx/>
+              <a:uFillTx/>
+              <a:latin typeface="Calibri" panose="020F0502020204030204"/>
+              <a:ea typeface="+mn-ea"/>
+              <a:cs typeface="+mn-cs"/>
+            </a:endParaRPr>
+          </a:p>
+        </p:txBody>
+      </p:sp>
+      <p:sp>
+        <p:nvSpPr>
+          <p:cNvPr id="54" name="Rectangle 53">
+            <a:extLst>
+              <a:ext uri="{FF2B5EF4-FFF2-40B4-BE49-F238E27FC236}">
+                <a16:creationId xmlns:a16="http://schemas.microsoft.com/office/drawing/2014/main" id="{5E791F2F-79DB-4CC0-9FA1-001E3E91E8B7}"/>
+              </a:ext>
+              <a:ext uri="{C183D7F6-B498-43B3-948B-1728B52AA6E4}">
+                <adec:decorative xmlns:adec="http://schemas.microsoft.com/office/drawing/2017/decorative" val="1"/>
+              </a:ext>
+            </a:extLst>
+          </p:cNvPr>
+          <p:cNvSpPr>
+            <a:spLocks noGrp="1" noRot="1" noChangeAspect="1" noMove="1" noResize="1" noEditPoints="1" noAdjustHandles="1" noChangeArrowheads="1" noChangeShapeType="1" noTextEdit="1"/>
+          </p:cNvSpPr>
+          <p:nvPr>
+            <p:extLst>
+              <p:ext uri="{386F3935-93C4-4BCD-93E2-E3B085C9AB24}">
+                <p16:designElem xmlns:p16="http://schemas.microsoft.com/office/powerpoint/2015/main" val="1"/>
+              </p:ext>
+            </p:extLst>
+          </p:nvPr>
+        </p:nvSpPr>
+        <p:spPr>
+          <a:xfrm rot="5400000">
+            <a:off x="4248113" y="1405210"/>
+            <a:ext cx="1463040" cy="9144"/>
           </a:xfrm>
           <a:prstGeom prst="rect">
             <a:avLst/>
@@ -6370,204 +9123,12 @@
           </a:p>
         </p:txBody>
       </p:sp>
-      <p:sp useBgFill="1">
-        <p:nvSpPr>
-          <p:cNvPr id="20" name="Rectangle 19">
-            <a:extLst>
-              <a:ext uri="{FF2B5EF4-FFF2-40B4-BE49-F238E27FC236}">
-                <a16:creationId xmlns:a16="http://schemas.microsoft.com/office/drawing/2014/main" id="{C7B352FC-1F44-4AB9-A2BD-FBF231C6B1C1}"/>
-              </a:ext>
-              <a:ext uri="{C183D7F6-B498-43B3-948B-1728B52AA6E4}">
-                <adec:decorative xmlns:adec="http://schemas.microsoft.com/office/drawing/2017/decorative" val="1"/>
-              </a:ext>
-            </a:extLst>
-          </p:cNvPr>
-          <p:cNvSpPr>
-            <a:spLocks noGrp="1" noRot="1" noChangeAspect="1" noMove="1" noResize="1" noEditPoints="1" noAdjustHandles="1" noChangeArrowheads="1" noChangeShapeType="1" noTextEdit="1"/>
-          </p:cNvSpPr>
-          <p:nvPr>
-            <p:extLst>
-              <p:ext uri="{386F3935-93C4-4BCD-93E2-E3B085C9AB24}">
-                <p16:designElem xmlns:p16="http://schemas.microsoft.com/office/powerpoint/2015/main" val="1"/>
-              </p:ext>
-            </p:extLst>
-          </p:nvPr>
-        </p:nvSpPr>
-        <p:spPr>
-          <a:xfrm>
-            <a:off x="0" y="0"/>
-            <a:ext cx="12192000" cy="6858000"/>
-          </a:xfrm>
-          <a:prstGeom prst="rect">
-            <a:avLst/>
-          </a:prstGeom>
-          <a:ln>
-            <a:noFill/>
-          </a:ln>
-        </p:spPr>
-        <p:style>
-          <a:lnRef idx="2">
-            <a:schemeClr val="accent1">
-              <a:shade val="50000"/>
-            </a:schemeClr>
-          </a:lnRef>
-          <a:fillRef idx="1">
-            <a:schemeClr val="accent1"/>
-          </a:fillRef>
-          <a:effectRef idx="0">
-            <a:schemeClr val="accent1"/>
-          </a:effectRef>
-          <a:fontRef idx="minor">
-            <a:schemeClr val="lt1"/>
-          </a:fontRef>
-        </p:style>
-        <p:txBody>
-          <a:bodyPr rtlCol="0" anchor="ctr"/>
-          <a:lstStyle/>
-          <a:p>
-            <a:pPr algn="ctr"/>
-            <a:endParaRPr lang="en-US"/>
-          </a:p>
-        </p:txBody>
-      </p:sp>
-      <p:pic>
-        <p:nvPicPr>
-          <p:cNvPr id="4" name="Content Placeholder 3" descr="Forest road with vanishing point">
-            <a:extLst>
-              <a:ext uri="{FF2B5EF4-FFF2-40B4-BE49-F238E27FC236}">
-                <a16:creationId xmlns:a16="http://schemas.microsoft.com/office/drawing/2014/main" id="{99B2D53A-5FD6-4E16-8D1A-674E3EE3E9B1}"/>
-              </a:ext>
-            </a:extLst>
-          </p:cNvPr>
-          <p:cNvPicPr>
-            <a:picLocks noGrp="1" noChangeAspect="1"/>
-          </p:cNvPicPr>
-          <p:nvPr>
-            <p:ph idx="1"/>
-          </p:nvPr>
-        </p:nvPicPr>
-        <p:blipFill rotWithShape="1">
-          <a:blip r:embed="rId2"/>
-          <a:srcRect b="15730"/>
-          <a:stretch/>
-        </p:blipFill>
-        <p:spPr>
-          <a:xfrm>
-            <a:off x="-2" y="-1"/>
-            <a:ext cx="12192001" cy="6858000"/>
-          </a:xfrm>
-          <a:prstGeom prst="rect">
-            <a:avLst/>
-          </a:prstGeom>
-        </p:spPr>
-      </p:pic>
       <p:sp>
         <p:nvSpPr>
-          <p:cNvPr id="22" name="Rectangle 21">
-            <a:extLst>
-              <a:ext uri="{FF2B5EF4-FFF2-40B4-BE49-F238E27FC236}">
-                <a16:creationId xmlns:a16="http://schemas.microsoft.com/office/drawing/2014/main" id="{0ADDB668-2CA4-4D2B-9C34-3487CA330BA8}"/>
-              </a:ext>
-              <a:ext uri="{C183D7F6-B498-43B3-948B-1728B52AA6E4}">
-                <adec:decorative xmlns:adec="http://schemas.microsoft.com/office/drawing/2017/decorative" val="1"/>
-              </a:ext>
-            </a:extLst>
-          </p:cNvPr>
-          <p:cNvSpPr>
-            <a:spLocks noGrp="1" noRot="1" noChangeAspect="1" noMove="1" noResize="1" noEditPoints="1" noAdjustHandles="1" noChangeArrowheads="1" noChangeShapeType="1" noTextEdit="1"/>
-          </p:cNvSpPr>
-          <p:nvPr>
-            <p:extLst>
-              <p:ext uri="{386F3935-93C4-4BCD-93E2-E3B085C9AB24}">
-                <p16:designElem xmlns:p16="http://schemas.microsoft.com/office/powerpoint/2015/main" val="1"/>
-              </p:ext>
-            </p:extLst>
-          </p:nvPr>
-        </p:nvSpPr>
-        <p:spPr>
-          <a:xfrm>
-            <a:off x="551553" y="4716089"/>
-            <a:ext cx="6288261" cy="1573149"/>
-          </a:xfrm>
-          <a:prstGeom prst="rect">
-            <a:avLst/>
-          </a:prstGeom>
-          <a:solidFill>
-            <a:schemeClr val="tx1">
-              <a:alpha val="30000"/>
-            </a:schemeClr>
-          </a:solidFill>
-          <a:ln w="12700">
-            <a:noFill/>
-          </a:ln>
-          <a:effectLst>
-            <a:outerShdw blurRad="50800" dist="50800" dir="2700000" algn="tl" rotWithShape="0">
-              <a:prstClr val="black">
-                <a:alpha val="25000"/>
-              </a:prstClr>
-            </a:outerShdw>
-          </a:effectLst>
-        </p:spPr>
-        <p:style>
-          <a:lnRef idx="2">
-            <a:schemeClr val="accent1">
-              <a:shade val="50000"/>
-            </a:schemeClr>
-          </a:lnRef>
-          <a:fillRef idx="1">
-            <a:schemeClr val="accent1"/>
-          </a:fillRef>
-          <a:effectRef idx="0">
-            <a:schemeClr val="accent1"/>
-          </a:effectRef>
-          <a:fontRef idx="minor">
-            <a:schemeClr val="lt1"/>
-          </a:fontRef>
-        </p:style>
-        <p:txBody>
-          <a:bodyPr rtlCol="0" anchor="ctr"/>
-          <a:lstStyle/>
-          <a:p>
-            <a:pPr marL="0" marR="0" lvl="0" indent="0" algn="ctr" defTabSz="914400" rtl="0" eaLnBrk="1" fontAlgn="auto" latinLnBrk="0" hangingPunct="1">
-              <a:lnSpc>
-                <a:spcPct val="100000"/>
-              </a:lnSpc>
-              <a:spcBef>
-                <a:spcPts val="0"/>
-              </a:spcBef>
-              <a:spcAft>
-                <a:spcPts val="0"/>
-              </a:spcAft>
-              <a:buClrTx/>
-              <a:buSzTx/>
-              <a:buFontTx/>
-              <a:buNone/>
-              <a:tabLst/>
-              <a:defRPr/>
-            </a:pPr>
-            <a:endParaRPr kumimoji="0" lang="en-US" sz="1800" b="0" i="0" u="none" strike="noStrike" kern="1200" cap="none" spc="0" normalizeH="0" baseline="0" noProof="0">
-              <a:ln>
-                <a:noFill/>
-              </a:ln>
-              <a:solidFill>
-                <a:prstClr val="white"/>
-              </a:solidFill>
-              <a:effectLst/>
-              <a:uLnTx/>
-              <a:uFillTx/>
-              <a:latin typeface="Calibri" panose="020F0502020204030204"/>
-              <a:ea typeface="+mn-ea"/>
-              <a:cs typeface="+mn-cs"/>
-            </a:endParaRPr>
-          </a:p>
-        </p:txBody>
-      </p:sp>
-      <p:sp>
-        <p:nvSpPr>
-          <p:cNvPr id="2" name="Title 1">
-            <a:extLst>
-              <a:ext uri="{FF2B5EF4-FFF2-40B4-BE49-F238E27FC236}">
-                <a16:creationId xmlns:a16="http://schemas.microsoft.com/office/drawing/2014/main" id="{C80A9073-F275-4ED0-86BC-B3C7086C33CC}"/>
+          <p:cNvPr id="8" name="Content Placeholder 7">
+            <a:extLst>
+              <a:ext uri="{FF2B5EF4-FFF2-40B4-BE49-F238E27FC236}">
+                <a16:creationId xmlns:a16="http://schemas.microsoft.com/office/drawing/2014/main" id="{E910D6E5-FA73-4FE8-913A-A4D379462FA0}"/>
               </a:ext>
             </a:extLst>
           </p:cNvPr>
@@ -6575,224 +9136,101 @@
             <a:spLocks noGrp="1"/>
           </p:cNvSpPr>
           <p:nvPr>
-            <p:ph type="title"/>
+            <p:ph idx="1"/>
           </p:nvPr>
         </p:nvSpPr>
         <p:spPr>
           <a:xfrm>
-            <a:off x="856210" y="4909985"/>
-            <a:ext cx="3212386" cy="1185353"/>
-          </a:xfrm>
-        </p:spPr>
-        <p:txBody>
-          <a:bodyPr vert="horz" lIns="91440" tIns="45720" rIns="91440" bIns="45720" rtlCol="0" anchor="ctr">
+            <a:off x="5349240" y="586822"/>
+            <a:ext cx="6007608" cy="1645920"/>
+          </a:xfrm>
+        </p:spPr>
+        <p:txBody>
+          <a:bodyPr anchor="ctr">
             <a:normAutofit/>
           </a:bodyPr>
           <a:lstStyle/>
           <a:p>
             <a:r>
-              <a:rPr lang="en-US" sz="2600" dirty="0">
-                <a:solidFill>
-                  <a:schemeClr val="bg1"/>
-                </a:solidFill>
-              </a:rPr>
-              <a:t>Annual Fuel Cost Wheel Drive (Combined)</a:t>
+              <a:rPr lang="en-US" sz="1800" dirty="0"/>
+              <a:t>The analysis of front-wheel, rear-wheel, and all-wheel drive were analyzed for yearly fuel costs.</a:t>
             </a:r>
           </a:p>
-        </p:txBody>
-      </p:sp>
-      <p:sp>
-        <p:nvSpPr>
-          <p:cNvPr id="24" name="Rectangle 23">
-            <a:extLst>
-              <a:ext uri="{FF2B5EF4-FFF2-40B4-BE49-F238E27FC236}">
-                <a16:creationId xmlns:a16="http://schemas.microsoft.com/office/drawing/2014/main" id="{2568BC19-F052-4108-93E1-6A3D1DEC072F}"/>
-              </a:ext>
-              <a:ext uri="{C183D7F6-B498-43B3-948B-1728B52AA6E4}">
-                <adec:decorative xmlns:adec="http://schemas.microsoft.com/office/drawing/2017/decorative" val="1"/>
-              </a:ext>
-            </a:extLst>
-          </p:cNvPr>
-          <p:cNvSpPr>
-            <a:spLocks noGrp="1" noRot="1" noChangeAspect="1" noMove="1" noResize="1" noEditPoints="1" noAdjustHandles="1" noChangeArrowheads="1" noChangeShapeType="1" noTextEdit="1"/>
-          </p:cNvSpPr>
-          <p:nvPr>
-            <p:extLst>
-              <p:ext uri="{386F3935-93C4-4BCD-93E2-E3B085C9AB24}">
-                <p16:designElem xmlns:p16="http://schemas.microsoft.com/office/powerpoint/2015/main" val="1"/>
-              </p:ext>
-            </p:extLst>
-          </p:nvPr>
-        </p:nvSpPr>
+          <a:p>
+            <a:r>
+              <a:rPr lang="en-US" sz="1800" dirty="0"/>
+              <a:t>Based on the data, front-wheel drive exhibited lower annual fuel costs compared to the other options.  </a:t>
+            </a:r>
+          </a:p>
+        </p:txBody>
+      </p:sp>
+      <p:pic>
+        <p:nvPicPr>
+          <p:cNvPr id="5" name="Picture 4" descr="Chart, scatter chart&#10;&#10;Description automatically generated">
+            <a:extLst>
+              <a:ext uri="{FF2B5EF4-FFF2-40B4-BE49-F238E27FC236}">
+                <a16:creationId xmlns:a16="http://schemas.microsoft.com/office/drawing/2014/main" id="{C36C8B6B-A2E2-40D8-A60C-E9A470F24A19}"/>
+              </a:ext>
+            </a:extLst>
+          </p:cNvPr>
+          <p:cNvPicPr>
+            <a:picLocks noChangeAspect="1"/>
+          </p:cNvPicPr>
+          <p:nvPr/>
+        </p:nvPicPr>
+        <p:blipFill rotWithShape="1">
+          <a:blip r:embed="rId2">
+            <a:extLst>
+              <a:ext uri="{28A0092B-C50C-407E-A947-70E740481C1C}">
+                <a14:useLocalDpi xmlns:a14="http://schemas.microsoft.com/office/drawing/2010/main" val="0"/>
+              </a:ext>
+            </a:extLst>
+          </a:blip>
+          <a:stretch/>
+        </p:blipFill>
         <p:spPr>
           <a:xfrm>
-            <a:off x="494784" y="5175711"/>
-            <a:ext cx="128016" cy="653903"/>
+            <a:off x="76852" y="2551166"/>
+            <a:ext cx="8536206" cy="4306834"/>
           </a:xfrm>
           <a:prstGeom prst="rect">
             <a:avLst/>
           </a:prstGeom>
-          <a:solidFill>
-            <a:schemeClr val="accent1"/>
-          </a:solidFill>
-          <a:ln>
-            <a:noFill/>
-          </a:ln>
-        </p:spPr>
-        <p:style>
-          <a:lnRef idx="2">
-            <a:schemeClr val="accent1">
-              <a:shade val="50000"/>
-            </a:schemeClr>
-          </a:lnRef>
-          <a:fillRef idx="1">
-            <a:schemeClr val="accent1"/>
-          </a:fillRef>
-          <a:effectRef idx="0">
-            <a:schemeClr val="accent1"/>
-          </a:effectRef>
-          <a:fontRef idx="minor">
-            <a:schemeClr val="lt1"/>
-          </a:fontRef>
-        </p:style>
-        <p:txBody>
-          <a:bodyPr rtlCol="0" anchor="ctr"/>
-          <a:lstStyle/>
-          <a:p>
-            <a:pPr marL="0" marR="0" lvl="0" indent="0" algn="ctr" defTabSz="914400" rtl="0" eaLnBrk="1" fontAlgn="auto" latinLnBrk="0" hangingPunct="1">
-              <a:lnSpc>
-                <a:spcPct val="100000"/>
-              </a:lnSpc>
-              <a:spcBef>
-                <a:spcPts val="0"/>
-              </a:spcBef>
-              <a:spcAft>
-                <a:spcPts val="0"/>
-              </a:spcAft>
-              <a:buClrTx/>
-              <a:buSzTx/>
-              <a:buFontTx/>
-              <a:buNone/>
-              <a:tabLst/>
-              <a:defRPr/>
-            </a:pPr>
-            <a:endParaRPr kumimoji="0" lang="en-US" sz="1800" b="0" i="0" u="none" strike="noStrike" kern="1200" cap="none" spc="0" normalizeH="0" baseline="0" noProof="0">
-              <a:ln>
-                <a:noFill/>
-              </a:ln>
-              <a:solidFill>
-                <a:prstClr val="white"/>
-              </a:solidFill>
-              <a:effectLst/>
-              <a:uLnTx/>
-              <a:uFillTx/>
-              <a:latin typeface="Calibri" panose="020F0502020204030204"/>
-              <a:ea typeface="+mn-ea"/>
-              <a:cs typeface="+mn-cs"/>
-            </a:endParaRPr>
-          </a:p>
-        </p:txBody>
-      </p:sp>
-      <p:sp>
-        <p:nvSpPr>
-          <p:cNvPr id="26" name="Rectangle 25">
-            <a:extLst>
-              <a:ext uri="{FF2B5EF4-FFF2-40B4-BE49-F238E27FC236}">
-                <a16:creationId xmlns:a16="http://schemas.microsoft.com/office/drawing/2014/main" id="{D5FD337D-4D6B-4C8B-B6F5-121097E09881}"/>
-              </a:ext>
-              <a:ext uri="{C183D7F6-B498-43B3-948B-1728B52AA6E4}">
-                <adec:decorative xmlns:adec="http://schemas.microsoft.com/office/drawing/2017/decorative" val="1"/>
-              </a:ext>
-            </a:extLst>
-          </p:cNvPr>
-          <p:cNvSpPr>
-            <a:spLocks noGrp="1" noRot="1" noChangeAspect="1" noMove="1" noResize="1" noEditPoints="1" noAdjustHandles="1" noChangeArrowheads="1" noChangeShapeType="1" noTextEdit="1"/>
-          </p:cNvSpPr>
-          <p:nvPr>
-            <p:extLst>
-              <p:ext uri="{386F3935-93C4-4BCD-93E2-E3B085C9AB24}">
-                <p16:designElem xmlns:p16="http://schemas.microsoft.com/office/powerpoint/2015/main" val="1"/>
-              </p:ext>
-            </p:extLst>
-          </p:nvPr>
-        </p:nvSpPr>
-        <p:spPr>
-          <a:xfrm rot="5400000">
-            <a:off x="3728936" y="5498088"/>
-            <a:ext cx="1021458" cy="9144"/>
+        </p:spPr>
+      </p:pic>
+      <p:pic>
+        <p:nvPicPr>
+          <p:cNvPr id="4" name="Picture 3" descr="Forest road with vanishing point">
+            <a:extLst>
+              <a:ext uri="{FF2B5EF4-FFF2-40B4-BE49-F238E27FC236}">
+                <a16:creationId xmlns:a16="http://schemas.microsoft.com/office/drawing/2014/main" id="{99B2D53A-5FD6-4E16-8D1A-674E3EE3E9B1}"/>
+              </a:ext>
+            </a:extLst>
+          </p:cNvPr>
+          <p:cNvPicPr>
+            <a:picLocks noChangeAspect="1"/>
+          </p:cNvPicPr>
+          <p:nvPr/>
+        </p:nvPicPr>
+        <p:blipFill rotWithShape="1">
+          <a:blip r:embed="rId3"/>
+          <a:srcRect r="-3" b="21477"/>
+          <a:stretch/>
+        </p:blipFill>
+        <p:spPr>
+          <a:xfrm>
+            <a:off x="9069355" y="3693023"/>
+            <a:ext cx="2666348" cy="1926396"/>
           </a:xfrm>
           <a:prstGeom prst="rect">
             <a:avLst/>
           </a:prstGeom>
-          <a:solidFill>
-            <a:schemeClr val="tx2">
-              <a:lumMod val="25000"/>
-              <a:lumOff val="75000"/>
-            </a:schemeClr>
-          </a:solidFill>
-          <a:ln w="3175">
-            <a:noFill/>
-          </a:ln>
-          <a:effectLst/>
-        </p:spPr>
-        <p:style>
-          <a:lnRef idx="2">
-            <a:schemeClr val="accent1">
-              <a:shade val="50000"/>
-            </a:schemeClr>
-          </a:lnRef>
-          <a:fillRef idx="1">
-            <a:schemeClr val="accent1"/>
-          </a:fillRef>
-          <a:effectRef idx="0">
-            <a:schemeClr val="accent1"/>
-          </a:effectRef>
-          <a:fontRef idx="minor">
-            <a:schemeClr val="lt1"/>
-          </a:fontRef>
-        </p:style>
-        <p:txBody>
-          <a:bodyPr rtlCol="0" anchor="ctr"/>
-          <a:lstStyle/>
-          <a:p>
-            <a:pPr marL="0" marR="0" lvl="0" indent="0" algn="ctr" defTabSz="914400" rtl="0" eaLnBrk="1" fontAlgn="auto" latinLnBrk="0" hangingPunct="1">
-              <a:lnSpc>
-                <a:spcPct val="100000"/>
-              </a:lnSpc>
-              <a:spcBef>
-                <a:spcPts val="0"/>
-              </a:spcBef>
-              <a:spcAft>
-                <a:spcPts val="0"/>
-              </a:spcAft>
-              <a:buClrTx/>
-              <a:buSzTx/>
-              <a:buFontTx/>
-              <a:buNone/>
-              <a:tabLst/>
-              <a:defRPr/>
-            </a:pPr>
-            <a:endParaRPr kumimoji="0" lang="en-US" sz="1800" b="0" i="0" u="none" strike="noStrike" kern="1200" cap="none" spc="0" normalizeH="0" baseline="0" noProof="0">
-              <a:ln>
-                <a:noFill/>
-              </a:ln>
-              <a:solidFill>
-                <a:prstClr val="white"/>
-              </a:solidFill>
-              <a:effectLst/>
-              <a:uLnTx/>
-              <a:uFillTx/>
-              <a:latin typeface="Calibri" panose="020F0502020204030204"/>
-              <a:ea typeface="+mn-ea"/>
-              <a:cs typeface="+mn-cs"/>
-            </a:endParaRPr>
-          </a:p>
-        </p:txBody>
-      </p:sp>
+        </p:spPr>
+      </p:pic>
     </p:spTree>
     <p:extLst>
       <p:ext uri="{BB962C8B-B14F-4D97-AF65-F5344CB8AC3E}">
-        <p14:creationId xmlns:p14="http://schemas.microsoft.com/office/powerpoint/2010/main" val="459701112"/>
+        <p14:creationId xmlns:p14="http://schemas.microsoft.com/office/powerpoint/2010/main" val="293954842"/>
       </p:ext>
     </p:extLst>
   </p:cSld>
@@ -6827,12 +9265,12 @@
           <a:chExt cx="0" cy="0"/>
         </a:xfrm>
       </p:grpSpPr>
-      <p:sp>
-        <p:nvSpPr>
-          <p:cNvPr id="37" name="Rectangle 26">
-            <a:extLst>
-              <a:ext uri="{FF2B5EF4-FFF2-40B4-BE49-F238E27FC236}">
-                <a16:creationId xmlns:a16="http://schemas.microsoft.com/office/drawing/2014/main" id="{8D06CE56-3881-4ADA-8CEF-D18B02C242A3}"/>
+      <p:sp useBgFill="1">
+        <p:nvSpPr>
+          <p:cNvPr id="46" name="Rectangle 45">
+            <a:extLst>
+              <a:ext uri="{FF2B5EF4-FFF2-40B4-BE49-F238E27FC236}">
+                <a16:creationId xmlns:a16="http://schemas.microsoft.com/office/drawing/2014/main" id="{CD504B3E-2155-480C-A1E5-DBFD02C55BA6}"/>
               </a:ext>
               <a:ext uri="{C183D7F6-B498-43B3-948B-1728B52AA6E4}">
                 <adec:decorative xmlns:adec="http://schemas.microsoft.com/office/drawing/2017/decorative" val="1"/>
@@ -6851,19 +9289,89 @@
           </p:nvPr>
         </p:nvSpPr>
         <p:spPr>
-          <a:xfrm rot="5400000">
-            <a:off x="857544" y="346791"/>
-            <a:ext cx="146304" cy="704088"/>
+          <a:xfrm>
+            <a:off x="0" y="0"/>
+            <a:ext cx="12192000" cy="6858000"/>
           </a:xfrm>
           <a:prstGeom prst="rect">
             <a:avLst/>
           </a:prstGeom>
-          <a:solidFill>
-            <a:schemeClr val="accent1"/>
-          </a:solidFill>
           <a:ln>
             <a:noFill/>
           </a:ln>
+        </p:spPr>
+        <p:style>
+          <a:lnRef idx="2">
+            <a:schemeClr val="accent1">
+              <a:shade val="50000"/>
+            </a:schemeClr>
+          </a:lnRef>
+          <a:fillRef idx="1">
+            <a:schemeClr val="accent1"/>
+          </a:fillRef>
+          <a:effectRef idx="0">
+            <a:schemeClr val="accent1"/>
+          </a:effectRef>
+          <a:fontRef idx="minor">
+            <a:schemeClr val="lt1"/>
+          </a:fontRef>
+        </p:style>
+        <p:txBody>
+          <a:bodyPr rtlCol="0" anchor="ctr"/>
+          <a:lstStyle/>
+          <a:p>
+            <a:pPr algn="ctr"/>
+            <a:endParaRPr lang="en-US"/>
+          </a:p>
+        </p:txBody>
+      </p:sp>
+      <p:sp useBgFill="1">
+        <p:nvSpPr>
+          <p:cNvPr id="48" name="Rectangle 47">
+            <a:extLst>
+              <a:ext uri="{FF2B5EF4-FFF2-40B4-BE49-F238E27FC236}">
+                <a16:creationId xmlns:a16="http://schemas.microsoft.com/office/drawing/2014/main" id="{0990C621-3B8B-4820-8328-D47EF7CE823C}"/>
+              </a:ext>
+              <a:ext uri="{C183D7F6-B498-43B3-948B-1728B52AA6E4}">
+                <adec:decorative xmlns:adec="http://schemas.microsoft.com/office/drawing/2017/decorative" val="1"/>
+              </a:ext>
+            </a:extLst>
+          </p:cNvPr>
+          <p:cNvSpPr>
+            <a:spLocks noGrp="1" noRot="1" noChangeAspect="1" noMove="1" noResize="1" noEditPoints="1" noAdjustHandles="1" noChangeArrowheads="1" noChangeShapeType="1" noTextEdit="1"/>
+          </p:cNvSpPr>
+          <p:nvPr>
+            <p:extLst>
+              <p:ext uri="{386F3935-93C4-4BCD-93E2-E3B085C9AB24}">
+                <p16:designElem xmlns:p16="http://schemas.microsoft.com/office/powerpoint/2015/main" val="1"/>
+              </p:ext>
+            </p:extLst>
+          </p:nvPr>
+        </p:nvSpPr>
+        <p:spPr>
+          <a:xfrm>
+            <a:off x="554416" y="365125"/>
+            <a:ext cx="11167447" cy="2089317"/>
+          </a:xfrm>
+          <a:prstGeom prst="rect">
+            <a:avLst/>
+          </a:prstGeom>
+          <a:ln w="12700">
+            <a:solidFill>
+              <a:schemeClr val="tx2">
+                <a:lumMod val="10000"/>
+                <a:lumOff val="90000"/>
+              </a:schemeClr>
+            </a:solidFill>
+          </a:ln>
+          <a:effectLst>
+            <a:outerShdw blurRad="50800" dist="38100" dir="2700000" algn="tl" rotWithShape="0">
+              <a:schemeClr val="bg2">
+                <a:lumMod val="85000"/>
+                <a:alpha val="30000"/>
+              </a:schemeClr>
+            </a:outerShdw>
+          </a:effectLst>
         </p:spPr>
         <p:style>
           <a:lnRef idx="2">
@@ -6921,10 +9429,45 @@
       </p:sp>
       <p:sp>
         <p:nvSpPr>
-          <p:cNvPr id="38" name="Rectangle 28">
-            <a:extLst>
-              <a:ext uri="{FF2B5EF4-FFF2-40B4-BE49-F238E27FC236}">
-                <a16:creationId xmlns:a16="http://schemas.microsoft.com/office/drawing/2014/main" id="{79F3C543-62EC-4433-9C93-A2CD8764E9B4}"/>
+          <p:cNvPr id="2" name="Title 1">
+            <a:extLst>
+              <a:ext uri="{FF2B5EF4-FFF2-40B4-BE49-F238E27FC236}">
+                <a16:creationId xmlns:a16="http://schemas.microsoft.com/office/drawing/2014/main" id="{C80A9073-F275-4ED0-86BC-B3C7086C33CC}"/>
+              </a:ext>
+            </a:extLst>
+          </p:cNvPr>
+          <p:cNvSpPr>
+            <a:spLocks noGrp="1"/>
+          </p:cNvSpPr>
+          <p:nvPr>
+            <p:ph type="title"/>
+          </p:nvPr>
+        </p:nvSpPr>
+        <p:spPr>
+          <a:xfrm>
+            <a:off x="1051560" y="586822"/>
+            <a:ext cx="3538728" cy="1645920"/>
+          </a:xfrm>
+        </p:spPr>
+        <p:txBody>
+          <a:bodyPr vert="horz" lIns="91440" tIns="45720" rIns="91440" bIns="45720" rtlCol="0">
+            <a:normAutofit/>
+          </a:bodyPr>
+          <a:lstStyle/>
+          <a:p>
+            <a:r>
+              <a:rPr lang="en-US" sz="2700"/>
+              <a:t>Annual Fuel Cost (Regular, Midgrade, Premium)</a:t>
+            </a:r>
+          </a:p>
+        </p:txBody>
+      </p:sp>
+      <p:sp>
+        <p:nvSpPr>
+          <p:cNvPr id="50" name="Rectangle 49">
+            <a:extLst>
+              <a:ext uri="{FF2B5EF4-FFF2-40B4-BE49-F238E27FC236}">
+                <a16:creationId xmlns:a16="http://schemas.microsoft.com/office/drawing/2014/main" id="{C1A2385B-1D2A-4E17-84FA-6CB7F0AAE473}"/>
               </a:ext>
               <a:ext uri="{C183D7F6-B498-43B3-948B-1728B52AA6E4}">
                 <adec:decorative xmlns:adec="http://schemas.microsoft.com/office/drawing/2017/decorative" val="1"/>
@@ -6943,9 +9486,101 @@
           </p:nvPr>
         </p:nvSpPr>
         <p:spPr>
-          <a:xfrm flipV="1">
-            <a:off x="578652" y="4501201"/>
-            <a:ext cx="11034696" cy="18288"/>
+          <a:xfrm>
+            <a:off x="490408" y="1057739"/>
+            <a:ext cx="128016" cy="704088"/>
+          </a:xfrm>
+          <a:prstGeom prst="rect">
+            <a:avLst/>
+          </a:prstGeom>
+          <a:solidFill>
+            <a:schemeClr val="accent1"/>
+          </a:solidFill>
+          <a:ln>
+            <a:noFill/>
+          </a:ln>
+        </p:spPr>
+        <p:style>
+          <a:lnRef idx="2">
+            <a:schemeClr val="accent1">
+              <a:shade val="50000"/>
+            </a:schemeClr>
+          </a:lnRef>
+          <a:fillRef idx="1">
+            <a:schemeClr val="accent1"/>
+          </a:fillRef>
+          <a:effectRef idx="0">
+            <a:schemeClr val="accent1"/>
+          </a:effectRef>
+          <a:fontRef idx="minor">
+            <a:schemeClr val="lt1"/>
+          </a:fontRef>
+        </p:style>
+        <p:txBody>
+          <a:bodyPr rtlCol="0" anchor="ctr"/>
+          <a:lstStyle/>
+          <a:p>
+            <a:pPr marL="0" marR="0" lvl="0" indent="0" algn="ctr" defTabSz="914400" rtl="0" eaLnBrk="1" fontAlgn="auto" latinLnBrk="0" hangingPunct="1">
+              <a:lnSpc>
+                <a:spcPct val="100000"/>
+              </a:lnSpc>
+              <a:spcBef>
+                <a:spcPts val="0"/>
+              </a:spcBef>
+              <a:spcAft>
+                <a:spcPts val="0"/>
+              </a:spcAft>
+              <a:buClrTx/>
+              <a:buSzTx/>
+              <a:buFontTx/>
+              <a:buNone/>
+              <a:tabLst/>
+              <a:defRPr/>
+            </a:pPr>
+            <a:endParaRPr kumimoji="0" lang="en-US" sz="1800" b="0" i="0" u="none" strike="noStrike" kern="1200" cap="none" spc="0" normalizeH="0" baseline="0" noProof="0" dirty="0">
+              <a:ln>
+                <a:noFill/>
+              </a:ln>
+              <a:solidFill>
+                <a:prstClr val="white"/>
+              </a:solidFill>
+              <a:effectLst/>
+              <a:uLnTx/>
+              <a:uFillTx/>
+              <a:latin typeface="Calibri" panose="020F0502020204030204"/>
+              <a:ea typeface="+mn-ea"/>
+              <a:cs typeface="+mn-cs"/>
+            </a:endParaRPr>
+          </a:p>
+        </p:txBody>
+      </p:sp>
+      <p:sp>
+        <p:nvSpPr>
+          <p:cNvPr id="52" name="Rectangle 51">
+            <a:extLst>
+              <a:ext uri="{FF2B5EF4-FFF2-40B4-BE49-F238E27FC236}">
+                <a16:creationId xmlns:a16="http://schemas.microsoft.com/office/drawing/2014/main" id="{5E791F2F-79DB-4CC0-9FA1-001E3E91E8B7}"/>
+              </a:ext>
+              <a:ext uri="{C183D7F6-B498-43B3-948B-1728B52AA6E4}">
+                <adec:decorative xmlns:adec="http://schemas.microsoft.com/office/drawing/2017/decorative" val="1"/>
+              </a:ext>
+            </a:extLst>
+          </p:cNvPr>
+          <p:cNvSpPr>
+            <a:spLocks noGrp="1" noRot="1" noChangeAspect="1" noMove="1" noResize="1" noEditPoints="1" noAdjustHandles="1" noChangeArrowheads="1" noChangeShapeType="1" noTextEdit="1"/>
+          </p:cNvSpPr>
+          <p:nvPr>
+            <p:extLst>
+              <p:ext uri="{386F3935-93C4-4BCD-93E2-E3B085C9AB24}">
+                <p16:designElem xmlns:p16="http://schemas.microsoft.com/office/powerpoint/2015/main" val="1"/>
+              </p:ext>
+            </p:extLst>
+          </p:nvPr>
+        </p:nvSpPr>
+        <p:spPr>
+          <a:xfrm rot="5400000">
+            <a:off x="4248113" y="1405210"/>
+            <a:ext cx="1463040" cy="9144"/>
           </a:xfrm>
           <a:prstGeom prst="rect">
             <a:avLst/>
@@ -7015,72 +9650,12 @@
           </a:p>
         </p:txBody>
       </p:sp>
-      <p:sp useBgFill="1">
-        <p:nvSpPr>
-          <p:cNvPr id="39" name="Rectangle 30">
-            <a:extLst>
-              <a:ext uri="{FF2B5EF4-FFF2-40B4-BE49-F238E27FC236}">
-                <a16:creationId xmlns:a16="http://schemas.microsoft.com/office/drawing/2014/main" id="{D7D03296-BABA-47AD-A5D5-ED156727016E}"/>
-              </a:ext>
-              <a:ext uri="{C183D7F6-B498-43B3-948B-1728B52AA6E4}">
-                <adec:decorative xmlns:adec="http://schemas.microsoft.com/office/drawing/2017/decorative" val="1"/>
-              </a:ext>
-            </a:extLst>
-          </p:cNvPr>
-          <p:cNvSpPr>
-            <a:spLocks noGrp="1" noRot="1" noChangeAspect="1" noMove="1" noResize="1" noEditPoints="1" noAdjustHandles="1" noChangeArrowheads="1" noChangeShapeType="1" noTextEdit="1"/>
-          </p:cNvSpPr>
-          <p:nvPr>
-            <p:extLst>
-              <p:ext uri="{386F3935-93C4-4BCD-93E2-E3B085C9AB24}">
-                <p16:designElem xmlns:p16="http://schemas.microsoft.com/office/powerpoint/2015/main" val="1"/>
-              </p:ext>
-            </p:extLst>
-          </p:nvPr>
-        </p:nvSpPr>
-        <p:spPr>
-          <a:xfrm>
-            <a:off x="0" y="0"/>
-            <a:ext cx="12192000" cy="6858000"/>
-          </a:xfrm>
-          <a:prstGeom prst="rect">
-            <a:avLst/>
-          </a:prstGeom>
-          <a:ln>
-            <a:noFill/>
-          </a:ln>
-        </p:spPr>
-        <p:style>
-          <a:lnRef idx="2">
-            <a:schemeClr val="accent1">
-              <a:shade val="50000"/>
-            </a:schemeClr>
-          </a:lnRef>
-          <a:fillRef idx="1">
-            <a:schemeClr val="accent1"/>
-          </a:fillRef>
-          <a:effectRef idx="0">
-            <a:schemeClr val="accent1"/>
-          </a:effectRef>
-          <a:fontRef idx="minor">
-            <a:schemeClr val="lt1"/>
-          </a:fontRef>
-        </p:style>
-        <p:txBody>
-          <a:bodyPr rtlCol="0" anchor="ctr"/>
-          <a:lstStyle/>
-          <a:p>
-            <a:pPr algn="ctr"/>
-            <a:endParaRPr lang="en-US"/>
-          </a:p>
-        </p:txBody>
-      </p:sp>
       <p:sp>
         <p:nvSpPr>
-          <p:cNvPr id="2" name="Title 1">
-            <a:extLst>
-              <a:ext uri="{FF2B5EF4-FFF2-40B4-BE49-F238E27FC236}">
-                <a16:creationId xmlns:a16="http://schemas.microsoft.com/office/drawing/2014/main" id="{C80A9073-F275-4ED0-86BC-B3C7086C33CC}"/>
+          <p:cNvPr id="8" name="Content Placeholder 7">
+            <a:extLst>
+              <a:ext uri="{FF2B5EF4-FFF2-40B4-BE49-F238E27FC236}">
+                <a16:creationId xmlns:a16="http://schemas.microsoft.com/office/drawing/2014/main" id="{416A0EBA-DBAD-4F91-B44E-806999B2A3A2}"/>
               </a:ext>
             </a:extLst>
           </p:cNvPr>
@@ -7088,240 +9663,49 @@
             <a:spLocks noGrp="1"/>
           </p:cNvSpPr>
           <p:nvPr>
-            <p:ph type="title"/>
+            <p:ph idx="1"/>
           </p:nvPr>
         </p:nvSpPr>
         <p:spPr>
           <a:xfrm>
-            <a:off x="838200" y="226061"/>
-            <a:ext cx="10515600" cy="1092050"/>
-          </a:xfrm>
-        </p:spPr>
-        <p:txBody>
-          <a:bodyPr vert="horz" lIns="91440" tIns="45720" rIns="91440" bIns="45720" rtlCol="0" anchor="b">
+            <a:off x="5349240" y="586822"/>
+            <a:ext cx="6007608" cy="1645920"/>
+          </a:xfrm>
+        </p:spPr>
+        <p:txBody>
+          <a:bodyPr anchor="ctr">
             <a:normAutofit/>
           </a:bodyPr>
           <a:lstStyle/>
           <a:p>
-            <a:pPr algn="ctr"/>
             <a:r>
-              <a:rPr lang="en-US" sz="3600"/>
-              <a:t>Annual Fuel Cost (Regular, Midgrade, Premium)</a:t>
+              <a:rPr lang="en-US" sz="1800" dirty="0"/>
+              <a:t>Fuel type was analyzed to see if there were any trends in the different types of gasoline.</a:t>
             </a:r>
           </a:p>
-        </p:txBody>
-      </p:sp>
-      <p:sp useBgFill="1">
-        <p:nvSpPr>
-          <p:cNvPr id="40" name="Rectangle 32">
-            <a:extLst>
-              <a:ext uri="{FF2B5EF4-FFF2-40B4-BE49-F238E27FC236}">
-                <a16:creationId xmlns:a16="http://schemas.microsoft.com/office/drawing/2014/main" id="{284A8429-F65A-490D-96E4-1158D3E8A026}"/>
-              </a:ext>
-              <a:ext uri="{C183D7F6-B498-43B3-948B-1728B52AA6E4}">
-                <adec:decorative xmlns:adec="http://schemas.microsoft.com/office/drawing/2017/decorative" val="1"/>
-              </a:ext>
-            </a:extLst>
-          </p:cNvPr>
-          <p:cNvSpPr>
-            <a:spLocks noGrp="1" noRot="1" noChangeAspect="1" noMove="1" noResize="1" noEditPoints="1" noAdjustHandles="1" noChangeArrowheads="1" noChangeShapeType="1" noTextEdit="1"/>
-          </p:cNvSpPr>
-          <p:nvPr>
-            <p:extLst>
-              <p:ext uri="{386F3935-93C4-4BCD-93E2-E3B085C9AB24}">
-                <p16:designElem xmlns:p16="http://schemas.microsoft.com/office/powerpoint/2015/main" val="1"/>
-              </p:ext>
-            </p:extLst>
-          </p:nvPr>
-        </p:nvSpPr>
-        <p:spPr>
-          <a:xfrm>
-            <a:off x="838199" y="1396083"/>
-            <a:ext cx="10515599" cy="822960"/>
-          </a:xfrm>
-          <a:prstGeom prst="rect">
-            <a:avLst/>
-          </a:prstGeom>
-          <a:ln w="12700">
-            <a:solidFill>
-              <a:schemeClr val="tx2">
-                <a:lumMod val="10000"/>
-                <a:lumOff val="90000"/>
-              </a:schemeClr>
-            </a:solidFill>
-          </a:ln>
-          <a:effectLst>
-            <a:outerShdw blurRad="50800" dist="38100" dir="2700000" algn="tl" rotWithShape="0">
-              <a:schemeClr val="bg1">
-                <a:lumMod val="85000"/>
-                <a:alpha val="30000"/>
-              </a:schemeClr>
-            </a:outerShdw>
-          </a:effectLst>
-        </p:spPr>
-        <p:style>
-          <a:lnRef idx="2">
-            <a:schemeClr val="accent1">
-              <a:shade val="50000"/>
-            </a:schemeClr>
-          </a:lnRef>
-          <a:fillRef idx="1">
-            <a:schemeClr val="accent1"/>
-          </a:fillRef>
-          <a:effectRef idx="0">
-            <a:schemeClr val="accent1"/>
-          </a:effectRef>
-          <a:fontRef idx="minor">
-            <a:schemeClr val="lt1"/>
-          </a:fontRef>
-        </p:style>
-        <p:txBody>
-          <a:bodyPr rtlCol="0" anchor="ctr"/>
-          <a:lstStyle/>
-          <a:p>
-            <a:pPr marL="0" marR="0" lvl="0" indent="0" algn="ctr" defTabSz="914400" rtl="0" eaLnBrk="1" fontAlgn="auto" latinLnBrk="0" hangingPunct="1">
-              <a:lnSpc>
-                <a:spcPct val="100000"/>
-              </a:lnSpc>
-              <a:spcBef>
-                <a:spcPts val="0"/>
-              </a:spcBef>
-              <a:spcAft>
-                <a:spcPts val="0"/>
-              </a:spcAft>
-              <a:buClrTx/>
-              <a:buSzTx/>
-              <a:buFontTx/>
-              <a:buNone/>
-              <a:tabLst/>
-              <a:defRPr/>
-            </a:pPr>
-            <a:endParaRPr kumimoji="0" lang="en-US" sz="1800" b="0" i="0" u="none" strike="noStrike" kern="1200" cap="none" spc="0" normalizeH="0" baseline="0" noProof="0" dirty="0">
-              <a:ln>
-                <a:noFill/>
-              </a:ln>
-              <a:solidFill>
-                <a:prstClr val="white"/>
-              </a:solidFill>
-              <a:effectLst/>
-              <a:uLnTx/>
-              <a:uFillTx/>
-              <a:latin typeface="Calibri" panose="020F0502020204030204"/>
-              <a:ea typeface="+mn-ea"/>
-              <a:cs typeface="+mn-cs"/>
-            </a:endParaRPr>
-          </a:p>
-        </p:txBody>
-      </p:sp>
-      <p:sp>
-        <p:nvSpPr>
-          <p:cNvPr id="41" name="Rectangle 34">
-            <a:extLst>
-              <a:ext uri="{FF2B5EF4-FFF2-40B4-BE49-F238E27FC236}">
-                <a16:creationId xmlns:a16="http://schemas.microsoft.com/office/drawing/2014/main" id="{0F022291-A82B-4D23-A1E0-5F9BD684669E}"/>
-              </a:ext>
-              <a:ext uri="{C183D7F6-B498-43B3-948B-1728B52AA6E4}">
-                <adec:decorative xmlns:adec="http://schemas.microsoft.com/office/drawing/2017/decorative" val="1"/>
-              </a:ext>
-            </a:extLst>
-          </p:cNvPr>
-          <p:cNvSpPr>
-            <a:spLocks noGrp="1" noRot="1" noChangeAspect="1" noMove="1" noResize="1" noEditPoints="1" noAdjustHandles="1" noChangeArrowheads="1" noChangeShapeType="1" noTextEdit="1"/>
-          </p:cNvSpPr>
-          <p:nvPr>
-            <p:extLst>
-              <p:ext uri="{386F3935-93C4-4BCD-93E2-E3B085C9AB24}">
-                <p16:designElem xmlns:p16="http://schemas.microsoft.com/office/powerpoint/2015/main" val="1"/>
-              </p:ext>
-            </p:extLst>
-          </p:nvPr>
-        </p:nvSpPr>
-        <p:spPr>
-          <a:xfrm rot="5400000">
-            <a:off x="6041136" y="1859832"/>
-            <a:ext cx="109728" cy="731520"/>
-          </a:xfrm>
-          <a:prstGeom prst="rect">
-            <a:avLst/>
-          </a:prstGeom>
-          <a:solidFill>
-            <a:schemeClr val="accent1"/>
-          </a:solidFill>
-          <a:ln>
-            <a:noFill/>
-          </a:ln>
-        </p:spPr>
-        <p:style>
-          <a:lnRef idx="2">
-            <a:schemeClr val="accent1">
-              <a:shade val="50000"/>
-            </a:schemeClr>
-          </a:lnRef>
-          <a:fillRef idx="1">
-            <a:schemeClr val="accent1"/>
-          </a:fillRef>
-          <a:effectRef idx="0">
-            <a:schemeClr val="accent1"/>
-          </a:effectRef>
-          <a:fontRef idx="minor">
-            <a:schemeClr val="lt1"/>
-          </a:fontRef>
-        </p:style>
-        <p:txBody>
-          <a:bodyPr rtlCol="0" anchor="ctr"/>
-          <a:lstStyle/>
-          <a:p>
-            <a:pPr marL="0" marR="0" lvl="0" indent="0" algn="ctr" defTabSz="914400" rtl="0" eaLnBrk="1" fontAlgn="auto" latinLnBrk="0" hangingPunct="1">
-              <a:lnSpc>
-                <a:spcPct val="100000"/>
-              </a:lnSpc>
-              <a:spcBef>
-                <a:spcPts val="0"/>
-              </a:spcBef>
-              <a:spcAft>
-                <a:spcPts val="0"/>
-              </a:spcAft>
-              <a:buClrTx/>
-              <a:buSzTx/>
-              <a:buFontTx/>
-              <a:buNone/>
-              <a:tabLst/>
-              <a:defRPr/>
-            </a:pPr>
-            <a:endParaRPr kumimoji="0" lang="en-US" sz="1800" b="0" i="0" u="none" strike="noStrike" kern="1200" cap="none" spc="0" normalizeH="0" baseline="0" noProof="0">
-              <a:ln>
-                <a:noFill/>
-              </a:ln>
-              <a:solidFill>
-                <a:prstClr val="white"/>
-              </a:solidFill>
-              <a:effectLst/>
-              <a:uLnTx/>
-              <a:uFillTx/>
-              <a:latin typeface="Calibri" panose="020F0502020204030204"/>
-              <a:ea typeface="+mn-ea"/>
-              <a:cs typeface="+mn-cs"/>
-            </a:endParaRPr>
+          <a:p>
+            <a:r>
+              <a:rPr lang="en-US" sz="1800" dirty="0"/>
+              <a:t>The data suggests that the regular and premium gasoline costs are quite similar.</a:t>
+            </a:r>
           </a:p>
         </p:txBody>
       </p:sp>
       <p:pic>
         <p:nvPicPr>
-          <p:cNvPr id="6" name="Content Placeholder 5" descr="Chart&#10;&#10;Description automatically generated with low confidence">
-            <a:extLst>
-              <a:ext uri="{FF2B5EF4-FFF2-40B4-BE49-F238E27FC236}">
-                <a16:creationId xmlns:a16="http://schemas.microsoft.com/office/drawing/2014/main" id="{EF58AFCE-EB2A-4D1F-AF13-2772E55E219C}"/>
+          <p:cNvPr id="5" name="Picture 4" descr="Chart&#10;&#10;Description automatically generated">
+            <a:extLst>
+              <a:ext uri="{FF2B5EF4-FFF2-40B4-BE49-F238E27FC236}">
+                <a16:creationId xmlns:a16="http://schemas.microsoft.com/office/drawing/2014/main" id="{6F0FD843-2F41-4A2A-93BB-53985CFD985C}"/>
               </a:ext>
             </a:extLst>
           </p:cNvPr>
           <p:cNvPicPr>
-            <a:picLocks noGrp="1" noChangeAspect="1"/>
+            <a:picLocks noChangeAspect="1"/>
           </p:cNvPicPr>
-          <p:nvPr>
-            <p:ph idx="1"/>
-          </p:nvPr>
+          <p:nvPr/>
         </p:nvPicPr>
-        <p:blipFill>
+        <p:blipFill rotWithShape="1">
           <a:blip r:embed="rId2">
             <a:extLst>
               <a:ext uri="{28A0092B-C50C-407E-A947-70E740481C1C}">
@@ -7329,14 +9713,12 @@
               </a:ext>
             </a:extLst>
           </a:blip>
-          <a:stretch>
-            <a:fillRect/>
-          </a:stretch>
+          <a:stretch/>
         </p:blipFill>
         <p:spPr>
           <a:xfrm>
-            <a:off x="838199" y="2838273"/>
-            <a:ext cx="5140661" cy="3002319"/>
+            <a:off x="459535" y="2694972"/>
+            <a:ext cx="7298325" cy="4082363"/>
           </a:xfrm>
           <a:prstGeom prst="rect">
             <a:avLst/>
@@ -7359,13 +9741,13 @@
         </p:nvPicPr>
         <p:blipFill rotWithShape="1">
           <a:blip r:embed="rId3"/>
-          <a:srcRect l="7814" r="7813" b="-1"/>
+          <a:srcRect r="-3" b="21477"/>
           <a:stretch/>
         </p:blipFill>
         <p:spPr>
           <a:xfrm>
-            <a:off x="6331382" y="2399494"/>
-            <a:ext cx="4904175" cy="3879878"/>
+            <a:off x="8666479" y="2900680"/>
+            <a:ext cx="3390659" cy="2788920"/>
           </a:xfrm>
           <a:prstGeom prst="rect">
             <a:avLst/>
@@ -7412,10 +9794,10 @@
       </p:grpSpPr>
       <p:sp useBgFill="1">
         <p:nvSpPr>
-          <p:cNvPr id="9" name="Rectangle 8">
-            <a:extLst>
-              <a:ext uri="{FF2B5EF4-FFF2-40B4-BE49-F238E27FC236}">
-                <a16:creationId xmlns:a16="http://schemas.microsoft.com/office/drawing/2014/main" id="{D1A4588A-55D5-49B8-BE41-54ACDCFF2C17}"/>
+          <p:cNvPr id="16" name="Rectangle 15">
+            <a:extLst>
+              <a:ext uri="{FF2B5EF4-FFF2-40B4-BE49-F238E27FC236}">
+                <a16:creationId xmlns:a16="http://schemas.microsoft.com/office/drawing/2014/main" id="{2C9A9DA9-7DC8-488B-A882-123947B0F3D9}"/>
               </a:ext>
               <a:ext uri="{C183D7F6-B498-43B3-948B-1728B52AA6E4}">
                 <adec:decorative xmlns:adec="http://schemas.microsoft.com/office/drawing/2017/decorative" val="1"/>
@@ -7470,6 +9852,415 @@
           </a:p>
         </p:txBody>
       </p:sp>
+      <p:sp useBgFill="1">
+        <p:nvSpPr>
+          <p:cNvPr id="18" name="Rectangle 17">
+            <a:extLst>
+              <a:ext uri="{FF2B5EF4-FFF2-40B4-BE49-F238E27FC236}">
+                <a16:creationId xmlns:a16="http://schemas.microsoft.com/office/drawing/2014/main" id="{57F6BDD4-E066-4008-8011-6CC31AEB4556}"/>
+              </a:ext>
+              <a:ext uri="{C183D7F6-B498-43B3-948B-1728B52AA6E4}">
+                <adec:decorative xmlns:adec="http://schemas.microsoft.com/office/drawing/2017/decorative" val="1"/>
+              </a:ext>
+            </a:extLst>
+          </p:cNvPr>
+          <p:cNvSpPr>
+            <a:spLocks noGrp="1" noRot="1" noChangeAspect="1" noMove="1" noResize="1" noEditPoints="1" noAdjustHandles="1" noChangeArrowheads="1" noChangeShapeType="1" noTextEdit="1"/>
+          </p:cNvSpPr>
+          <p:nvPr>
+            <p:extLst>
+              <p:ext uri="{386F3935-93C4-4BCD-93E2-E3B085C9AB24}">
+                <p16:designElem xmlns:p16="http://schemas.microsoft.com/office/powerpoint/2015/main" val="1"/>
+              </p:ext>
+            </p:extLst>
+          </p:nvPr>
+        </p:nvSpPr>
+        <p:spPr>
+          <a:xfrm>
+            <a:off x="409575" y="633619"/>
+            <a:ext cx="6838569" cy="5495925"/>
+          </a:xfrm>
+          <a:prstGeom prst="rect">
+            <a:avLst/>
+          </a:prstGeom>
+          <a:ln w="9525">
+            <a:solidFill>
+              <a:schemeClr val="tx2">
+                <a:lumMod val="10000"/>
+                <a:lumOff val="90000"/>
+              </a:schemeClr>
+            </a:solidFill>
+          </a:ln>
+          <a:effectLst>
+            <a:outerShdw blurRad="50800" dist="38100" dir="2700000" algn="tl" rotWithShape="0">
+              <a:schemeClr val="bg1">
+                <a:lumMod val="85000"/>
+                <a:alpha val="30000"/>
+              </a:schemeClr>
+            </a:outerShdw>
+          </a:effectLst>
+        </p:spPr>
+        <p:style>
+          <a:lnRef idx="2">
+            <a:schemeClr val="accent1">
+              <a:shade val="50000"/>
+            </a:schemeClr>
+          </a:lnRef>
+          <a:fillRef idx="1">
+            <a:schemeClr val="accent1"/>
+          </a:fillRef>
+          <a:effectRef idx="0">
+            <a:schemeClr val="accent1"/>
+          </a:effectRef>
+          <a:fontRef idx="minor">
+            <a:schemeClr val="lt1"/>
+          </a:fontRef>
+        </p:style>
+        <p:txBody>
+          <a:bodyPr rtlCol="0" anchor="ctr"/>
+          <a:lstStyle/>
+          <a:p>
+            <a:pPr marL="0" marR="0" lvl="0" indent="0" algn="ctr" defTabSz="914400" rtl="0" eaLnBrk="1" fontAlgn="auto" latinLnBrk="0" hangingPunct="1">
+              <a:lnSpc>
+                <a:spcPct val="100000"/>
+              </a:lnSpc>
+              <a:spcBef>
+                <a:spcPts val="0"/>
+              </a:spcBef>
+              <a:spcAft>
+                <a:spcPts val="0"/>
+              </a:spcAft>
+              <a:buClrTx/>
+              <a:buSzTx/>
+              <a:buFontTx/>
+              <a:buNone/>
+              <a:tabLst/>
+              <a:defRPr/>
+            </a:pPr>
+            <a:endParaRPr kumimoji="0" lang="en-US" sz="1800" b="0" i="0" u="none" strike="noStrike" kern="1200" cap="none" spc="0" normalizeH="0" baseline="0" noProof="0">
+              <a:ln>
+                <a:noFill/>
+              </a:ln>
+              <a:solidFill>
+                <a:prstClr val="white"/>
+              </a:solidFill>
+              <a:effectLst/>
+              <a:uLnTx/>
+              <a:uFillTx/>
+              <a:latin typeface="Calibri" panose="020F0502020204030204"/>
+              <a:ea typeface="+mn-ea"/>
+              <a:cs typeface="+mn-cs"/>
+            </a:endParaRPr>
+          </a:p>
+        </p:txBody>
+      </p:sp>
+      <p:sp>
+        <p:nvSpPr>
+          <p:cNvPr id="2" name="Title 1">
+            <a:extLst>
+              <a:ext uri="{FF2B5EF4-FFF2-40B4-BE49-F238E27FC236}">
+                <a16:creationId xmlns:a16="http://schemas.microsoft.com/office/drawing/2014/main" id="{C80A9073-F275-4ED0-86BC-B3C7086C33CC}"/>
+              </a:ext>
+            </a:extLst>
+          </p:cNvPr>
+          <p:cNvSpPr>
+            <a:spLocks noGrp="1"/>
+          </p:cNvSpPr>
+          <p:nvPr>
+            <p:ph type="title"/>
+          </p:nvPr>
+        </p:nvSpPr>
+        <p:spPr>
+          <a:xfrm>
+            <a:off x="841246" y="978619"/>
+            <a:ext cx="5991244" cy="1106424"/>
+          </a:xfrm>
+        </p:spPr>
+        <p:txBody>
+          <a:bodyPr>
+            <a:normAutofit/>
+          </a:bodyPr>
+          <a:lstStyle/>
+          <a:p>
+            <a:r>
+              <a:rPr lang="en-US" sz="3200"/>
+              <a:t>Final Analysis</a:t>
+            </a:r>
+          </a:p>
+        </p:txBody>
+      </p:sp>
+      <p:sp>
+        <p:nvSpPr>
+          <p:cNvPr id="20" name="Rectangle 19">
+            <a:extLst>
+              <a:ext uri="{FF2B5EF4-FFF2-40B4-BE49-F238E27FC236}">
+                <a16:creationId xmlns:a16="http://schemas.microsoft.com/office/drawing/2014/main" id="{2711A8FB-68FC-45FC-B01E-38F809E2D439}"/>
+              </a:ext>
+              <a:ext uri="{C183D7F6-B498-43B3-948B-1728B52AA6E4}">
+                <adec:decorative xmlns:adec="http://schemas.microsoft.com/office/drawing/2017/decorative" val="1"/>
+              </a:ext>
+            </a:extLst>
+          </p:cNvPr>
+          <p:cNvSpPr>
+            <a:spLocks noGrp="1" noRot="1" noChangeAspect="1" noMove="1" noResize="1" noEditPoints="1" noAdjustHandles="1" noChangeArrowheads="1" noChangeShapeType="1" noTextEdit="1"/>
+          </p:cNvSpPr>
+          <p:nvPr>
+            <p:extLst>
+              <p:ext uri="{386F3935-93C4-4BCD-93E2-E3B085C9AB24}">
+                <p16:designElem xmlns:p16="http://schemas.microsoft.com/office/powerpoint/2015/main" val="1"/>
+              </p:ext>
+            </p:extLst>
+          </p:nvPr>
+        </p:nvSpPr>
+        <p:spPr>
+          <a:xfrm>
+            <a:off x="345567" y="1171300"/>
+            <a:ext cx="128016" cy="704088"/>
+          </a:xfrm>
+          <a:prstGeom prst="rect">
+            <a:avLst/>
+          </a:prstGeom>
+          <a:solidFill>
+            <a:schemeClr val="accent1"/>
+          </a:solidFill>
+          <a:ln>
+            <a:noFill/>
+          </a:ln>
+        </p:spPr>
+        <p:style>
+          <a:lnRef idx="2">
+            <a:schemeClr val="accent1">
+              <a:shade val="50000"/>
+            </a:schemeClr>
+          </a:lnRef>
+          <a:fillRef idx="1">
+            <a:schemeClr val="accent1"/>
+          </a:fillRef>
+          <a:effectRef idx="0">
+            <a:schemeClr val="accent1"/>
+          </a:effectRef>
+          <a:fontRef idx="minor">
+            <a:schemeClr val="lt1"/>
+          </a:fontRef>
+        </p:style>
+        <p:txBody>
+          <a:bodyPr rtlCol="0" anchor="ctr"/>
+          <a:lstStyle/>
+          <a:p>
+            <a:pPr marL="0" marR="0" lvl="0" indent="0" algn="ctr" defTabSz="914400" rtl="0" eaLnBrk="1" fontAlgn="auto" latinLnBrk="0" hangingPunct="1">
+              <a:lnSpc>
+                <a:spcPct val="100000"/>
+              </a:lnSpc>
+              <a:spcBef>
+                <a:spcPts val="0"/>
+              </a:spcBef>
+              <a:spcAft>
+                <a:spcPts val="0"/>
+              </a:spcAft>
+              <a:buClrTx/>
+              <a:buSzTx/>
+              <a:buFontTx/>
+              <a:buNone/>
+              <a:tabLst/>
+              <a:defRPr/>
+            </a:pPr>
+            <a:endParaRPr kumimoji="0" lang="en-US" sz="1800" b="0" i="0" u="none" strike="noStrike" kern="1200" cap="none" spc="0" normalizeH="0" baseline="0" noProof="0">
+              <a:ln>
+                <a:noFill/>
+              </a:ln>
+              <a:solidFill>
+                <a:prstClr val="white"/>
+              </a:solidFill>
+              <a:effectLst/>
+              <a:uLnTx/>
+              <a:uFillTx/>
+              <a:latin typeface="Calibri" panose="020F0502020204030204"/>
+              <a:ea typeface="+mn-ea"/>
+              <a:cs typeface="+mn-cs"/>
+            </a:endParaRPr>
+          </a:p>
+        </p:txBody>
+      </p:sp>
+      <p:sp>
+        <p:nvSpPr>
+          <p:cNvPr id="34" name="Rectangle 21">
+            <a:extLst>
+              <a:ext uri="{FF2B5EF4-FFF2-40B4-BE49-F238E27FC236}">
+                <a16:creationId xmlns:a16="http://schemas.microsoft.com/office/drawing/2014/main" id="{2A865FE3-5FC9-4049-87CF-30019C46C0F5}"/>
+              </a:ext>
+              <a:ext uri="{C183D7F6-B498-43B3-948B-1728B52AA6E4}">
+                <adec:decorative xmlns:adec="http://schemas.microsoft.com/office/drawing/2017/decorative" val="1"/>
+              </a:ext>
+            </a:extLst>
+          </p:cNvPr>
+          <p:cNvSpPr>
+            <a:spLocks noGrp="1" noRot="1" noChangeAspect="1" noMove="1" noResize="1" noEditPoints="1" noAdjustHandles="1" noChangeArrowheads="1" noChangeShapeType="1" noTextEdit="1"/>
+          </p:cNvSpPr>
+          <p:nvPr>
+            <p:extLst>
+              <p:ext uri="{386F3935-93C4-4BCD-93E2-E3B085C9AB24}">
+                <p16:designElem xmlns:p16="http://schemas.microsoft.com/office/powerpoint/2015/main" val="1"/>
+              </p:ext>
+            </p:extLst>
+          </p:nvPr>
+        </p:nvSpPr>
+        <p:spPr>
+          <a:xfrm>
+            <a:off x="877458" y="2093976"/>
+            <a:ext cx="5846683" cy="9144"/>
+          </a:xfrm>
+          <a:prstGeom prst="rect">
+            <a:avLst/>
+          </a:prstGeom>
+          <a:solidFill>
+            <a:schemeClr val="tx2">
+              <a:lumMod val="25000"/>
+              <a:lumOff val="75000"/>
+            </a:schemeClr>
+          </a:solidFill>
+          <a:ln w="3175">
+            <a:noFill/>
+          </a:ln>
+          <a:effectLst/>
+        </p:spPr>
+        <p:style>
+          <a:lnRef idx="2">
+            <a:schemeClr val="accent1">
+              <a:shade val="50000"/>
+            </a:schemeClr>
+          </a:lnRef>
+          <a:fillRef idx="1">
+            <a:schemeClr val="accent1"/>
+          </a:fillRef>
+          <a:effectRef idx="0">
+            <a:schemeClr val="accent1"/>
+          </a:effectRef>
+          <a:fontRef idx="minor">
+            <a:schemeClr val="lt1"/>
+          </a:fontRef>
+        </p:style>
+        <p:txBody>
+          <a:bodyPr rtlCol="0" anchor="ctr"/>
+          <a:lstStyle/>
+          <a:p>
+            <a:pPr marL="0" marR="0" lvl="0" indent="0" algn="ctr" defTabSz="914400" rtl="0" eaLnBrk="1" fontAlgn="auto" latinLnBrk="0" hangingPunct="1">
+              <a:lnSpc>
+                <a:spcPct val="100000"/>
+              </a:lnSpc>
+              <a:spcBef>
+                <a:spcPts val="0"/>
+              </a:spcBef>
+              <a:spcAft>
+                <a:spcPts val="0"/>
+              </a:spcAft>
+              <a:buClrTx/>
+              <a:buSzTx/>
+              <a:buFontTx/>
+              <a:buNone/>
+              <a:tabLst/>
+              <a:defRPr/>
+            </a:pPr>
+            <a:endParaRPr kumimoji="0" lang="en-US" sz="1800" b="0" i="0" u="none" strike="noStrike" kern="1200" cap="none" spc="0" normalizeH="0" baseline="0" noProof="0">
+              <a:ln>
+                <a:noFill/>
+              </a:ln>
+              <a:solidFill>
+                <a:prstClr val="white"/>
+              </a:solidFill>
+              <a:effectLst/>
+              <a:uLnTx/>
+              <a:uFillTx/>
+              <a:latin typeface="Calibri" panose="020F0502020204030204"/>
+              <a:ea typeface="+mn-ea"/>
+              <a:cs typeface="+mn-cs"/>
+            </a:endParaRPr>
+          </a:p>
+        </p:txBody>
+      </p:sp>
+      <p:sp>
+        <p:nvSpPr>
+          <p:cNvPr id="3" name="Content Placeholder 2">
+            <a:extLst>
+              <a:ext uri="{FF2B5EF4-FFF2-40B4-BE49-F238E27FC236}">
+                <a16:creationId xmlns:a16="http://schemas.microsoft.com/office/drawing/2014/main" id="{0847C117-911F-45EC-8C89-7837DE77246B}"/>
+              </a:ext>
+            </a:extLst>
+          </p:cNvPr>
+          <p:cNvSpPr>
+            <a:spLocks noGrp="1"/>
+          </p:cNvSpPr>
+          <p:nvPr>
+            <p:ph idx="1"/>
+          </p:nvPr>
+        </p:nvSpPr>
+        <p:spPr>
+          <a:xfrm>
+            <a:off x="841248" y="2252870"/>
+            <a:ext cx="5993892" cy="3560251"/>
+          </a:xfrm>
+        </p:spPr>
+        <p:txBody>
+          <a:bodyPr>
+            <a:normAutofit/>
+          </a:bodyPr>
+          <a:lstStyle/>
+          <a:p>
+            <a:pPr>
+              <a:lnSpc>
+                <a:spcPct val="100000"/>
+              </a:lnSpc>
+            </a:pPr>
+            <a:r>
+              <a:rPr lang="en-US" sz="1100"/>
+              <a:t>Miles per gallon has played a role in decreasing fuel costs each year. Manufacturers are really focusing on raising the mileage to push back on the rising gasoline prices.</a:t>
+            </a:r>
+          </a:p>
+          <a:p>
+            <a:pPr>
+              <a:lnSpc>
+                <a:spcPct val="100000"/>
+              </a:lnSpc>
+            </a:pPr>
+            <a:r>
+              <a:rPr lang="en-US" sz="1100"/>
+              <a:t>Standard class vehicles do show signed of stronger fuel efficiency than performance class vehicles. The Toyota’s miles per gallon were consistently higher each year than Porsche’s.</a:t>
+            </a:r>
+          </a:p>
+          <a:p>
+            <a:pPr>
+              <a:lnSpc>
+                <a:spcPct val="100000"/>
+              </a:lnSpc>
+            </a:pPr>
+            <a:r>
+              <a:rPr lang="en-US" sz="1100"/>
+              <a:t>Manual transmission vehicles were typically on par and on occasion lower costing than automatic transmission vehicles. The volume of automatic transmission vehicles vastly outnumber the manual transmission vehicles. </a:t>
+            </a:r>
+          </a:p>
+          <a:p>
+            <a:pPr>
+              <a:lnSpc>
+                <a:spcPct val="100000"/>
+              </a:lnSpc>
+            </a:pPr>
+            <a:r>
+              <a:rPr lang="en-US" sz="1100"/>
+              <a:t>Front-wheel, rear-wheel, and all-wheel vehicles did show similar fuel costs in 2017 with front-wheel showing the trend of lower costs than the other 2 options.</a:t>
+            </a:r>
+          </a:p>
+          <a:p>
+            <a:pPr>
+              <a:lnSpc>
+                <a:spcPct val="100000"/>
+              </a:lnSpc>
+            </a:pPr>
+            <a:r>
+              <a:rPr lang="en-US" sz="1100"/>
+              <a:t>Midgrade gasoline did not show a lot of data in 2017, but also didn’t show any type of trend that would lead to a conclusion that it was more cost-effective than the other 2 options. Regular gasoline typically had lower fuel costs, but premium gasoline also showed all their vehicles were not high in price.</a:t>
+            </a:r>
+          </a:p>
+        </p:txBody>
+      </p:sp>
       <p:pic>
         <p:nvPicPr>
           <p:cNvPr id="4" name="Picture 3" descr="Forest road with vanishing point">
@@ -7491,150 +10282,14 @@
         </p:blipFill>
         <p:spPr>
           <a:xfrm>
-            <a:off x="20" y="10"/>
-            <a:ext cx="12191980" cy="4465973"/>
+            <a:off x="7679814" y="2628214"/>
+            <a:ext cx="4097657" cy="1500987"/>
           </a:xfrm>
           <a:prstGeom prst="rect">
             <a:avLst/>
           </a:prstGeom>
         </p:spPr>
       </p:pic>
-      <p:sp>
-        <p:nvSpPr>
-          <p:cNvPr id="11" name="Rectangle: Rounded Corners 10">
-            <a:extLst>
-              <a:ext uri="{FF2B5EF4-FFF2-40B4-BE49-F238E27FC236}">
-                <a16:creationId xmlns:a16="http://schemas.microsoft.com/office/drawing/2014/main" id="{F97E7EA2-EDCD-47E9-81BC-415C606D1B58}"/>
-              </a:ext>
-              <a:ext uri="{C183D7F6-B498-43B3-948B-1728B52AA6E4}">
-                <adec:decorative xmlns:adec="http://schemas.microsoft.com/office/drawing/2017/decorative" val="1"/>
-              </a:ext>
-            </a:extLst>
-          </p:cNvPr>
-          <p:cNvSpPr>
-            <a:spLocks noGrp="1" noRot="1" noChangeAspect="1" noMove="1" noResize="1" noEditPoints="1" noAdjustHandles="1" noChangeArrowheads="1" noChangeShapeType="1" noTextEdit="1"/>
-          </p:cNvSpPr>
-          <p:nvPr>
-            <p:extLst>
-              <p:ext uri="{386F3935-93C4-4BCD-93E2-E3B085C9AB24}">
-                <p16:designElem xmlns:p16="http://schemas.microsoft.com/office/powerpoint/2015/main" val="1"/>
-              </p:ext>
-            </p:extLst>
-          </p:nvPr>
-        </p:nvSpPr>
-        <p:spPr>
-          <a:xfrm>
-            <a:off x="0" y="4119552"/>
-            <a:ext cx="9382538" cy="685800"/>
-          </a:xfrm>
-          <a:prstGeom prst="roundRect">
-            <a:avLst>
-              <a:gd name="adj" fmla="val 0"/>
-            </a:avLst>
-          </a:prstGeom>
-          <a:solidFill>
-            <a:schemeClr val="accent1"/>
-          </a:solidFill>
-          <a:ln>
-            <a:noFill/>
-          </a:ln>
-        </p:spPr>
-        <p:style>
-          <a:lnRef idx="2">
-            <a:schemeClr val="accent1">
-              <a:shade val="50000"/>
-            </a:schemeClr>
-          </a:lnRef>
-          <a:fillRef idx="1">
-            <a:schemeClr val="accent1"/>
-          </a:fillRef>
-          <a:effectRef idx="0">
-            <a:schemeClr val="accent1"/>
-          </a:effectRef>
-          <a:fontRef idx="minor">
-            <a:schemeClr val="lt1"/>
-          </a:fontRef>
-        </p:style>
-        <p:txBody>
-          <a:bodyPr rtlCol="0" anchor="ctr"/>
-          <a:lstStyle/>
-          <a:p>
-            <a:pPr algn="ctr"/>
-            <a:endParaRPr lang="en-US"/>
-          </a:p>
-        </p:txBody>
-      </p:sp>
-      <p:sp>
-        <p:nvSpPr>
-          <p:cNvPr id="2" name="Title 1">
-            <a:extLst>
-              <a:ext uri="{FF2B5EF4-FFF2-40B4-BE49-F238E27FC236}">
-                <a16:creationId xmlns:a16="http://schemas.microsoft.com/office/drawing/2014/main" id="{C80A9073-F275-4ED0-86BC-B3C7086C33CC}"/>
-              </a:ext>
-            </a:extLst>
-          </p:cNvPr>
-          <p:cNvSpPr>
-            <a:spLocks noGrp="1"/>
-          </p:cNvSpPr>
-          <p:nvPr>
-            <p:ph type="title"/>
-          </p:nvPr>
-        </p:nvSpPr>
-        <p:spPr>
-          <a:xfrm>
-            <a:off x="566928" y="4203278"/>
-            <a:ext cx="8557193" cy="536063"/>
-          </a:xfrm>
-        </p:spPr>
-        <p:txBody>
-          <a:bodyPr>
-            <a:normAutofit/>
-          </a:bodyPr>
-          <a:lstStyle/>
-          <a:p>
-            <a:r>
-              <a:rPr lang="en-US" sz="2800" dirty="0">
-                <a:solidFill>
-                  <a:schemeClr val="bg1"/>
-                </a:solidFill>
-              </a:rPr>
-              <a:t>Final Analysis</a:t>
-            </a:r>
-          </a:p>
-        </p:txBody>
-      </p:sp>
-      <p:sp>
-        <p:nvSpPr>
-          <p:cNvPr id="3" name="Content Placeholder 2">
-            <a:extLst>
-              <a:ext uri="{FF2B5EF4-FFF2-40B4-BE49-F238E27FC236}">
-                <a16:creationId xmlns:a16="http://schemas.microsoft.com/office/drawing/2014/main" id="{0847C117-911F-45EC-8C89-7837DE77246B}"/>
-              </a:ext>
-            </a:extLst>
-          </p:cNvPr>
-          <p:cNvSpPr>
-            <a:spLocks noGrp="1"/>
-          </p:cNvSpPr>
-          <p:nvPr>
-            <p:ph idx="1"/>
-          </p:nvPr>
-        </p:nvSpPr>
-        <p:spPr>
-          <a:xfrm>
-            <a:off x="566928" y="4956314"/>
-            <a:ext cx="11058144" cy="1306417"/>
-          </a:xfrm>
-        </p:spPr>
-        <p:txBody>
-          <a:bodyPr>
-            <a:normAutofit/>
-          </a:bodyPr>
-          <a:lstStyle/>
-          <a:p>
-            <a:endParaRPr lang="en-US" sz="1700" dirty="0"/>
-          </a:p>
-        </p:txBody>
-      </p:sp>
     </p:spTree>
     <p:extLst>
       <p:ext uri="{BB962C8B-B14F-4D97-AF65-F5344CB8AC3E}">
@@ -7649,269 +10304,6 @@
 </file>
 
 <file path=ppt/slides/slide14.xml><?xml version="1.0" encoding="utf-8"?>
-<p:sld xmlns:a="http://schemas.openxmlformats.org/drawingml/2006/main" xmlns:r="http://schemas.openxmlformats.org/officeDocument/2006/relationships" xmlns:p="http://schemas.openxmlformats.org/presentationml/2006/main">
-  <p:cSld>
-    <p:bg>
-      <p:bgPr>
-        <a:solidFill>
-          <a:schemeClr val="bg1"/>
-        </a:solidFill>
-        <a:effectLst/>
-      </p:bgPr>
-    </p:bg>
-    <p:spTree>
-      <p:nvGrpSpPr>
-        <p:cNvPr id="1" name=""/>
-        <p:cNvGrpSpPr/>
-        <p:nvPr/>
-      </p:nvGrpSpPr>
-      <p:grpSpPr>
-        <a:xfrm>
-          <a:off x="0" y="0"/>
-          <a:ext cx="0" cy="0"/>
-          <a:chOff x="0" y="0"/>
-          <a:chExt cx="0" cy="0"/>
-        </a:xfrm>
-      </p:grpSpPr>
-      <p:sp useBgFill="1">
-        <p:nvSpPr>
-          <p:cNvPr id="9" name="Rectangle 8">
-            <a:extLst>
-              <a:ext uri="{FF2B5EF4-FFF2-40B4-BE49-F238E27FC236}">
-                <a16:creationId xmlns:a16="http://schemas.microsoft.com/office/drawing/2014/main" id="{D1A4588A-55D5-49B8-BE41-54ACDCFF2C17}"/>
-              </a:ext>
-              <a:ext uri="{C183D7F6-B498-43B3-948B-1728B52AA6E4}">
-                <adec:decorative xmlns:adec="http://schemas.microsoft.com/office/drawing/2017/decorative" val="1"/>
-              </a:ext>
-            </a:extLst>
-          </p:cNvPr>
-          <p:cNvSpPr>
-            <a:spLocks noGrp="1" noRot="1" noChangeAspect="1" noMove="1" noResize="1" noEditPoints="1" noAdjustHandles="1" noChangeArrowheads="1" noChangeShapeType="1" noTextEdit="1"/>
-          </p:cNvSpPr>
-          <p:nvPr>
-            <p:extLst>
-              <p:ext uri="{386F3935-93C4-4BCD-93E2-E3B085C9AB24}">
-                <p16:designElem xmlns:p16="http://schemas.microsoft.com/office/powerpoint/2015/main" val="1"/>
-              </p:ext>
-            </p:extLst>
-          </p:nvPr>
-        </p:nvSpPr>
-        <p:spPr>
-          <a:xfrm>
-            <a:off x="0" y="0"/>
-            <a:ext cx="12192000" cy="6858000"/>
-          </a:xfrm>
-          <a:prstGeom prst="rect">
-            <a:avLst/>
-          </a:prstGeom>
-          <a:ln>
-            <a:noFill/>
-          </a:ln>
-        </p:spPr>
-        <p:style>
-          <a:lnRef idx="2">
-            <a:schemeClr val="accent1">
-              <a:shade val="50000"/>
-            </a:schemeClr>
-          </a:lnRef>
-          <a:fillRef idx="1">
-            <a:schemeClr val="accent1"/>
-          </a:fillRef>
-          <a:effectRef idx="0">
-            <a:schemeClr val="accent1"/>
-          </a:effectRef>
-          <a:fontRef idx="minor">
-            <a:schemeClr val="lt1"/>
-          </a:fontRef>
-        </p:style>
-        <p:txBody>
-          <a:bodyPr rtlCol="0" anchor="ctr"/>
-          <a:lstStyle/>
-          <a:p>
-            <a:pPr algn="ctr"/>
-            <a:endParaRPr lang="en-US"/>
-          </a:p>
-        </p:txBody>
-      </p:sp>
-      <p:pic>
-        <p:nvPicPr>
-          <p:cNvPr id="4" name="Picture 3" descr="Forest road with vanishing point">
-            <a:extLst>
-              <a:ext uri="{FF2B5EF4-FFF2-40B4-BE49-F238E27FC236}">
-                <a16:creationId xmlns:a16="http://schemas.microsoft.com/office/drawing/2014/main" id="{99B2D53A-5FD6-4E16-8D1A-674E3EE3E9B1}"/>
-              </a:ext>
-            </a:extLst>
-          </p:cNvPr>
-          <p:cNvPicPr>
-            <a:picLocks noChangeAspect="1"/>
-          </p:cNvPicPr>
-          <p:nvPr/>
-        </p:nvPicPr>
-        <p:blipFill rotWithShape="1">
-          <a:blip r:embed="rId2"/>
-          <a:srcRect t="11162" b="33961"/>
-          <a:stretch/>
-        </p:blipFill>
-        <p:spPr>
-          <a:xfrm>
-            <a:off x="20" y="10"/>
-            <a:ext cx="12191980" cy="4465973"/>
-          </a:xfrm>
-          <a:prstGeom prst="rect">
-            <a:avLst/>
-          </a:prstGeom>
-        </p:spPr>
-      </p:pic>
-      <p:sp>
-        <p:nvSpPr>
-          <p:cNvPr id="11" name="Rectangle: Rounded Corners 10">
-            <a:extLst>
-              <a:ext uri="{FF2B5EF4-FFF2-40B4-BE49-F238E27FC236}">
-                <a16:creationId xmlns:a16="http://schemas.microsoft.com/office/drawing/2014/main" id="{F97E7EA2-EDCD-47E9-81BC-415C606D1B58}"/>
-              </a:ext>
-              <a:ext uri="{C183D7F6-B498-43B3-948B-1728B52AA6E4}">
-                <adec:decorative xmlns:adec="http://schemas.microsoft.com/office/drawing/2017/decorative" val="1"/>
-              </a:ext>
-            </a:extLst>
-          </p:cNvPr>
-          <p:cNvSpPr>
-            <a:spLocks noGrp="1" noRot="1" noChangeAspect="1" noMove="1" noResize="1" noEditPoints="1" noAdjustHandles="1" noChangeArrowheads="1" noChangeShapeType="1" noTextEdit="1"/>
-          </p:cNvSpPr>
-          <p:nvPr>
-            <p:extLst>
-              <p:ext uri="{386F3935-93C4-4BCD-93E2-E3B085C9AB24}">
-                <p16:designElem xmlns:p16="http://schemas.microsoft.com/office/powerpoint/2015/main" val="1"/>
-              </p:ext>
-            </p:extLst>
-          </p:nvPr>
-        </p:nvSpPr>
-        <p:spPr>
-          <a:xfrm>
-            <a:off x="0" y="4119552"/>
-            <a:ext cx="9382538" cy="685800"/>
-          </a:xfrm>
-          <a:prstGeom prst="roundRect">
-            <a:avLst>
-              <a:gd name="adj" fmla="val 0"/>
-            </a:avLst>
-          </a:prstGeom>
-          <a:solidFill>
-            <a:schemeClr val="accent1"/>
-          </a:solidFill>
-          <a:ln>
-            <a:noFill/>
-          </a:ln>
-        </p:spPr>
-        <p:style>
-          <a:lnRef idx="2">
-            <a:schemeClr val="accent1">
-              <a:shade val="50000"/>
-            </a:schemeClr>
-          </a:lnRef>
-          <a:fillRef idx="1">
-            <a:schemeClr val="accent1"/>
-          </a:fillRef>
-          <a:effectRef idx="0">
-            <a:schemeClr val="accent1"/>
-          </a:effectRef>
-          <a:fontRef idx="minor">
-            <a:schemeClr val="lt1"/>
-          </a:fontRef>
-        </p:style>
-        <p:txBody>
-          <a:bodyPr rtlCol="0" anchor="ctr"/>
-          <a:lstStyle/>
-          <a:p>
-            <a:pPr algn="ctr"/>
-            <a:endParaRPr lang="en-US"/>
-          </a:p>
-        </p:txBody>
-      </p:sp>
-      <p:sp>
-        <p:nvSpPr>
-          <p:cNvPr id="2" name="Title 1">
-            <a:extLst>
-              <a:ext uri="{FF2B5EF4-FFF2-40B4-BE49-F238E27FC236}">
-                <a16:creationId xmlns:a16="http://schemas.microsoft.com/office/drawing/2014/main" id="{C80A9073-F275-4ED0-86BC-B3C7086C33CC}"/>
-              </a:ext>
-            </a:extLst>
-          </p:cNvPr>
-          <p:cNvSpPr>
-            <a:spLocks noGrp="1"/>
-          </p:cNvSpPr>
-          <p:nvPr>
-            <p:ph type="title"/>
-          </p:nvPr>
-        </p:nvSpPr>
-        <p:spPr>
-          <a:xfrm>
-            <a:off x="566928" y="4203278"/>
-            <a:ext cx="8557193" cy="536063"/>
-          </a:xfrm>
-        </p:spPr>
-        <p:txBody>
-          <a:bodyPr>
-            <a:normAutofit/>
-          </a:bodyPr>
-          <a:lstStyle/>
-          <a:p>
-            <a:r>
-              <a:rPr lang="en-US" sz="2800" dirty="0">
-                <a:solidFill>
-                  <a:schemeClr val="bg1"/>
-                </a:solidFill>
-              </a:rPr>
-              <a:t>Question and Analysis</a:t>
-            </a:r>
-          </a:p>
-        </p:txBody>
-      </p:sp>
-      <p:sp>
-        <p:nvSpPr>
-          <p:cNvPr id="3" name="Content Placeholder 2">
-            <a:extLst>
-              <a:ext uri="{FF2B5EF4-FFF2-40B4-BE49-F238E27FC236}">
-                <a16:creationId xmlns:a16="http://schemas.microsoft.com/office/drawing/2014/main" id="{0847C117-911F-45EC-8C89-7837DE77246B}"/>
-              </a:ext>
-            </a:extLst>
-          </p:cNvPr>
-          <p:cNvSpPr>
-            <a:spLocks noGrp="1"/>
-          </p:cNvSpPr>
-          <p:nvPr>
-            <p:ph idx="1"/>
-          </p:nvPr>
-        </p:nvSpPr>
-        <p:spPr>
-          <a:xfrm>
-            <a:off x="566928" y="4956314"/>
-            <a:ext cx="11058144" cy="1306417"/>
-          </a:xfrm>
-        </p:spPr>
-        <p:txBody>
-          <a:bodyPr>
-            <a:normAutofit/>
-          </a:bodyPr>
-          <a:lstStyle/>
-          <a:p>
-            <a:endParaRPr lang="en-US" sz="1700" dirty="0"/>
-          </a:p>
-        </p:txBody>
-      </p:sp>
-    </p:spTree>
-    <p:extLst>
-      <p:ext uri="{BB962C8B-B14F-4D97-AF65-F5344CB8AC3E}">
-        <p14:creationId xmlns:p14="http://schemas.microsoft.com/office/powerpoint/2010/main" val="1292797438"/>
-      </p:ext>
-    </p:extLst>
-  </p:cSld>
-  <p:clrMapOvr>
-    <a:masterClrMapping/>
-  </p:clrMapOvr>
-</p:sld>
-</file>
-
-<file path=ppt/slides/slide15.xml><?xml version="1.0" encoding="utf-8"?>
 <p:sld xmlns:a="http://schemas.openxmlformats.org/drawingml/2006/main" xmlns:r="http://schemas.openxmlformats.org/officeDocument/2006/relationships" xmlns:p="http://schemas.openxmlformats.org/presentationml/2006/main">
   <p:cSld>
     <p:bg>
@@ -8386,10 +10778,10 @@
       </p:grpSpPr>
       <p:sp useBgFill="1">
         <p:nvSpPr>
-          <p:cNvPr id="9" name="Rectangle 8">
-            <a:extLst>
-              <a:ext uri="{FF2B5EF4-FFF2-40B4-BE49-F238E27FC236}">
-                <a16:creationId xmlns:a16="http://schemas.microsoft.com/office/drawing/2014/main" id="{D1A4588A-55D5-49B8-BE41-54ACDCFF2C17}"/>
+          <p:cNvPr id="25" name="Rectangle 24">
+            <a:extLst>
+              <a:ext uri="{FF2B5EF4-FFF2-40B4-BE49-F238E27FC236}">
+                <a16:creationId xmlns:a16="http://schemas.microsoft.com/office/drawing/2014/main" id="{7C432AFE-B3D2-4BFF-BF8F-96C27AFF1AC7}"/>
               </a:ext>
               <a:ext uri="{C183D7F6-B498-43B3-948B-1728B52AA6E4}">
                 <adec:decorative xmlns:adec="http://schemas.microsoft.com/office/drawing/2017/decorative" val="1"/>
@@ -8446,10 +10838,10 @@
       </p:sp>
       <p:pic>
         <p:nvPicPr>
-          <p:cNvPr id="4" name="Picture 3" descr="Forest road with vanishing point">
-            <a:extLst>
-              <a:ext uri="{FF2B5EF4-FFF2-40B4-BE49-F238E27FC236}">
-                <a16:creationId xmlns:a16="http://schemas.microsoft.com/office/drawing/2014/main" id="{99B2D53A-5FD6-4E16-8D1A-674E3EE3E9B1}"/>
+          <p:cNvPr id="20" name="Picture 3" descr="Forest road with vanishing point">
+            <a:extLst>
+              <a:ext uri="{FF2B5EF4-FFF2-40B4-BE49-F238E27FC236}">
+                <a16:creationId xmlns:a16="http://schemas.microsoft.com/office/drawing/2014/main" id="{4C78A992-74F6-4209-AF2D-51DC04B21F31}"/>
               </a:ext>
             </a:extLst>
           </p:cNvPr>
@@ -8459,14 +10851,16 @@
           <p:nvPr/>
         </p:nvPicPr>
         <p:blipFill rotWithShape="1">
-          <a:blip r:embed="rId2"/>
-          <a:srcRect t="11162" b="33961"/>
+          <a:blip r:embed="rId2">
+            <a:alphaModFix amt="40000"/>
+          </a:blip>
+          <a:srcRect b="15730"/>
           <a:stretch/>
         </p:blipFill>
         <p:spPr>
           <a:xfrm>
             <a:off x="20" y="10"/>
-            <a:ext cx="12191980" cy="4465973"/>
+            <a:ext cx="12191980" cy="6857990"/>
           </a:xfrm>
           <a:prstGeom prst="rect">
             <a:avLst/>
@@ -8475,10 +10869,45 @@
       </p:pic>
       <p:sp>
         <p:nvSpPr>
-          <p:cNvPr id="11" name="Rectangle: Rounded Corners 10">
-            <a:extLst>
-              <a:ext uri="{FF2B5EF4-FFF2-40B4-BE49-F238E27FC236}">
-                <a16:creationId xmlns:a16="http://schemas.microsoft.com/office/drawing/2014/main" id="{F97E7EA2-EDCD-47E9-81BC-415C606D1B58}"/>
+          <p:cNvPr id="2" name="Title 1">
+            <a:extLst>
+              <a:ext uri="{FF2B5EF4-FFF2-40B4-BE49-F238E27FC236}">
+                <a16:creationId xmlns:a16="http://schemas.microsoft.com/office/drawing/2014/main" id="{CFA6F2C1-DFCC-4042-A7EA-19DA2B6B7CC5}"/>
+              </a:ext>
+            </a:extLst>
+          </p:cNvPr>
+          <p:cNvSpPr>
+            <a:spLocks noGrp="1"/>
+          </p:cNvSpPr>
+          <p:nvPr>
+            <p:ph type="title"/>
+          </p:nvPr>
+        </p:nvSpPr>
+        <p:spPr>
+          <a:xfrm>
+            <a:off x="841249" y="941832"/>
+            <a:ext cx="10506456" cy="2057400"/>
+          </a:xfrm>
+        </p:spPr>
+        <p:txBody>
+          <a:bodyPr anchor="b">
+            <a:normAutofit/>
+          </a:bodyPr>
+          <a:lstStyle/>
+          <a:p>
+            <a:r>
+              <a:rPr lang="en-US" sz="5000" dirty="0"/>
+              <a:t>Data Review</a:t>
+            </a:r>
+          </a:p>
+        </p:txBody>
+      </p:sp>
+      <p:sp>
+        <p:nvSpPr>
+          <p:cNvPr id="27" name="Rectangle 26">
+            <a:extLst>
+              <a:ext uri="{FF2B5EF4-FFF2-40B4-BE49-F238E27FC236}">
+                <a16:creationId xmlns:a16="http://schemas.microsoft.com/office/drawing/2014/main" id="{AF2F604E-43BE-4DC3-B983-E071523364F8}"/>
               </a:ext>
               <a:ext uri="{C183D7F6-B498-43B3-948B-1728B52AA6E4}">
                 <adec:decorative xmlns:adec="http://schemas.microsoft.com/office/drawing/2017/decorative" val="1"/>
@@ -8497,326 +10926,9 @@
           </p:nvPr>
         </p:nvSpPr>
         <p:spPr>
-          <a:xfrm>
-            <a:off x="0" y="4119552"/>
-            <a:ext cx="9382538" cy="685800"/>
-          </a:xfrm>
-          <a:prstGeom prst="roundRect">
-            <a:avLst>
-              <a:gd name="adj" fmla="val 0"/>
-            </a:avLst>
-          </a:prstGeom>
-          <a:solidFill>
-            <a:schemeClr val="accent1"/>
-          </a:solidFill>
-          <a:ln>
-            <a:noFill/>
-          </a:ln>
-        </p:spPr>
-        <p:style>
-          <a:lnRef idx="2">
-            <a:schemeClr val="accent1">
-              <a:shade val="50000"/>
-            </a:schemeClr>
-          </a:lnRef>
-          <a:fillRef idx="1">
-            <a:schemeClr val="accent1"/>
-          </a:fillRef>
-          <a:effectRef idx="0">
-            <a:schemeClr val="accent1"/>
-          </a:effectRef>
-          <a:fontRef idx="minor">
-            <a:schemeClr val="lt1"/>
-          </a:fontRef>
-        </p:style>
-        <p:txBody>
-          <a:bodyPr rtlCol="0" anchor="ctr"/>
-          <a:lstStyle/>
-          <a:p>
-            <a:pPr algn="ctr"/>
-            <a:endParaRPr lang="en-US"/>
-          </a:p>
-        </p:txBody>
-      </p:sp>
-      <p:sp>
-        <p:nvSpPr>
-          <p:cNvPr id="2" name="Title 1">
-            <a:extLst>
-              <a:ext uri="{FF2B5EF4-FFF2-40B4-BE49-F238E27FC236}">
-                <a16:creationId xmlns:a16="http://schemas.microsoft.com/office/drawing/2014/main" id="{C80A9073-F275-4ED0-86BC-B3C7086C33CC}"/>
-              </a:ext>
-            </a:extLst>
-          </p:cNvPr>
-          <p:cNvSpPr>
-            <a:spLocks noGrp="1"/>
-          </p:cNvSpPr>
-          <p:nvPr>
-            <p:ph type="title"/>
-          </p:nvPr>
-        </p:nvSpPr>
-        <p:spPr>
-          <a:xfrm>
-            <a:off x="566928" y="4203278"/>
-            <a:ext cx="8557193" cy="536063"/>
-          </a:xfrm>
-        </p:spPr>
-        <p:txBody>
-          <a:bodyPr>
-            <a:normAutofit/>
-          </a:bodyPr>
-          <a:lstStyle/>
-          <a:p>
-            <a:r>
-              <a:rPr lang="en-US" sz="2800" dirty="0">
-                <a:solidFill>
-                  <a:schemeClr val="bg1"/>
-                </a:solidFill>
-              </a:rPr>
-              <a:t>Question and Analysis</a:t>
-            </a:r>
-          </a:p>
-        </p:txBody>
-      </p:sp>
-      <p:sp>
-        <p:nvSpPr>
-          <p:cNvPr id="3" name="Content Placeholder 2">
-            <a:extLst>
-              <a:ext uri="{FF2B5EF4-FFF2-40B4-BE49-F238E27FC236}">
-                <a16:creationId xmlns:a16="http://schemas.microsoft.com/office/drawing/2014/main" id="{0847C117-911F-45EC-8C89-7837DE77246B}"/>
-              </a:ext>
-            </a:extLst>
-          </p:cNvPr>
-          <p:cNvSpPr>
-            <a:spLocks noGrp="1"/>
-          </p:cNvSpPr>
-          <p:nvPr>
-            <p:ph idx="1"/>
-          </p:nvPr>
-        </p:nvSpPr>
-        <p:spPr>
-          <a:xfrm>
-            <a:off x="566928" y="4956314"/>
-            <a:ext cx="11058144" cy="1826226"/>
-          </a:xfrm>
-        </p:spPr>
-        <p:txBody>
-          <a:bodyPr>
-            <a:normAutofit fontScale="55000" lnSpcReduction="20000"/>
-          </a:bodyPr>
-          <a:lstStyle/>
-          <a:p>
-            <a:r>
-              <a:rPr lang="en-US" sz="1700" dirty="0"/>
-              <a:t>We wanted to know how fuel cost has changed over the years as cars have become more fuel efficient, but gasoline prices continue to rise. Our hypothesis about the data are:</a:t>
-            </a:r>
-          </a:p>
-          <a:p>
-            <a:pPr marL="342900" indent="-342900">
-              <a:buAutoNum type="arabicPeriod"/>
-            </a:pPr>
-            <a:r>
-              <a:rPr lang="en-US" sz="1700" dirty="0"/>
-              <a:t>Average fuel cost has decreased in recent years due to increased in vehicles. In this case specifically we will be looking at miles per gallon (mpg).</a:t>
-            </a:r>
-          </a:p>
-          <a:p>
-            <a:pPr marL="342900" indent="-342900">
-              <a:buAutoNum type="arabicPeriod"/>
-            </a:pPr>
-            <a:r>
-              <a:rPr lang="en-US" sz="1700" dirty="0"/>
-              <a:t>Standard class vehicles are more fuel efficient than performance class vehicles.</a:t>
-            </a:r>
-          </a:p>
-          <a:p>
-            <a:pPr marL="342900" indent="-342900">
-              <a:buAutoNum type="arabicPeriod"/>
-            </a:pPr>
-            <a:r>
-              <a:rPr lang="en-US" sz="1700" dirty="0"/>
-              <a:t>Manual transmission vehicles are more fuel efficient than automatic transmission vehicles.</a:t>
-            </a:r>
-          </a:p>
-          <a:p>
-            <a:pPr marL="342900" indent="-342900">
-              <a:buAutoNum type="arabicPeriod"/>
-            </a:pPr>
-            <a:r>
-              <a:rPr lang="en-US" sz="1700" dirty="0"/>
-              <a:t>The specific wheel drives of front wheel, rear wheel, and all wheel drive have similar fuel efficiency and do not seem to show a signifiable difference in fuel consumption.</a:t>
-            </a:r>
-          </a:p>
-          <a:p>
-            <a:pPr marL="342900" indent="-342900">
-              <a:buAutoNum type="arabicPeriod"/>
-            </a:pPr>
-            <a:r>
-              <a:rPr lang="en-US" sz="1700" dirty="0"/>
-              <a:t>Midgrade gasoline is not a significant factor in average fuel cost and does not have a noticeable affect on overall fuel cost of vehicle.</a:t>
-            </a:r>
-          </a:p>
-        </p:txBody>
-      </p:sp>
-    </p:spTree>
-    <p:extLst>
-      <p:ext uri="{BB962C8B-B14F-4D97-AF65-F5344CB8AC3E}">
-        <p14:creationId xmlns:p14="http://schemas.microsoft.com/office/powerpoint/2010/main" val="3751797784"/>
-      </p:ext>
-    </p:extLst>
-  </p:cSld>
-  <p:clrMapOvr>
-    <a:masterClrMapping/>
-  </p:clrMapOvr>
-</p:sld>
-</file>
-
-<file path=ppt/slides/slide3.xml><?xml version="1.0" encoding="utf-8"?>
-<p:sld xmlns:a="http://schemas.openxmlformats.org/drawingml/2006/main" xmlns:r="http://schemas.openxmlformats.org/officeDocument/2006/relationships" xmlns:p="http://schemas.openxmlformats.org/presentationml/2006/main">
-  <p:cSld>
-    <p:bg>
-      <p:bgPr>
-        <a:solidFill>
-          <a:schemeClr val="bg1"/>
-        </a:solidFill>
-        <a:effectLst/>
-      </p:bgPr>
-    </p:bg>
-    <p:spTree>
-      <p:nvGrpSpPr>
-        <p:cNvPr id="1" name=""/>
-        <p:cNvGrpSpPr/>
-        <p:nvPr/>
-      </p:nvGrpSpPr>
-      <p:grpSpPr>
-        <a:xfrm>
-          <a:off x="0" y="0"/>
-          <a:ext cx="0" cy="0"/>
-          <a:chOff x="0" y="0"/>
-          <a:chExt cx="0" cy="0"/>
-        </a:xfrm>
-      </p:grpSpPr>
-      <p:sp useBgFill="1">
-        <p:nvSpPr>
-          <p:cNvPr id="44" name="Rectangle 43">
-            <a:extLst>
-              <a:ext uri="{FF2B5EF4-FFF2-40B4-BE49-F238E27FC236}">
-                <a16:creationId xmlns:a16="http://schemas.microsoft.com/office/drawing/2014/main" id="{DB90EDA9-2517-46EC-B6D4-3918D04786C1}"/>
-              </a:ext>
-              <a:ext uri="{C183D7F6-B498-43B3-948B-1728B52AA6E4}">
-                <adec:decorative xmlns:adec="http://schemas.microsoft.com/office/drawing/2017/decorative" val="1"/>
-              </a:ext>
-            </a:extLst>
-          </p:cNvPr>
-          <p:cNvSpPr>
-            <a:spLocks noGrp="1" noRot="1" noChangeAspect="1" noMove="1" noResize="1" noEditPoints="1" noAdjustHandles="1" noChangeArrowheads="1" noChangeShapeType="1" noTextEdit="1"/>
-          </p:cNvSpPr>
-          <p:nvPr>
-            <p:extLst>
-              <p:ext uri="{386F3935-93C4-4BCD-93E2-E3B085C9AB24}">
-                <p16:designElem xmlns:p16="http://schemas.microsoft.com/office/powerpoint/2015/main" val="1"/>
-              </p:ext>
-            </p:extLst>
-          </p:nvPr>
-        </p:nvSpPr>
-        <p:spPr>
-          <a:xfrm>
-            <a:off x="0" y="0"/>
-            <a:ext cx="12192000" cy="6858000"/>
-          </a:xfrm>
-          <a:prstGeom prst="rect">
-            <a:avLst/>
-          </a:prstGeom>
-          <a:ln>
-            <a:noFill/>
-          </a:ln>
-        </p:spPr>
-        <p:style>
-          <a:lnRef idx="2">
-            <a:schemeClr val="accent1">
-              <a:shade val="50000"/>
-            </a:schemeClr>
-          </a:lnRef>
-          <a:fillRef idx="1">
-            <a:schemeClr val="accent1"/>
-          </a:fillRef>
-          <a:effectRef idx="0">
-            <a:schemeClr val="accent1"/>
-          </a:effectRef>
-          <a:fontRef idx="minor">
-            <a:schemeClr val="lt1"/>
-          </a:fontRef>
-        </p:style>
-        <p:txBody>
-          <a:bodyPr rtlCol="0" anchor="ctr"/>
-          <a:lstStyle/>
-          <a:p>
-            <a:pPr algn="ctr"/>
-            <a:endParaRPr lang="en-US"/>
-          </a:p>
-        </p:txBody>
-      </p:sp>
-      <p:sp>
-        <p:nvSpPr>
-          <p:cNvPr id="2" name="Title 1">
-            <a:extLst>
-              <a:ext uri="{FF2B5EF4-FFF2-40B4-BE49-F238E27FC236}">
-                <a16:creationId xmlns:a16="http://schemas.microsoft.com/office/drawing/2014/main" id="{C80A9073-F275-4ED0-86BC-B3C7086C33CC}"/>
-              </a:ext>
-            </a:extLst>
-          </p:cNvPr>
-          <p:cNvSpPr>
-            <a:spLocks noGrp="1"/>
-          </p:cNvSpPr>
-          <p:nvPr>
-            <p:ph type="title"/>
-          </p:nvPr>
-        </p:nvSpPr>
-        <p:spPr>
-          <a:xfrm>
-            <a:off x="612648" y="1078992"/>
-            <a:ext cx="6272784" cy="1536192"/>
-          </a:xfrm>
-        </p:spPr>
-        <p:txBody>
-          <a:bodyPr vert="horz" lIns="91440" tIns="45720" rIns="91440" bIns="45720" rtlCol="0" anchor="b">
-            <a:normAutofit/>
-          </a:bodyPr>
-          <a:lstStyle/>
-          <a:p>
-            <a:r>
-              <a:rPr lang="en-US" sz="4400"/>
-              <a:t>Average Annual Fuel Cost (All Vehicles)</a:t>
-            </a:r>
-          </a:p>
-        </p:txBody>
-      </p:sp>
-      <p:sp>
-        <p:nvSpPr>
-          <p:cNvPr id="46" name="Rectangle 45">
-            <a:extLst>
-              <a:ext uri="{FF2B5EF4-FFF2-40B4-BE49-F238E27FC236}">
-                <a16:creationId xmlns:a16="http://schemas.microsoft.com/office/drawing/2014/main" id="{D449B1F2-532C-44C7-8AC7-28EA15EE02CB}"/>
-              </a:ext>
-              <a:ext uri="{C183D7F6-B498-43B3-948B-1728B52AA6E4}">
-                <adec:decorative xmlns:adec="http://schemas.microsoft.com/office/drawing/2017/decorative" val="1"/>
-              </a:ext>
-            </a:extLst>
-          </p:cNvPr>
-          <p:cNvSpPr>
-            <a:spLocks noGrp="1" noRot="1" noChangeAspect="1" noMove="1" noResize="1" noEditPoints="1" noAdjustHandles="1" noChangeArrowheads="1" noChangeShapeType="1" noTextEdit="1"/>
-          </p:cNvSpPr>
-          <p:nvPr>
-            <p:extLst>
-              <p:ext uri="{386F3935-93C4-4BCD-93E2-E3B085C9AB24}">
-                <p16:designElem xmlns:p16="http://schemas.microsoft.com/office/powerpoint/2015/main" val="1"/>
-              </p:ext>
-            </p:extLst>
-          </p:nvPr>
-        </p:nvSpPr>
-        <p:spPr>
           <a:xfrm rot="5400000">
-            <a:off x="850392" y="363389"/>
-            <a:ext cx="73152" cy="548640"/>
+            <a:off x="1120140" y="346791"/>
+            <a:ext cx="146304" cy="704088"/>
           </a:xfrm>
           <a:prstGeom prst="rect">
             <a:avLst/>
@@ -8882,47 +10994,12 @@
           </a:p>
         </p:txBody>
       </p:sp>
-      <p:pic>
-        <p:nvPicPr>
-          <p:cNvPr id="8" name="Content Placeholder 7" descr="Chart, line chart&#10;&#10;Description automatically generated">
-            <a:extLst>
-              <a:ext uri="{FF2B5EF4-FFF2-40B4-BE49-F238E27FC236}">
-                <a16:creationId xmlns:a16="http://schemas.microsoft.com/office/drawing/2014/main" id="{8B720338-B460-4F87-BAA9-6BC1EA43D9BA}"/>
-              </a:ext>
-            </a:extLst>
-          </p:cNvPr>
-          <p:cNvPicPr>
-            <a:picLocks noChangeAspect="1"/>
-          </p:cNvPicPr>
-          <p:nvPr/>
-        </p:nvPicPr>
-        <p:blipFill rotWithShape="1">
-          <a:blip r:embed="rId2">
-            <a:extLst>
-              <a:ext uri="{28A0092B-C50C-407E-A947-70E740481C1C}">
-                <a14:useLocalDpi xmlns:a14="http://schemas.microsoft.com/office/drawing/2010/main" val="0"/>
-              </a:ext>
-            </a:extLst>
-          </a:blip>
-          <a:srcRect t="734" r="-2" b="1619"/>
-          <a:stretch/>
-        </p:blipFill>
-        <p:spPr>
-          <a:xfrm>
-            <a:off x="7684008" y="10"/>
-            <a:ext cx="4507992" cy="2934576"/>
-          </a:xfrm>
-          <a:prstGeom prst="rect">
-            <a:avLst/>
-          </a:prstGeom>
-        </p:spPr>
-      </p:pic>
       <p:sp>
         <p:nvSpPr>
-          <p:cNvPr id="48" name="Rectangle 47">
-            <a:extLst>
-              <a:ext uri="{FF2B5EF4-FFF2-40B4-BE49-F238E27FC236}">
-                <a16:creationId xmlns:a16="http://schemas.microsoft.com/office/drawing/2014/main" id="{EE7D3784-5CF9-4282-9B1C-523957852BF6}"/>
+          <p:cNvPr id="29" name="Rectangle 28">
+            <a:extLst>
+              <a:ext uri="{FF2B5EF4-FFF2-40B4-BE49-F238E27FC236}">
+                <a16:creationId xmlns:a16="http://schemas.microsoft.com/office/drawing/2014/main" id="{08C9B587-E65E-4B52-B37C-ABEBB6E87928}"/>
               </a:ext>
               <a:ext uri="{C183D7F6-B498-43B3-948B-1728B52AA6E4}">
                 <adec:decorative xmlns:adec="http://schemas.microsoft.com/office/drawing/2017/decorative" val="1"/>
@@ -8942,17 +11019,14 @@
         </p:nvSpPr>
         <p:spPr>
           <a:xfrm>
-            <a:off x="621792" y="2935541"/>
-            <a:ext cx="6217920" cy="18288"/>
+            <a:off x="841248" y="3241202"/>
+            <a:ext cx="10506456" cy="18288"/>
           </a:xfrm>
           <a:prstGeom prst="rect">
             <a:avLst/>
           </a:prstGeom>
           <a:solidFill>
-            <a:schemeClr val="tx2">
-              <a:lumMod val="25000"/>
-              <a:lumOff val="75000"/>
-            </a:schemeClr>
+            <a:schemeClr val="tx1"/>
           </a:solidFill>
           <a:ln w="3175">
             <a:noFill/>
@@ -9015,10 +11089,10 @@
       </p:sp>
       <p:sp>
         <p:nvSpPr>
-          <p:cNvPr id="41" name="Content Placeholder 40">
-            <a:extLst>
-              <a:ext uri="{FF2B5EF4-FFF2-40B4-BE49-F238E27FC236}">
-                <a16:creationId xmlns:a16="http://schemas.microsoft.com/office/drawing/2014/main" id="{5694526A-AFD0-47F4-8C51-1787BD2ECA45}"/>
+          <p:cNvPr id="3" name="Subtitle 2">
+            <a:extLst>
+              <a:ext uri="{FF2B5EF4-FFF2-40B4-BE49-F238E27FC236}">
+                <a16:creationId xmlns:a16="http://schemas.microsoft.com/office/drawing/2014/main" id="{1744B102-5AA5-437B-82ED-884D82C43392}"/>
               </a:ext>
             </a:extLst>
           </p:cNvPr>
@@ -9031,8 +11105,8 @@
         </p:nvSpPr>
         <p:spPr>
           <a:xfrm>
-            <a:off x="612648" y="3355848"/>
-            <a:ext cx="6272784" cy="2825496"/>
+            <a:off x="841248" y="3502152"/>
+            <a:ext cx="10506456" cy="2670048"/>
           </a:xfrm>
         </p:spPr>
         <p:txBody>
@@ -9042,55 +11116,41 @@
           <a:lstStyle/>
           <a:p>
             <a:r>
-              <a:rPr lang="en-US" sz="1800" dirty="0"/>
-              <a:t>We looked at annual fuel prices from 1984-2017. Based on the annual process that were used in comparison, it was found that </a:t>
+              <a:rPr lang="en-US" sz="2000" dirty="0"/>
+              <a:t>The analysis began with trying to determine the relevance of midgrade fuel.</a:t>
             </a:r>
           </a:p>
-        </p:txBody>
-      </p:sp>
-      <p:pic>
-        <p:nvPicPr>
-          <p:cNvPr id="4" name="Picture 3" descr="Forest road with vanishing point">
-            <a:extLst>
-              <a:ext uri="{FF2B5EF4-FFF2-40B4-BE49-F238E27FC236}">
-                <a16:creationId xmlns:a16="http://schemas.microsoft.com/office/drawing/2014/main" id="{99B2D53A-5FD6-4E16-8D1A-674E3EE3E9B1}"/>
-              </a:ext>
-            </a:extLst>
-          </p:cNvPr>
-          <p:cNvPicPr>
-            <a:picLocks noChangeAspect="1"/>
-          </p:cNvPicPr>
-          <p:nvPr/>
-        </p:nvPicPr>
-        <p:blipFill rotWithShape="1">
-          <a:blip r:embed="rId3"/>
-          <a:srcRect l="1747" r="16598" b="3"/>
-          <a:stretch/>
-        </p:blipFill>
-        <p:spPr>
-          <a:xfrm>
-            <a:off x="7684008" y="3172968"/>
-            <a:ext cx="4507992" cy="3685032"/>
-          </a:xfrm>
-          <a:prstGeom prst="rect">
-            <a:avLst/>
-          </a:prstGeom>
-        </p:spPr>
-      </p:pic>
+          <a:p>
+            <a:r>
+              <a:rPr lang="en-US" sz="2000" dirty="0"/>
+              <a:t>A fuel economy dataset from the EPA led us to additional factors which could affect fuel cost.</a:t>
+            </a:r>
+          </a:p>
+          <a:p>
+            <a:r>
+              <a:rPr lang="en-US" sz="2000" dirty="0"/>
+              <a:t>Fuel economy dataset from EPA: https://www.kaggle.com/epa/fuel-economy</a:t>
+            </a:r>
+          </a:p>
+          <a:p>
+            <a:endParaRPr lang="en-US" sz="2000" dirty="0"/>
+          </a:p>
+        </p:txBody>
+      </p:sp>
     </p:spTree>
     <p:extLst>
       <p:ext uri="{BB962C8B-B14F-4D97-AF65-F5344CB8AC3E}">
-        <p14:creationId xmlns:p14="http://schemas.microsoft.com/office/powerpoint/2010/main" val="1952649701"/>
+        <p14:creationId xmlns:p14="http://schemas.microsoft.com/office/powerpoint/2010/main" val="1836513990"/>
       </p:ext>
     </p:extLst>
   </p:cSld>
   <p:clrMapOvr>
-    <a:masterClrMapping/>
+    <a:overrideClrMapping bg1="dk1" tx1="lt1" bg2="dk2" tx2="lt2" accent1="accent1" accent2="accent2" accent3="accent3" accent4="accent4" accent5="accent5" accent6="accent6" hlink="hlink" folHlink="folHlink"/>
   </p:clrMapOvr>
 </p:sld>
 </file>
 
-<file path=ppt/slides/slide4.xml><?xml version="1.0" encoding="utf-8"?>
+<file path=ppt/slides/slide3.xml><?xml version="1.0" encoding="utf-8"?>
 <p:sld xmlns:a="http://schemas.openxmlformats.org/drawingml/2006/main" xmlns:r="http://schemas.openxmlformats.org/officeDocument/2006/relationships" xmlns:p="http://schemas.openxmlformats.org/presentationml/2006/main">
   <p:cSld>
     <p:bg>
@@ -9117,10 +11177,10 @@
       </p:grpSpPr>
       <p:sp useBgFill="1">
         <p:nvSpPr>
-          <p:cNvPr id="82" name="Rectangle 81">
-            <a:extLst>
-              <a:ext uri="{FF2B5EF4-FFF2-40B4-BE49-F238E27FC236}">
-                <a16:creationId xmlns:a16="http://schemas.microsoft.com/office/drawing/2014/main" id="{DB90EDA9-2517-46EC-B6D4-3918D04786C1}"/>
+          <p:cNvPr id="34" name="Rectangle 33">
+            <a:extLst>
+              <a:ext uri="{FF2B5EF4-FFF2-40B4-BE49-F238E27FC236}">
+                <a16:creationId xmlns:a16="http://schemas.microsoft.com/office/drawing/2014/main" id="{7C432AFE-B3D2-4BFF-BF8F-96C27AFF1AC7}"/>
               </a:ext>
               <a:ext uri="{C183D7F6-B498-43B3-948B-1728B52AA6E4}">
                 <adec:decorative xmlns:adec="http://schemas.microsoft.com/office/drawing/2017/decorative" val="1"/>
@@ -9175,6 +11235,37 @@
           </a:p>
         </p:txBody>
       </p:sp>
+      <p:pic>
+        <p:nvPicPr>
+          <p:cNvPr id="4" name="Picture 3" descr="Forest road with vanishing point">
+            <a:extLst>
+              <a:ext uri="{FF2B5EF4-FFF2-40B4-BE49-F238E27FC236}">
+                <a16:creationId xmlns:a16="http://schemas.microsoft.com/office/drawing/2014/main" id="{99B2D53A-5FD6-4E16-8D1A-674E3EE3E9B1}"/>
+              </a:ext>
+            </a:extLst>
+          </p:cNvPr>
+          <p:cNvPicPr>
+            <a:picLocks noChangeAspect="1"/>
+          </p:cNvPicPr>
+          <p:nvPr/>
+        </p:nvPicPr>
+        <p:blipFill rotWithShape="1">
+          <a:blip r:embed="rId2">
+            <a:alphaModFix amt="40000"/>
+          </a:blip>
+          <a:srcRect b="15730"/>
+          <a:stretch/>
+        </p:blipFill>
+        <p:spPr>
+          <a:xfrm>
+            <a:off x="20" y="10"/>
+            <a:ext cx="12191979" cy="6857990"/>
+          </a:xfrm>
+          <a:prstGeom prst="rect">
+            <a:avLst/>
+          </a:prstGeom>
+        </p:spPr>
+      </p:pic>
       <p:sp>
         <p:nvSpPr>
           <p:cNvPr id="2" name="Title 1">
@@ -9193,29 +11284,29 @@
         </p:nvSpPr>
         <p:spPr>
           <a:xfrm>
-            <a:off x="612648" y="1078992"/>
-            <a:ext cx="6272784" cy="1536192"/>
-          </a:xfrm>
-        </p:spPr>
-        <p:txBody>
-          <a:bodyPr vert="horz" lIns="91440" tIns="45720" rIns="91440" bIns="45720" rtlCol="0" anchor="b">
+            <a:off x="841249" y="941832"/>
+            <a:ext cx="10506456" cy="1010461"/>
+          </a:xfrm>
+        </p:spPr>
+        <p:txBody>
+          <a:bodyPr anchor="b">
             <a:normAutofit/>
           </a:bodyPr>
           <a:lstStyle/>
           <a:p>
             <a:r>
-              <a:rPr lang="en-US"/>
-              <a:t>Average Annual Miles Per Gallon (All Vehicles)</a:t>
+              <a:rPr lang="en-US" sz="5000" dirty="0"/>
+              <a:t>Questions</a:t>
             </a:r>
           </a:p>
         </p:txBody>
       </p:sp>
       <p:sp>
         <p:nvSpPr>
-          <p:cNvPr id="84" name="Rectangle 83">
-            <a:extLst>
-              <a:ext uri="{FF2B5EF4-FFF2-40B4-BE49-F238E27FC236}">
-                <a16:creationId xmlns:a16="http://schemas.microsoft.com/office/drawing/2014/main" id="{D449B1F2-532C-44C7-8AC7-28EA15EE02CB}"/>
+          <p:cNvPr id="36" name="Rectangle 35">
+            <a:extLst>
+              <a:ext uri="{FF2B5EF4-FFF2-40B4-BE49-F238E27FC236}">
+                <a16:creationId xmlns:a16="http://schemas.microsoft.com/office/drawing/2014/main" id="{AF2F604E-43BE-4DC3-B983-E071523364F8}"/>
               </a:ext>
               <a:ext uri="{C183D7F6-B498-43B3-948B-1728B52AA6E4}">
                 <adec:decorative xmlns:adec="http://schemas.microsoft.com/office/drawing/2017/decorative" val="1"/>
@@ -9235,8 +11326,8 @@
         </p:nvSpPr>
         <p:spPr>
           <a:xfrm rot="5400000">
-            <a:off x="850392" y="363389"/>
-            <a:ext cx="73152" cy="548640"/>
+            <a:off x="1120140" y="346791"/>
+            <a:ext cx="146304" cy="704088"/>
           </a:xfrm>
           <a:prstGeom prst="rect">
             <a:avLst/>
@@ -9302,47 +11393,12 @@
           </a:p>
         </p:txBody>
       </p:sp>
-      <p:pic>
-        <p:nvPicPr>
-          <p:cNvPr id="6" name="Picture 5" descr="Chart, line chart&#10;&#10;Description automatically generated">
-            <a:extLst>
-              <a:ext uri="{FF2B5EF4-FFF2-40B4-BE49-F238E27FC236}">
-                <a16:creationId xmlns:a16="http://schemas.microsoft.com/office/drawing/2014/main" id="{B1DC089D-EE86-4BFB-91EF-381AD5E7D676}"/>
-              </a:ext>
-            </a:extLst>
-          </p:cNvPr>
-          <p:cNvPicPr>
-            <a:picLocks noChangeAspect="1"/>
-          </p:cNvPicPr>
-          <p:nvPr/>
-        </p:nvPicPr>
-        <p:blipFill rotWithShape="1">
-          <a:blip r:embed="rId2">
-            <a:extLst>
-              <a:ext uri="{28A0092B-C50C-407E-A947-70E740481C1C}">
-                <a14:useLocalDpi xmlns:a14="http://schemas.microsoft.com/office/drawing/2010/main" val="0"/>
-              </a:ext>
-            </a:extLst>
-          </a:blip>
-          <a:srcRect t="2196" r="-2" b="157"/>
-          <a:stretch/>
-        </p:blipFill>
-        <p:spPr>
-          <a:xfrm>
-            <a:off x="7684008" y="10"/>
-            <a:ext cx="4507992" cy="2934576"/>
-          </a:xfrm>
-          <a:prstGeom prst="rect">
-            <a:avLst/>
-          </a:prstGeom>
-        </p:spPr>
-      </p:pic>
       <p:sp>
         <p:nvSpPr>
-          <p:cNvPr id="86" name="Rectangle 85">
-            <a:extLst>
-              <a:ext uri="{FF2B5EF4-FFF2-40B4-BE49-F238E27FC236}">
-                <a16:creationId xmlns:a16="http://schemas.microsoft.com/office/drawing/2014/main" id="{EE7D3784-5CF9-4282-9B1C-523957852BF6}"/>
+          <p:cNvPr id="38" name="Rectangle 37">
+            <a:extLst>
+              <a:ext uri="{FF2B5EF4-FFF2-40B4-BE49-F238E27FC236}">
+                <a16:creationId xmlns:a16="http://schemas.microsoft.com/office/drawing/2014/main" id="{08C9B587-E65E-4B52-B37C-ABEBB6E87928}"/>
               </a:ext>
               <a:ext uri="{C183D7F6-B498-43B3-948B-1728B52AA6E4}">
                 <adec:decorative xmlns:adec="http://schemas.microsoft.com/office/drawing/2017/decorative" val="1"/>
@@ -9362,17 +11418,14 @@
         </p:nvSpPr>
         <p:spPr>
           <a:xfrm>
-            <a:off x="621792" y="2935541"/>
-            <a:ext cx="6217920" cy="18288"/>
+            <a:off x="841248" y="3241202"/>
+            <a:ext cx="10506456" cy="18288"/>
           </a:xfrm>
           <a:prstGeom prst="rect">
             <a:avLst/>
           </a:prstGeom>
           <a:solidFill>
-            <a:schemeClr val="tx2">
-              <a:lumMod val="25000"/>
-              <a:lumOff val="75000"/>
-            </a:schemeClr>
+            <a:schemeClr val="tx1"/>
           </a:solidFill>
           <a:ln w="3175">
             <a:noFill/>
@@ -9433,6 +11486,913 @@
           </a:p>
         </p:txBody>
       </p:sp>
+      <p:graphicFrame>
+        <p:nvGraphicFramePr>
+          <p:cNvPr id="40" name="Content Placeholder 2">
+            <a:extLst>
+              <a:ext uri="{FF2B5EF4-FFF2-40B4-BE49-F238E27FC236}">
+                <a16:creationId xmlns:a16="http://schemas.microsoft.com/office/drawing/2014/main" id="{53EEDBA8-229A-4FE9-9B23-2C0BD1D4B809}"/>
+              </a:ext>
+            </a:extLst>
+          </p:cNvPr>
+          <p:cNvGraphicFramePr>
+            <a:graphicFrameLocks noGrp="1"/>
+          </p:cNvGraphicFramePr>
+          <p:nvPr>
+            <p:ph idx="1"/>
+            <p:extLst>
+              <p:ext uri="{D42A27DB-BD31-4B8C-83A1-F6EECF244321}">
+                <p14:modId xmlns:p14="http://schemas.microsoft.com/office/powerpoint/2010/main" val="2429201271"/>
+              </p:ext>
+            </p:extLst>
+          </p:nvPr>
+        </p:nvGraphicFramePr>
+        <p:xfrm>
+          <a:off x="841248" y="1952293"/>
+          <a:ext cx="10506456" cy="4219907"/>
+        </p:xfrm>
+        <a:graphic>
+          <a:graphicData uri="http://schemas.openxmlformats.org/drawingml/2006/diagram">
+            <dgm:relIds xmlns:dgm="http://schemas.openxmlformats.org/drawingml/2006/diagram" xmlns:r="http://schemas.openxmlformats.org/officeDocument/2006/relationships" r:dm="rId3" r:lo="rId4" r:qs="rId5" r:cs="rId6"/>
+          </a:graphicData>
+        </a:graphic>
+      </p:graphicFrame>
+    </p:spTree>
+    <p:extLst>
+      <p:ext uri="{BB962C8B-B14F-4D97-AF65-F5344CB8AC3E}">
+        <p14:creationId xmlns:p14="http://schemas.microsoft.com/office/powerpoint/2010/main" val="3751797784"/>
+      </p:ext>
+    </p:extLst>
+  </p:cSld>
+  <p:clrMapOvr>
+    <a:overrideClrMapping bg1="dk1" tx1="lt1" bg2="dk2" tx2="lt2" accent1="accent1" accent2="accent2" accent3="accent3" accent4="accent4" accent5="accent5" accent6="accent6" hlink="hlink" folHlink="folHlink"/>
+  </p:clrMapOvr>
+</p:sld>
+</file>
+
+<file path=ppt/slides/slide4.xml><?xml version="1.0" encoding="utf-8"?>
+<p:sld xmlns:a="http://schemas.openxmlformats.org/drawingml/2006/main" xmlns:r="http://schemas.openxmlformats.org/officeDocument/2006/relationships" xmlns:p="http://schemas.openxmlformats.org/presentationml/2006/main">
+  <p:cSld>
+    <p:bg>
+      <p:bgPr>
+        <a:solidFill>
+          <a:schemeClr val="bg1"/>
+        </a:solidFill>
+        <a:effectLst/>
+      </p:bgPr>
+    </p:bg>
+    <p:spTree>
+      <p:nvGrpSpPr>
+        <p:cNvPr id="1" name=""/>
+        <p:cNvGrpSpPr/>
+        <p:nvPr/>
+      </p:nvGrpSpPr>
+      <p:grpSpPr>
+        <a:xfrm>
+          <a:off x="0" y="0"/>
+          <a:ext cx="0" cy="0"/>
+          <a:chOff x="0" y="0"/>
+          <a:chExt cx="0" cy="0"/>
+        </a:xfrm>
+      </p:grpSpPr>
+      <p:sp useBgFill="1">
+        <p:nvSpPr>
+          <p:cNvPr id="53" name="Rectangle 52">
+            <a:extLst>
+              <a:ext uri="{FF2B5EF4-FFF2-40B4-BE49-F238E27FC236}">
+                <a16:creationId xmlns:a16="http://schemas.microsoft.com/office/drawing/2014/main" id="{CD504B3E-2155-480C-A1E5-DBFD02C55BA6}"/>
+              </a:ext>
+              <a:ext uri="{C183D7F6-B498-43B3-948B-1728B52AA6E4}">
+                <adec:decorative xmlns:adec="http://schemas.microsoft.com/office/drawing/2017/decorative" val="1"/>
+              </a:ext>
+            </a:extLst>
+          </p:cNvPr>
+          <p:cNvSpPr>
+            <a:spLocks noGrp="1" noRot="1" noChangeAspect="1" noMove="1" noResize="1" noEditPoints="1" noAdjustHandles="1" noChangeArrowheads="1" noChangeShapeType="1" noTextEdit="1"/>
+          </p:cNvSpPr>
+          <p:nvPr>
+            <p:extLst>
+              <p:ext uri="{386F3935-93C4-4BCD-93E2-E3B085C9AB24}">
+                <p16:designElem xmlns:p16="http://schemas.microsoft.com/office/powerpoint/2015/main" val="1"/>
+              </p:ext>
+            </p:extLst>
+          </p:nvPr>
+        </p:nvSpPr>
+        <p:spPr>
+          <a:xfrm>
+            <a:off x="0" y="0"/>
+            <a:ext cx="12192000" cy="6858000"/>
+          </a:xfrm>
+          <a:prstGeom prst="rect">
+            <a:avLst/>
+          </a:prstGeom>
+          <a:ln>
+            <a:noFill/>
+          </a:ln>
+        </p:spPr>
+        <p:style>
+          <a:lnRef idx="2">
+            <a:schemeClr val="accent1">
+              <a:shade val="50000"/>
+            </a:schemeClr>
+          </a:lnRef>
+          <a:fillRef idx="1">
+            <a:schemeClr val="accent1"/>
+          </a:fillRef>
+          <a:effectRef idx="0">
+            <a:schemeClr val="accent1"/>
+          </a:effectRef>
+          <a:fontRef idx="minor">
+            <a:schemeClr val="lt1"/>
+          </a:fontRef>
+        </p:style>
+        <p:txBody>
+          <a:bodyPr rtlCol="0" anchor="ctr"/>
+          <a:lstStyle/>
+          <a:p>
+            <a:pPr algn="ctr"/>
+            <a:endParaRPr lang="en-US"/>
+          </a:p>
+        </p:txBody>
+      </p:sp>
+      <p:sp useBgFill="1">
+        <p:nvSpPr>
+          <p:cNvPr id="55" name="Rectangle 54">
+            <a:extLst>
+              <a:ext uri="{FF2B5EF4-FFF2-40B4-BE49-F238E27FC236}">
+                <a16:creationId xmlns:a16="http://schemas.microsoft.com/office/drawing/2014/main" id="{0990C621-3B8B-4820-8328-D47EF7CE823C}"/>
+              </a:ext>
+              <a:ext uri="{C183D7F6-B498-43B3-948B-1728B52AA6E4}">
+                <adec:decorative xmlns:adec="http://schemas.microsoft.com/office/drawing/2017/decorative" val="1"/>
+              </a:ext>
+            </a:extLst>
+          </p:cNvPr>
+          <p:cNvSpPr>
+            <a:spLocks noGrp="1" noRot="1" noChangeAspect="1" noMove="1" noResize="1" noEditPoints="1" noAdjustHandles="1" noChangeArrowheads="1" noChangeShapeType="1" noTextEdit="1"/>
+          </p:cNvSpPr>
+          <p:nvPr>
+            <p:extLst>
+              <p:ext uri="{386F3935-93C4-4BCD-93E2-E3B085C9AB24}">
+                <p16:designElem xmlns:p16="http://schemas.microsoft.com/office/powerpoint/2015/main" val="1"/>
+              </p:ext>
+            </p:extLst>
+          </p:nvPr>
+        </p:nvSpPr>
+        <p:spPr>
+          <a:xfrm>
+            <a:off x="554416" y="365125"/>
+            <a:ext cx="11167447" cy="2089317"/>
+          </a:xfrm>
+          <a:prstGeom prst="rect">
+            <a:avLst/>
+          </a:prstGeom>
+          <a:ln w="12700">
+            <a:solidFill>
+              <a:schemeClr val="tx2">
+                <a:lumMod val="10000"/>
+                <a:lumOff val="90000"/>
+              </a:schemeClr>
+            </a:solidFill>
+          </a:ln>
+          <a:effectLst>
+            <a:outerShdw blurRad="50800" dist="38100" dir="2700000" algn="tl" rotWithShape="0">
+              <a:schemeClr val="bg2">
+                <a:lumMod val="85000"/>
+                <a:alpha val="30000"/>
+              </a:schemeClr>
+            </a:outerShdw>
+          </a:effectLst>
+        </p:spPr>
+        <p:style>
+          <a:lnRef idx="2">
+            <a:schemeClr val="accent1">
+              <a:shade val="50000"/>
+            </a:schemeClr>
+          </a:lnRef>
+          <a:fillRef idx="1">
+            <a:schemeClr val="accent1"/>
+          </a:fillRef>
+          <a:effectRef idx="0">
+            <a:schemeClr val="accent1"/>
+          </a:effectRef>
+          <a:fontRef idx="minor">
+            <a:schemeClr val="lt1"/>
+          </a:fontRef>
+        </p:style>
+        <p:txBody>
+          <a:bodyPr rtlCol="0" anchor="ctr"/>
+          <a:lstStyle/>
+          <a:p>
+            <a:pPr marL="0" marR="0" lvl="0" indent="0" algn="ctr" defTabSz="914400" rtl="0" eaLnBrk="1" fontAlgn="auto" latinLnBrk="0" hangingPunct="1">
+              <a:lnSpc>
+                <a:spcPct val="100000"/>
+              </a:lnSpc>
+              <a:spcBef>
+                <a:spcPts val="0"/>
+              </a:spcBef>
+              <a:spcAft>
+                <a:spcPts val="0"/>
+              </a:spcAft>
+              <a:buClrTx/>
+              <a:buSzTx/>
+              <a:buFontTx/>
+              <a:buNone/>
+              <a:tabLst/>
+              <a:defRPr/>
+            </a:pPr>
+            <a:endParaRPr kumimoji="0" lang="en-US" sz="1800" b="0" i="0" u="none" strike="noStrike" kern="1200" cap="none" spc="0" normalizeH="0" baseline="0" noProof="0">
+              <a:ln>
+                <a:noFill/>
+              </a:ln>
+              <a:solidFill>
+                <a:prstClr val="white"/>
+              </a:solidFill>
+              <a:effectLst/>
+              <a:uLnTx/>
+              <a:uFillTx/>
+              <a:latin typeface="Calibri" panose="020F0502020204030204"/>
+              <a:ea typeface="+mn-ea"/>
+              <a:cs typeface="+mn-cs"/>
+            </a:endParaRPr>
+          </a:p>
+        </p:txBody>
+      </p:sp>
+      <p:sp>
+        <p:nvSpPr>
+          <p:cNvPr id="2" name="Title 1">
+            <a:extLst>
+              <a:ext uri="{FF2B5EF4-FFF2-40B4-BE49-F238E27FC236}">
+                <a16:creationId xmlns:a16="http://schemas.microsoft.com/office/drawing/2014/main" id="{C80A9073-F275-4ED0-86BC-B3C7086C33CC}"/>
+              </a:ext>
+            </a:extLst>
+          </p:cNvPr>
+          <p:cNvSpPr>
+            <a:spLocks noGrp="1"/>
+          </p:cNvSpPr>
+          <p:nvPr>
+            <p:ph type="title"/>
+          </p:nvPr>
+        </p:nvSpPr>
+        <p:spPr>
+          <a:xfrm>
+            <a:off x="1051560" y="586822"/>
+            <a:ext cx="3538728" cy="1645920"/>
+          </a:xfrm>
+        </p:spPr>
+        <p:txBody>
+          <a:bodyPr vert="horz" lIns="91440" tIns="45720" rIns="91440" bIns="45720" rtlCol="0">
+            <a:normAutofit/>
+          </a:bodyPr>
+          <a:lstStyle/>
+          <a:p>
+            <a:r>
+              <a:rPr lang="en-US" sz="3200"/>
+              <a:t>Average Annual Fuel Cost (All Vehicles)</a:t>
+            </a:r>
+          </a:p>
+        </p:txBody>
+      </p:sp>
+      <p:sp>
+        <p:nvSpPr>
+          <p:cNvPr id="57" name="Rectangle 56">
+            <a:extLst>
+              <a:ext uri="{FF2B5EF4-FFF2-40B4-BE49-F238E27FC236}">
+                <a16:creationId xmlns:a16="http://schemas.microsoft.com/office/drawing/2014/main" id="{C1A2385B-1D2A-4E17-84FA-6CB7F0AAE473}"/>
+              </a:ext>
+              <a:ext uri="{C183D7F6-B498-43B3-948B-1728B52AA6E4}">
+                <adec:decorative xmlns:adec="http://schemas.microsoft.com/office/drawing/2017/decorative" val="1"/>
+              </a:ext>
+            </a:extLst>
+          </p:cNvPr>
+          <p:cNvSpPr>
+            <a:spLocks noGrp="1" noRot="1" noChangeAspect="1" noMove="1" noResize="1" noEditPoints="1" noAdjustHandles="1" noChangeArrowheads="1" noChangeShapeType="1" noTextEdit="1"/>
+          </p:cNvSpPr>
+          <p:nvPr>
+            <p:extLst>
+              <p:ext uri="{386F3935-93C4-4BCD-93E2-E3B085C9AB24}">
+                <p16:designElem xmlns:p16="http://schemas.microsoft.com/office/powerpoint/2015/main" val="1"/>
+              </p:ext>
+            </p:extLst>
+          </p:nvPr>
+        </p:nvSpPr>
+        <p:spPr>
+          <a:xfrm>
+            <a:off x="490408" y="1057739"/>
+            <a:ext cx="128016" cy="704088"/>
+          </a:xfrm>
+          <a:prstGeom prst="rect">
+            <a:avLst/>
+          </a:prstGeom>
+          <a:solidFill>
+            <a:schemeClr val="accent1"/>
+          </a:solidFill>
+          <a:ln>
+            <a:noFill/>
+          </a:ln>
+        </p:spPr>
+        <p:style>
+          <a:lnRef idx="2">
+            <a:schemeClr val="accent1">
+              <a:shade val="50000"/>
+            </a:schemeClr>
+          </a:lnRef>
+          <a:fillRef idx="1">
+            <a:schemeClr val="accent1"/>
+          </a:fillRef>
+          <a:effectRef idx="0">
+            <a:schemeClr val="accent1"/>
+          </a:effectRef>
+          <a:fontRef idx="minor">
+            <a:schemeClr val="lt1"/>
+          </a:fontRef>
+        </p:style>
+        <p:txBody>
+          <a:bodyPr rtlCol="0" anchor="ctr"/>
+          <a:lstStyle/>
+          <a:p>
+            <a:pPr marL="0" marR="0" lvl="0" indent="0" algn="ctr" defTabSz="914400" rtl="0" eaLnBrk="1" fontAlgn="auto" latinLnBrk="0" hangingPunct="1">
+              <a:lnSpc>
+                <a:spcPct val="100000"/>
+              </a:lnSpc>
+              <a:spcBef>
+                <a:spcPts val="0"/>
+              </a:spcBef>
+              <a:spcAft>
+                <a:spcPts val="0"/>
+              </a:spcAft>
+              <a:buClrTx/>
+              <a:buSzTx/>
+              <a:buFontTx/>
+              <a:buNone/>
+              <a:tabLst/>
+              <a:defRPr/>
+            </a:pPr>
+            <a:endParaRPr kumimoji="0" lang="en-US" sz="1800" b="0" i="0" u="none" strike="noStrike" kern="1200" cap="none" spc="0" normalizeH="0" baseline="0" noProof="0" dirty="0">
+              <a:ln>
+                <a:noFill/>
+              </a:ln>
+              <a:solidFill>
+                <a:prstClr val="white"/>
+              </a:solidFill>
+              <a:effectLst/>
+              <a:uLnTx/>
+              <a:uFillTx/>
+              <a:latin typeface="Calibri" panose="020F0502020204030204"/>
+              <a:ea typeface="+mn-ea"/>
+              <a:cs typeface="+mn-cs"/>
+            </a:endParaRPr>
+          </a:p>
+        </p:txBody>
+      </p:sp>
+      <p:sp>
+        <p:nvSpPr>
+          <p:cNvPr id="59" name="Rectangle 58">
+            <a:extLst>
+              <a:ext uri="{FF2B5EF4-FFF2-40B4-BE49-F238E27FC236}">
+                <a16:creationId xmlns:a16="http://schemas.microsoft.com/office/drawing/2014/main" id="{5E791F2F-79DB-4CC0-9FA1-001E3E91E8B7}"/>
+              </a:ext>
+              <a:ext uri="{C183D7F6-B498-43B3-948B-1728B52AA6E4}">
+                <adec:decorative xmlns:adec="http://schemas.microsoft.com/office/drawing/2017/decorative" val="1"/>
+              </a:ext>
+            </a:extLst>
+          </p:cNvPr>
+          <p:cNvSpPr>
+            <a:spLocks noGrp="1" noRot="1" noChangeAspect="1" noMove="1" noResize="1" noEditPoints="1" noAdjustHandles="1" noChangeArrowheads="1" noChangeShapeType="1" noTextEdit="1"/>
+          </p:cNvSpPr>
+          <p:nvPr>
+            <p:extLst>
+              <p:ext uri="{386F3935-93C4-4BCD-93E2-E3B085C9AB24}">
+                <p16:designElem xmlns:p16="http://schemas.microsoft.com/office/powerpoint/2015/main" val="1"/>
+              </p:ext>
+            </p:extLst>
+          </p:nvPr>
+        </p:nvSpPr>
+        <p:spPr>
+          <a:xfrm rot="5400000">
+            <a:off x="4248113" y="1405210"/>
+            <a:ext cx="1463040" cy="9144"/>
+          </a:xfrm>
+          <a:prstGeom prst="rect">
+            <a:avLst/>
+          </a:prstGeom>
+          <a:solidFill>
+            <a:schemeClr val="tx2">
+              <a:lumMod val="25000"/>
+              <a:lumOff val="75000"/>
+            </a:schemeClr>
+          </a:solidFill>
+          <a:ln w="3175">
+            <a:noFill/>
+          </a:ln>
+          <a:effectLst/>
+        </p:spPr>
+        <p:style>
+          <a:lnRef idx="2">
+            <a:schemeClr val="accent1">
+              <a:shade val="50000"/>
+            </a:schemeClr>
+          </a:lnRef>
+          <a:fillRef idx="1">
+            <a:schemeClr val="accent1"/>
+          </a:fillRef>
+          <a:effectRef idx="0">
+            <a:schemeClr val="accent1"/>
+          </a:effectRef>
+          <a:fontRef idx="minor">
+            <a:schemeClr val="lt1"/>
+          </a:fontRef>
+        </p:style>
+        <p:txBody>
+          <a:bodyPr rtlCol="0" anchor="ctr"/>
+          <a:lstStyle/>
+          <a:p>
+            <a:pPr marL="0" marR="0" lvl="0" indent="0" algn="ctr" defTabSz="914400" rtl="0" eaLnBrk="1" fontAlgn="auto" latinLnBrk="0" hangingPunct="1">
+              <a:lnSpc>
+                <a:spcPct val="100000"/>
+              </a:lnSpc>
+              <a:spcBef>
+                <a:spcPts val="0"/>
+              </a:spcBef>
+              <a:spcAft>
+                <a:spcPts val="0"/>
+              </a:spcAft>
+              <a:buClrTx/>
+              <a:buSzTx/>
+              <a:buFontTx/>
+              <a:buNone/>
+              <a:tabLst/>
+              <a:defRPr/>
+            </a:pPr>
+            <a:endParaRPr kumimoji="0" lang="en-US" sz="1800" b="0" i="0" u="none" strike="noStrike" kern="1200" cap="none" spc="0" normalizeH="0" baseline="0" noProof="0">
+              <a:ln>
+                <a:noFill/>
+              </a:ln>
+              <a:solidFill>
+                <a:prstClr val="white"/>
+              </a:solidFill>
+              <a:effectLst/>
+              <a:uLnTx/>
+              <a:uFillTx/>
+              <a:latin typeface="Calibri" panose="020F0502020204030204"/>
+              <a:ea typeface="+mn-ea"/>
+              <a:cs typeface="+mn-cs"/>
+            </a:endParaRPr>
+          </a:p>
+        </p:txBody>
+      </p:sp>
+      <p:sp>
+        <p:nvSpPr>
+          <p:cNvPr id="41" name="Content Placeholder 40">
+            <a:extLst>
+              <a:ext uri="{FF2B5EF4-FFF2-40B4-BE49-F238E27FC236}">
+                <a16:creationId xmlns:a16="http://schemas.microsoft.com/office/drawing/2014/main" id="{5694526A-AFD0-47F4-8C51-1787BD2ECA45}"/>
+              </a:ext>
+            </a:extLst>
+          </p:cNvPr>
+          <p:cNvSpPr>
+            <a:spLocks noGrp="1"/>
+          </p:cNvSpPr>
+          <p:nvPr>
+            <p:ph idx="1"/>
+          </p:nvPr>
+        </p:nvSpPr>
+        <p:spPr>
+          <a:xfrm>
+            <a:off x="5349240" y="586822"/>
+            <a:ext cx="6007608" cy="1645920"/>
+          </a:xfrm>
+        </p:spPr>
+        <p:txBody>
+          <a:bodyPr anchor="ctr">
+            <a:normAutofit fontScale="92500"/>
+          </a:bodyPr>
+          <a:lstStyle/>
+          <a:p>
+            <a:r>
+              <a:rPr lang="en-US" sz="1800" dirty="0"/>
+              <a:t>We looked at annual fuel prices from 1984-2017. Based on the annual process that were used in comparison, it was found that fuel prices were steadily rising and falling between $1900 and $2100 until 2010 when it began trending down to below $1750.</a:t>
+            </a:r>
+          </a:p>
+        </p:txBody>
+      </p:sp>
+      <p:pic>
+        <p:nvPicPr>
+          <p:cNvPr id="4" name="Picture 3" descr="Forest road with vanishing point">
+            <a:extLst>
+              <a:ext uri="{FF2B5EF4-FFF2-40B4-BE49-F238E27FC236}">
+                <a16:creationId xmlns:a16="http://schemas.microsoft.com/office/drawing/2014/main" id="{99B2D53A-5FD6-4E16-8D1A-674E3EE3E9B1}"/>
+              </a:ext>
+            </a:extLst>
+          </p:cNvPr>
+          <p:cNvPicPr>
+            <a:picLocks noChangeAspect="1"/>
+          </p:cNvPicPr>
+          <p:nvPr/>
+        </p:nvPicPr>
+        <p:blipFill rotWithShape="1">
+          <a:blip r:embed="rId2"/>
+          <a:srcRect l="1128" r="15975" b="-1"/>
+          <a:stretch/>
+        </p:blipFill>
+        <p:spPr>
+          <a:xfrm>
+            <a:off x="557789" y="2734056"/>
+            <a:ext cx="4326599" cy="3483864"/>
+          </a:xfrm>
+          <a:prstGeom prst="rect">
+            <a:avLst/>
+          </a:prstGeom>
+        </p:spPr>
+      </p:pic>
+      <p:pic>
+        <p:nvPicPr>
+          <p:cNvPr id="8" name="Content Placeholder 7" descr="Chart, line chart&#10;&#10;Description automatically generated">
+            <a:extLst>
+              <a:ext uri="{FF2B5EF4-FFF2-40B4-BE49-F238E27FC236}">
+                <a16:creationId xmlns:a16="http://schemas.microsoft.com/office/drawing/2014/main" id="{8B720338-B460-4F87-BAA9-6BC1EA43D9BA}"/>
+              </a:ext>
+            </a:extLst>
+          </p:cNvPr>
+          <p:cNvPicPr>
+            <a:picLocks noChangeAspect="1"/>
+          </p:cNvPicPr>
+          <p:nvPr/>
+        </p:nvPicPr>
+        <p:blipFill rotWithShape="1">
+          <a:blip r:embed="rId3">
+            <a:extLst>
+              <a:ext uri="{28A0092B-C50C-407E-A947-70E740481C1C}">
+                <a14:useLocalDpi xmlns:a14="http://schemas.microsoft.com/office/drawing/2010/main" val="0"/>
+              </a:ext>
+            </a:extLst>
+          </a:blip>
+          <a:stretch/>
+        </p:blipFill>
+        <p:spPr>
+          <a:xfrm>
+            <a:off x="5349240" y="2339664"/>
+            <a:ext cx="6659150" cy="4439434"/>
+          </a:xfrm>
+          <a:prstGeom prst="rect">
+            <a:avLst/>
+          </a:prstGeom>
+        </p:spPr>
+      </p:pic>
+    </p:spTree>
+    <p:extLst>
+      <p:ext uri="{BB962C8B-B14F-4D97-AF65-F5344CB8AC3E}">
+        <p14:creationId xmlns:p14="http://schemas.microsoft.com/office/powerpoint/2010/main" val="1952649701"/>
+      </p:ext>
+    </p:extLst>
+  </p:cSld>
+  <p:clrMapOvr>
+    <a:masterClrMapping/>
+  </p:clrMapOvr>
+</p:sld>
+</file>
+
+<file path=ppt/slides/slide5.xml><?xml version="1.0" encoding="utf-8"?>
+<p:sld xmlns:a="http://schemas.openxmlformats.org/drawingml/2006/main" xmlns:r="http://schemas.openxmlformats.org/officeDocument/2006/relationships" xmlns:p="http://schemas.openxmlformats.org/presentationml/2006/main">
+  <p:cSld>
+    <p:bg>
+      <p:bgPr>
+        <a:solidFill>
+          <a:schemeClr val="bg1"/>
+        </a:solidFill>
+        <a:effectLst/>
+      </p:bgPr>
+    </p:bg>
+    <p:spTree>
+      <p:nvGrpSpPr>
+        <p:cNvPr id="1" name=""/>
+        <p:cNvGrpSpPr/>
+        <p:nvPr/>
+      </p:nvGrpSpPr>
+      <p:grpSpPr>
+        <a:xfrm>
+          <a:off x="0" y="0"/>
+          <a:ext cx="0" cy="0"/>
+          <a:chOff x="0" y="0"/>
+          <a:chExt cx="0" cy="0"/>
+        </a:xfrm>
+      </p:grpSpPr>
+      <p:sp useBgFill="1">
+        <p:nvSpPr>
+          <p:cNvPr id="82" name="Rectangle 81">
+            <a:extLst>
+              <a:ext uri="{FF2B5EF4-FFF2-40B4-BE49-F238E27FC236}">
+                <a16:creationId xmlns:a16="http://schemas.microsoft.com/office/drawing/2014/main" id="{DB90EDA9-2517-46EC-B6D4-3918D04786C1}"/>
+              </a:ext>
+              <a:ext uri="{C183D7F6-B498-43B3-948B-1728B52AA6E4}">
+                <adec:decorative xmlns:adec="http://schemas.microsoft.com/office/drawing/2017/decorative" val="1"/>
+              </a:ext>
+            </a:extLst>
+          </p:cNvPr>
+          <p:cNvSpPr>
+            <a:spLocks noGrp="1" noRot="1" noChangeAspect="1" noMove="1" noResize="1" noEditPoints="1" noAdjustHandles="1" noChangeArrowheads="1" noChangeShapeType="1" noTextEdit="1"/>
+          </p:cNvSpPr>
+          <p:nvPr>
+            <p:extLst>
+              <p:ext uri="{386F3935-93C4-4BCD-93E2-E3B085C9AB24}">
+                <p16:designElem xmlns:p16="http://schemas.microsoft.com/office/powerpoint/2015/main" val="1"/>
+              </p:ext>
+            </p:extLst>
+          </p:nvPr>
+        </p:nvSpPr>
+        <p:spPr>
+          <a:xfrm>
+            <a:off x="0" y="0"/>
+            <a:ext cx="12192000" cy="6858000"/>
+          </a:xfrm>
+          <a:prstGeom prst="rect">
+            <a:avLst/>
+          </a:prstGeom>
+          <a:ln>
+            <a:noFill/>
+          </a:ln>
+        </p:spPr>
+        <p:style>
+          <a:lnRef idx="2">
+            <a:schemeClr val="accent1">
+              <a:shade val="50000"/>
+            </a:schemeClr>
+          </a:lnRef>
+          <a:fillRef idx="1">
+            <a:schemeClr val="accent1"/>
+          </a:fillRef>
+          <a:effectRef idx="0">
+            <a:schemeClr val="accent1"/>
+          </a:effectRef>
+          <a:fontRef idx="minor">
+            <a:schemeClr val="lt1"/>
+          </a:fontRef>
+        </p:style>
+        <p:txBody>
+          <a:bodyPr rtlCol="0" anchor="ctr"/>
+          <a:lstStyle/>
+          <a:p>
+            <a:pPr algn="ctr"/>
+            <a:endParaRPr lang="en-US"/>
+          </a:p>
+        </p:txBody>
+      </p:sp>
+      <p:sp>
+        <p:nvSpPr>
+          <p:cNvPr id="2" name="Title 1">
+            <a:extLst>
+              <a:ext uri="{FF2B5EF4-FFF2-40B4-BE49-F238E27FC236}">
+                <a16:creationId xmlns:a16="http://schemas.microsoft.com/office/drawing/2014/main" id="{C80A9073-F275-4ED0-86BC-B3C7086C33CC}"/>
+              </a:ext>
+            </a:extLst>
+          </p:cNvPr>
+          <p:cNvSpPr>
+            <a:spLocks noGrp="1"/>
+          </p:cNvSpPr>
+          <p:nvPr>
+            <p:ph type="title"/>
+          </p:nvPr>
+        </p:nvSpPr>
+        <p:spPr>
+          <a:xfrm>
+            <a:off x="269776" y="430244"/>
+            <a:ext cx="6272784" cy="1536192"/>
+          </a:xfrm>
+        </p:spPr>
+        <p:txBody>
+          <a:bodyPr vert="horz" lIns="91440" tIns="45720" rIns="91440" bIns="45720" rtlCol="0" anchor="b">
+            <a:normAutofit/>
+          </a:bodyPr>
+          <a:lstStyle/>
+          <a:p>
+            <a:r>
+              <a:rPr lang="en-US" dirty="0"/>
+              <a:t>Average Annual Miles Per Gallon (All Vehicles)</a:t>
+            </a:r>
+          </a:p>
+        </p:txBody>
+      </p:sp>
+      <p:sp>
+        <p:nvSpPr>
+          <p:cNvPr id="84" name="Rectangle 83">
+            <a:extLst>
+              <a:ext uri="{FF2B5EF4-FFF2-40B4-BE49-F238E27FC236}">
+                <a16:creationId xmlns:a16="http://schemas.microsoft.com/office/drawing/2014/main" id="{D449B1F2-532C-44C7-8AC7-28EA15EE02CB}"/>
+              </a:ext>
+              <a:ext uri="{C183D7F6-B498-43B3-948B-1728B52AA6E4}">
+                <adec:decorative xmlns:adec="http://schemas.microsoft.com/office/drawing/2017/decorative" val="1"/>
+              </a:ext>
+            </a:extLst>
+          </p:cNvPr>
+          <p:cNvSpPr>
+            <a:spLocks noGrp="1" noRot="1" noChangeAspect="1" noMove="1" noResize="1" noEditPoints="1" noAdjustHandles="1" noChangeArrowheads="1" noChangeShapeType="1" noTextEdit="1"/>
+          </p:cNvSpPr>
+          <p:nvPr>
+            <p:extLst>
+              <p:ext uri="{386F3935-93C4-4BCD-93E2-E3B085C9AB24}">
+                <p16:designElem xmlns:p16="http://schemas.microsoft.com/office/powerpoint/2015/main" val="1"/>
+              </p:ext>
+            </p:extLst>
+          </p:nvPr>
+        </p:nvSpPr>
+        <p:spPr>
+          <a:xfrm rot="5400000">
+            <a:off x="850392" y="363389"/>
+            <a:ext cx="73152" cy="548640"/>
+          </a:xfrm>
+          <a:prstGeom prst="rect">
+            <a:avLst/>
+          </a:prstGeom>
+          <a:solidFill>
+            <a:schemeClr val="accent1"/>
+          </a:solidFill>
+          <a:ln>
+            <a:noFill/>
+          </a:ln>
+        </p:spPr>
+        <p:style>
+          <a:lnRef idx="2">
+            <a:schemeClr val="accent1">
+              <a:shade val="50000"/>
+            </a:schemeClr>
+          </a:lnRef>
+          <a:fillRef idx="1">
+            <a:schemeClr val="accent1"/>
+          </a:fillRef>
+          <a:effectRef idx="0">
+            <a:schemeClr val="accent1"/>
+          </a:effectRef>
+          <a:fontRef idx="minor">
+            <a:schemeClr val="lt1"/>
+          </a:fontRef>
+        </p:style>
+        <p:txBody>
+          <a:bodyPr rtlCol="0" anchor="ctr"/>
+          <a:lstStyle/>
+          <a:p>
+            <a:pPr marL="0" marR="0" lvl="0" indent="0" algn="ctr" defTabSz="914400" rtl="0" eaLnBrk="1" fontAlgn="auto" latinLnBrk="0" hangingPunct="1">
+              <a:lnSpc>
+                <a:spcPct val="100000"/>
+              </a:lnSpc>
+              <a:spcBef>
+                <a:spcPts val="0"/>
+              </a:spcBef>
+              <a:spcAft>
+                <a:spcPts val="0"/>
+              </a:spcAft>
+              <a:buClrTx/>
+              <a:buSzTx/>
+              <a:buFontTx/>
+              <a:buNone/>
+              <a:tabLst/>
+              <a:defRPr/>
+            </a:pPr>
+            <a:endParaRPr kumimoji="0" lang="en-US" sz="1800" b="0" i="0" u="none" strike="noStrike" kern="1200" cap="none" spc="0" normalizeH="0" baseline="0" noProof="0">
+              <a:ln>
+                <a:noFill/>
+              </a:ln>
+              <a:solidFill>
+                <a:prstClr val="white"/>
+              </a:solidFill>
+              <a:effectLst/>
+              <a:uLnTx/>
+              <a:uFillTx/>
+              <a:latin typeface="Calibri" panose="020F0502020204030204"/>
+              <a:ea typeface="+mn-ea"/>
+              <a:cs typeface="+mn-cs"/>
+            </a:endParaRPr>
+          </a:p>
+        </p:txBody>
+      </p:sp>
+      <p:pic>
+        <p:nvPicPr>
+          <p:cNvPr id="6" name="Picture 5" descr="Chart, line chart&#10;&#10;Description automatically generated">
+            <a:extLst>
+              <a:ext uri="{FF2B5EF4-FFF2-40B4-BE49-F238E27FC236}">
+                <a16:creationId xmlns:a16="http://schemas.microsoft.com/office/drawing/2014/main" id="{B1DC089D-EE86-4BFB-91EF-381AD5E7D676}"/>
+              </a:ext>
+            </a:extLst>
+          </p:cNvPr>
+          <p:cNvPicPr>
+            <a:picLocks noChangeAspect="1"/>
+          </p:cNvPicPr>
+          <p:nvPr/>
+        </p:nvPicPr>
+        <p:blipFill rotWithShape="1">
+          <a:blip r:embed="rId2">
+            <a:extLst>
+              <a:ext uri="{28A0092B-C50C-407E-A947-70E740481C1C}">
+                <a14:useLocalDpi xmlns:a14="http://schemas.microsoft.com/office/drawing/2010/main" val="0"/>
+              </a:ext>
+            </a:extLst>
+          </a:blip>
+          <a:stretch/>
+        </p:blipFill>
+        <p:spPr>
+          <a:xfrm>
+            <a:off x="6542560" y="-189009"/>
+            <a:ext cx="6139773" cy="4093182"/>
+          </a:xfrm>
+          <a:prstGeom prst="rect">
+            <a:avLst/>
+          </a:prstGeom>
+        </p:spPr>
+      </p:pic>
+      <p:sp>
+        <p:nvSpPr>
+          <p:cNvPr id="86" name="Rectangle 85">
+            <a:extLst>
+              <a:ext uri="{FF2B5EF4-FFF2-40B4-BE49-F238E27FC236}">
+                <a16:creationId xmlns:a16="http://schemas.microsoft.com/office/drawing/2014/main" id="{EE7D3784-5CF9-4282-9B1C-523957852BF6}"/>
+              </a:ext>
+              <a:ext uri="{C183D7F6-B498-43B3-948B-1728B52AA6E4}">
+                <adec:decorative xmlns:adec="http://schemas.microsoft.com/office/drawing/2017/decorative" val="1"/>
+              </a:ext>
+            </a:extLst>
+          </p:cNvPr>
+          <p:cNvSpPr>
+            <a:spLocks noGrp="1" noRot="1" noChangeAspect="1" noMove="1" noResize="1" noEditPoints="1" noAdjustHandles="1" noChangeArrowheads="1" noChangeShapeType="1" noTextEdit="1"/>
+          </p:cNvSpPr>
+          <p:nvPr>
+            <p:extLst>
+              <p:ext uri="{386F3935-93C4-4BCD-93E2-E3B085C9AB24}">
+                <p16:designElem xmlns:p16="http://schemas.microsoft.com/office/powerpoint/2015/main" val="1"/>
+              </p:ext>
+            </p:extLst>
+          </p:nvPr>
+        </p:nvSpPr>
+        <p:spPr>
+          <a:xfrm>
+            <a:off x="621792" y="2935541"/>
+            <a:ext cx="6217920" cy="18288"/>
+          </a:xfrm>
+          <a:prstGeom prst="rect">
+            <a:avLst/>
+          </a:prstGeom>
+          <a:solidFill>
+            <a:schemeClr val="tx2">
+              <a:lumMod val="25000"/>
+              <a:lumOff val="75000"/>
+            </a:schemeClr>
+          </a:solidFill>
+          <a:ln w="3175">
+            <a:noFill/>
+          </a:ln>
+          <a:effectLst/>
+        </p:spPr>
+        <p:style>
+          <a:lnRef idx="2">
+            <a:schemeClr val="accent1">
+              <a:shade val="50000"/>
+            </a:schemeClr>
+          </a:lnRef>
+          <a:fillRef idx="1">
+            <a:schemeClr val="accent1"/>
+          </a:fillRef>
+          <a:effectRef idx="0">
+            <a:schemeClr val="accent1"/>
+          </a:effectRef>
+          <a:fontRef idx="minor">
+            <a:schemeClr val="lt1"/>
+          </a:fontRef>
+        </p:style>
+        <p:txBody>
+          <a:bodyPr rtlCol="0" anchor="ctr"/>
+          <a:lstStyle/>
+          <a:p>
+            <a:pPr marL="0" marR="0" lvl="0" indent="0" algn="ctr" defTabSz="914400" rtl="0" eaLnBrk="1" fontAlgn="auto" latinLnBrk="0" hangingPunct="1">
+              <a:lnSpc>
+                <a:spcPct val="100000"/>
+              </a:lnSpc>
+              <a:spcBef>
+                <a:spcPts val="0"/>
+              </a:spcBef>
+              <a:spcAft>
+                <a:spcPts val="0"/>
+              </a:spcAft>
+              <a:buClrTx/>
+              <a:buSzTx/>
+              <a:buFontTx/>
+              <a:buNone/>
+              <a:tabLst/>
+              <a:defRPr/>
+            </a:pPr>
+            <a:endParaRPr kumimoji="0" lang="en-US" sz="1800" b="0" i="0" u="none" strike="noStrike" kern="1200" cap="none" spc="0" normalizeH="0" baseline="0" noProof="0">
+              <a:ln>
+                <a:noFill/>
+              </a:ln>
+              <a:solidFill>
+                <a:prstClr val="white"/>
+              </a:solidFill>
+              <a:effectLst/>
+              <a:uLnTx/>
+              <a:uFillTx/>
+              <a:latin typeface="Calibri" panose="020F0502020204030204"/>
+              <a:ea typeface="+mn-ea"/>
+              <a:cs typeface="+mn-cs"/>
+            </a:endParaRPr>
+          </a:p>
+        </p:txBody>
+      </p:sp>
       <p:sp>
         <p:nvSpPr>
           <p:cNvPr id="3" name="Content Placeholder 2">
@@ -9492,8 +12452,8 @@
         </p:blipFill>
         <p:spPr>
           <a:xfrm>
-            <a:off x="7684008" y="3172968"/>
-            <a:ext cx="4507992" cy="3685032"/>
+            <a:off x="7866099" y="3884430"/>
+            <a:ext cx="3637643" cy="2973570"/>
           </a:xfrm>
           <a:prstGeom prst="rect">
             <a:avLst/>
@@ -9605,7 +12565,7 @@
 </p:sld>
 </file>
 
-<file path=ppt/slides/slide5.xml><?xml version="1.0" encoding="utf-8"?>
+<file path=ppt/slides/slide6.xml><?xml version="1.0" encoding="utf-8"?>
 <p:sld xmlns:a="http://schemas.openxmlformats.org/drawingml/2006/main" xmlns:r="http://schemas.openxmlformats.org/officeDocument/2006/relationships" xmlns:p="http://schemas.openxmlformats.org/presentationml/2006/main">
   <p:cSld>
     <p:bg>
@@ -10039,7 +12999,7 @@
         </p:spPr>
         <p:txBody>
           <a:bodyPr vert="horz" lIns="91440" tIns="45720" rIns="91440" bIns="45720" rtlCol="0" anchor="ctr">
-            <a:normAutofit fontScale="92500"/>
+            <a:normAutofit fontScale="77500" lnSpcReduction="20000"/>
           </a:bodyPr>
           <a:lstStyle/>
           <a:p>
@@ -10048,7 +13008,7 @@
             </a:pPr>
             <a:r>
               <a:rPr lang="en-US" dirty="0"/>
-              <a:t>Data was pulled from 2 different class vehicles in order to see if there was any consistency in fuel costs.</a:t>
+              <a:t>Data was pulled from 2 different class vehicles in order to see if there was any consistency in fuel costs, which were Porsche and Toyota.</a:t>
             </a:r>
           </a:p>
         </p:txBody>
@@ -10262,8 +13222,8 @@
         </p:blipFill>
         <p:spPr>
           <a:xfrm>
-            <a:off x="549058" y="2204490"/>
-            <a:ext cx="5431536" cy="3979450"/>
+            <a:off x="185265" y="2743199"/>
+            <a:ext cx="4347332" cy="3185101"/>
           </a:xfrm>
           <a:prstGeom prst="rect">
             <a:avLst/>
@@ -10272,10 +13232,10 @@
       </p:pic>
       <p:pic>
         <p:nvPicPr>
-          <p:cNvPr id="7" name="Picture 6" descr="Chart, line chart&#10;&#10;Description automatically generated">
-            <a:extLst>
-              <a:ext uri="{FF2B5EF4-FFF2-40B4-BE49-F238E27FC236}">
-                <a16:creationId xmlns:a16="http://schemas.microsoft.com/office/drawing/2014/main" id="{C29DFAD0-29C5-44B6-B9A2-6E97EA9BCF73}"/>
+          <p:cNvPr id="6" name="Picture 5" descr="Chart, line chart&#10;&#10;Description automatically generated">
+            <a:extLst>
+              <a:ext uri="{FF2B5EF4-FFF2-40B4-BE49-F238E27FC236}">
+                <a16:creationId xmlns:a16="http://schemas.microsoft.com/office/drawing/2014/main" id="{A7674F37-C7ED-4DB6-B2DC-B38FA76AB0A7}"/>
               </a:ext>
             </a:extLst>
           </p:cNvPr>
@@ -10298,8 +13258,8 @@
         </p:blipFill>
         <p:spPr>
           <a:xfrm>
-            <a:off x="6211408" y="2378689"/>
-            <a:ext cx="5431536" cy="3621024"/>
+            <a:off x="4717862" y="1978724"/>
+            <a:ext cx="7935264" cy="4898589"/>
           </a:xfrm>
           <a:prstGeom prst="rect">
             <a:avLst/>
@@ -10310,623 +13270,6 @@
     <p:extLst>
       <p:ext uri="{BB962C8B-B14F-4D97-AF65-F5344CB8AC3E}">
         <p14:creationId xmlns:p14="http://schemas.microsoft.com/office/powerpoint/2010/main" val="405591325"/>
-      </p:ext>
-    </p:extLst>
-  </p:cSld>
-  <p:clrMapOvr>
-    <a:masterClrMapping/>
-  </p:clrMapOvr>
-  <p:timing>
-    <p:tnLst>
-      <p:par>
-        <p:cTn id="1" dur="indefinite" restart="never" nodeType="tmRoot">
-          <p:childTnLst>
-            <p:seq concurrent="1" nextAc="seek">
-              <p:cTn id="2" dur="indefinite" nodeType="mainSeq">
-                <p:childTnLst>
-                  <p:par>
-                    <p:cTn id="3" fill="hold">
-                      <p:stCondLst>
-                        <p:cond delay="indefinite"/>
-                        <p:cond evt="onBegin" delay="0">
-                          <p:tn val="2"/>
-                        </p:cond>
-                      </p:stCondLst>
-                      <p:childTnLst>
-                        <p:par>
-                          <p:cTn id="4" fill="hold">
-                            <p:stCondLst>
-                              <p:cond delay="0"/>
-                            </p:stCondLst>
-                            <p:childTnLst>
-                              <p:par>
-                                <p:cTn id="5" presetID="10" presetClass="entr" presetSubtype="0" fill="hold" grpId="0" nodeType="withEffect">
-                                  <p:stCondLst>
-                                    <p:cond delay="1000"/>
-                                  </p:stCondLst>
-                                  <p:iterate type="lt">
-                                    <p:tmPct val="10000"/>
-                                  </p:iterate>
-                                  <p:childTnLst>
-                                    <p:set>
-                                      <p:cBhvr>
-                                        <p:cTn id="6" dur="1" fill="hold">
-                                          <p:stCondLst>
-                                            <p:cond delay="0"/>
-                                          </p:stCondLst>
-                                        </p:cTn>
-                                        <p:tgtEl>
-                                          <p:spTgt spid="2"/>
-                                        </p:tgtEl>
-                                        <p:attrNameLst>
-                                          <p:attrName>style.visibility</p:attrName>
-                                        </p:attrNameLst>
-                                      </p:cBhvr>
-                                      <p:to>
-                                        <p:strVal val="visible"/>
-                                      </p:to>
-                                    </p:set>
-                                    <p:animEffect transition="in" filter="fade">
-                                      <p:cBhvr>
-                                        <p:cTn id="7" dur="400"/>
-                                        <p:tgtEl>
-                                          <p:spTgt spid="2"/>
-                                        </p:tgtEl>
-                                      </p:cBhvr>
-                                    </p:animEffect>
-                                  </p:childTnLst>
-                                </p:cTn>
-                              </p:par>
-                            </p:childTnLst>
-                          </p:cTn>
-                        </p:par>
-                      </p:childTnLst>
-                    </p:cTn>
-                  </p:par>
-                </p:childTnLst>
-              </p:cTn>
-              <p:prevCondLst>
-                <p:cond evt="onPrev" delay="0">
-                  <p:tgtEl>
-                    <p:sldTgt/>
-                  </p:tgtEl>
-                </p:cond>
-              </p:prevCondLst>
-              <p:nextCondLst>
-                <p:cond evt="onNext" delay="0">
-                  <p:tgtEl>
-                    <p:sldTgt/>
-                  </p:tgtEl>
-                </p:cond>
-              </p:nextCondLst>
-            </p:seq>
-          </p:childTnLst>
-        </p:cTn>
-      </p:par>
-    </p:tnLst>
-    <p:bldLst>
-      <p:bldP spid="2" grpId="0"/>
-    </p:bldLst>
-  </p:timing>
-</p:sld>
-</file>
-
-<file path=ppt/slides/slide6.xml><?xml version="1.0" encoding="utf-8"?>
-<p:sld xmlns:a="http://schemas.openxmlformats.org/drawingml/2006/main" xmlns:r="http://schemas.openxmlformats.org/officeDocument/2006/relationships" xmlns:p="http://schemas.openxmlformats.org/presentationml/2006/main">
-  <p:cSld>
-    <p:bg>
-      <p:bgPr>
-        <a:solidFill>
-          <a:schemeClr val="bg1"/>
-        </a:solidFill>
-        <a:effectLst/>
-      </p:bgPr>
-    </p:bg>
-    <p:spTree>
-      <p:nvGrpSpPr>
-        <p:cNvPr id="1" name=""/>
-        <p:cNvGrpSpPr/>
-        <p:nvPr/>
-      </p:nvGrpSpPr>
-      <p:grpSpPr>
-        <a:xfrm>
-          <a:off x="0" y="0"/>
-          <a:ext cx="0" cy="0"/>
-          <a:chOff x="0" y="0"/>
-          <a:chExt cx="0" cy="0"/>
-        </a:xfrm>
-      </p:grpSpPr>
-      <p:sp useBgFill="1">
-        <p:nvSpPr>
-          <p:cNvPr id="50" name="Rectangle 39">
-            <a:extLst>
-              <a:ext uri="{FF2B5EF4-FFF2-40B4-BE49-F238E27FC236}">
-                <a16:creationId xmlns:a16="http://schemas.microsoft.com/office/drawing/2014/main" id="{F4F2FC05-7D27-410F-BDA9-ADF4831368C7}"/>
-              </a:ext>
-              <a:ext uri="{C183D7F6-B498-43B3-948B-1728B52AA6E4}">
-                <adec:decorative xmlns:adec="http://schemas.microsoft.com/office/drawing/2017/decorative" val="1"/>
-              </a:ext>
-            </a:extLst>
-          </p:cNvPr>
-          <p:cNvSpPr>
-            <a:spLocks noGrp="1" noRot="1" noChangeAspect="1" noMove="1" noResize="1" noEditPoints="1" noAdjustHandles="1" noChangeArrowheads="1" noChangeShapeType="1" noTextEdit="1"/>
-          </p:cNvSpPr>
-          <p:nvPr>
-            <p:extLst>
-              <p:ext uri="{386F3935-93C4-4BCD-93E2-E3B085C9AB24}">
-                <p16:designElem xmlns:p16="http://schemas.microsoft.com/office/powerpoint/2015/main" val="1"/>
-              </p:ext>
-            </p:extLst>
-          </p:nvPr>
-        </p:nvSpPr>
-        <p:spPr>
-          <a:xfrm>
-            <a:off x="0" y="0"/>
-            <a:ext cx="12192000" cy="6858000"/>
-          </a:xfrm>
-          <a:prstGeom prst="rect">
-            <a:avLst/>
-          </a:prstGeom>
-          <a:ln>
-            <a:noFill/>
-          </a:ln>
-        </p:spPr>
-        <p:style>
-          <a:lnRef idx="2">
-            <a:schemeClr val="accent1">
-              <a:shade val="50000"/>
-            </a:schemeClr>
-          </a:lnRef>
-          <a:fillRef idx="1">
-            <a:schemeClr val="accent1"/>
-          </a:fillRef>
-          <a:effectRef idx="0">
-            <a:schemeClr val="accent1"/>
-          </a:effectRef>
-          <a:fontRef idx="minor">
-            <a:schemeClr val="lt1"/>
-          </a:fontRef>
-        </p:style>
-        <p:txBody>
-          <a:bodyPr rtlCol="0" anchor="ctr"/>
-          <a:lstStyle/>
-          <a:p>
-            <a:pPr algn="ctr"/>
-            <a:endParaRPr lang="en-US"/>
-          </a:p>
-        </p:txBody>
-      </p:sp>
-      <p:sp useBgFill="1">
-        <p:nvSpPr>
-          <p:cNvPr id="51" name="Rectangle 41">
-            <a:extLst>
-              <a:ext uri="{FF2B5EF4-FFF2-40B4-BE49-F238E27FC236}">
-                <a16:creationId xmlns:a16="http://schemas.microsoft.com/office/drawing/2014/main" id="{9080D120-BD54-46E1-BA37-82F5E8089E90}"/>
-              </a:ext>
-              <a:ext uri="{C183D7F6-B498-43B3-948B-1728B52AA6E4}">
-                <adec:decorative xmlns:adec="http://schemas.microsoft.com/office/drawing/2017/decorative" val="1"/>
-              </a:ext>
-            </a:extLst>
-          </p:cNvPr>
-          <p:cNvSpPr>
-            <a:spLocks noGrp="1" noRot="1" noChangeAspect="1" noMove="1" noResize="1" noEditPoints="1" noAdjustHandles="1" noChangeArrowheads="1" noChangeShapeType="1" noTextEdit="1"/>
-          </p:cNvSpPr>
-          <p:nvPr>
-            <p:extLst>
-              <p:ext uri="{386F3935-93C4-4BCD-93E2-E3B085C9AB24}">
-                <p16:designElem xmlns:p16="http://schemas.microsoft.com/office/powerpoint/2015/main" val="1"/>
-              </p:ext>
-            </p:extLst>
-          </p:nvPr>
-        </p:nvSpPr>
-        <p:spPr>
-          <a:xfrm>
-            <a:off x="409573" y="633619"/>
-            <a:ext cx="5457817" cy="5495925"/>
-          </a:xfrm>
-          <a:prstGeom prst="rect">
-            <a:avLst/>
-          </a:prstGeom>
-          <a:ln w="9525">
-            <a:solidFill>
-              <a:schemeClr val="tx2">
-                <a:lumMod val="10000"/>
-                <a:lumOff val="90000"/>
-              </a:schemeClr>
-            </a:solidFill>
-          </a:ln>
-          <a:effectLst>
-            <a:outerShdw blurRad="50800" dist="38100" dir="2700000" algn="tl" rotWithShape="0">
-              <a:schemeClr val="bg1">
-                <a:lumMod val="85000"/>
-                <a:alpha val="30000"/>
-              </a:schemeClr>
-            </a:outerShdw>
-          </a:effectLst>
-        </p:spPr>
-        <p:style>
-          <a:lnRef idx="2">
-            <a:schemeClr val="accent1">
-              <a:shade val="50000"/>
-            </a:schemeClr>
-          </a:lnRef>
-          <a:fillRef idx="1">
-            <a:schemeClr val="accent1"/>
-          </a:fillRef>
-          <a:effectRef idx="0">
-            <a:schemeClr val="accent1"/>
-          </a:effectRef>
-          <a:fontRef idx="minor">
-            <a:schemeClr val="lt1"/>
-          </a:fontRef>
-        </p:style>
-        <p:txBody>
-          <a:bodyPr rtlCol="0" anchor="ctr"/>
-          <a:lstStyle/>
-          <a:p>
-            <a:pPr marL="0" marR="0" lvl="0" indent="0" algn="ctr" defTabSz="914400" rtl="0" eaLnBrk="1" fontAlgn="auto" latinLnBrk="0" hangingPunct="1">
-              <a:lnSpc>
-                <a:spcPct val="100000"/>
-              </a:lnSpc>
-              <a:spcBef>
-                <a:spcPts val="0"/>
-              </a:spcBef>
-              <a:spcAft>
-                <a:spcPts val="0"/>
-              </a:spcAft>
-              <a:buClrTx/>
-              <a:buSzTx/>
-              <a:buFontTx/>
-              <a:buNone/>
-              <a:tabLst/>
-              <a:defRPr/>
-            </a:pPr>
-            <a:endParaRPr kumimoji="0" lang="en-US" sz="1800" b="0" i="0" u="none" strike="noStrike" kern="1200" cap="none" spc="0" normalizeH="0" baseline="0" noProof="0">
-              <a:ln>
-                <a:noFill/>
-              </a:ln>
-              <a:solidFill>
-                <a:prstClr val="white"/>
-              </a:solidFill>
-              <a:effectLst/>
-              <a:uLnTx/>
-              <a:uFillTx/>
-              <a:latin typeface="Calibri" panose="020F0502020204030204"/>
-              <a:ea typeface="+mn-ea"/>
-              <a:cs typeface="+mn-cs"/>
-            </a:endParaRPr>
-          </a:p>
-        </p:txBody>
-      </p:sp>
-      <p:sp>
-        <p:nvSpPr>
-          <p:cNvPr id="2" name="Title 1">
-            <a:extLst>
-              <a:ext uri="{FF2B5EF4-FFF2-40B4-BE49-F238E27FC236}">
-                <a16:creationId xmlns:a16="http://schemas.microsoft.com/office/drawing/2014/main" id="{C80A9073-F275-4ED0-86BC-B3C7086C33CC}"/>
-              </a:ext>
-            </a:extLst>
-          </p:cNvPr>
-          <p:cNvSpPr>
-            <a:spLocks noGrp="1"/>
-          </p:cNvSpPr>
-          <p:nvPr>
-            <p:ph type="title"/>
-          </p:nvPr>
-        </p:nvSpPr>
-        <p:spPr>
-          <a:xfrm>
-            <a:off x="838198" y="978408"/>
-            <a:ext cx="4607052" cy="1106424"/>
-          </a:xfrm>
-        </p:spPr>
-        <p:txBody>
-          <a:bodyPr vert="horz" lIns="91440" tIns="45720" rIns="91440" bIns="45720" rtlCol="0">
-            <a:normAutofit/>
-          </a:bodyPr>
-          <a:lstStyle/>
-          <a:p>
-            <a:r>
-              <a:rPr lang="en-US" sz="2900"/>
-              <a:t>Average Annual MPG (Toyota, Porsche)</a:t>
-            </a:r>
-          </a:p>
-        </p:txBody>
-      </p:sp>
-      <p:sp>
-        <p:nvSpPr>
-          <p:cNvPr id="52" name="Rectangle 43">
-            <a:extLst>
-              <a:ext uri="{FF2B5EF4-FFF2-40B4-BE49-F238E27FC236}">
-                <a16:creationId xmlns:a16="http://schemas.microsoft.com/office/drawing/2014/main" id="{81D83946-74FA-498A-AC80-9926F041B5C5}"/>
-              </a:ext>
-              <a:ext uri="{C183D7F6-B498-43B3-948B-1728B52AA6E4}">
-                <adec:decorative xmlns:adec="http://schemas.microsoft.com/office/drawing/2017/decorative" val="1"/>
-              </a:ext>
-            </a:extLst>
-          </p:cNvPr>
-          <p:cNvSpPr>
-            <a:spLocks noGrp="1" noRot="1" noChangeAspect="1" noMove="1" noResize="1" noEditPoints="1" noAdjustHandles="1" noChangeArrowheads="1" noChangeShapeType="1" noTextEdit="1"/>
-          </p:cNvSpPr>
-          <p:nvPr>
-            <p:extLst>
-              <p:ext uri="{386F3935-93C4-4BCD-93E2-E3B085C9AB24}">
-                <p16:designElem xmlns:p16="http://schemas.microsoft.com/office/powerpoint/2015/main" val="1"/>
-              </p:ext>
-            </p:extLst>
-          </p:nvPr>
-        </p:nvSpPr>
-        <p:spPr>
-          <a:xfrm>
-            <a:off x="345565" y="1181536"/>
-            <a:ext cx="128016" cy="704088"/>
-          </a:xfrm>
-          <a:prstGeom prst="rect">
-            <a:avLst/>
-          </a:prstGeom>
-          <a:solidFill>
-            <a:schemeClr val="accent1"/>
-          </a:solidFill>
-          <a:ln>
-            <a:noFill/>
-          </a:ln>
-        </p:spPr>
-        <p:style>
-          <a:lnRef idx="2">
-            <a:schemeClr val="accent1">
-              <a:shade val="50000"/>
-            </a:schemeClr>
-          </a:lnRef>
-          <a:fillRef idx="1">
-            <a:schemeClr val="accent1"/>
-          </a:fillRef>
-          <a:effectRef idx="0">
-            <a:schemeClr val="accent1"/>
-          </a:effectRef>
-          <a:fontRef idx="minor">
-            <a:schemeClr val="lt1"/>
-          </a:fontRef>
-        </p:style>
-        <p:txBody>
-          <a:bodyPr rtlCol="0" anchor="ctr"/>
-          <a:lstStyle/>
-          <a:p>
-            <a:pPr marL="0" marR="0" lvl="0" indent="0" algn="ctr" defTabSz="914400" rtl="0" eaLnBrk="1" fontAlgn="auto" latinLnBrk="0" hangingPunct="1">
-              <a:lnSpc>
-                <a:spcPct val="100000"/>
-              </a:lnSpc>
-              <a:spcBef>
-                <a:spcPts val="0"/>
-              </a:spcBef>
-              <a:spcAft>
-                <a:spcPts val="0"/>
-              </a:spcAft>
-              <a:buClrTx/>
-              <a:buSzTx/>
-              <a:buFontTx/>
-              <a:buNone/>
-              <a:tabLst/>
-              <a:defRPr/>
-            </a:pPr>
-            <a:endParaRPr kumimoji="0" lang="en-US" sz="1800" b="0" i="0" u="none" strike="noStrike" kern="1200" cap="none" spc="0" normalizeH="0" baseline="0" noProof="0">
-              <a:ln>
-                <a:noFill/>
-              </a:ln>
-              <a:solidFill>
-                <a:prstClr val="white"/>
-              </a:solidFill>
-              <a:effectLst/>
-              <a:uLnTx/>
-              <a:uFillTx/>
-              <a:latin typeface="Calibri" panose="020F0502020204030204"/>
-              <a:ea typeface="+mn-ea"/>
-              <a:cs typeface="+mn-cs"/>
-            </a:endParaRPr>
-          </a:p>
-        </p:txBody>
-      </p:sp>
-      <p:sp>
-        <p:nvSpPr>
-          <p:cNvPr id="53" name="Rectangle 45">
-            <a:extLst>
-              <a:ext uri="{FF2B5EF4-FFF2-40B4-BE49-F238E27FC236}">
-                <a16:creationId xmlns:a16="http://schemas.microsoft.com/office/drawing/2014/main" id="{5060D983-8B52-443A-8183-2A1DE05618B5}"/>
-              </a:ext>
-              <a:ext uri="{C183D7F6-B498-43B3-948B-1728B52AA6E4}">
-                <adec:decorative xmlns:adec="http://schemas.microsoft.com/office/drawing/2017/decorative" val="1"/>
-              </a:ext>
-            </a:extLst>
-          </p:cNvPr>
-          <p:cNvSpPr>
-            <a:spLocks noGrp="1" noRot="1" noChangeAspect="1" noMove="1" noResize="1" noEditPoints="1" noAdjustHandles="1" noChangeArrowheads="1" noChangeShapeType="1" noTextEdit="1"/>
-          </p:cNvSpPr>
-          <p:nvPr>
-            <p:extLst>
-              <p:ext uri="{386F3935-93C4-4BCD-93E2-E3B085C9AB24}">
-                <p16:designElem xmlns:p16="http://schemas.microsoft.com/office/powerpoint/2015/main" val="1"/>
-              </p:ext>
-            </p:extLst>
-          </p:nvPr>
-        </p:nvSpPr>
-        <p:spPr>
-          <a:xfrm>
-            <a:off x="877456" y="2185416"/>
-            <a:ext cx="4446484" cy="9144"/>
-          </a:xfrm>
-          <a:prstGeom prst="rect">
-            <a:avLst/>
-          </a:prstGeom>
-          <a:solidFill>
-            <a:schemeClr val="tx2">
-              <a:lumMod val="25000"/>
-              <a:lumOff val="75000"/>
-            </a:schemeClr>
-          </a:solidFill>
-          <a:ln w="3175">
-            <a:noFill/>
-          </a:ln>
-          <a:effectLst/>
-        </p:spPr>
-        <p:style>
-          <a:lnRef idx="2">
-            <a:schemeClr val="accent1">
-              <a:shade val="50000"/>
-            </a:schemeClr>
-          </a:lnRef>
-          <a:fillRef idx="1">
-            <a:schemeClr val="accent1"/>
-          </a:fillRef>
-          <a:effectRef idx="0">
-            <a:schemeClr val="accent1"/>
-          </a:effectRef>
-          <a:fontRef idx="minor">
-            <a:schemeClr val="lt1"/>
-          </a:fontRef>
-        </p:style>
-        <p:txBody>
-          <a:bodyPr rtlCol="0" anchor="ctr"/>
-          <a:lstStyle/>
-          <a:p>
-            <a:pPr marL="0" marR="0" lvl="0" indent="0" algn="ctr" defTabSz="914400" rtl="0" eaLnBrk="1" fontAlgn="auto" latinLnBrk="0" hangingPunct="1">
-              <a:lnSpc>
-                <a:spcPct val="100000"/>
-              </a:lnSpc>
-              <a:spcBef>
-                <a:spcPts val="0"/>
-              </a:spcBef>
-              <a:spcAft>
-                <a:spcPts val="0"/>
-              </a:spcAft>
-              <a:buClrTx/>
-              <a:buSzTx/>
-              <a:buFontTx/>
-              <a:buNone/>
-              <a:tabLst/>
-              <a:defRPr/>
-            </a:pPr>
-            <a:endParaRPr kumimoji="0" lang="en-US" sz="1800" b="0" i="0" u="none" strike="noStrike" kern="1200" cap="none" spc="0" normalizeH="0" baseline="0" noProof="0">
-              <a:ln>
-                <a:noFill/>
-              </a:ln>
-              <a:solidFill>
-                <a:prstClr val="white"/>
-              </a:solidFill>
-              <a:effectLst/>
-              <a:uLnTx/>
-              <a:uFillTx/>
-              <a:latin typeface="Calibri" panose="020F0502020204030204"/>
-              <a:ea typeface="+mn-ea"/>
-              <a:cs typeface="+mn-cs"/>
-            </a:endParaRPr>
-          </a:p>
-        </p:txBody>
-      </p:sp>
-      <p:sp>
-        <p:nvSpPr>
-          <p:cNvPr id="3" name="Content Placeholder 2">
-            <a:extLst>
-              <a:ext uri="{FF2B5EF4-FFF2-40B4-BE49-F238E27FC236}">
-                <a16:creationId xmlns:a16="http://schemas.microsoft.com/office/drawing/2014/main" id="{0847C117-911F-45EC-8C89-7837DE77246B}"/>
-              </a:ext>
-            </a:extLst>
-          </p:cNvPr>
-          <p:cNvSpPr>
-            <a:spLocks noGrp="1"/>
-          </p:cNvSpPr>
-          <p:nvPr>
-            <p:ph idx="1"/>
-          </p:nvPr>
-        </p:nvSpPr>
-        <p:spPr>
-          <a:xfrm>
-            <a:off x="841246" y="2368296"/>
-            <a:ext cx="4607052" cy="3502152"/>
-          </a:xfrm>
-        </p:spPr>
-        <p:txBody>
-          <a:bodyPr vert="horz" lIns="91440" tIns="45720" rIns="91440" bIns="45720" rtlCol="0">
-            <a:normAutofit/>
-          </a:bodyPr>
-          <a:lstStyle/>
-          <a:p>
-            <a:pPr marL="0" indent="0">
-              <a:buNone/>
-            </a:pPr>
-            <a:r>
-              <a:rPr lang="en-US" sz="1800" dirty="0"/>
-              <a:t>The mpg was also calculated between the 2 vehicle classes to see if there was any differences between performance and standard class vehicles.</a:t>
-            </a:r>
-          </a:p>
-        </p:txBody>
-      </p:sp>
-      <p:pic>
-        <p:nvPicPr>
-          <p:cNvPr id="4" name="Picture 3" descr="Forest road with vanishing point">
-            <a:extLst>
-              <a:ext uri="{FF2B5EF4-FFF2-40B4-BE49-F238E27FC236}">
-                <a16:creationId xmlns:a16="http://schemas.microsoft.com/office/drawing/2014/main" id="{99B2D53A-5FD6-4E16-8D1A-674E3EE3E9B1}"/>
-              </a:ext>
-            </a:extLst>
-          </p:cNvPr>
-          <p:cNvPicPr>
-            <a:picLocks noChangeAspect="1"/>
-          </p:cNvPicPr>
-          <p:nvPr/>
-        </p:nvPicPr>
-        <p:blipFill rotWithShape="1">
-          <a:blip r:embed="rId2"/>
-          <a:srcRect r="3" b="8390"/>
-          <a:stretch/>
-        </p:blipFill>
-        <p:spPr>
-          <a:xfrm>
-            <a:off x="6324599" y="10"/>
-            <a:ext cx="5457817" cy="3337549"/>
-          </a:xfrm>
-          <a:prstGeom prst="rect">
-            <a:avLst/>
-          </a:prstGeom>
-        </p:spPr>
-      </p:pic>
-      <p:pic>
-        <p:nvPicPr>
-          <p:cNvPr id="6" name="Picture 5" descr="Chart, line chart&#10;&#10;Description automatically generated">
-            <a:extLst>
-              <a:ext uri="{FF2B5EF4-FFF2-40B4-BE49-F238E27FC236}">
-                <a16:creationId xmlns:a16="http://schemas.microsoft.com/office/drawing/2014/main" id="{4E0BD849-C921-4945-93F7-6129C4D7D323}"/>
-              </a:ext>
-            </a:extLst>
-          </p:cNvPr>
-          <p:cNvPicPr>
-            <a:picLocks noChangeAspect="1"/>
-          </p:cNvPicPr>
-          <p:nvPr/>
-        </p:nvPicPr>
-        <p:blipFill rotWithShape="1">
-          <a:blip r:embed="rId3">
-            <a:extLst>
-              <a:ext uri="{28A0092B-C50C-407E-A947-70E740481C1C}">
-                <a14:useLocalDpi xmlns:a14="http://schemas.microsoft.com/office/drawing/2010/main" val="0"/>
-              </a:ext>
-            </a:extLst>
-          </a:blip>
-          <a:srcRect t="3564" r="1" b="4710"/>
-          <a:stretch/>
-        </p:blipFill>
-        <p:spPr>
-          <a:xfrm>
-            <a:off x="6324590" y="3520439"/>
-            <a:ext cx="5457817" cy="3337561"/>
-          </a:xfrm>
-          <a:prstGeom prst="rect">
-            <a:avLst/>
-          </a:prstGeom>
-        </p:spPr>
-      </p:pic>
-    </p:spTree>
-    <p:extLst>
-      <p:ext uri="{BB962C8B-B14F-4D97-AF65-F5344CB8AC3E}">
-        <p14:creationId xmlns:p14="http://schemas.microsoft.com/office/powerpoint/2010/main" val="1532359652"/>
       </p:ext>
     </p:extLst>
   </p:cSld>
@@ -11055,10 +13398,10 @@
       </p:grpSpPr>
       <p:sp useBgFill="1">
         <p:nvSpPr>
-          <p:cNvPr id="46" name="Rectangle 45">
-            <a:extLst>
-              <a:ext uri="{FF2B5EF4-FFF2-40B4-BE49-F238E27FC236}">
-                <a16:creationId xmlns:a16="http://schemas.microsoft.com/office/drawing/2014/main" id="{49B9E8A9-352D-4DCB-9485-C777000D4979}"/>
+          <p:cNvPr id="50" name="Rectangle 39">
+            <a:extLst>
+              <a:ext uri="{FF2B5EF4-FFF2-40B4-BE49-F238E27FC236}">
+                <a16:creationId xmlns:a16="http://schemas.microsoft.com/office/drawing/2014/main" id="{F4F2FC05-7D27-410F-BDA9-ADF4831368C7}"/>
               </a:ext>
               <a:ext uri="{C183D7F6-B498-43B3-948B-1728B52AA6E4}">
                 <adec:decorative xmlns:adec="http://schemas.microsoft.com/office/drawing/2017/decorative" val="1"/>
@@ -11113,47 +13456,12 @@
           </a:p>
         </p:txBody>
       </p:sp>
-      <p:sp>
-        <p:nvSpPr>
-          <p:cNvPr id="2" name="Title 1">
-            <a:extLst>
-              <a:ext uri="{FF2B5EF4-FFF2-40B4-BE49-F238E27FC236}">
-                <a16:creationId xmlns:a16="http://schemas.microsoft.com/office/drawing/2014/main" id="{C80A9073-F275-4ED0-86BC-B3C7086C33CC}"/>
-              </a:ext>
-            </a:extLst>
-          </p:cNvPr>
-          <p:cNvSpPr>
-            <a:spLocks noGrp="1"/>
-          </p:cNvSpPr>
-          <p:nvPr>
-            <p:ph type="title"/>
-          </p:nvPr>
-        </p:nvSpPr>
-        <p:spPr>
-          <a:xfrm>
-            <a:off x="612648" y="1078992"/>
-            <a:ext cx="6272784" cy="1536192"/>
-          </a:xfrm>
-        </p:spPr>
-        <p:txBody>
-          <a:bodyPr vert="horz" lIns="91440" tIns="45720" rIns="91440" bIns="45720" rtlCol="0" anchor="b">
-            <a:normAutofit/>
-          </a:bodyPr>
-          <a:lstStyle/>
-          <a:p>
-            <a:r>
-              <a:rPr lang="en-US" sz="5200"/>
-              <a:t>Annual Fuel Cost (Automatic)</a:t>
-            </a:r>
-          </a:p>
-        </p:txBody>
-      </p:sp>
-      <p:sp>
-        <p:nvSpPr>
-          <p:cNvPr id="48" name="Rectangle 47">
-            <a:extLst>
-              <a:ext uri="{FF2B5EF4-FFF2-40B4-BE49-F238E27FC236}">
-                <a16:creationId xmlns:a16="http://schemas.microsoft.com/office/drawing/2014/main" id="{C2A9B0E5-C2C1-4B85-99A9-117A659D5FE0}"/>
+      <p:sp useBgFill="1">
+        <p:nvSpPr>
+          <p:cNvPr id="51" name="Rectangle 41">
+            <a:extLst>
+              <a:ext uri="{FF2B5EF4-FFF2-40B4-BE49-F238E27FC236}">
+                <a16:creationId xmlns:a16="http://schemas.microsoft.com/office/drawing/2014/main" id="{9080D120-BD54-46E1-BA37-82F5E8089E90}"/>
               </a:ext>
               <a:ext uri="{C183D7F6-B498-43B3-948B-1728B52AA6E4}">
                 <adec:decorative xmlns:adec="http://schemas.microsoft.com/office/drawing/2017/decorative" val="1"/>
@@ -11172,19 +13480,29 @@
           </p:nvPr>
         </p:nvSpPr>
         <p:spPr>
-          <a:xfrm rot="5400000">
-            <a:off x="853202" y="363389"/>
-            <a:ext cx="73152" cy="548640"/>
+          <a:xfrm>
+            <a:off x="409573" y="633619"/>
+            <a:ext cx="5457817" cy="5495925"/>
           </a:xfrm>
           <a:prstGeom prst="rect">
             <a:avLst/>
           </a:prstGeom>
-          <a:solidFill>
-            <a:schemeClr val="accent1"/>
-          </a:solidFill>
-          <a:ln>
-            <a:noFill/>
+          <a:ln w="9525">
+            <a:solidFill>
+              <a:schemeClr val="tx2">
+                <a:lumMod val="10000"/>
+                <a:lumOff val="90000"/>
+              </a:schemeClr>
+            </a:solidFill>
           </a:ln>
+          <a:effectLst>
+            <a:outerShdw blurRad="50800" dist="38100" dir="2700000" algn="tl" rotWithShape="0">
+              <a:schemeClr val="bg1">
+                <a:lumMod val="85000"/>
+                <a:alpha val="30000"/>
+              </a:schemeClr>
+            </a:outerShdw>
+          </a:effectLst>
         </p:spPr>
         <p:style>
           <a:lnRef idx="2">
@@ -11242,10 +13560,45 @@
       </p:sp>
       <p:sp>
         <p:nvSpPr>
-          <p:cNvPr id="50" name="Rectangle 49">
-            <a:extLst>
-              <a:ext uri="{FF2B5EF4-FFF2-40B4-BE49-F238E27FC236}">
-                <a16:creationId xmlns:a16="http://schemas.microsoft.com/office/drawing/2014/main" id="{3A8AEACA-9535-4BE8-A91B-8BE82BA54751}"/>
+          <p:cNvPr id="2" name="Title 1">
+            <a:extLst>
+              <a:ext uri="{FF2B5EF4-FFF2-40B4-BE49-F238E27FC236}">
+                <a16:creationId xmlns:a16="http://schemas.microsoft.com/office/drawing/2014/main" id="{C80A9073-F275-4ED0-86BC-B3C7086C33CC}"/>
+              </a:ext>
+            </a:extLst>
+          </p:cNvPr>
+          <p:cNvSpPr>
+            <a:spLocks noGrp="1"/>
+          </p:cNvSpPr>
+          <p:nvPr>
+            <p:ph type="title"/>
+          </p:nvPr>
+        </p:nvSpPr>
+        <p:spPr>
+          <a:xfrm>
+            <a:off x="838198" y="978408"/>
+            <a:ext cx="4607052" cy="1106424"/>
+          </a:xfrm>
+        </p:spPr>
+        <p:txBody>
+          <a:bodyPr vert="horz" lIns="91440" tIns="45720" rIns="91440" bIns="45720" rtlCol="0">
+            <a:normAutofit/>
+          </a:bodyPr>
+          <a:lstStyle/>
+          <a:p>
+            <a:r>
+              <a:rPr lang="en-US" sz="2900"/>
+              <a:t>Average Annual MPG (Toyota, Porsche)</a:t>
+            </a:r>
+          </a:p>
+        </p:txBody>
+      </p:sp>
+      <p:sp>
+        <p:nvSpPr>
+          <p:cNvPr id="52" name="Rectangle 43">
+            <a:extLst>
+              <a:ext uri="{FF2B5EF4-FFF2-40B4-BE49-F238E27FC236}">
+                <a16:creationId xmlns:a16="http://schemas.microsoft.com/office/drawing/2014/main" id="{81D83946-74FA-498A-AC80-9926F041B5C5}"/>
               </a:ext>
               <a:ext uri="{C183D7F6-B498-43B3-948B-1728B52AA6E4}">
                 <adec:decorative xmlns:adec="http://schemas.microsoft.com/office/drawing/2017/decorative" val="1"/>
@@ -11265,22 +13618,18 @@
         </p:nvSpPr>
         <p:spPr>
           <a:xfrm>
-            <a:off x="618506" y="2935541"/>
-            <a:ext cx="6217920" cy="18288"/>
+            <a:off x="345565" y="1181536"/>
+            <a:ext cx="128016" cy="704088"/>
           </a:xfrm>
           <a:prstGeom prst="rect">
             <a:avLst/>
           </a:prstGeom>
           <a:solidFill>
-            <a:schemeClr val="tx2">
-              <a:lumMod val="25000"/>
-              <a:lumOff val="75000"/>
-            </a:schemeClr>
+            <a:schemeClr val="accent1"/>
           </a:solidFill>
-          <a:ln w="3175">
+          <a:ln>
             <a:noFill/>
           </a:ln>
-          <a:effectLst/>
         </p:spPr>
         <p:style>
           <a:lnRef idx="2">
@@ -11336,6 +13685,618 @@
           </a:p>
         </p:txBody>
       </p:sp>
+      <p:sp>
+        <p:nvSpPr>
+          <p:cNvPr id="53" name="Rectangle 45">
+            <a:extLst>
+              <a:ext uri="{FF2B5EF4-FFF2-40B4-BE49-F238E27FC236}">
+                <a16:creationId xmlns:a16="http://schemas.microsoft.com/office/drawing/2014/main" id="{5060D983-8B52-443A-8183-2A1DE05618B5}"/>
+              </a:ext>
+              <a:ext uri="{C183D7F6-B498-43B3-948B-1728B52AA6E4}">
+                <adec:decorative xmlns:adec="http://schemas.microsoft.com/office/drawing/2017/decorative" val="1"/>
+              </a:ext>
+            </a:extLst>
+          </p:cNvPr>
+          <p:cNvSpPr>
+            <a:spLocks noGrp="1" noRot="1" noChangeAspect="1" noMove="1" noResize="1" noEditPoints="1" noAdjustHandles="1" noChangeArrowheads="1" noChangeShapeType="1" noTextEdit="1"/>
+          </p:cNvSpPr>
+          <p:nvPr>
+            <p:extLst>
+              <p:ext uri="{386F3935-93C4-4BCD-93E2-E3B085C9AB24}">
+                <p16:designElem xmlns:p16="http://schemas.microsoft.com/office/powerpoint/2015/main" val="1"/>
+              </p:ext>
+            </p:extLst>
+          </p:nvPr>
+        </p:nvSpPr>
+        <p:spPr>
+          <a:xfrm>
+            <a:off x="877456" y="2185416"/>
+            <a:ext cx="4446484" cy="9144"/>
+          </a:xfrm>
+          <a:prstGeom prst="rect">
+            <a:avLst/>
+          </a:prstGeom>
+          <a:solidFill>
+            <a:schemeClr val="tx2">
+              <a:lumMod val="25000"/>
+              <a:lumOff val="75000"/>
+            </a:schemeClr>
+          </a:solidFill>
+          <a:ln w="3175">
+            <a:noFill/>
+          </a:ln>
+          <a:effectLst/>
+        </p:spPr>
+        <p:style>
+          <a:lnRef idx="2">
+            <a:schemeClr val="accent1">
+              <a:shade val="50000"/>
+            </a:schemeClr>
+          </a:lnRef>
+          <a:fillRef idx="1">
+            <a:schemeClr val="accent1"/>
+          </a:fillRef>
+          <a:effectRef idx="0">
+            <a:schemeClr val="accent1"/>
+          </a:effectRef>
+          <a:fontRef idx="minor">
+            <a:schemeClr val="lt1"/>
+          </a:fontRef>
+        </p:style>
+        <p:txBody>
+          <a:bodyPr rtlCol="0" anchor="ctr"/>
+          <a:lstStyle/>
+          <a:p>
+            <a:pPr marL="0" marR="0" lvl="0" indent="0" algn="ctr" defTabSz="914400" rtl="0" eaLnBrk="1" fontAlgn="auto" latinLnBrk="0" hangingPunct="1">
+              <a:lnSpc>
+                <a:spcPct val="100000"/>
+              </a:lnSpc>
+              <a:spcBef>
+                <a:spcPts val="0"/>
+              </a:spcBef>
+              <a:spcAft>
+                <a:spcPts val="0"/>
+              </a:spcAft>
+              <a:buClrTx/>
+              <a:buSzTx/>
+              <a:buFontTx/>
+              <a:buNone/>
+              <a:tabLst/>
+              <a:defRPr/>
+            </a:pPr>
+            <a:endParaRPr kumimoji="0" lang="en-US" sz="1800" b="0" i="0" u="none" strike="noStrike" kern="1200" cap="none" spc="0" normalizeH="0" baseline="0" noProof="0">
+              <a:ln>
+                <a:noFill/>
+              </a:ln>
+              <a:solidFill>
+                <a:prstClr val="white"/>
+              </a:solidFill>
+              <a:effectLst/>
+              <a:uLnTx/>
+              <a:uFillTx/>
+              <a:latin typeface="Calibri" panose="020F0502020204030204"/>
+              <a:ea typeface="+mn-ea"/>
+              <a:cs typeface="+mn-cs"/>
+            </a:endParaRPr>
+          </a:p>
+        </p:txBody>
+      </p:sp>
+      <p:sp>
+        <p:nvSpPr>
+          <p:cNvPr id="3" name="Content Placeholder 2">
+            <a:extLst>
+              <a:ext uri="{FF2B5EF4-FFF2-40B4-BE49-F238E27FC236}">
+                <a16:creationId xmlns:a16="http://schemas.microsoft.com/office/drawing/2014/main" id="{0847C117-911F-45EC-8C89-7837DE77246B}"/>
+              </a:ext>
+            </a:extLst>
+          </p:cNvPr>
+          <p:cNvSpPr>
+            <a:spLocks noGrp="1"/>
+          </p:cNvSpPr>
+          <p:nvPr>
+            <p:ph idx="1"/>
+          </p:nvPr>
+        </p:nvSpPr>
+        <p:spPr>
+          <a:xfrm>
+            <a:off x="841246" y="2368296"/>
+            <a:ext cx="4607052" cy="3502152"/>
+          </a:xfrm>
+        </p:spPr>
+        <p:txBody>
+          <a:bodyPr vert="horz" lIns="91440" tIns="45720" rIns="91440" bIns="45720" rtlCol="0">
+            <a:normAutofit/>
+          </a:bodyPr>
+          <a:lstStyle/>
+          <a:p>
+            <a:pPr marL="0" indent="0">
+              <a:buNone/>
+            </a:pPr>
+            <a:r>
+              <a:rPr lang="en-US" sz="1800" dirty="0"/>
+              <a:t>The MPG was also calculated between the 2 vehicle classes to see if there was any differences between performance and standard class vehicles. MPG started to trend downwards in the 1990’s and then rose up after 2010.</a:t>
+            </a:r>
+          </a:p>
+        </p:txBody>
+      </p:sp>
+      <p:pic>
+        <p:nvPicPr>
+          <p:cNvPr id="4" name="Picture 3" descr="Forest road with vanishing point">
+            <a:extLst>
+              <a:ext uri="{FF2B5EF4-FFF2-40B4-BE49-F238E27FC236}">
+                <a16:creationId xmlns:a16="http://schemas.microsoft.com/office/drawing/2014/main" id="{99B2D53A-5FD6-4E16-8D1A-674E3EE3E9B1}"/>
+              </a:ext>
+            </a:extLst>
+          </p:cNvPr>
+          <p:cNvPicPr>
+            <a:picLocks noChangeAspect="1"/>
+          </p:cNvPicPr>
+          <p:nvPr/>
+        </p:nvPicPr>
+        <p:blipFill rotWithShape="1">
+          <a:blip r:embed="rId2"/>
+          <a:srcRect r="3" b="8390"/>
+          <a:stretch/>
+        </p:blipFill>
+        <p:spPr>
+          <a:xfrm>
+            <a:off x="7095193" y="-26778"/>
+            <a:ext cx="3916610" cy="2395074"/>
+          </a:xfrm>
+          <a:prstGeom prst="rect">
+            <a:avLst/>
+          </a:prstGeom>
+        </p:spPr>
+      </p:pic>
+      <p:pic>
+        <p:nvPicPr>
+          <p:cNvPr id="7" name="Picture 6" descr="Chart, line chart&#10;&#10;Description automatically generated">
+            <a:extLst>
+              <a:ext uri="{FF2B5EF4-FFF2-40B4-BE49-F238E27FC236}">
+                <a16:creationId xmlns:a16="http://schemas.microsoft.com/office/drawing/2014/main" id="{BEA5335B-3FFB-4D99-8A36-A5C24991F515}"/>
+              </a:ext>
+            </a:extLst>
+          </p:cNvPr>
+          <p:cNvPicPr>
+            <a:picLocks noChangeAspect="1"/>
+          </p:cNvPicPr>
+          <p:nvPr/>
+        </p:nvPicPr>
+        <p:blipFill>
+          <a:blip r:embed="rId3">
+            <a:extLst>
+              <a:ext uri="{28A0092B-C50C-407E-A947-70E740481C1C}">
+                <a14:useLocalDpi xmlns:a14="http://schemas.microsoft.com/office/drawing/2010/main" val="0"/>
+              </a:ext>
+            </a:extLst>
+          </a:blip>
+          <a:stretch>
+            <a:fillRect/>
+          </a:stretch>
+        </p:blipFill>
+        <p:spPr>
+          <a:xfrm>
+            <a:off x="5770769" y="2289397"/>
+            <a:ext cx="6852904" cy="4568603"/>
+          </a:xfrm>
+          <a:prstGeom prst="rect">
+            <a:avLst/>
+          </a:prstGeom>
+        </p:spPr>
+      </p:pic>
+    </p:spTree>
+    <p:extLst>
+      <p:ext uri="{BB962C8B-B14F-4D97-AF65-F5344CB8AC3E}">
+        <p14:creationId xmlns:p14="http://schemas.microsoft.com/office/powerpoint/2010/main" val="1532359652"/>
+      </p:ext>
+    </p:extLst>
+  </p:cSld>
+  <p:clrMapOvr>
+    <a:masterClrMapping/>
+  </p:clrMapOvr>
+  <p:timing>
+    <p:tnLst>
+      <p:par>
+        <p:cTn id="1" dur="indefinite" restart="never" nodeType="tmRoot">
+          <p:childTnLst>
+            <p:seq concurrent="1" nextAc="seek">
+              <p:cTn id="2" dur="indefinite" nodeType="mainSeq">
+                <p:childTnLst>
+                  <p:par>
+                    <p:cTn id="3" fill="hold">
+                      <p:stCondLst>
+                        <p:cond delay="indefinite"/>
+                        <p:cond evt="onBegin" delay="0">
+                          <p:tn val="2"/>
+                        </p:cond>
+                      </p:stCondLst>
+                      <p:childTnLst>
+                        <p:par>
+                          <p:cTn id="4" fill="hold">
+                            <p:stCondLst>
+                              <p:cond delay="0"/>
+                            </p:stCondLst>
+                            <p:childTnLst>
+                              <p:par>
+                                <p:cTn id="5" presetID="10" presetClass="entr" presetSubtype="0" fill="hold" grpId="0" nodeType="withEffect">
+                                  <p:stCondLst>
+                                    <p:cond delay="1000"/>
+                                  </p:stCondLst>
+                                  <p:iterate type="lt">
+                                    <p:tmPct val="10000"/>
+                                  </p:iterate>
+                                  <p:childTnLst>
+                                    <p:set>
+                                      <p:cBhvr>
+                                        <p:cTn id="6" dur="1" fill="hold">
+                                          <p:stCondLst>
+                                            <p:cond delay="0"/>
+                                          </p:stCondLst>
+                                        </p:cTn>
+                                        <p:tgtEl>
+                                          <p:spTgt spid="2"/>
+                                        </p:tgtEl>
+                                        <p:attrNameLst>
+                                          <p:attrName>style.visibility</p:attrName>
+                                        </p:attrNameLst>
+                                      </p:cBhvr>
+                                      <p:to>
+                                        <p:strVal val="visible"/>
+                                      </p:to>
+                                    </p:set>
+                                    <p:animEffect transition="in" filter="fade">
+                                      <p:cBhvr>
+                                        <p:cTn id="7" dur="400"/>
+                                        <p:tgtEl>
+                                          <p:spTgt spid="2"/>
+                                        </p:tgtEl>
+                                      </p:cBhvr>
+                                    </p:animEffect>
+                                  </p:childTnLst>
+                                </p:cTn>
+                              </p:par>
+                            </p:childTnLst>
+                          </p:cTn>
+                        </p:par>
+                      </p:childTnLst>
+                    </p:cTn>
+                  </p:par>
+                </p:childTnLst>
+              </p:cTn>
+              <p:prevCondLst>
+                <p:cond evt="onPrev" delay="0">
+                  <p:tgtEl>
+                    <p:sldTgt/>
+                  </p:tgtEl>
+                </p:cond>
+              </p:prevCondLst>
+              <p:nextCondLst>
+                <p:cond evt="onNext" delay="0">
+                  <p:tgtEl>
+                    <p:sldTgt/>
+                  </p:tgtEl>
+                </p:cond>
+              </p:nextCondLst>
+            </p:seq>
+          </p:childTnLst>
+        </p:cTn>
+      </p:par>
+    </p:tnLst>
+    <p:bldLst>
+      <p:bldP spid="2" grpId="0"/>
+    </p:bldLst>
+  </p:timing>
+</p:sld>
+</file>
+
+<file path=ppt/slides/slide8.xml><?xml version="1.0" encoding="utf-8"?>
+<p:sld xmlns:a="http://schemas.openxmlformats.org/drawingml/2006/main" xmlns:r="http://schemas.openxmlformats.org/officeDocument/2006/relationships" xmlns:p="http://schemas.openxmlformats.org/presentationml/2006/main">
+  <p:cSld>
+    <p:bg>
+      <p:bgPr>
+        <a:solidFill>
+          <a:schemeClr val="bg1"/>
+        </a:solidFill>
+        <a:effectLst/>
+      </p:bgPr>
+    </p:bg>
+    <p:spTree>
+      <p:nvGrpSpPr>
+        <p:cNvPr id="1" name=""/>
+        <p:cNvGrpSpPr/>
+        <p:nvPr/>
+      </p:nvGrpSpPr>
+      <p:grpSpPr>
+        <a:xfrm>
+          <a:off x="0" y="0"/>
+          <a:ext cx="0" cy="0"/>
+          <a:chOff x="0" y="0"/>
+          <a:chExt cx="0" cy="0"/>
+        </a:xfrm>
+      </p:grpSpPr>
+      <p:sp useBgFill="1">
+        <p:nvSpPr>
+          <p:cNvPr id="46" name="Rectangle 45">
+            <a:extLst>
+              <a:ext uri="{FF2B5EF4-FFF2-40B4-BE49-F238E27FC236}">
+                <a16:creationId xmlns:a16="http://schemas.microsoft.com/office/drawing/2014/main" id="{49B9E8A9-352D-4DCB-9485-C777000D4979}"/>
+              </a:ext>
+              <a:ext uri="{C183D7F6-B498-43B3-948B-1728B52AA6E4}">
+                <adec:decorative xmlns:adec="http://schemas.microsoft.com/office/drawing/2017/decorative" val="1"/>
+              </a:ext>
+            </a:extLst>
+          </p:cNvPr>
+          <p:cNvSpPr>
+            <a:spLocks noGrp="1" noRot="1" noChangeAspect="1" noMove="1" noResize="1" noEditPoints="1" noAdjustHandles="1" noChangeArrowheads="1" noChangeShapeType="1" noTextEdit="1"/>
+          </p:cNvSpPr>
+          <p:nvPr>
+            <p:extLst>
+              <p:ext uri="{386F3935-93C4-4BCD-93E2-E3B085C9AB24}">
+                <p16:designElem xmlns:p16="http://schemas.microsoft.com/office/powerpoint/2015/main" val="1"/>
+              </p:ext>
+            </p:extLst>
+          </p:nvPr>
+        </p:nvSpPr>
+        <p:spPr>
+          <a:xfrm>
+            <a:off x="0" y="0"/>
+            <a:ext cx="12192000" cy="6858000"/>
+          </a:xfrm>
+          <a:prstGeom prst="rect">
+            <a:avLst/>
+          </a:prstGeom>
+          <a:ln>
+            <a:noFill/>
+          </a:ln>
+        </p:spPr>
+        <p:style>
+          <a:lnRef idx="2">
+            <a:schemeClr val="accent1">
+              <a:shade val="50000"/>
+            </a:schemeClr>
+          </a:lnRef>
+          <a:fillRef idx="1">
+            <a:schemeClr val="accent1"/>
+          </a:fillRef>
+          <a:effectRef idx="0">
+            <a:schemeClr val="accent1"/>
+          </a:effectRef>
+          <a:fontRef idx="minor">
+            <a:schemeClr val="lt1"/>
+          </a:fontRef>
+        </p:style>
+        <p:txBody>
+          <a:bodyPr rtlCol="0" anchor="ctr"/>
+          <a:lstStyle/>
+          <a:p>
+            <a:pPr algn="ctr"/>
+            <a:endParaRPr lang="en-US"/>
+          </a:p>
+        </p:txBody>
+      </p:sp>
+      <p:sp>
+        <p:nvSpPr>
+          <p:cNvPr id="2" name="Title 1">
+            <a:extLst>
+              <a:ext uri="{FF2B5EF4-FFF2-40B4-BE49-F238E27FC236}">
+                <a16:creationId xmlns:a16="http://schemas.microsoft.com/office/drawing/2014/main" id="{C80A9073-F275-4ED0-86BC-B3C7086C33CC}"/>
+              </a:ext>
+            </a:extLst>
+          </p:cNvPr>
+          <p:cNvSpPr>
+            <a:spLocks noGrp="1"/>
+          </p:cNvSpPr>
+          <p:nvPr>
+            <p:ph type="title"/>
+          </p:nvPr>
+        </p:nvSpPr>
+        <p:spPr>
+          <a:xfrm>
+            <a:off x="612648" y="1078992"/>
+            <a:ext cx="6272784" cy="1536192"/>
+          </a:xfrm>
+        </p:spPr>
+        <p:txBody>
+          <a:bodyPr vert="horz" lIns="91440" tIns="45720" rIns="91440" bIns="45720" rtlCol="0" anchor="b">
+            <a:normAutofit/>
+          </a:bodyPr>
+          <a:lstStyle/>
+          <a:p>
+            <a:r>
+              <a:rPr lang="en-US" sz="5200"/>
+              <a:t>Annual Fuel Cost (Automatic)</a:t>
+            </a:r>
+          </a:p>
+        </p:txBody>
+      </p:sp>
+      <p:sp>
+        <p:nvSpPr>
+          <p:cNvPr id="48" name="Rectangle 47">
+            <a:extLst>
+              <a:ext uri="{FF2B5EF4-FFF2-40B4-BE49-F238E27FC236}">
+                <a16:creationId xmlns:a16="http://schemas.microsoft.com/office/drawing/2014/main" id="{C2A9B0E5-C2C1-4B85-99A9-117A659D5FE0}"/>
+              </a:ext>
+              <a:ext uri="{C183D7F6-B498-43B3-948B-1728B52AA6E4}">
+                <adec:decorative xmlns:adec="http://schemas.microsoft.com/office/drawing/2017/decorative" val="1"/>
+              </a:ext>
+            </a:extLst>
+          </p:cNvPr>
+          <p:cNvSpPr>
+            <a:spLocks noGrp="1" noRot="1" noChangeAspect="1" noMove="1" noResize="1" noEditPoints="1" noAdjustHandles="1" noChangeArrowheads="1" noChangeShapeType="1" noTextEdit="1"/>
+          </p:cNvSpPr>
+          <p:nvPr>
+            <p:extLst>
+              <p:ext uri="{386F3935-93C4-4BCD-93E2-E3B085C9AB24}">
+                <p16:designElem xmlns:p16="http://schemas.microsoft.com/office/powerpoint/2015/main" val="1"/>
+              </p:ext>
+            </p:extLst>
+          </p:nvPr>
+        </p:nvSpPr>
+        <p:spPr>
+          <a:xfrm rot="5400000">
+            <a:off x="853202" y="363389"/>
+            <a:ext cx="73152" cy="548640"/>
+          </a:xfrm>
+          <a:prstGeom prst="rect">
+            <a:avLst/>
+          </a:prstGeom>
+          <a:solidFill>
+            <a:schemeClr val="accent1"/>
+          </a:solidFill>
+          <a:ln>
+            <a:noFill/>
+          </a:ln>
+        </p:spPr>
+        <p:style>
+          <a:lnRef idx="2">
+            <a:schemeClr val="accent1">
+              <a:shade val="50000"/>
+            </a:schemeClr>
+          </a:lnRef>
+          <a:fillRef idx="1">
+            <a:schemeClr val="accent1"/>
+          </a:fillRef>
+          <a:effectRef idx="0">
+            <a:schemeClr val="accent1"/>
+          </a:effectRef>
+          <a:fontRef idx="minor">
+            <a:schemeClr val="lt1"/>
+          </a:fontRef>
+        </p:style>
+        <p:txBody>
+          <a:bodyPr rtlCol="0" anchor="ctr"/>
+          <a:lstStyle/>
+          <a:p>
+            <a:pPr marL="0" marR="0" lvl="0" indent="0" algn="ctr" defTabSz="914400" rtl="0" eaLnBrk="1" fontAlgn="auto" latinLnBrk="0" hangingPunct="1">
+              <a:lnSpc>
+                <a:spcPct val="100000"/>
+              </a:lnSpc>
+              <a:spcBef>
+                <a:spcPts val="0"/>
+              </a:spcBef>
+              <a:spcAft>
+                <a:spcPts val="0"/>
+              </a:spcAft>
+              <a:buClrTx/>
+              <a:buSzTx/>
+              <a:buFontTx/>
+              <a:buNone/>
+              <a:tabLst/>
+              <a:defRPr/>
+            </a:pPr>
+            <a:endParaRPr kumimoji="0" lang="en-US" sz="1800" b="0" i="0" u="none" strike="noStrike" kern="1200" cap="none" spc="0" normalizeH="0" baseline="0" noProof="0">
+              <a:ln>
+                <a:noFill/>
+              </a:ln>
+              <a:solidFill>
+                <a:prstClr val="white"/>
+              </a:solidFill>
+              <a:effectLst/>
+              <a:uLnTx/>
+              <a:uFillTx/>
+              <a:latin typeface="Calibri" panose="020F0502020204030204"/>
+              <a:ea typeface="+mn-ea"/>
+              <a:cs typeface="+mn-cs"/>
+            </a:endParaRPr>
+          </a:p>
+        </p:txBody>
+      </p:sp>
+      <p:sp>
+        <p:nvSpPr>
+          <p:cNvPr id="50" name="Rectangle 49">
+            <a:extLst>
+              <a:ext uri="{FF2B5EF4-FFF2-40B4-BE49-F238E27FC236}">
+                <a16:creationId xmlns:a16="http://schemas.microsoft.com/office/drawing/2014/main" id="{3A8AEACA-9535-4BE8-A91B-8BE82BA54751}"/>
+              </a:ext>
+              <a:ext uri="{C183D7F6-B498-43B3-948B-1728B52AA6E4}">
+                <adec:decorative xmlns:adec="http://schemas.microsoft.com/office/drawing/2017/decorative" val="1"/>
+              </a:ext>
+            </a:extLst>
+          </p:cNvPr>
+          <p:cNvSpPr>
+            <a:spLocks noGrp="1" noRot="1" noChangeAspect="1" noMove="1" noResize="1" noEditPoints="1" noAdjustHandles="1" noChangeArrowheads="1" noChangeShapeType="1" noTextEdit="1"/>
+          </p:cNvSpPr>
+          <p:nvPr>
+            <p:extLst>
+              <p:ext uri="{386F3935-93C4-4BCD-93E2-E3B085C9AB24}">
+                <p16:designElem xmlns:p16="http://schemas.microsoft.com/office/powerpoint/2015/main" val="1"/>
+              </p:ext>
+            </p:extLst>
+          </p:nvPr>
+        </p:nvSpPr>
+        <p:spPr>
+          <a:xfrm>
+            <a:off x="618506" y="2935541"/>
+            <a:ext cx="6217920" cy="18288"/>
+          </a:xfrm>
+          <a:prstGeom prst="rect">
+            <a:avLst/>
+          </a:prstGeom>
+          <a:solidFill>
+            <a:schemeClr val="tx2">
+              <a:lumMod val="25000"/>
+              <a:lumOff val="75000"/>
+            </a:schemeClr>
+          </a:solidFill>
+          <a:ln w="3175">
+            <a:noFill/>
+          </a:ln>
+          <a:effectLst/>
+        </p:spPr>
+        <p:style>
+          <a:lnRef idx="2">
+            <a:schemeClr val="accent1">
+              <a:shade val="50000"/>
+            </a:schemeClr>
+          </a:lnRef>
+          <a:fillRef idx="1">
+            <a:schemeClr val="accent1"/>
+          </a:fillRef>
+          <a:effectRef idx="0">
+            <a:schemeClr val="accent1"/>
+          </a:effectRef>
+          <a:fontRef idx="minor">
+            <a:schemeClr val="lt1"/>
+          </a:fontRef>
+        </p:style>
+        <p:txBody>
+          <a:bodyPr rtlCol="0" anchor="ctr"/>
+          <a:lstStyle/>
+          <a:p>
+            <a:pPr marL="0" marR="0" lvl="0" indent="0" algn="ctr" defTabSz="914400" rtl="0" eaLnBrk="1" fontAlgn="auto" latinLnBrk="0" hangingPunct="1">
+              <a:lnSpc>
+                <a:spcPct val="100000"/>
+              </a:lnSpc>
+              <a:spcBef>
+                <a:spcPts val="0"/>
+              </a:spcBef>
+              <a:spcAft>
+                <a:spcPts val="0"/>
+              </a:spcAft>
+              <a:buClrTx/>
+              <a:buSzTx/>
+              <a:buFontTx/>
+              <a:buNone/>
+              <a:tabLst/>
+              <a:defRPr/>
+            </a:pPr>
+            <a:endParaRPr kumimoji="0" lang="en-US" sz="1800" b="0" i="0" u="none" strike="noStrike" kern="1200" cap="none" spc="0" normalizeH="0" baseline="0" noProof="0">
+              <a:ln>
+                <a:noFill/>
+              </a:ln>
+              <a:solidFill>
+                <a:prstClr val="white"/>
+              </a:solidFill>
+              <a:effectLst/>
+              <a:uLnTx/>
+              <a:uFillTx/>
+              <a:latin typeface="Calibri" panose="020F0502020204030204"/>
+              <a:ea typeface="+mn-ea"/>
+              <a:cs typeface="+mn-cs"/>
+            </a:endParaRPr>
+          </a:p>
+        </p:txBody>
+      </p:sp>
       <p:pic>
         <p:nvPicPr>
           <p:cNvPr id="4" name="Picture 3" descr="Forest road with vanishing point">
@@ -11357,8 +14318,8 @@
         </p:blipFill>
         <p:spPr>
           <a:xfrm>
-            <a:off x="8007399" y="331311"/>
-            <a:ext cx="3582991" cy="2834640"/>
+            <a:off x="7940454" y="145262"/>
+            <a:ext cx="2814556" cy="2092894"/>
           </a:xfrm>
           <a:prstGeom prst="rect">
             <a:avLst/>
@@ -11395,17 +14356,23 @@
           <a:p>
             <a:r>
               <a:rPr lang="en-US" sz="1800" dirty="0"/>
-              <a:t>This is the annual fuel cost found in automatic transmission vehicles. There were a few outliers, but most of the data is right before $2500.</a:t>
+              <a:t>This is the annual fuel cost found in automatic transmission vehicles. There were a few outliers, but the majority of the data is showing that most of the prices sit before $2500.</a:t>
+            </a:r>
+          </a:p>
+          <a:p>
+            <a:r>
+              <a:rPr lang="en-US" sz="1800" dirty="0"/>
+              <a:t>The average fuel cost for is $1753.01.</a:t>
             </a:r>
           </a:p>
         </p:txBody>
       </p:sp>
       <p:pic>
         <p:nvPicPr>
-          <p:cNvPr id="25" name="Content Placeholder 7" descr="A picture containing text&#10;&#10;Description automatically generated">
-            <a:extLst>
-              <a:ext uri="{FF2B5EF4-FFF2-40B4-BE49-F238E27FC236}">
-                <a16:creationId xmlns:a16="http://schemas.microsoft.com/office/drawing/2014/main" id="{C4A34D1C-C54F-420E-9718-9D079306E015}"/>
+          <p:cNvPr id="5" name="Picture 4" descr="A picture containing text&#10;&#10;Description automatically generated">
+            <a:extLst>
+              <a:ext uri="{FF2B5EF4-FFF2-40B4-BE49-F238E27FC236}">
+                <a16:creationId xmlns:a16="http://schemas.microsoft.com/office/drawing/2014/main" id="{477EA574-1FE8-416A-AE91-52E51F54F9F0}"/>
               </a:ext>
             </a:extLst>
           </p:cNvPr>
@@ -11428,8 +14395,8 @@
         </p:blipFill>
         <p:spPr>
           <a:xfrm>
-            <a:off x="7684008" y="3351226"/>
-            <a:ext cx="4229773" cy="2819848"/>
+            <a:off x="5882983" y="2383418"/>
+            <a:ext cx="6699640" cy="4466427"/>
           </a:xfrm>
           <a:prstGeom prst="rect">
             <a:avLst/>
@@ -11449,7 +14416,7 @@
 </p:sld>
 </file>
 
-<file path=ppt/slides/slide8.xml><?xml version="1.0" encoding="utf-8"?>
+<file path=ppt/slides/slide9.xml><?xml version="1.0" encoding="utf-8"?>
 <p:sld xmlns:a="http://schemas.openxmlformats.org/drawingml/2006/main" xmlns:r="http://schemas.openxmlformats.org/officeDocument/2006/relationships" xmlns:p="http://schemas.openxmlformats.org/presentationml/2006/main">
   <p:cSld>
     <p:bg>
@@ -12131,7 +15098,7 @@
           <a:p>
             <a:r>
               <a:rPr lang="en-US" sz="1800" dirty="0"/>
-              <a:t>The average fuel cost is $</a:t>
+              <a:t>The average fuel cost is $1634.97.</a:t>
             </a:r>
           </a:p>
         </p:txBody>
@@ -12157,8 +15124,8 @@
         </p:blipFill>
         <p:spPr>
           <a:xfrm>
-            <a:off x="7456014" y="517600"/>
-            <a:ext cx="3467411" cy="2743200"/>
+            <a:off x="7729429" y="0"/>
+            <a:ext cx="2920580" cy="2310581"/>
           </a:xfrm>
           <a:prstGeom prst="rect">
             <a:avLst/>
@@ -12167,10 +15134,10 @@
       </p:pic>
       <p:pic>
         <p:nvPicPr>
-          <p:cNvPr id="10" name="Content Placeholder 9" descr="Chart, scatter chart&#10;&#10;Description automatically generated">
-            <a:extLst>
-              <a:ext uri="{FF2B5EF4-FFF2-40B4-BE49-F238E27FC236}">
-                <a16:creationId xmlns:a16="http://schemas.microsoft.com/office/drawing/2014/main" id="{EAE27A08-E577-438D-A49A-24A6406E7816}"/>
+          <p:cNvPr id="5" name="Picture 4" descr="Chart, scatter chart&#10;&#10;Description automatically generated">
+            <a:extLst>
+              <a:ext uri="{FF2B5EF4-FFF2-40B4-BE49-F238E27FC236}">
+                <a16:creationId xmlns:a16="http://schemas.microsoft.com/office/drawing/2014/main" id="{1DAD1F49-03D9-4D17-91DB-A89769415C5D}"/>
               </a:ext>
             </a:extLst>
           </p:cNvPr>
@@ -12193,8 +15160,8 @@
         </p:blipFill>
         <p:spPr>
           <a:xfrm>
-            <a:off x="7132320" y="3429000"/>
-            <a:ext cx="4114799" cy="2743200"/>
+            <a:off x="5578484" y="2177771"/>
+            <a:ext cx="7020343" cy="4680229"/>
           </a:xfrm>
           <a:prstGeom prst="rect">
             <a:avLst/>
@@ -12205,762 +15172,6 @@
     <p:extLst>
       <p:ext uri="{BB962C8B-B14F-4D97-AF65-F5344CB8AC3E}">
         <p14:creationId xmlns:p14="http://schemas.microsoft.com/office/powerpoint/2010/main" val="4210199308"/>
-      </p:ext>
-    </p:extLst>
-  </p:cSld>
-  <p:clrMapOvr>
-    <a:masterClrMapping/>
-  </p:clrMapOvr>
-</p:sld>
-</file>
-
-<file path=ppt/slides/slide9.xml><?xml version="1.0" encoding="utf-8"?>
-<p:sld xmlns:a="http://schemas.openxmlformats.org/drawingml/2006/main" xmlns:r="http://schemas.openxmlformats.org/officeDocument/2006/relationships" xmlns:p="http://schemas.openxmlformats.org/presentationml/2006/main">
-  <p:cSld>
-    <p:bg>
-      <p:bgPr>
-        <a:solidFill>
-          <a:schemeClr val="bg1"/>
-        </a:solidFill>
-        <a:effectLst/>
-      </p:bgPr>
-    </p:bg>
-    <p:spTree>
-      <p:nvGrpSpPr>
-        <p:cNvPr id="1" name=""/>
-        <p:cNvGrpSpPr/>
-        <p:nvPr/>
-      </p:nvGrpSpPr>
-      <p:grpSpPr>
-        <a:xfrm>
-          <a:off x="0" y="0"/>
-          <a:ext cx="0" cy="0"/>
-          <a:chOff x="0" y="0"/>
-          <a:chExt cx="0" cy="0"/>
-        </a:xfrm>
-      </p:grpSpPr>
-      <p:sp useBgFill="1">
-        <p:nvSpPr>
-          <p:cNvPr id="48" name="Rectangle 47">
-            <a:extLst>
-              <a:ext uri="{FF2B5EF4-FFF2-40B4-BE49-F238E27FC236}">
-                <a16:creationId xmlns:a16="http://schemas.microsoft.com/office/drawing/2014/main" id="{115719BB-48A7-4AF4-BB91-DC82E0DF727D}"/>
-              </a:ext>
-              <a:ext uri="{C183D7F6-B498-43B3-948B-1728B52AA6E4}">
-                <adec:decorative xmlns:adec="http://schemas.microsoft.com/office/drawing/2017/decorative" val="1"/>
-              </a:ext>
-            </a:extLst>
-          </p:cNvPr>
-          <p:cNvSpPr>
-            <a:spLocks noGrp="1" noRot="1" noChangeAspect="1" noMove="1" noResize="1" noEditPoints="1" noAdjustHandles="1" noChangeArrowheads="1" noChangeShapeType="1" noTextEdit="1"/>
-          </p:cNvSpPr>
-          <p:nvPr>
-            <p:extLst>
-              <p:ext uri="{386F3935-93C4-4BCD-93E2-E3B085C9AB24}">
-                <p16:designElem xmlns:p16="http://schemas.microsoft.com/office/powerpoint/2015/main" val="1"/>
-              </p:ext>
-            </p:extLst>
-          </p:nvPr>
-        </p:nvSpPr>
-        <p:spPr>
-          <a:xfrm>
-            <a:off x="0" y="0"/>
-            <a:ext cx="12192000" cy="6858000"/>
-          </a:xfrm>
-          <a:prstGeom prst="rect">
-            <a:avLst/>
-          </a:prstGeom>
-          <a:ln>
-            <a:noFill/>
-          </a:ln>
-        </p:spPr>
-        <p:style>
-          <a:lnRef idx="2">
-            <a:schemeClr val="accent1">
-              <a:shade val="50000"/>
-            </a:schemeClr>
-          </a:lnRef>
-          <a:fillRef idx="1">
-            <a:schemeClr val="accent1"/>
-          </a:fillRef>
-          <a:effectRef idx="0">
-            <a:schemeClr val="accent1"/>
-          </a:effectRef>
-          <a:fontRef idx="minor">
-            <a:schemeClr val="lt1"/>
-          </a:fontRef>
-        </p:style>
-        <p:txBody>
-          <a:bodyPr rtlCol="0" anchor="ctr"/>
-          <a:lstStyle/>
-          <a:p>
-            <a:pPr algn="ctr"/>
-            <a:endParaRPr lang="en-US"/>
-          </a:p>
-        </p:txBody>
-      </p:sp>
-      <p:sp useBgFill="1">
-        <p:nvSpPr>
-          <p:cNvPr id="50" name="Freeform: Shape 49">
-            <a:extLst>
-              <a:ext uri="{FF2B5EF4-FFF2-40B4-BE49-F238E27FC236}">
-                <a16:creationId xmlns:a16="http://schemas.microsoft.com/office/drawing/2014/main" id="{10973A55-5440-4A99-B526-B5812E46271E}"/>
-              </a:ext>
-              <a:ext uri="{C183D7F6-B498-43B3-948B-1728B52AA6E4}">
-                <adec:decorative xmlns:adec="http://schemas.microsoft.com/office/drawing/2017/decorative" val="1"/>
-              </a:ext>
-            </a:extLst>
-          </p:cNvPr>
-          <p:cNvSpPr>
-            <a:spLocks noGrp="1" noRot="1" noChangeAspect="1" noMove="1" noResize="1" noEditPoints="1" noAdjustHandles="1" noChangeArrowheads="1" noChangeShapeType="1" noTextEdit="1"/>
-          </p:cNvSpPr>
-          <p:nvPr>
-            <p:extLst>
-              <p:ext uri="{386F3935-93C4-4BCD-93E2-E3B085C9AB24}">
-                <p16:designElem xmlns:p16="http://schemas.microsoft.com/office/powerpoint/2015/main" val="1"/>
-              </p:ext>
-            </p:extLst>
-          </p:nvPr>
-        </p:nvSpPr>
-        <p:spPr>
-          <a:xfrm>
-            <a:off x="-1" y="0"/>
-            <a:ext cx="6096002" cy="6858000"/>
-          </a:xfrm>
-          <a:custGeom>
-            <a:avLst/>
-            <a:gdLst>
-              <a:gd name="connsiteX0" fmla="*/ 0 w 6096002"/>
-              <a:gd name="connsiteY0" fmla="*/ 0 h 6858000"/>
-              <a:gd name="connsiteX1" fmla="*/ 4885967 w 6096002"/>
-              <a:gd name="connsiteY1" fmla="*/ 0 h 6858000"/>
-              <a:gd name="connsiteX2" fmla="*/ 4946007 w 6096002"/>
-              <a:gd name="connsiteY2" fmla="*/ 69271 h 6858000"/>
-              <a:gd name="connsiteX3" fmla="*/ 6096002 w 6096002"/>
-              <a:gd name="connsiteY3" fmla="*/ 3429000 h 6858000"/>
-              <a:gd name="connsiteX4" fmla="*/ 4946007 w 6096002"/>
-              <a:gd name="connsiteY4" fmla="*/ 6788730 h 6858000"/>
-              <a:gd name="connsiteX5" fmla="*/ 4885967 w 6096002"/>
-              <a:gd name="connsiteY5" fmla="*/ 6858000 h 6858000"/>
-              <a:gd name="connsiteX6" fmla="*/ 0 w 6096002"/>
-              <a:gd name="connsiteY6" fmla="*/ 6858000 h 6858000"/>
-            </a:gdLst>
-            <a:ahLst/>
-            <a:cxnLst>
-              <a:cxn ang="0">
-                <a:pos x="connsiteX0" y="connsiteY0"/>
-              </a:cxn>
-              <a:cxn ang="0">
-                <a:pos x="connsiteX1" y="connsiteY1"/>
-              </a:cxn>
-              <a:cxn ang="0">
-                <a:pos x="connsiteX2" y="connsiteY2"/>
-              </a:cxn>
-              <a:cxn ang="0">
-                <a:pos x="connsiteX3" y="connsiteY3"/>
-              </a:cxn>
-              <a:cxn ang="0">
-                <a:pos x="connsiteX4" y="connsiteY4"/>
-              </a:cxn>
-              <a:cxn ang="0">
-                <a:pos x="connsiteX5" y="connsiteY5"/>
-              </a:cxn>
-              <a:cxn ang="0">
-                <a:pos x="connsiteX6" y="connsiteY6"/>
-              </a:cxn>
-            </a:cxnLst>
-            <a:rect l="l" t="t" r="r" b="b"/>
-            <a:pathLst>
-              <a:path w="6096002" h="6858000">
-                <a:moveTo>
-                  <a:pt x="0" y="0"/>
-                </a:moveTo>
-                <a:lnTo>
-                  <a:pt x="4885967" y="0"/>
-                </a:lnTo>
-                <a:lnTo>
-                  <a:pt x="4946007" y="69271"/>
-                </a:lnTo>
-                <a:cubicBezTo>
-                  <a:pt x="5656533" y="929100"/>
-                  <a:pt x="6096002" y="2116944"/>
-                  <a:pt x="6096002" y="3429000"/>
-                </a:cubicBezTo>
-                <a:cubicBezTo>
-                  <a:pt x="6096002" y="4741056"/>
-                  <a:pt x="5656533" y="5928900"/>
-                  <a:pt x="4946007" y="6788730"/>
-                </a:cubicBezTo>
-                <a:lnTo>
-                  <a:pt x="4885967" y="6858000"/>
-                </a:lnTo>
-                <a:lnTo>
-                  <a:pt x="0" y="6858000"/>
-                </a:lnTo>
-                <a:close/>
-              </a:path>
-            </a:pathLst>
-          </a:custGeom>
-          <a:ln w="9525">
-            <a:solidFill>
-              <a:schemeClr val="tx2">
-                <a:lumMod val="10000"/>
-                <a:lumOff val="90000"/>
-              </a:schemeClr>
-            </a:solidFill>
-          </a:ln>
-          <a:effectLst>
-            <a:outerShdw blurRad="50800" dist="38100" algn="l" rotWithShape="0">
-              <a:schemeClr val="bg1">
-                <a:lumMod val="85000"/>
-                <a:alpha val="30000"/>
-              </a:schemeClr>
-            </a:outerShdw>
-          </a:effectLst>
-        </p:spPr>
-        <p:style>
-          <a:lnRef idx="2">
-            <a:schemeClr val="accent1">
-              <a:shade val="50000"/>
-            </a:schemeClr>
-          </a:lnRef>
-          <a:fillRef idx="1">
-            <a:schemeClr val="accent1"/>
-          </a:fillRef>
-          <a:effectRef idx="0">
-            <a:schemeClr val="accent1"/>
-          </a:effectRef>
-          <a:fontRef idx="minor">
-            <a:schemeClr val="lt1"/>
-          </a:fontRef>
-        </p:style>
-        <p:txBody>
-          <a:bodyPr wrap="square" rtlCol="0" anchor="ctr">
-            <a:noAutofit/>
-          </a:bodyPr>
-          <a:lstStyle/>
-          <a:p>
-            <a:pPr marL="0" marR="0" lvl="0" indent="0" algn="ctr" defTabSz="914400" rtl="0" eaLnBrk="1" fontAlgn="auto" latinLnBrk="0" hangingPunct="1">
-              <a:lnSpc>
-                <a:spcPct val="100000"/>
-              </a:lnSpc>
-              <a:spcBef>
-                <a:spcPts val="0"/>
-              </a:spcBef>
-              <a:spcAft>
-                <a:spcPts val="0"/>
-              </a:spcAft>
-              <a:buClrTx/>
-              <a:buSzTx/>
-              <a:buFontTx/>
-              <a:buNone/>
-              <a:tabLst/>
-              <a:defRPr/>
-            </a:pPr>
-            <a:endParaRPr kumimoji="0" lang="en-US" sz="1800" b="0" i="0" u="none" strike="noStrike" kern="1200" cap="none" spc="0" normalizeH="0" baseline="0" noProof="0">
-              <a:ln>
-                <a:noFill/>
-              </a:ln>
-              <a:solidFill>
-                <a:prstClr val="white"/>
-              </a:solidFill>
-              <a:effectLst/>
-              <a:uLnTx/>
-              <a:uFillTx/>
-              <a:latin typeface="Calibri" panose="020F0502020204030204"/>
-              <a:ea typeface="+mn-ea"/>
-              <a:cs typeface="+mn-cs"/>
-            </a:endParaRPr>
-          </a:p>
-        </p:txBody>
-      </p:sp>
-      <p:sp useBgFill="1">
-        <p:nvSpPr>
-          <p:cNvPr id="52" name="Freeform: Shape 51">
-            <a:extLst>
-              <a:ext uri="{FF2B5EF4-FFF2-40B4-BE49-F238E27FC236}">
-                <a16:creationId xmlns:a16="http://schemas.microsoft.com/office/drawing/2014/main" id="{A9682493-588A-4D52-98F6-FBBD80C07ECB}"/>
-              </a:ext>
-              <a:ext uri="{C183D7F6-B498-43B3-948B-1728B52AA6E4}">
-                <adec:decorative xmlns:adec="http://schemas.microsoft.com/office/drawing/2017/decorative" val="1"/>
-              </a:ext>
-            </a:extLst>
-          </p:cNvPr>
-          <p:cNvSpPr>
-            <a:spLocks noGrp="1" noRot="1" noChangeAspect="1" noMove="1" noResize="1" noEditPoints="1" noAdjustHandles="1" noChangeArrowheads="1" noChangeShapeType="1" noTextEdit="1"/>
-          </p:cNvSpPr>
-          <p:nvPr>
-            <p:extLst>
-              <p:ext uri="{386F3935-93C4-4BCD-93E2-E3B085C9AB24}">
-                <p16:designElem xmlns:p16="http://schemas.microsoft.com/office/powerpoint/2015/main" val="1"/>
-              </p:ext>
-            </p:extLst>
-          </p:nvPr>
-        </p:nvSpPr>
-        <p:spPr>
-          <a:xfrm>
-            <a:off x="0" y="0"/>
-            <a:ext cx="6085370" cy="6858000"/>
-          </a:xfrm>
-          <a:custGeom>
-            <a:avLst/>
-            <a:gdLst>
-              <a:gd name="connsiteX0" fmla="*/ 0 w 6085370"/>
-              <a:gd name="connsiteY0" fmla="*/ 0 h 6858000"/>
-              <a:gd name="connsiteX1" fmla="*/ 4875335 w 6085370"/>
-              <a:gd name="connsiteY1" fmla="*/ 0 h 6858000"/>
-              <a:gd name="connsiteX2" fmla="*/ 4935375 w 6085370"/>
-              <a:gd name="connsiteY2" fmla="*/ 69271 h 6858000"/>
-              <a:gd name="connsiteX3" fmla="*/ 6085370 w 6085370"/>
-              <a:gd name="connsiteY3" fmla="*/ 3429000 h 6858000"/>
-              <a:gd name="connsiteX4" fmla="*/ 4935375 w 6085370"/>
-              <a:gd name="connsiteY4" fmla="*/ 6788730 h 6858000"/>
-              <a:gd name="connsiteX5" fmla="*/ 4875335 w 6085370"/>
-              <a:gd name="connsiteY5" fmla="*/ 6858000 h 6858000"/>
-              <a:gd name="connsiteX6" fmla="*/ 0 w 6085370"/>
-              <a:gd name="connsiteY6" fmla="*/ 6858000 h 6858000"/>
-            </a:gdLst>
-            <a:ahLst/>
-            <a:cxnLst>
-              <a:cxn ang="0">
-                <a:pos x="connsiteX0" y="connsiteY0"/>
-              </a:cxn>
-              <a:cxn ang="0">
-                <a:pos x="connsiteX1" y="connsiteY1"/>
-              </a:cxn>
-              <a:cxn ang="0">
-                <a:pos x="connsiteX2" y="connsiteY2"/>
-              </a:cxn>
-              <a:cxn ang="0">
-                <a:pos x="connsiteX3" y="connsiteY3"/>
-              </a:cxn>
-              <a:cxn ang="0">
-                <a:pos x="connsiteX4" y="connsiteY4"/>
-              </a:cxn>
-              <a:cxn ang="0">
-                <a:pos x="connsiteX5" y="connsiteY5"/>
-              </a:cxn>
-              <a:cxn ang="0">
-                <a:pos x="connsiteX6" y="connsiteY6"/>
-              </a:cxn>
-            </a:cxnLst>
-            <a:rect l="l" t="t" r="r" b="b"/>
-            <a:pathLst>
-              <a:path w="6085370" h="6858000">
-                <a:moveTo>
-                  <a:pt x="0" y="0"/>
-                </a:moveTo>
-                <a:lnTo>
-                  <a:pt x="4875335" y="0"/>
-                </a:lnTo>
-                <a:lnTo>
-                  <a:pt x="4935375" y="69271"/>
-                </a:lnTo>
-                <a:cubicBezTo>
-                  <a:pt x="5645901" y="929100"/>
-                  <a:pt x="6085370" y="2116944"/>
-                  <a:pt x="6085370" y="3429000"/>
-                </a:cubicBezTo>
-                <a:cubicBezTo>
-                  <a:pt x="6085370" y="4741056"/>
-                  <a:pt x="5645901" y="5928900"/>
-                  <a:pt x="4935375" y="6788730"/>
-                </a:cubicBezTo>
-                <a:lnTo>
-                  <a:pt x="4875335" y="6858000"/>
-                </a:lnTo>
-                <a:lnTo>
-                  <a:pt x="0" y="6858000"/>
-                </a:lnTo>
-                <a:close/>
-              </a:path>
-            </a:pathLst>
-          </a:custGeom>
-          <a:ln w="9525">
-            <a:noFill/>
-          </a:ln>
-          <a:effectLst/>
-        </p:spPr>
-        <p:style>
-          <a:lnRef idx="2">
-            <a:schemeClr val="accent1">
-              <a:shade val="50000"/>
-            </a:schemeClr>
-          </a:lnRef>
-          <a:fillRef idx="1">
-            <a:schemeClr val="accent1"/>
-          </a:fillRef>
-          <a:effectRef idx="0">
-            <a:schemeClr val="accent1"/>
-          </a:effectRef>
-          <a:fontRef idx="minor">
-            <a:schemeClr val="lt1"/>
-          </a:fontRef>
-        </p:style>
-        <p:txBody>
-          <a:bodyPr wrap="square" rtlCol="0" anchor="ctr">
-            <a:noAutofit/>
-          </a:bodyPr>
-          <a:lstStyle/>
-          <a:p>
-            <a:pPr marL="0" marR="0" lvl="0" indent="0" algn="ctr" defTabSz="914400" rtl="0" eaLnBrk="1" fontAlgn="auto" latinLnBrk="0" hangingPunct="1">
-              <a:lnSpc>
-                <a:spcPct val="100000"/>
-              </a:lnSpc>
-              <a:spcBef>
-                <a:spcPts val="0"/>
-              </a:spcBef>
-              <a:spcAft>
-                <a:spcPts val="0"/>
-              </a:spcAft>
-              <a:buClrTx/>
-              <a:buSzTx/>
-              <a:buFontTx/>
-              <a:buNone/>
-              <a:tabLst/>
-              <a:defRPr/>
-            </a:pPr>
-            <a:endParaRPr kumimoji="0" lang="en-US" sz="1800" b="0" i="0" u="none" strike="noStrike" kern="1200" cap="none" spc="0" normalizeH="0" baseline="0" noProof="0">
-              <a:ln>
-                <a:noFill/>
-              </a:ln>
-              <a:solidFill>
-                <a:prstClr val="white"/>
-              </a:solidFill>
-              <a:effectLst/>
-              <a:uLnTx/>
-              <a:uFillTx/>
-              <a:latin typeface="Calibri" panose="020F0502020204030204"/>
-              <a:ea typeface="+mn-ea"/>
-              <a:cs typeface="+mn-cs"/>
-            </a:endParaRPr>
-          </a:p>
-        </p:txBody>
-      </p:sp>
-      <p:sp>
-        <p:nvSpPr>
-          <p:cNvPr id="2" name="Title 1">
-            <a:extLst>
-              <a:ext uri="{FF2B5EF4-FFF2-40B4-BE49-F238E27FC236}">
-                <a16:creationId xmlns:a16="http://schemas.microsoft.com/office/drawing/2014/main" id="{C80A9073-F275-4ED0-86BC-B3C7086C33CC}"/>
-              </a:ext>
-            </a:extLst>
-          </p:cNvPr>
-          <p:cNvSpPr>
-            <a:spLocks noGrp="1"/>
-          </p:cNvSpPr>
-          <p:nvPr>
-            <p:ph type="title"/>
-          </p:nvPr>
-        </p:nvSpPr>
-        <p:spPr>
-          <a:xfrm>
-            <a:off x="438913" y="859536"/>
-            <a:ext cx="4832802" cy="1170432"/>
-          </a:xfrm>
-        </p:spPr>
-        <p:txBody>
-          <a:bodyPr vert="horz" lIns="91440" tIns="45720" rIns="91440" bIns="45720" rtlCol="0" anchor="b">
-            <a:normAutofit/>
-          </a:bodyPr>
-          <a:lstStyle/>
-          <a:p>
-            <a:r>
-              <a:rPr lang="en-US" sz="3100"/>
-              <a:t>Annual Fuel Cost (Automatic vs Manual)</a:t>
-            </a:r>
-          </a:p>
-        </p:txBody>
-      </p:sp>
-      <p:sp>
-        <p:nvSpPr>
-          <p:cNvPr id="54" name="Rectangle 53">
-            <a:extLst>
-              <a:ext uri="{FF2B5EF4-FFF2-40B4-BE49-F238E27FC236}">
-                <a16:creationId xmlns:a16="http://schemas.microsoft.com/office/drawing/2014/main" id="{FBEC5A7A-ADE4-48D9-B89C-2BA1C9110632}"/>
-              </a:ext>
-              <a:ext uri="{C183D7F6-B498-43B3-948B-1728B52AA6E4}">
-                <adec:decorative xmlns:adec="http://schemas.microsoft.com/office/drawing/2017/decorative" val="1"/>
-              </a:ext>
-            </a:extLst>
-          </p:cNvPr>
-          <p:cNvSpPr>
-            <a:spLocks noGrp="1" noRot="1" noChangeAspect="1" noMove="1" noResize="1" noEditPoints="1" noAdjustHandles="1" noChangeArrowheads="1" noChangeShapeType="1" noTextEdit="1"/>
-          </p:cNvSpPr>
-          <p:nvPr>
-            <p:extLst>
-              <p:ext uri="{386F3935-93C4-4BCD-93E2-E3B085C9AB24}">
-                <p16:designElem xmlns:p16="http://schemas.microsoft.com/office/powerpoint/2015/main" val="1"/>
-              </p:ext>
-            </p:extLst>
-          </p:nvPr>
-        </p:nvSpPr>
-        <p:spPr>
-          <a:xfrm rot="5400000">
-            <a:off x="703236" y="363389"/>
-            <a:ext cx="73152" cy="548640"/>
-          </a:xfrm>
-          <a:prstGeom prst="rect">
-            <a:avLst/>
-          </a:prstGeom>
-          <a:solidFill>
-            <a:schemeClr val="accent1"/>
-          </a:solidFill>
-          <a:ln>
-            <a:noFill/>
-          </a:ln>
-        </p:spPr>
-        <p:style>
-          <a:lnRef idx="2">
-            <a:schemeClr val="accent1">
-              <a:shade val="50000"/>
-            </a:schemeClr>
-          </a:lnRef>
-          <a:fillRef idx="1">
-            <a:schemeClr val="accent1"/>
-          </a:fillRef>
-          <a:effectRef idx="0">
-            <a:schemeClr val="accent1"/>
-          </a:effectRef>
-          <a:fontRef idx="minor">
-            <a:schemeClr val="lt1"/>
-          </a:fontRef>
-        </p:style>
-        <p:txBody>
-          <a:bodyPr rtlCol="0" anchor="ctr"/>
-          <a:lstStyle/>
-          <a:p>
-            <a:pPr marL="0" marR="0" lvl="0" indent="0" algn="ctr" defTabSz="914400" rtl="0" eaLnBrk="1" fontAlgn="auto" latinLnBrk="0" hangingPunct="1">
-              <a:lnSpc>
-                <a:spcPct val="100000"/>
-              </a:lnSpc>
-              <a:spcBef>
-                <a:spcPts val="0"/>
-              </a:spcBef>
-              <a:spcAft>
-                <a:spcPts val="0"/>
-              </a:spcAft>
-              <a:buClrTx/>
-              <a:buSzTx/>
-              <a:buFontTx/>
-              <a:buNone/>
-              <a:tabLst/>
-              <a:defRPr/>
-            </a:pPr>
-            <a:endParaRPr kumimoji="0" lang="en-US" sz="1800" b="0" i="0" u="none" strike="noStrike" kern="1200" cap="none" spc="0" normalizeH="0" baseline="0" noProof="0">
-              <a:ln>
-                <a:noFill/>
-              </a:ln>
-              <a:solidFill>
-                <a:prstClr val="white"/>
-              </a:solidFill>
-              <a:effectLst/>
-              <a:uLnTx/>
-              <a:uFillTx/>
-              <a:latin typeface="Calibri" panose="020F0502020204030204"/>
-              <a:ea typeface="+mn-ea"/>
-              <a:cs typeface="+mn-cs"/>
-            </a:endParaRPr>
-          </a:p>
-        </p:txBody>
-      </p:sp>
-      <p:sp>
-        <p:nvSpPr>
-          <p:cNvPr id="56" name="Rectangle 55">
-            <a:extLst>
-              <a:ext uri="{FF2B5EF4-FFF2-40B4-BE49-F238E27FC236}">
-                <a16:creationId xmlns:a16="http://schemas.microsoft.com/office/drawing/2014/main" id="{82095FCE-EF05-4443-B97A-85DEE3A5CA17}"/>
-              </a:ext>
-              <a:ext uri="{C183D7F6-B498-43B3-948B-1728B52AA6E4}">
-                <adec:decorative xmlns:adec="http://schemas.microsoft.com/office/drawing/2017/decorative" val="1"/>
-              </a:ext>
-            </a:extLst>
-          </p:cNvPr>
-          <p:cNvSpPr>
-            <a:spLocks noGrp="1" noRot="1" noChangeAspect="1" noMove="1" noResize="1" noEditPoints="1" noAdjustHandles="1" noChangeArrowheads="1" noChangeShapeType="1" noTextEdit="1"/>
-          </p:cNvSpPr>
-          <p:nvPr>
-            <p:extLst>
-              <p:ext uri="{386F3935-93C4-4BCD-93E2-E3B085C9AB24}">
-                <p16:designElem xmlns:p16="http://schemas.microsoft.com/office/powerpoint/2015/main" val="1"/>
-              </p:ext>
-            </p:extLst>
-          </p:nvPr>
-        </p:nvSpPr>
-        <p:spPr>
-          <a:xfrm>
-            <a:off x="465492" y="2185062"/>
-            <a:ext cx="4937760" cy="18288"/>
-          </a:xfrm>
-          <a:prstGeom prst="rect">
-            <a:avLst/>
-          </a:prstGeom>
-          <a:solidFill>
-            <a:schemeClr val="tx2">
-              <a:lumMod val="25000"/>
-              <a:lumOff val="75000"/>
-            </a:schemeClr>
-          </a:solidFill>
-          <a:ln w="3175">
-            <a:noFill/>
-          </a:ln>
-          <a:effectLst/>
-        </p:spPr>
-        <p:style>
-          <a:lnRef idx="2">
-            <a:schemeClr val="accent1">
-              <a:shade val="50000"/>
-            </a:schemeClr>
-          </a:lnRef>
-          <a:fillRef idx="1">
-            <a:schemeClr val="accent1"/>
-          </a:fillRef>
-          <a:effectRef idx="0">
-            <a:schemeClr val="accent1"/>
-          </a:effectRef>
-          <a:fontRef idx="minor">
-            <a:schemeClr val="lt1"/>
-          </a:fontRef>
-        </p:style>
-        <p:txBody>
-          <a:bodyPr rtlCol="0" anchor="ctr"/>
-          <a:lstStyle/>
-          <a:p>
-            <a:pPr marL="0" marR="0" lvl="0" indent="0" algn="ctr" defTabSz="914400" rtl="0" eaLnBrk="1" fontAlgn="auto" latinLnBrk="0" hangingPunct="1">
-              <a:lnSpc>
-                <a:spcPct val="100000"/>
-              </a:lnSpc>
-              <a:spcBef>
-                <a:spcPts val="0"/>
-              </a:spcBef>
-              <a:spcAft>
-                <a:spcPts val="0"/>
-              </a:spcAft>
-              <a:buClrTx/>
-              <a:buSzTx/>
-              <a:buFontTx/>
-              <a:buNone/>
-              <a:tabLst/>
-              <a:defRPr/>
-            </a:pPr>
-            <a:endParaRPr kumimoji="0" lang="en-US" sz="1800" b="0" i="0" u="none" strike="noStrike" kern="1200" cap="none" spc="0" normalizeH="0" baseline="0" noProof="0">
-              <a:ln>
-                <a:noFill/>
-              </a:ln>
-              <a:solidFill>
-                <a:prstClr val="white"/>
-              </a:solidFill>
-              <a:effectLst/>
-              <a:uLnTx/>
-              <a:uFillTx/>
-              <a:latin typeface="Calibri" panose="020F0502020204030204"/>
-              <a:ea typeface="+mn-ea"/>
-              <a:cs typeface="+mn-cs"/>
-            </a:endParaRPr>
-          </a:p>
-        </p:txBody>
-      </p:sp>
-      <p:sp>
-        <p:nvSpPr>
-          <p:cNvPr id="45" name="Content Placeholder 44">
-            <a:extLst>
-              <a:ext uri="{FF2B5EF4-FFF2-40B4-BE49-F238E27FC236}">
-                <a16:creationId xmlns:a16="http://schemas.microsoft.com/office/drawing/2014/main" id="{477D2586-7E43-4D0A-97DA-3E4979D01135}"/>
-              </a:ext>
-            </a:extLst>
-          </p:cNvPr>
-          <p:cNvSpPr>
-            <a:spLocks noGrp="1"/>
-          </p:cNvSpPr>
-          <p:nvPr>
-            <p:ph idx="1"/>
-          </p:nvPr>
-        </p:nvSpPr>
-        <p:spPr>
-          <a:xfrm>
-            <a:off x="438912" y="2512611"/>
-            <a:ext cx="4832803" cy="3664351"/>
-          </a:xfrm>
-        </p:spPr>
-        <p:txBody>
-          <a:bodyPr>
-            <a:normAutofit/>
-          </a:bodyPr>
-          <a:lstStyle/>
-          <a:p>
-            <a:endParaRPr lang="en-US" sz="1800" dirty="0"/>
-          </a:p>
-        </p:txBody>
-      </p:sp>
-      <p:pic>
-        <p:nvPicPr>
-          <p:cNvPr id="4" name="Picture 3" descr="Forest road with vanishing point">
-            <a:extLst>
-              <a:ext uri="{FF2B5EF4-FFF2-40B4-BE49-F238E27FC236}">
-                <a16:creationId xmlns:a16="http://schemas.microsoft.com/office/drawing/2014/main" id="{99B2D53A-5FD6-4E16-8D1A-674E3EE3E9B1}"/>
-              </a:ext>
-            </a:extLst>
-          </p:cNvPr>
-          <p:cNvPicPr>
-            <a:picLocks noChangeAspect="1"/>
-          </p:cNvPicPr>
-          <p:nvPr/>
-        </p:nvPicPr>
-        <p:blipFill rotWithShape="1">
-          <a:blip r:embed="rId2"/>
-          <a:srcRect l="390" r="15237" b="-1"/>
-          <a:stretch/>
-        </p:blipFill>
-        <p:spPr>
-          <a:xfrm>
-            <a:off x="7456014" y="517600"/>
-            <a:ext cx="3467411" cy="2743200"/>
-          </a:xfrm>
-          <a:prstGeom prst="rect">
-            <a:avLst/>
-          </a:prstGeom>
-        </p:spPr>
-      </p:pic>
-      <p:pic>
-        <p:nvPicPr>
-          <p:cNvPr id="6" name="Content Placeholder 5" descr="Scatter chart&#10;&#10;Description automatically generated">
-            <a:extLst>
-              <a:ext uri="{FF2B5EF4-FFF2-40B4-BE49-F238E27FC236}">
-                <a16:creationId xmlns:a16="http://schemas.microsoft.com/office/drawing/2014/main" id="{8E79EAEB-BA95-4ABC-A86B-382012800F7A}"/>
-              </a:ext>
-            </a:extLst>
-          </p:cNvPr>
-          <p:cNvPicPr>
-            <a:picLocks noChangeAspect="1"/>
-          </p:cNvPicPr>
-          <p:nvPr/>
-        </p:nvPicPr>
-        <p:blipFill>
-          <a:blip r:embed="rId3">
-            <a:extLst>
-              <a:ext uri="{28A0092B-C50C-407E-A947-70E740481C1C}">
-                <a14:useLocalDpi xmlns:a14="http://schemas.microsoft.com/office/drawing/2010/main" val="0"/>
-              </a:ext>
-            </a:extLst>
-          </a:blip>
-          <a:stretch>
-            <a:fillRect/>
-          </a:stretch>
-        </p:blipFill>
-        <p:spPr>
-          <a:xfrm>
-            <a:off x="6915233" y="3429000"/>
-            <a:ext cx="4548974" cy="2743200"/>
-          </a:xfrm>
-          <a:prstGeom prst="rect">
-            <a:avLst/>
-          </a:prstGeom>
-        </p:spPr>
-      </p:pic>
-    </p:spTree>
-    <p:extLst>
-      <p:ext uri="{BB962C8B-B14F-4D97-AF65-F5344CB8AC3E}">
-        <p14:creationId xmlns:p14="http://schemas.microsoft.com/office/powerpoint/2010/main" val="340925516"/>
       </p:ext>
     </p:extLst>
   </p:cSld>

--- a/presentation.pptx
+++ b/presentation.pptx
@@ -2657,7 +2657,7 @@
           <a:p>
             <a:fld id="{02AC24A9-CCB6-4F8D-B8DB-C2F3692CFA5A}" type="datetimeFigureOut">
               <a:rPr lang="en-US" smtClean="0"/>
-              <a:t>2/24/2021</a:t>
+              <a:t>2/25/2021</a:t>
             </a:fld>
             <a:endParaRPr lang="en-US" dirty="0"/>
           </a:p>
@@ -3027,7 +3027,7 @@
           <a:p>
             <a:fld id="{02AC24A9-CCB6-4F8D-B8DB-C2F3692CFA5A}" type="datetimeFigureOut">
               <a:rPr lang="en-US" smtClean="0"/>
-              <a:t>2/24/2021</a:t>
+              <a:t>2/25/2021</a:t>
             </a:fld>
             <a:endParaRPr lang="en-US"/>
           </a:p>
@@ -3236,7 +3236,7 @@
           <a:p>
             <a:fld id="{02AC24A9-CCB6-4F8D-B8DB-C2F3692CFA5A}" type="datetimeFigureOut">
               <a:rPr lang="en-US" smtClean="0"/>
-              <a:t>2/24/2021</a:t>
+              <a:t>2/25/2021</a:t>
             </a:fld>
             <a:endParaRPr lang="en-US"/>
           </a:p>
@@ -3706,7 +3706,7 @@
           <a:p>
             <a:fld id="{02AC24A9-CCB6-4F8D-B8DB-C2F3692CFA5A}" type="datetimeFigureOut">
               <a:rPr lang="en-US" smtClean="0"/>
-              <a:t>2/24/2021</a:t>
+              <a:t>2/25/2021</a:t>
             </a:fld>
             <a:endParaRPr lang="en-US"/>
           </a:p>
@@ -4160,7 +4160,7 @@
           <a:p>
             <a:fld id="{02AC24A9-CCB6-4F8D-B8DB-C2F3692CFA5A}" type="datetimeFigureOut">
               <a:rPr lang="en-US" smtClean="0"/>
-              <a:t>2/24/2021</a:t>
+              <a:t>2/25/2021</a:t>
             </a:fld>
             <a:endParaRPr lang="en-US"/>
           </a:p>
@@ -4692,7 +4692,7 @@
           <a:p>
             <a:fld id="{02AC24A9-CCB6-4F8D-B8DB-C2F3692CFA5A}" type="datetimeFigureOut">
               <a:rPr lang="en-US" smtClean="0"/>
-              <a:t>2/24/2021</a:t>
+              <a:t>2/25/2021</a:t>
             </a:fld>
             <a:endParaRPr lang="en-US"/>
           </a:p>
@@ -5391,7 +5391,7 @@
           <a:p>
             <a:fld id="{02AC24A9-CCB6-4F8D-B8DB-C2F3692CFA5A}" type="datetimeFigureOut">
               <a:rPr lang="en-US" smtClean="0"/>
-              <a:t>2/24/2021</a:t>
+              <a:t>2/25/2021</a:t>
             </a:fld>
             <a:endParaRPr lang="en-US"/>
           </a:p>
@@ -5720,7 +5720,7 @@
           <a:p>
             <a:fld id="{02AC24A9-CCB6-4F8D-B8DB-C2F3692CFA5A}" type="datetimeFigureOut">
               <a:rPr lang="en-US" smtClean="0"/>
-              <a:t>2/24/2021</a:t>
+              <a:t>2/25/2021</a:t>
             </a:fld>
             <a:endParaRPr lang="en-US"/>
           </a:p>
@@ -5833,7 +5833,7 @@
           <a:p>
             <a:fld id="{02AC24A9-CCB6-4F8D-B8DB-C2F3692CFA5A}" type="datetimeFigureOut">
               <a:rPr lang="en-US" smtClean="0"/>
-              <a:t>2/24/2021</a:t>
+              <a:t>2/25/2021</a:t>
             </a:fld>
             <a:endParaRPr lang="en-US"/>
           </a:p>
@@ -6328,7 +6328,7 @@
           <a:p>
             <a:fld id="{02AC24A9-CCB6-4F8D-B8DB-C2F3692CFA5A}" type="datetimeFigureOut">
               <a:rPr lang="en-US" smtClean="0"/>
-              <a:t>2/24/2021</a:t>
+              <a:t>2/25/2021</a:t>
             </a:fld>
             <a:endParaRPr lang="en-US" dirty="0"/>
           </a:p>
@@ -6805,7 +6805,7 @@
           <a:p>
             <a:fld id="{02AC24A9-CCB6-4F8D-B8DB-C2F3692CFA5A}" type="datetimeFigureOut">
               <a:rPr lang="en-US" smtClean="0"/>
-              <a:t>2/24/2021</a:t>
+              <a:t>2/25/2021</a:t>
             </a:fld>
             <a:endParaRPr lang="en-US"/>
           </a:p>
@@ -7048,7 +7048,7 @@
           <a:p>
             <a:fld id="{02AC24A9-CCB6-4F8D-B8DB-C2F3692CFA5A}" type="datetimeFigureOut">
               <a:rPr lang="en-US" smtClean="0"/>
-              <a:t>2/24/2021</a:t>
+              <a:t>2/25/2021</a:t>
             </a:fld>
             <a:endParaRPr lang="en-US"/>
           </a:p>
@@ -9219,7 +9219,7 @@
         </p:blipFill>
         <p:spPr>
           <a:xfrm>
-            <a:off x="9069355" y="3693023"/>
+            <a:off x="9055515" y="2676139"/>
             <a:ext cx="2666348" cy="1926396"/>
           </a:xfrm>
           <a:prstGeom prst="rect">
@@ -9227,6 +9227,62 @@
           </a:prstGeom>
         </p:spPr>
       </p:pic>
+      <p:sp>
+        <p:nvSpPr>
+          <p:cNvPr id="3" name="TextBox 2">
+            <a:extLst>
+              <a:ext uri="{FF2B5EF4-FFF2-40B4-BE49-F238E27FC236}">
+                <a16:creationId xmlns:a16="http://schemas.microsoft.com/office/drawing/2014/main" id="{B11EC24E-41F7-41B6-B401-39B851D8BB46}"/>
+              </a:ext>
+            </a:extLst>
+          </p:cNvPr>
+          <p:cNvSpPr txBox="1"/>
+          <p:nvPr/>
+        </p:nvSpPr>
+        <p:spPr>
+          <a:xfrm>
+            <a:off x="6702641" y="4704583"/>
+            <a:ext cx="5282213" cy="1477328"/>
+          </a:xfrm>
+          <a:prstGeom prst="rect">
+            <a:avLst/>
+          </a:prstGeom>
+          <a:noFill/>
+        </p:spPr>
+        <p:txBody>
+          <a:bodyPr wrap="square" rtlCol="0">
+            <a:spAutoFit/>
+          </a:bodyPr>
+          <a:lstStyle/>
+          <a:p>
+            <a:r>
+              <a:rPr lang="en-US" dirty="0"/>
+              <a:t>Average Fuel Costs:</a:t>
+            </a:r>
+          </a:p>
+          <a:p>
+            <a:endParaRPr lang="en-US" dirty="0"/>
+          </a:p>
+          <a:p>
+            <a:r>
+              <a:rPr lang="en-US" dirty="0"/>
+              <a:t>Front-wheel: $1317.10</a:t>
+            </a:r>
+          </a:p>
+          <a:p>
+            <a:r>
+              <a:rPr lang="en-US" dirty="0"/>
+              <a:t>All-wheel: $1866.70</a:t>
+            </a:r>
+          </a:p>
+          <a:p>
+            <a:r>
+              <a:rPr lang="en-US" dirty="0"/>
+              <a:t>Rear-wheel: $2015.64</a:t>
+            </a:r>
+          </a:p>
+        </p:txBody>
+      </p:sp>
     </p:spTree>
     <p:extLst>
       <p:ext uri="{BB962C8B-B14F-4D97-AF65-F5344CB8AC3E}">
@@ -9746,14 +9802,70 @@
         </p:blipFill>
         <p:spPr>
           <a:xfrm>
-            <a:off x="8666479" y="2900680"/>
-            <a:ext cx="3390659" cy="2788920"/>
+            <a:off x="9321720" y="2900680"/>
+            <a:ext cx="2540109" cy="2089317"/>
           </a:xfrm>
           <a:prstGeom prst="rect">
             <a:avLst/>
           </a:prstGeom>
         </p:spPr>
       </p:pic>
+      <p:sp>
+        <p:nvSpPr>
+          <p:cNvPr id="3" name="TextBox 2">
+            <a:extLst>
+              <a:ext uri="{FF2B5EF4-FFF2-40B4-BE49-F238E27FC236}">
+                <a16:creationId xmlns:a16="http://schemas.microsoft.com/office/drawing/2014/main" id="{1C532447-948A-4AC1-BDF0-549E7FBAC10C}"/>
+              </a:ext>
+            </a:extLst>
+          </p:cNvPr>
+          <p:cNvSpPr txBox="1"/>
+          <p:nvPr/>
+        </p:nvSpPr>
+        <p:spPr>
+          <a:xfrm>
+            <a:off x="6409678" y="4403559"/>
+            <a:ext cx="2681056" cy="1477328"/>
+          </a:xfrm>
+          <a:prstGeom prst="rect">
+            <a:avLst/>
+          </a:prstGeom>
+          <a:noFill/>
+        </p:spPr>
+        <p:txBody>
+          <a:bodyPr wrap="square" rtlCol="0">
+            <a:spAutoFit/>
+          </a:bodyPr>
+          <a:lstStyle/>
+          <a:p>
+            <a:r>
+              <a:rPr lang="en-US" dirty="0"/>
+              <a:t>Average Fuel Costs:</a:t>
+            </a:r>
+          </a:p>
+          <a:p>
+            <a:endParaRPr lang="en-US" dirty="0"/>
+          </a:p>
+          <a:p>
+            <a:r>
+              <a:rPr lang="en-US" dirty="0"/>
+              <a:t>Regular: $1509.46</a:t>
+            </a:r>
+          </a:p>
+          <a:p>
+            <a:r>
+              <a:rPr lang="en-US" dirty="0"/>
+              <a:t>Midgrade: $2096.15</a:t>
+            </a:r>
+          </a:p>
+          <a:p>
+            <a:r>
+              <a:rPr lang="en-US" dirty="0"/>
+              <a:t>Premium: $2027.56</a:t>
+            </a:r>
+          </a:p>
+        </p:txBody>
+      </p:sp>
     </p:spTree>
     <p:extLst>
       <p:ext uri="{BB962C8B-B14F-4D97-AF65-F5344CB8AC3E}">
@@ -10211,7 +10323,7 @@
               </a:lnSpc>
             </a:pPr>
             <a:r>
-              <a:rPr lang="en-US" sz="1100"/>
+              <a:rPr lang="en-US" sz="1100" dirty="0"/>
               <a:t>Miles per gallon has played a role in decreasing fuel costs each year. Manufacturers are really focusing on raising the mileage to push back on the rising gasoline prices.</a:t>
             </a:r>
           </a:p>
@@ -10222,7 +10334,7 @@
               </a:lnSpc>
             </a:pPr>
             <a:r>
-              <a:rPr lang="en-US" sz="1100"/>
+              <a:rPr lang="en-US" sz="1100" dirty="0"/>
               <a:t>Standard class vehicles do show signed of stronger fuel efficiency than performance class vehicles. The Toyota’s miles per gallon were consistently higher each year than Porsche’s.</a:t>
             </a:r>
           </a:p>
@@ -10233,7 +10345,7 @@
               </a:lnSpc>
             </a:pPr>
             <a:r>
-              <a:rPr lang="en-US" sz="1100"/>
+              <a:rPr lang="en-US" sz="1100" dirty="0"/>
               <a:t>Manual transmission vehicles were typically on par and on occasion lower costing than automatic transmission vehicles. The volume of automatic transmission vehicles vastly outnumber the manual transmission vehicles. </a:t>
             </a:r>
           </a:p>
@@ -10244,7 +10356,7 @@
               </a:lnSpc>
             </a:pPr>
             <a:r>
-              <a:rPr lang="en-US" sz="1100"/>
+              <a:rPr lang="en-US" sz="1100" dirty="0"/>
               <a:t>Front-wheel, rear-wheel, and all-wheel vehicles did show similar fuel costs in 2017 with front-wheel showing the trend of lower costs than the other 2 options.</a:t>
             </a:r>
           </a:p>
@@ -10255,7 +10367,7 @@
               </a:lnSpc>
             </a:pPr>
             <a:r>
-              <a:rPr lang="en-US" sz="1100"/>
+              <a:rPr lang="en-US" sz="1100" dirty="0"/>
               <a:t>Midgrade gasoline did not show a lot of data in 2017, but also didn’t show any type of trend that would lead to a conclusion that it was more cost-effective than the other 2 options. Regular gasoline typically had lower fuel costs, but premium gasoline also showed all their vehicles were not high in price.</a:t>
             </a:r>
           </a:p>
